--- a/Documentation/DiagramPresentation.pptx
+++ b/Documentation/DiagramPresentation.pptx
@@ -11,6 +11,13 @@
     <p:sldId id="259" r:id="rId5"/>
     <p:sldId id="260" r:id="rId6"/>
     <p:sldId id="261" r:id="rId7"/>
+    <p:sldId id="266" r:id="rId8"/>
+    <p:sldId id="262" r:id="rId9"/>
+    <p:sldId id="263" r:id="rId10"/>
+    <p:sldId id="267" r:id="rId11"/>
+    <p:sldId id="268" r:id="rId12"/>
+    <p:sldId id="265" r:id="rId13"/>
+    <p:sldId id="264" r:id="rId14"/>
   </p:sldIdLst>
   <p:sldSz cx="12192000" cy="6858000"/>
   <p:notesSz cx="6858000" cy="9144000"/>
@@ -4603,6 +4610,923 @@
 </p:sld>
 </file>
 
+<file path=ppt/slides/slide10.xml><?xml version="1.0" encoding="utf-8"?>
+<p:sld xmlns:a="http://schemas.openxmlformats.org/drawingml/2006/main" xmlns:r="http://schemas.openxmlformats.org/officeDocument/2006/relationships" xmlns:p="http://schemas.openxmlformats.org/presentationml/2006/main">
+  <p:cSld>
+    <p:spTree>
+      <p:nvGrpSpPr>
+        <p:cNvPr id="1" name="">
+          <a:extLst>
+            <a:ext uri="{FF2B5EF4-FFF2-40B4-BE49-F238E27FC236}">
+              <a16:creationId xmlns:a16="http://schemas.microsoft.com/office/drawing/2014/main" id="{FDA1F741-DBB6-67C7-2DAF-D2F48FFE9181}"/>
+            </a:ext>
+          </a:extLst>
+        </p:cNvPr>
+        <p:cNvGrpSpPr/>
+        <p:nvPr/>
+      </p:nvGrpSpPr>
+      <p:grpSpPr>
+        <a:xfrm>
+          <a:off x="0" y="0"/>
+          <a:ext cx="0" cy="0"/>
+          <a:chOff x="0" y="0"/>
+          <a:chExt cx="0" cy="0"/>
+        </a:xfrm>
+      </p:grpSpPr>
+      <p:pic>
+        <p:nvPicPr>
+          <p:cNvPr id="3" name="Picture 2" descr="A white background with black text&#10;&#10;Description automatically generated">
+            <a:extLst>
+              <a:ext uri="{FF2B5EF4-FFF2-40B4-BE49-F238E27FC236}">
+                <a16:creationId xmlns:a16="http://schemas.microsoft.com/office/drawing/2014/main" id="{E1AFB45C-EEB8-EFE8-322B-FEA5D65E793E}"/>
+              </a:ext>
+            </a:extLst>
+          </p:cNvPr>
+          <p:cNvPicPr>
+            <a:picLocks noChangeAspect="1"/>
+          </p:cNvPicPr>
+          <p:nvPr/>
+        </p:nvPicPr>
+        <p:blipFill rotWithShape="1">
+          <a:blip r:embed="rId2">
+            <a:extLst>
+              <a:ext uri="{28A0092B-C50C-407E-A947-70E740481C1C}">
+                <a14:useLocalDpi xmlns:a14="http://schemas.microsoft.com/office/drawing/2010/main" val="0"/>
+              </a:ext>
+            </a:extLst>
+          </a:blip>
+          <a:srcRect l="44049" t="33600" r="-2343" b="-30190"/>
+          <a:stretch/>
+        </p:blipFill>
+        <p:spPr>
+          <a:xfrm>
+            <a:off x="3049730" y="0"/>
+            <a:ext cx="9708143" cy="8499226"/>
+          </a:xfrm>
+          <a:prstGeom prst="rect">
+            <a:avLst/>
+          </a:prstGeom>
+          <a:effectLst>
+            <a:softEdge rad="177800"/>
+          </a:effectLst>
+        </p:spPr>
+      </p:pic>
+      <p:sp>
+        <p:nvSpPr>
+          <p:cNvPr id="2" name="Text Placeholder 3">
+            <a:extLst>
+              <a:ext uri="{FF2B5EF4-FFF2-40B4-BE49-F238E27FC236}">
+                <a16:creationId xmlns:a16="http://schemas.microsoft.com/office/drawing/2014/main" id="{7FE01F00-167A-91D2-3753-5C4DC6402C5E}"/>
+              </a:ext>
+            </a:extLst>
+          </p:cNvPr>
+          <p:cNvSpPr txBox="1">
+            <a:spLocks/>
+          </p:cNvSpPr>
+          <p:nvPr/>
+        </p:nvSpPr>
+        <p:spPr>
+          <a:xfrm>
+            <a:off x="606552" y="1280160"/>
+            <a:ext cx="2443178" cy="4846320"/>
+          </a:xfrm>
+          <a:prstGeom prst="rect">
+            <a:avLst/>
+          </a:prstGeom>
+        </p:spPr>
+        <p:txBody>
+          <a:bodyPr/>
+          <a:lstStyle>
+            <a:lvl1pPr marL="0" indent="0" algn="l" defTabSz="914400" rtl="0" eaLnBrk="1" latinLnBrk="0" hangingPunct="1">
+              <a:lnSpc>
+                <a:spcPct val="100000"/>
+              </a:lnSpc>
+              <a:spcBef>
+                <a:spcPts val="1000"/>
+              </a:spcBef>
+              <a:buFont typeface="Arial" panose="020B0604020202020204" pitchFamily="34" charset="0"/>
+              <a:buNone/>
+              <a:defRPr sz="2400" kern="1200">
+                <a:solidFill>
+                  <a:schemeClr val="tx1"/>
+                </a:solidFill>
+                <a:latin typeface="+mn-lt"/>
+                <a:ea typeface="+mn-ea"/>
+                <a:cs typeface="+mn-cs"/>
+              </a:defRPr>
+            </a:lvl1pPr>
+            <a:lvl2pPr marL="685800" indent="-228600" algn="l" defTabSz="914400" rtl="0" eaLnBrk="1" latinLnBrk="0" hangingPunct="1">
+              <a:lnSpc>
+                <a:spcPct val="100000"/>
+              </a:lnSpc>
+              <a:spcBef>
+                <a:spcPts val="500"/>
+              </a:spcBef>
+              <a:buFont typeface="Arial" panose="020B0604020202020204" pitchFamily="34" charset="0"/>
+              <a:buChar char="•"/>
+              <a:defRPr sz="2000" kern="1200">
+                <a:solidFill>
+                  <a:schemeClr val="tx1"/>
+                </a:solidFill>
+                <a:latin typeface="+mn-lt"/>
+                <a:ea typeface="+mn-ea"/>
+                <a:cs typeface="+mn-cs"/>
+              </a:defRPr>
+            </a:lvl2pPr>
+            <a:lvl3pPr marL="914400" indent="0" algn="l" defTabSz="914400" rtl="0" eaLnBrk="1" latinLnBrk="0" hangingPunct="1">
+              <a:lnSpc>
+                <a:spcPct val="100000"/>
+              </a:lnSpc>
+              <a:spcBef>
+                <a:spcPts val="500"/>
+              </a:spcBef>
+              <a:buFont typeface="Arial" panose="020B0604020202020204" pitchFamily="34" charset="0"/>
+              <a:buNone/>
+              <a:defRPr sz="2000" kern="1200">
+                <a:solidFill>
+                  <a:schemeClr val="tx1"/>
+                </a:solidFill>
+                <a:latin typeface="+mn-lt"/>
+                <a:ea typeface="+mn-ea"/>
+                <a:cs typeface="+mn-cs"/>
+              </a:defRPr>
+            </a:lvl3pPr>
+            <a:lvl4pPr marL="1600200" indent="-228600" algn="l" defTabSz="914400" rtl="0" eaLnBrk="1" latinLnBrk="0" hangingPunct="1">
+              <a:lnSpc>
+                <a:spcPct val="100000"/>
+              </a:lnSpc>
+              <a:spcBef>
+                <a:spcPts val="500"/>
+              </a:spcBef>
+              <a:buFont typeface="Arial" panose="020B0604020202020204" pitchFamily="34" charset="0"/>
+              <a:buChar char="•"/>
+              <a:defRPr sz="1800" kern="1200">
+                <a:solidFill>
+                  <a:schemeClr val="tx1"/>
+                </a:solidFill>
+                <a:latin typeface="+mn-lt"/>
+                <a:ea typeface="+mn-ea"/>
+                <a:cs typeface="+mn-cs"/>
+              </a:defRPr>
+            </a:lvl4pPr>
+            <a:lvl5pPr marL="1828800" indent="0" algn="l" defTabSz="914400" rtl="0" eaLnBrk="1" latinLnBrk="0" hangingPunct="1">
+              <a:lnSpc>
+                <a:spcPct val="100000"/>
+              </a:lnSpc>
+              <a:spcBef>
+                <a:spcPts val="500"/>
+              </a:spcBef>
+              <a:buFont typeface="Arial" panose="020B0604020202020204" pitchFamily="34" charset="0"/>
+              <a:buNone/>
+              <a:defRPr sz="1800" kern="1200">
+                <a:solidFill>
+                  <a:schemeClr val="tx1"/>
+                </a:solidFill>
+                <a:latin typeface="+mn-lt"/>
+                <a:ea typeface="+mn-ea"/>
+                <a:cs typeface="+mn-cs"/>
+              </a:defRPr>
+            </a:lvl5pPr>
+            <a:lvl6pPr marL="2514600" indent="-228600" algn="l" defTabSz="914400" rtl="0" eaLnBrk="1" latinLnBrk="0" hangingPunct="1">
+              <a:lnSpc>
+                <a:spcPct val="90000"/>
+              </a:lnSpc>
+              <a:spcBef>
+                <a:spcPts val="500"/>
+              </a:spcBef>
+              <a:buFont typeface="Arial" panose="020B0604020202020204" pitchFamily="34" charset="0"/>
+              <a:buChar char="•"/>
+              <a:defRPr sz="1800" kern="1200">
+                <a:solidFill>
+                  <a:schemeClr val="tx1"/>
+                </a:solidFill>
+                <a:latin typeface="+mn-lt"/>
+                <a:ea typeface="+mn-ea"/>
+                <a:cs typeface="+mn-cs"/>
+              </a:defRPr>
+            </a:lvl6pPr>
+            <a:lvl7pPr marL="2971800" indent="-228600" algn="l" defTabSz="914400" rtl="0" eaLnBrk="1" latinLnBrk="0" hangingPunct="1">
+              <a:lnSpc>
+                <a:spcPct val="90000"/>
+              </a:lnSpc>
+              <a:spcBef>
+                <a:spcPts val="500"/>
+              </a:spcBef>
+              <a:buFont typeface="Arial" panose="020B0604020202020204" pitchFamily="34" charset="0"/>
+              <a:buChar char="•"/>
+              <a:defRPr sz="1800" kern="1200">
+                <a:solidFill>
+                  <a:schemeClr val="tx1"/>
+                </a:solidFill>
+                <a:latin typeface="+mn-lt"/>
+                <a:ea typeface="+mn-ea"/>
+                <a:cs typeface="+mn-cs"/>
+              </a:defRPr>
+            </a:lvl7pPr>
+            <a:lvl8pPr marL="3429000" indent="-228600" algn="l" defTabSz="914400" rtl="0" eaLnBrk="1" latinLnBrk="0" hangingPunct="1">
+              <a:lnSpc>
+                <a:spcPct val="90000"/>
+              </a:lnSpc>
+              <a:spcBef>
+                <a:spcPts val="500"/>
+              </a:spcBef>
+              <a:buFont typeface="Arial" panose="020B0604020202020204" pitchFamily="34" charset="0"/>
+              <a:buChar char="•"/>
+              <a:defRPr sz="1800" kern="1200">
+                <a:solidFill>
+                  <a:schemeClr val="tx1"/>
+                </a:solidFill>
+                <a:latin typeface="+mn-lt"/>
+                <a:ea typeface="+mn-ea"/>
+                <a:cs typeface="+mn-cs"/>
+              </a:defRPr>
+            </a:lvl8pPr>
+            <a:lvl9pPr marL="3886200" indent="-228600" algn="l" defTabSz="914400" rtl="0" eaLnBrk="1" latinLnBrk="0" hangingPunct="1">
+              <a:lnSpc>
+                <a:spcPct val="90000"/>
+              </a:lnSpc>
+              <a:spcBef>
+                <a:spcPts val="500"/>
+              </a:spcBef>
+              <a:buFont typeface="Arial" panose="020B0604020202020204" pitchFamily="34" charset="0"/>
+              <a:buChar char="•"/>
+              <a:defRPr sz="1800" kern="1200">
+                <a:solidFill>
+                  <a:schemeClr val="tx1"/>
+                </a:solidFill>
+                <a:latin typeface="+mn-lt"/>
+                <a:ea typeface="+mn-ea"/>
+                <a:cs typeface="+mn-cs"/>
+              </a:defRPr>
+            </a:lvl9pPr>
+          </a:lstStyle>
+          <a:p>
+            <a:r>
+              <a:rPr lang="en-US" dirty="0" err="1"/>
+              <a:t>TaskList</a:t>
+            </a:r>
+            <a:endParaRPr lang="en-US" dirty="0"/>
+          </a:p>
+          <a:p>
+            <a:pPr marL="342900" indent="-342900">
+              <a:buFont typeface="Arial" panose="020B0604020202020204" pitchFamily="34" charset="0"/>
+              <a:buChar char="•"/>
+            </a:pPr>
+            <a:r>
+              <a:rPr lang="en-US" dirty="0" err="1"/>
+              <a:t>taskList</a:t>
+            </a:r>
+            <a:endParaRPr lang="en-US" dirty="0"/>
+          </a:p>
+          <a:p>
+            <a:pPr marL="342900" indent="-342900">
+              <a:buFont typeface="Arial" panose="020B0604020202020204" pitchFamily="34" charset="0"/>
+              <a:buChar char="•"/>
+            </a:pPr>
+            <a:r>
+              <a:rPr lang="en-US" dirty="0"/>
+              <a:t>Task</a:t>
+            </a:r>
+          </a:p>
+          <a:p>
+            <a:pPr marL="342900" indent="-342900">
+              <a:buFont typeface="Arial" panose="020B0604020202020204" pitchFamily="34" charset="0"/>
+              <a:buChar char="•"/>
+            </a:pPr>
+            <a:r>
+              <a:rPr lang="en-US" dirty="0" err="1"/>
+              <a:t>SubTask</a:t>
+            </a:r>
+            <a:endParaRPr lang="en-US" dirty="0"/>
+          </a:p>
+          <a:p>
+            <a:pPr marL="342900" indent="-342900">
+              <a:buFont typeface="Arial" panose="020B0604020202020204" pitchFamily="34" charset="0"/>
+              <a:buChar char="•"/>
+            </a:pPr>
+            <a:r>
+              <a:rPr lang="en-US" dirty="0"/>
+              <a:t>Automatic ordering</a:t>
+            </a:r>
+          </a:p>
+        </p:txBody>
+      </p:sp>
+      <p:sp>
+        <p:nvSpPr>
+          <p:cNvPr id="4" name="Title 1">
+            <a:extLst>
+              <a:ext uri="{FF2B5EF4-FFF2-40B4-BE49-F238E27FC236}">
+                <a16:creationId xmlns:a16="http://schemas.microsoft.com/office/drawing/2014/main" id="{5512A021-0025-7751-38A1-DDF13E612D69}"/>
+              </a:ext>
+            </a:extLst>
+          </p:cNvPr>
+          <p:cNvSpPr txBox="1">
+            <a:spLocks/>
+          </p:cNvSpPr>
+          <p:nvPr/>
+        </p:nvSpPr>
+        <p:spPr>
+          <a:xfrm>
+            <a:off x="515112" y="480567"/>
+            <a:ext cx="4287393" cy="2450593"/>
+          </a:xfrm>
+          <a:prstGeom prst="rect">
+            <a:avLst/>
+          </a:prstGeom>
+        </p:spPr>
+        <p:txBody>
+          <a:bodyPr/>
+          <a:lstStyle>
+            <a:lvl1pPr algn="l" defTabSz="914400" rtl="0" eaLnBrk="1" latinLnBrk="0" hangingPunct="1">
+              <a:lnSpc>
+                <a:spcPct val="100000"/>
+              </a:lnSpc>
+              <a:spcBef>
+                <a:spcPct val="0"/>
+              </a:spcBef>
+              <a:buNone/>
+              <a:defRPr sz="6600" kern="1200">
+                <a:solidFill>
+                  <a:schemeClr val="tx1"/>
+                </a:solidFill>
+                <a:latin typeface="+mj-lt"/>
+                <a:ea typeface="+mj-ea"/>
+                <a:cs typeface="+mj-cs"/>
+              </a:defRPr>
+            </a:lvl1pPr>
+          </a:lstStyle>
+          <a:p>
+            <a:r>
+              <a:rPr lang="en-US" sz="3000" dirty="0"/>
+              <a:t>Component Diagram</a:t>
+            </a:r>
+          </a:p>
+        </p:txBody>
+      </p:sp>
+    </p:spTree>
+    <p:extLst>
+      <p:ext uri="{BB962C8B-B14F-4D97-AF65-F5344CB8AC3E}">
+        <p14:creationId xmlns:p14="http://schemas.microsoft.com/office/powerpoint/2010/main" val="3266450277"/>
+      </p:ext>
+    </p:extLst>
+  </p:cSld>
+  <p:clrMapOvr>
+    <a:masterClrMapping/>
+  </p:clrMapOvr>
+</p:sld>
+</file>
+
+<file path=ppt/slides/slide11.xml><?xml version="1.0" encoding="utf-8"?>
+<p:sld xmlns:a="http://schemas.openxmlformats.org/drawingml/2006/main" xmlns:r="http://schemas.openxmlformats.org/officeDocument/2006/relationships" xmlns:p="http://schemas.openxmlformats.org/presentationml/2006/main">
+  <p:cSld>
+    <p:spTree>
+      <p:nvGrpSpPr>
+        <p:cNvPr id="1" name="">
+          <a:extLst>
+            <a:ext uri="{FF2B5EF4-FFF2-40B4-BE49-F238E27FC236}">
+              <a16:creationId xmlns:a16="http://schemas.microsoft.com/office/drawing/2014/main" id="{E8E13915-A0B4-CCD3-1518-DEC7E3622625}"/>
+            </a:ext>
+          </a:extLst>
+        </p:cNvPr>
+        <p:cNvGrpSpPr/>
+        <p:nvPr/>
+      </p:nvGrpSpPr>
+      <p:grpSpPr>
+        <a:xfrm>
+          <a:off x="0" y="0"/>
+          <a:ext cx="0" cy="0"/>
+          <a:chOff x="0" y="0"/>
+          <a:chExt cx="0" cy="0"/>
+        </a:xfrm>
+      </p:grpSpPr>
+      <p:pic>
+        <p:nvPicPr>
+          <p:cNvPr id="3" name="Picture 2" descr="A white background with black text&#10;&#10;Description automatically generated">
+            <a:extLst>
+              <a:ext uri="{FF2B5EF4-FFF2-40B4-BE49-F238E27FC236}">
+                <a16:creationId xmlns:a16="http://schemas.microsoft.com/office/drawing/2014/main" id="{FE0858D8-8202-F540-9841-EE4C1245E90C}"/>
+              </a:ext>
+            </a:extLst>
+          </p:cNvPr>
+          <p:cNvPicPr>
+            <a:picLocks noChangeAspect="1"/>
+          </p:cNvPicPr>
+          <p:nvPr/>
+        </p:nvPicPr>
+        <p:blipFill rotWithShape="1">
+          <a:blip r:embed="rId2">
+            <a:extLst>
+              <a:ext uri="{28A0092B-C50C-407E-A947-70E740481C1C}">
+                <a14:useLocalDpi xmlns:a14="http://schemas.microsoft.com/office/drawing/2010/main" val="0"/>
+              </a:ext>
+            </a:extLst>
+          </a:blip>
+          <a:srcRect l="937" t="74553" r="39856" b="-23167"/>
+          <a:stretch/>
+        </p:blipFill>
+        <p:spPr>
+          <a:xfrm>
+            <a:off x="606552" y="4238560"/>
+            <a:ext cx="9860280" cy="4277746"/>
+          </a:xfrm>
+          <a:prstGeom prst="rect">
+            <a:avLst/>
+          </a:prstGeom>
+          <a:effectLst>
+            <a:softEdge rad="177800"/>
+          </a:effectLst>
+        </p:spPr>
+      </p:pic>
+      <p:sp>
+        <p:nvSpPr>
+          <p:cNvPr id="2" name="Text Placeholder 3">
+            <a:extLst>
+              <a:ext uri="{FF2B5EF4-FFF2-40B4-BE49-F238E27FC236}">
+                <a16:creationId xmlns:a16="http://schemas.microsoft.com/office/drawing/2014/main" id="{600A5869-19A6-C031-7F1D-7707926B8CCF}"/>
+              </a:ext>
+            </a:extLst>
+          </p:cNvPr>
+          <p:cNvSpPr txBox="1">
+            <a:spLocks/>
+          </p:cNvSpPr>
+          <p:nvPr/>
+        </p:nvSpPr>
+        <p:spPr>
+          <a:xfrm>
+            <a:off x="606552" y="1280160"/>
+            <a:ext cx="2443178" cy="4846320"/>
+          </a:xfrm>
+          <a:prstGeom prst="rect">
+            <a:avLst/>
+          </a:prstGeom>
+        </p:spPr>
+        <p:txBody>
+          <a:bodyPr/>
+          <a:lstStyle>
+            <a:lvl1pPr marL="0" indent="0" algn="l" defTabSz="914400" rtl="0" eaLnBrk="1" latinLnBrk="0" hangingPunct="1">
+              <a:lnSpc>
+                <a:spcPct val="100000"/>
+              </a:lnSpc>
+              <a:spcBef>
+                <a:spcPts val="1000"/>
+              </a:spcBef>
+              <a:buFont typeface="Arial" panose="020B0604020202020204" pitchFamily="34" charset="0"/>
+              <a:buNone/>
+              <a:defRPr sz="2400" kern="1200">
+                <a:solidFill>
+                  <a:schemeClr val="tx1"/>
+                </a:solidFill>
+                <a:latin typeface="+mn-lt"/>
+                <a:ea typeface="+mn-ea"/>
+                <a:cs typeface="+mn-cs"/>
+              </a:defRPr>
+            </a:lvl1pPr>
+            <a:lvl2pPr marL="685800" indent="-228600" algn="l" defTabSz="914400" rtl="0" eaLnBrk="1" latinLnBrk="0" hangingPunct="1">
+              <a:lnSpc>
+                <a:spcPct val="100000"/>
+              </a:lnSpc>
+              <a:spcBef>
+                <a:spcPts val="500"/>
+              </a:spcBef>
+              <a:buFont typeface="Arial" panose="020B0604020202020204" pitchFamily="34" charset="0"/>
+              <a:buChar char="•"/>
+              <a:defRPr sz="2000" kern="1200">
+                <a:solidFill>
+                  <a:schemeClr val="tx1"/>
+                </a:solidFill>
+                <a:latin typeface="+mn-lt"/>
+                <a:ea typeface="+mn-ea"/>
+                <a:cs typeface="+mn-cs"/>
+              </a:defRPr>
+            </a:lvl2pPr>
+            <a:lvl3pPr marL="914400" indent="0" algn="l" defTabSz="914400" rtl="0" eaLnBrk="1" latinLnBrk="0" hangingPunct="1">
+              <a:lnSpc>
+                <a:spcPct val="100000"/>
+              </a:lnSpc>
+              <a:spcBef>
+                <a:spcPts val="500"/>
+              </a:spcBef>
+              <a:buFont typeface="Arial" panose="020B0604020202020204" pitchFamily="34" charset="0"/>
+              <a:buNone/>
+              <a:defRPr sz="2000" kern="1200">
+                <a:solidFill>
+                  <a:schemeClr val="tx1"/>
+                </a:solidFill>
+                <a:latin typeface="+mn-lt"/>
+                <a:ea typeface="+mn-ea"/>
+                <a:cs typeface="+mn-cs"/>
+              </a:defRPr>
+            </a:lvl3pPr>
+            <a:lvl4pPr marL="1600200" indent="-228600" algn="l" defTabSz="914400" rtl="0" eaLnBrk="1" latinLnBrk="0" hangingPunct="1">
+              <a:lnSpc>
+                <a:spcPct val="100000"/>
+              </a:lnSpc>
+              <a:spcBef>
+                <a:spcPts val="500"/>
+              </a:spcBef>
+              <a:buFont typeface="Arial" panose="020B0604020202020204" pitchFamily="34" charset="0"/>
+              <a:buChar char="•"/>
+              <a:defRPr sz="1800" kern="1200">
+                <a:solidFill>
+                  <a:schemeClr val="tx1"/>
+                </a:solidFill>
+                <a:latin typeface="+mn-lt"/>
+                <a:ea typeface="+mn-ea"/>
+                <a:cs typeface="+mn-cs"/>
+              </a:defRPr>
+            </a:lvl4pPr>
+            <a:lvl5pPr marL="1828800" indent="0" algn="l" defTabSz="914400" rtl="0" eaLnBrk="1" latinLnBrk="0" hangingPunct="1">
+              <a:lnSpc>
+                <a:spcPct val="100000"/>
+              </a:lnSpc>
+              <a:spcBef>
+                <a:spcPts val="500"/>
+              </a:spcBef>
+              <a:buFont typeface="Arial" panose="020B0604020202020204" pitchFamily="34" charset="0"/>
+              <a:buNone/>
+              <a:defRPr sz="1800" kern="1200">
+                <a:solidFill>
+                  <a:schemeClr val="tx1"/>
+                </a:solidFill>
+                <a:latin typeface="+mn-lt"/>
+                <a:ea typeface="+mn-ea"/>
+                <a:cs typeface="+mn-cs"/>
+              </a:defRPr>
+            </a:lvl5pPr>
+            <a:lvl6pPr marL="2514600" indent="-228600" algn="l" defTabSz="914400" rtl="0" eaLnBrk="1" latinLnBrk="0" hangingPunct="1">
+              <a:lnSpc>
+                <a:spcPct val="90000"/>
+              </a:lnSpc>
+              <a:spcBef>
+                <a:spcPts val="500"/>
+              </a:spcBef>
+              <a:buFont typeface="Arial" panose="020B0604020202020204" pitchFamily="34" charset="0"/>
+              <a:buChar char="•"/>
+              <a:defRPr sz="1800" kern="1200">
+                <a:solidFill>
+                  <a:schemeClr val="tx1"/>
+                </a:solidFill>
+                <a:latin typeface="+mn-lt"/>
+                <a:ea typeface="+mn-ea"/>
+                <a:cs typeface="+mn-cs"/>
+              </a:defRPr>
+            </a:lvl6pPr>
+            <a:lvl7pPr marL="2971800" indent="-228600" algn="l" defTabSz="914400" rtl="0" eaLnBrk="1" latinLnBrk="0" hangingPunct="1">
+              <a:lnSpc>
+                <a:spcPct val="90000"/>
+              </a:lnSpc>
+              <a:spcBef>
+                <a:spcPts val="500"/>
+              </a:spcBef>
+              <a:buFont typeface="Arial" panose="020B0604020202020204" pitchFamily="34" charset="0"/>
+              <a:buChar char="•"/>
+              <a:defRPr sz="1800" kern="1200">
+                <a:solidFill>
+                  <a:schemeClr val="tx1"/>
+                </a:solidFill>
+                <a:latin typeface="+mn-lt"/>
+                <a:ea typeface="+mn-ea"/>
+                <a:cs typeface="+mn-cs"/>
+              </a:defRPr>
+            </a:lvl7pPr>
+            <a:lvl8pPr marL="3429000" indent="-228600" algn="l" defTabSz="914400" rtl="0" eaLnBrk="1" latinLnBrk="0" hangingPunct="1">
+              <a:lnSpc>
+                <a:spcPct val="90000"/>
+              </a:lnSpc>
+              <a:spcBef>
+                <a:spcPts val="500"/>
+              </a:spcBef>
+              <a:buFont typeface="Arial" panose="020B0604020202020204" pitchFamily="34" charset="0"/>
+              <a:buChar char="•"/>
+              <a:defRPr sz="1800" kern="1200">
+                <a:solidFill>
+                  <a:schemeClr val="tx1"/>
+                </a:solidFill>
+                <a:latin typeface="+mn-lt"/>
+                <a:ea typeface="+mn-ea"/>
+                <a:cs typeface="+mn-cs"/>
+              </a:defRPr>
+            </a:lvl8pPr>
+            <a:lvl9pPr marL="3886200" indent="-228600" algn="l" defTabSz="914400" rtl="0" eaLnBrk="1" latinLnBrk="0" hangingPunct="1">
+              <a:lnSpc>
+                <a:spcPct val="90000"/>
+              </a:lnSpc>
+              <a:spcBef>
+                <a:spcPts val="500"/>
+              </a:spcBef>
+              <a:buFont typeface="Arial" panose="020B0604020202020204" pitchFamily="34" charset="0"/>
+              <a:buChar char="•"/>
+              <a:defRPr sz="1800" kern="1200">
+                <a:solidFill>
+                  <a:schemeClr val="tx1"/>
+                </a:solidFill>
+                <a:latin typeface="+mn-lt"/>
+                <a:ea typeface="+mn-ea"/>
+                <a:cs typeface="+mn-cs"/>
+              </a:defRPr>
+            </a:lvl9pPr>
+          </a:lstStyle>
+          <a:p>
+            <a:r>
+              <a:rPr lang="en-US" dirty="0" err="1"/>
+              <a:t>TaskList</a:t>
+            </a:r>
+            <a:endParaRPr lang="en-US" dirty="0"/>
+          </a:p>
+          <a:p>
+            <a:pPr marL="342900" indent="-342900">
+              <a:buFont typeface="Arial" panose="020B0604020202020204" pitchFamily="34" charset="0"/>
+              <a:buChar char="•"/>
+            </a:pPr>
+            <a:r>
+              <a:rPr lang="en-US" dirty="0" err="1"/>
+              <a:t>taskList</a:t>
+            </a:r>
+            <a:endParaRPr lang="en-US" dirty="0"/>
+          </a:p>
+          <a:p>
+            <a:pPr marL="342900" indent="-342900">
+              <a:buFont typeface="Arial" panose="020B0604020202020204" pitchFamily="34" charset="0"/>
+              <a:buChar char="•"/>
+            </a:pPr>
+            <a:r>
+              <a:rPr lang="en-US" dirty="0"/>
+              <a:t>Task</a:t>
+            </a:r>
+          </a:p>
+          <a:p>
+            <a:pPr marL="342900" indent="-342900">
+              <a:buFont typeface="Arial" panose="020B0604020202020204" pitchFamily="34" charset="0"/>
+              <a:buChar char="•"/>
+            </a:pPr>
+            <a:r>
+              <a:rPr lang="en-US" dirty="0" err="1"/>
+              <a:t>SubTask</a:t>
+            </a:r>
+            <a:endParaRPr lang="en-US" dirty="0"/>
+          </a:p>
+          <a:p>
+            <a:pPr marL="342900" indent="-342900">
+              <a:buFont typeface="Arial" panose="020B0604020202020204" pitchFamily="34" charset="0"/>
+              <a:buChar char="•"/>
+            </a:pPr>
+            <a:r>
+              <a:rPr lang="en-US" dirty="0"/>
+              <a:t>Automatic ordering</a:t>
+            </a:r>
+          </a:p>
+        </p:txBody>
+      </p:sp>
+      <p:sp>
+        <p:nvSpPr>
+          <p:cNvPr id="4" name="Title 1">
+            <a:extLst>
+              <a:ext uri="{FF2B5EF4-FFF2-40B4-BE49-F238E27FC236}">
+                <a16:creationId xmlns:a16="http://schemas.microsoft.com/office/drawing/2014/main" id="{2DD77A84-BE98-92D0-4CD0-4683591F3007}"/>
+              </a:ext>
+            </a:extLst>
+          </p:cNvPr>
+          <p:cNvSpPr txBox="1">
+            <a:spLocks/>
+          </p:cNvSpPr>
+          <p:nvPr/>
+        </p:nvSpPr>
+        <p:spPr>
+          <a:xfrm>
+            <a:off x="515112" y="480567"/>
+            <a:ext cx="4287393" cy="2450593"/>
+          </a:xfrm>
+          <a:prstGeom prst="rect">
+            <a:avLst/>
+          </a:prstGeom>
+        </p:spPr>
+        <p:txBody>
+          <a:bodyPr/>
+          <a:lstStyle>
+            <a:lvl1pPr algn="l" defTabSz="914400" rtl="0" eaLnBrk="1" latinLnBrk="0" hangingPunct="1">
+              <a:lnSpc>
+                <a:spcPct val="100000"/>
+              </a:lnSpc>
+              <a:spcBef>
+                <a:spcPct val="0"/>
+              </a:spcBef>
+              <a:buNone/>
+              <a:defRPr sz="6600" kern="1200">
+                <a:solidFill>
+                  <a:schemeClr val="tx1"/>
+                </a:solidFill>
+                <a:latin typeface="+mj-lt"/>
+                <a:ea typeface="+mj-ea"/>
+                <a:cs typeface="+mj-cs"/>
+              </a:defRPr>
+            </a:lvl1pPr>
+          </a:lstStyle>
+          <a:p>
+            <a:r>
+              <a:rPr lang="en-US" sz="3000" dirty="0"/>
+              <a:t>Component Diagram</a:t>
+            </a:r>
+          </a:p>
+        </p:txBody>
+      </p:sp>
+    </p:spTree>
+    <p:extLst>
+      <p:ext uri="{BB962C8B-B14F-4D97-AF65-F5344CB8AC3E}">
+        <p14:creationId xmlns:p14="http://schemas.microsoft.com/office/powerpoint/2010/main" val="2351279164"/>
+      </p:ext>
+    </p:extLst>
+  </p:cSld>
+  <p:clrMapOvr>
+    <a:masterClrMapping/>
+  </p:clrMapOvr>
+</p:sld>
+</file>
+
+<file path=ppt/slides/slide12.xml><?xml version="1.0" encoding="utf-8"?>
+<p:sld xmlns:a="http://schemas.openxmlformats.org/drawingml/2006/main" xmlns:r="http://schemas.openxmlformats.org/officeDocument/2006/relationships" xmlns:p="http://schemas.openxmlformats.org/presentationml/2006/main">
+  <p:cSld>
+    <p:spTree>
+      <p:nvGrpSpPr>
+        <p:cNvPr id="1" name=""/>
+        <p:cNvGrpSpPr/>
+        <p:nvPr/>
+      </p:nvGrpSpPr>
+      <p:grpSpPr>
+        <a:xfrm>
+          <a:off x="0" y="0"/>
+          <a:ext cx="0" cy="0"/>
+          <a:chOff x="0" y="0"/>
+          <a:chExt cx="0" cy="0"/>
+        </a:xfrm>
+      </p:grpSpPr>
+      <p:sp>
+        <p:nvSpPr>
+          <p:cNvPr id="2" name="Title 1">
+            <a:extLst>
+              <a:ext uri="{FF2B5EF4-FFF2-40B4-BE49-F238E27FC236}">
+                <a16:creationId xmlns:a16="http://schemas.microsoft.com/office/drawing/2014/main" id="{EBD08629-E096-1DDD-DA0D-AD00D8CF4E8A}"/>
+              </a:ext>
+            </a:extLst>
+          </p:cNvPr>
+          <p:cNvSpPr>
+            <a:spLocks noGrp="1"/>
+          </p:cNvSpPr>
+          <p:nvPr>
+            <p:ph type="title"/>
+          </p:nvPr>
+        </p:nvSpPr>
+        <p:spPr/>
+        <p:txBody>
+          <a:bodyPr/>
+          <a:lstStyle/>
+          <a:p>
+            <a:r>
+              <a:rPr lang="en-US" dirty="0" err="1"/>
+              <a:t>afdf</a:t>
+            </a:r>
+            <a:endParaRPr lang="en-US" dirty="0"/>
+          </a:p>
+        </p:txBody>
+      </p:sp>
+      <p:sp>
+        <p:nvSpPr>
+          <p:cNvPr id="3" name="Picture Placeholder 2">
+            <a:extLst>
+              <a:ext uri="{FF2B5EF4-FFF2-40B4-BE49-F238E27FC236}">
+                <a16:creationId xmlns:a16="http://schemas.microsoft.com/office/drawing/2014/main" id="{BF8634C1-36AC-D8ED-0F52-30014871D905}"/>
+              </a:ext>
+            </a:extLst>
+          </p:cNvPr>
+          <p:cNvSpPr>
+            <a:spLocks noGrp="1"/>
+          </p:cNvSpPr>
+          <p:nvPr>
+            <p:ph type="pic" idx="1"/>
+          </p:nvPr>
+        </p:nvSpPr>
+        <p:spPr/>
+        <p:txBody>
+          <a:bodyPr/>
+          <a:lstStyle/>
+          <a:p>
+            <a:endParaRPr lang="en-US"/>
+          </a:p>
+        </p:txBody>
+      </p:sp>
+      <p:sp>
+        <p:nvSpPr>
+          <p:cNvPr id="4" name="Text Placeholder 3">
+            <a:extLst>
+              <a:ext uri="{FF2B5EF4-FFF2-40B4-BE49-F238E27FC236}">
+                <a16:creationId xmlns:a16="http://schemas.microsoft.com/office/drawing/2014/main" id="{E5F88F04-E65A-A2D1-1ED7-D13788A7E546}"/>
+              </a:ext>
+            </a:extLst>
+          </p:cNvPr>
+          <p:cNvSpPr>
+            <a:spLocks noGrp="1"/>
+          </p:cNvSpPr>
+          <p:nvPr>
+            <p:ph type="body" sz="half" idx="2"/>
+          </p:nvPr>
+        </p:nvSpPr>
+        <p:spPr/>
+        <p:txBody>
+          <a:bodyPr/>
+          <a:lstStyle/>
+          <a:p>
+            <a:r>
+              <a:rPr lang="en-US" dirty="0" err="1"/>
+              <a:t>dafdf</a:t>
+            </a:r>
+            <a:endParaRPr lang="en-US" dirty="0"/>
+          </a:p>
+        </p:txBody>
+      </p:sp>
+    </p:spTree>
+    <p:extLst>
+      <p:ext uri="{BB962C8B-B14F-4D97-AF65-F5344CB8AC3E}">
+        <p14:creationId xmlns:p14="http://schemas.microsoft.com/office/powerpoint/2010/main" val="687385264"/>
+      </p:ext>
+    </p:extLst>
+  </p:cSld>
+  <p:clrMapOvr>
+    <a:masterClrMapping/>
+  </p:clrMapOvr>
+</p:sld>
+</file>
+
+<file path=ppt/slides/slide13.xml><?xml version="1.0" encoding="utf-8"?>
+<p:sld xmlns:a="http://schemas.openxmlformats.org/drawingml/2006/main" xmlns:r="http://schemas.openxmlformats.org/officeDocument/2006/relationships" xmlns:p="http://schemas.openxmlformats.org/presentationml/2006/main">
+  <p:cSld>
+    <p:spTree>
+      <p:nvGrpSpPr>
+        <p:cNvPr id="1" name="">
+          <a:extLst>
+            <a:ext uri="{FF2B5EF4-FFF2-40B4-BE49-F238E27FC236}">
+              <a16:creationId xmlns:a16="http://schemas.microsoft.com/office/drawing/2014/main" id="{95A9A0B1-B9CC-5E69-DB3A-AF83103D5385}"/>
+            </a:ext>
+          </a:extLst>
+        </p:cNvPr>
+        <p:cNvGrpSpPr/>
+        <p:nvPr/>
+      </p:nvGrpSpPr>
+      <p:grpSpPr>
+        <a:xfrm>
+          <a:off x="0" y="0"/>
+          <a:ext cx="0" cy="0"/>
+          <a:chOff x="0" y="0"/>
+          <a:chExt cx="0" cy="0"/>
+        </a:xfrm>
+      </p:grpSpPr>
+      <p:pic>
+        <p:nvPicPr>
+          <p:cNvPr id="3" name="Picture 2" descr="A white background with black text&#10;&#10;Description automatically generated">
+            <a:extLst>
+              <a:ext uri="{FF2B5EF4-FFF2-40B4-BE49-F238E27FC236}">
+                <a16:creationId xmlns:a16="http://schemas.microsoft.com/office/drawing/2014/main" id="{7E825E69-F9D4-50DE-237F-A0D1C0AC6964}"/>
+              </a:ext>
+            </a:extLst>
+          </p:cNvPr>
+          <p:cNvPicPr>
+            <a:picLocks noChangeAspect="1"/>
+          </p:cNvPicPr>
+          <p:nvPr/>
+        </p:nvPicPr>
+        <p:blipFill>
+          <a:blip r:embed="rId2">
+            <a:extLst>
+              <a:ext uri="{28A0092B-C50C-407E-A947-70E740481C1C}">
+                <a14:useLocalDpi xmlns:a14="http://schemas.microsoft.com/office/drawing/2010/main" val="0"/>
+              </a:ext>
+            </a:extLst>
+          </a:blip>
+          <a:stretch>
+            <a:fillRect/>
+          </a:stretch>
+        </p:blipFill>
+        <p:spPr>
+          <a:xfrm>
+            <a:off x="0" y="208223"/>
+            <a:ext cx="12192000" cy="6441554"/>
+          </a:xfrm>
+          <a:prstGeom prst="rect">
+            <a:avLst/>
+          </a:prstGeom>
+        </p:spPr>
+      </p:pic>
+    </p:spTree>
+    <p:extLst>
+      <p:ext uri="{BB962C8B-B14F-4D97-AF65-F5344CB8AC3E}">
+        <p14:creationId xmlns:p14="http://schemas.microsoft.com/office/powerpoint/2010/main" val="398910363"/>
+      </p:ext>
+    </p:extLst>
+  </p:cSld>
+  <p:clrMapOvr>
+    <a:masterClrMapping/>
+  </p:clrMapOvr>
+</p:sld>
+</file>
+
 <file path=ppt/slides/slide2.xml><?xml version="1.0" encoding="utf-8"?>
 <p:sld xmlns:a="http://schemas.openxmlformats.org/drawingml/2006/main" xmlns:r="http://schemas.openxmlformats.org/officeDocument/2006/relationships" xmlns:p="http://schemas.openxmlformats.org/presentationml/2006/main">
   <p:cSld>
@@ -5919,6 +6843,581 @@
     <p:extLst>
       <p:ext uri="{BB962C8B-B14F-4D97-AF65-F5344CB8AC3E}">
         <p14:creationId xmlns:p14="http://schemas.microsoft.com/office/powerpoint/2010/main" val="532518087"/>
+      </p:ext>
+    </p:extLst>
+  </p:cSld>
+  <p:clrMapOvr>
+    <a:masterClrMapping/>
+  </p:clrMapOvr>
+</p:sld>
+</file>
+
+<file path=ppt/slides/slide7.xml><?xml version="1.0" encoding="utf-8"?>
+<p:sld xmlns:a="http://schemas.openxmlformats.org/drawingml/2006/main" xmlns:r="http://schemas.openxmlformats.org/officeDocument/2006/relationships" xmlns:p="http://schemas.openxmlformats.org/presentationml/2006/main">
+  <p:cSld>
+    <p:spTree>
+      <p:nvGrpSpPr>
+        <p:cNvPr id="1" name=""/>
+        <p:cNvGrpSpPr/>
+        <p:nvPr/>
+      </p:nvGrpSpPr>
+      <p:grpSpPr>
+        <a:xfrm>
+          <a:off x="0" y="0"/>
+          <a:ext cx="0" cy="0"/>
+          <a:chOff x="0" y="0"/>
+          <a:chExt cx="0" cy="0"/>
+        </a:xfrm>
+      </p:grpSpPr>
+      <p:sp>
+        <p:nvSpPr>
+          <p:cNvPr id="2" name="Title 1">
+            <a:extLst>
+              <a:ext uri="{FF2B5EF4-FFF2-40B4-BE49-F238E27FC236}">
+                <a16:creationId xmlns:a16="http://schemas.microsoft.com/office/drawing/2014/main" id="{D0094F6E-6DC4-9318-6247-0CB267E8DC97}"/>
+              </a:ext>
+            </a:extLst>
+          </p:cNvPr>
+          <p:cNvSpPr>
+            <a:spLocks noGrp="1"/>
+          </p:cNvSpPr>
+          <p:nvPr>
+            <p:ph type="ctrTitle"/>
+          </p:nvPr>
+        </p:nvSpPr>
+        <p:spPr/>
+        <p:txBody>
+          <a:bodyPr/>
+          <a:lstStyle/>
+          <a:p>
+            <a:r>
+              <a:rPr lang="en-US" dirty="0"/>
+              <a:t>Functionality</a:t>
+            </a:r>
+          </a:p>
+        </p:txBody>
+      </p:sp>
+      <p:sp>
+        <p:nvSpPr>
+          <p:cNvPr id="3" name="Subtitle 2">
+            <a:extLst>
+              <a:ext uri="{FF2B5EF4-FFF2-40B4-BE49-F238E27FC236}">
+                <a16:creationId xmlns:a16="http://schemas.microsoft.com/office/drawing/2014/main" id="{2AC92756-F7BF-7354-F3CD-B839C42CBBE2}"/>
+              </a:ext>
+            </a:extLst>
+          </p:cNvPr>
+          <p:cNvSpPr>
+            <a:spLocks noGrp="1"/>
+          </p:cNvSpPr>
+          <p:nvPr>
+            <p:ph type="subTitle" idx="1"/>
+          </p:nvPr>
+        </p:nvSpPr>
+        <p:spPr/>
+        <p:txBody>
+          <a:bodyPr/>
+          <a:lstStyle/>
+          <a:p>
+            <a:endParaRPr lang="en-US"/>
+          </a:p>
+        </p:txBody>
+      </p:sp>
+    </p:spTree>
+    <p:extLst>
+      <p:ext uri="{BB962C8B-B14F-4D97-AF65-F5344CB8AC3E}">
+        <p14:creationId xmlns:p14="http://schemas.microsoft.com/office/powerpoint/2010/main" val="715663043"/>
+      </p:ext>
+    </p:extLst>
+  </p:cSld>
+  <p:clrMapOvr>
+    <a:masterClrMapping/>
+  </p:clrMapOvr>
+</p:sld>
+</file>
+
+<file path=ppt/slides/slide8.xml><?xml version="1.0" encoding="utf-8"?>
+<p:sld xmlns:a="http://schemas.openxmlformats.org/drawingml/2006/main" xmlns:r="http://schemas.openxmlformats.org/officeDocument/2006/relationships" xmlns:p="http://schemas.openxmlformats.org/presentationml/2006/main">
+  <p:cSld>
+    <p:spTree>
+      <p:nvGrpSpPr>
+        <p:cNvPr id="1" name=""/>
+        <p:cNvGrpSpPr/>
+        <p:nvPr/>
+      </p:nvGrpSpPr>
+      <p:grpSpPr>
+        <a:xfrm>
+          <a:off x="0" y="0"/>
+          <a:ext cx="0" cy="0"/>
+          <a:chOff x="0" y="0"/>
+          <a:chExt cx="0" cy="0"/>
+        </a:xfrm>
+      </p:grpSpPr>
+      <p:pic>
+        <p:nvPicPr>
+          <p:cNvPr id="3" name="Picture 2" descr="A white background with black text&#10;&#10;Description automatically generated">
+            <a:extLst>
+              <a:ext uri="{FF2B5EF4-FFF2-40B4-BE49-F238E27FC236}">
+                <a16:creationId xmlns:a16="http://schemas.microsoft.com/office/drawing/2014/main" id="{3F947749-1FFF-946F-E7DC-205C95DDF7C2}"/>
+              </a:ext>
+            </a:extLst>
+          </p:cNvPr>
+          <p:cNvPicPr>
+            <a:picLocks noChangeAspect="1"/>
+          </p:cNvPicPr>
+          <p:nvPr/>
+        </p:nvPicPr>
+        <p:blipFill>
+          <a:blip r:embed="rId2">
+            <a:extLst>
+              <a:ext uri="{28A0092B-C50C-407E-A947-70E740481C1C}">
+                <a14:useLocalDpi xmlns:a14="http://schemas.microsoft.com/office/drawing/2010/main" val="0"/>
+              </a:ext>
+            </a:extLst>
+          </a:blip>
+          <a:stretch>
+            <a:fillRect/>
+          </a:stretch>
+        </p:blipFill>
+        <p:spPr>
+          <a:xfrm>
+            <a:off x="0" y="208223"/>
+            <a:ext cx="12192000" cy="6441554"/>
+          </a:xfrm>
+          <a:prstGeom prst="rect">
+            <a:avLst/>
+          </a:prstGeom>
+        </p:spPr>
+      </p:pic>
+      <p:sp>
+        <p:nvSpPr>
+          <p:cNvPr id="4" name="Title 1">
+            <a:extLst>
+              <a:ext uri="{FF2B5EF4-FFF2-40B4-BE49-F238E27FC236}">
+                <a16:creationId xmlns:a16="http://schemas.microsoft.com/office/drawing/2014/main" id="{A11AEDC7-ED5B-C753-8A09-7B012AD9F330}"/>
+              </a:ext>
+            </a:extLst>
+          </p:cNvPr>
+          <p:cNvSpPr txBox="1">
+            <a:spLocks/>
+          </p:cNvSpPr>
+          <p:nvPr/>
+        </p:nvSpPr>
+        <p:spPr>
+          <a:xfrm>
+            <a:off x="7904607" y="409447"/>
+            <a:ext cx="4287393" cy="2450593"/>
+          </a:xfrm>
+          <a:prstGeom prst="rect">
+            <a:avLst/>
+          </a:prstGeom>
+        </p:spPr>
+        <p:txBody>
+          <a:bodyPr/>
+          <a:lstStyle>
+            <a:lvl1pPr algn="l" defTabSz="914400" rtl="0" eaLnBrk="1" latinLnBrk="0" hangingPunct="1">
+              <a:lnSpc>
+                <a:spcPct val="100000"/>
+              </a:lnSpc>
+              <a:spcBef>
+                <a:spcPct val="0"/>
+              </a:spcBef>
+              <a:buNone/>
+              <a:defRPr sz="6600" kern="1200">
+                <a:solidFill>
+                  <a:schemeClr val="tx1"/>
+                </a:solidFill>
+                <a:latin typeface="+mj-lt"/>
+                <a:ea typeface="+mj-ea"/>
+                <a:cs typeface="+mj-cs"/>
+              </a:defRPr>
+            </a:lvl1pPr>
+          </a:lstStyle>
+          <a:p>
+            <a:r>
+              <a:rPr lang="en-US" sz="3000" dirty="0"/>
+              <a:t>Component Diagram</a:t>
+            </a:r>
+          </a:p>
+        </p:txBody>
+      </p:sp>
+    </p:spTree>
+    <p:extLst>
+      <p:ext uri="{BB962C8B-B14F-4D97-AF65-F5344CB8AC3E}">
+        <p14:creationId xmlns:p14="http://schemas.microsoft.com/office/powerpoint/2010/main" val="870489951"/>
+      </p:ext>
+    </p:extLst>
+  </p:cSld>
+  <p:clrMapOvr>
+    <a:masterClrMapping/>
+  </p:clrMapOvr>
+</p:sld>
+</file>
+
+<file path=ppt/slides/slide9.xml><?xml version="1.0" encoding="utf-8"?>
+<p:sld xmlns:a="http://schemas.openxmlformats.org/drawingml/2006/main" xmlns:r="http://schemas.openxmlformats.org/officeDocument/2006/relationships" xmlns:p="http://schemas.openxmlformats.org/presentationml/2006/main">
+  <p:cSld>
+    <p:spTree>
+      <p:nvGrpSpPr>
+        <p:cNvPr id="1" name="">
+          <a:extLst>
+            <a:ext uri="{FF2B5EF4-FFF2-40B4-BE49-F238E27FC236}">
+              <a16:creationId xmlns:a16="http://schemas.microsoft.com/office/drawing/2014/main" id="{96B00724-D1C3-3C94-2103-F24BD5150541}"/>
+            </a:ext>
+          </a:extLst>
+        </p:cNvPr>
+        <p:cNvGrpSpPr/>
+        <p:nvPr/>
+      </p:nvGrpSpPr>
+      <p:grpSpPr>
+        <a:xfrm>
+          <a:off x="0" y="0"/>
+          <a:ext cx="0" cy="0"/>
+          <a:chOff x="0" y="0"/>
+          <a:chExt cx="0" cy="0"/>
+        </a:xfrm>
+      </p:grpSpPr>
+      <p:pic>
+        <p:nvPicPr>
+          <p:cNvPr id="3" name="Picture 2" descr="A white background with black text&#10;&#10;Description automatically generated">
+            <a:extLst>
+              <a:ext uri="{FF2B5EF4-FFF2-40B4-BE49-F238E27FC236}">
+                <a16:creationId xmlns:a16="http://schemas.microsoft.com/office/drawing/2014/main" id="{9388CE7B-8890-E5A6-A5DB-B99986A69FCD}"/>
+              </a:ext>
+            </a:extLst>
+          </p:cNvPr>
+          <p:cNvPicPr>
+            <a:picLocks noChangeAspect="1"/>
+          </p:cNvPicPr>
+          <p:nvPr/>
+        </p:nvPicPr>
+        <p:blipFill rotWithShape="1">
+          <a:blip r:embed="rId2">
+            <a:extLst>
+              <a:ext uri="{28A0092B-C50C-407E-A947-70E740481C1C}">
+                <a14:useLocalDpi xmlns:a14="http://schemas.microsoft.com/office/drawing/2010/main" val="0"/>
+              </a:ext>
+            </a:extLst>
+          </a:blip>
+          <a:srcRect l="13635" t="-3058" r="35675" b="-16698"/>
+          <a:stretch/>
+        </p:blipFill>
+        <p:spPr>
+          <a:xfrm>
+            <a:off x="5354320" y="-1127760"/>
+            <a:ext cx="7315200" cy="9131217"/>
+          </a:xfrm>
+          <a:prstGeom prst="rect">
+            <a:avLst/>
+          </a:prstGeom>
+          <a:effectLst>
+            <a:softEdge rad="381000"/>
+          </a:effectLst>
+        </p:spPr>
+      </p:pic>
+      <p:sp>
+        <p:nvSpPr>
+          <p:cNvPr id="2" name="Text Placeholder 3">
+            <a:extLst>
+              <a:ext uri="{FF2B5EF4-FFF2-40B4-BE49-F238E27FC236}">
+                <a16:creationId xmlns:a16="http://schemas.microsoft.com/office/drawing/2014/main" id="{B68FE0D0-16C3-E124-A2FC-B275513DE36A}"/>
+              </a:ext>
+            </a:extLst>
+          </p:cNvPr>
+          <p:cNvSpPr txBox="1">
+            <a:spLocks/>
+          </p:cNvSpPr>
+          <p:nvPr/>
+        </p:nvSpPr>
+        <p:spPr>
+          <a:xfrm>
+            <a:off x="606552" y="1280160"/>
+            <a:ext cx="4287393" cy="4846320"/>
+          </a:xfrm>
+          <a:prstGeom prst="rect">
+            <a:avLst/>
+          </a:prstGeom>
+        </p:spPr>
+        <p:txBody>
+          <a:bodyPr/>
+          <a:lstStyle>
+            <a:lvl1pPr marL="0" indent="0" algn="l" defTabSz="914400" rtl="0" eaLnBrk="1" latinLnBrk="0" hangingPunct="1">
+              <a:lnSpc>
+                <a:spcPct val="100000"/>
+              </a:lnSpc>
+              <a:spcBef>
+                <a:spcPts val="1000"/>
+              </a:spcBef>
+              <a:buFont typeface="Arial" panose="020B0604020202020204" pitchFamily="34" charset="0"/>
+              <a:buNone/>
+              <a:defRPr sz="2400" kern="1200">
+                <a:solidFill>
+                  <a:schemeClr val="tx1"/>
+                </a:solidFill>
+                <a:latin typeface="+mn-lt"/>
+                <a:ea typeface="+mn-ea"/>
+                <a:cs typeface="+mn-cs"/>
+              </a:defRPr>
+            </a:lvl1pPr>
+            <a:lvl2pPr marL="685800" indent="-228600" algn="l" defTabSz="914400" rtl="0" eaLnBrk="1" latinLnBrk="0" hangingPunct="1">
+              <a:lnSpc>
+                <a:spcPct val="100000"/>
+              </a:lnSpc>
+              <a:spcBef>
+                <a:spcPts val="500"/>
+              </a:spcBef>
+              <a:buFont typeface="Arial" panose="020B0604020202020204" pitchFamily="34" charset="0"/>
+              <a:buChar char="•"/>
+              <a:defRPr sz="2000" kern="1200">
+                <a:solidFill>
+                  <a:schemeClr val="tx1"/>
+                </a:solidFill>
+                <a:latin typeface="+mn-lt"/>
+                <a:ea typeface="+mn-ea"/>
+                <a:cs typeface="+mn-cs"/>
+              </a:defRPr>
+            </a:lvl2pPr>
+            <a:lvl3pPr marL="914400" indent="0" algn="l" defTabSz="914400" rtl="0" eaLnBrk="1" latinLnBrk="0" hangingPunct="1">
+              <a:lnSpc>
+                <a:spcPct val="100000"/>
+              </a:lnSpc>
+              <a:spcBef>
+                <a:spcPts val="500"/>
+              </a:spcBef>
+              <a:buFont typeface="Arial" panose="020B0604020202020204" pitchFamily="34" charset="0"/>
+              <a:buNone/>
+              <a:defRPr sz="2000" kern="1200">
+                <a:solidFill>
+                  <a:schemeClr val="tx1"/>
+                </a:solidFill>
+                <a:latin typeface="+mn-lt"/>
+                <a:ea typeface="+mn-ea"/>
+                <a:cs typeface="+mn-cs"/>
+              </a:defRPr>
+            </a:lvl3pPr>
+            <a:lvl4pPr marL="1600200" indent="-228600" algn="l" defTabSz="914400" rtl="0" eaLnBrk="1" latinLnBrk="0" hangingPunct="1">
+              <a:lnSpc>
+                <a:spcPct val="100000"/>
+              </a:lnSpc>
+              <a:spcBef>
+                <a:spcPts val="500"/>
+              </a:spcBef>
+              <a:buFont typeface="Arial" panose="020B0604020202020204" pitchFamily="34" charset="0"/>
+              <a:buChar char="•"/>
+              <a:defRPr sz="1800" kern="1200">
+                <a:solidFill>
+                  <a:schemeClr val="tx1"/>
+                </a:solidFill>
+                <a:latin typeface="+mn-lt"/>
+                <a:ea typeface="+mn-ea"/>
+                <a:cs typeface="+mn-cs"/>
+              </a:defRPr>
+            </a:lvl4pPr>
+            <a:lvl5pPr marL="1828800" indent="0" algn="l" defTabSz="914400" rtl="0" eaLnBrk="1" latinLnBrk="0" hangingPunct="1">
+              <a:lnSpc>
+                <a:spcPct val="100000"/>
+              </a:lnSpc>
+              <a:spcBef>
+                <a:spcPts val="500"/>
+              </a:spcBef>
+              <a:buFont typeface="Arial" panose="020B0604020202020204" pitchFamily="34" charset="0"/>
+              <a:buNone/>
+              <a:defRPr sz="1800" kern="1200">
+                <a:solidFill>
+                  <a:schemeClr val="tx1"/>
+                </a:solidFill>
+                <a:latin typeface="+mn-lt"/>
+                <a:ea typeface="+mn-ea"/>
+                <a:cs typeface="+mn-cs"/>
+              </a:defRPr>
+            </a:lvl5pPr>
+            <a:lvl6pPr marL="2514600" indent="-228600" algn="l" defTabSz="914400" rtl="0" eaLnBrk="1" latinLnBrk="0" hangingPunct="1">
+              <a:lnSpc>
+                <a:spcPct val="90000"/>
+              </a:lnSpc>
+              <a:spcBef>
+                <a:spcPts val="500"/>
+              </a:spcBef>
+              <a:buFont typeface="Arial" panose="020B0604020202020204" pitchFamily="34" charset="0"/>
+              <a:buChar char="•"/>
+              <a:defRPr sz="1800" kern="1200">
+                <a:solidFill>
+                  <a:schemeClr val="tx1"/>
+                </a:solidFill>
+                <a:latin typeface="+mn-lt"/>
+                <a:ea typeface="+mn-ea"/>
+                <a:cs typeface="+mn-cs"/>
+              </a:defRPr>
+            </a:lvl6pPr>
+            <a:lvl7pPr marL="2971800" indent="-228600" algn="l" defTabSz="914400" rtl="0" eaLnBrk="1" latinLnBrk="0" hangingPunct="1">
+              <a:lnSpc>
+                <a:spcPct val="90000"/>
+              </a:lnSpc>
+              <a:spcBef>
+                <a:spcPts val="500"/>
+              </a:spcBef>
+              <a:buFont typeface="Arial" panose="020B0604020202020204" pitchFamily="34" charset="0"/>
+              <a:buChar char="•"/>
+              <a:defRPr sz="1800" kern="1200">
+                <a:solidFill>
+                  <a:schemeClr val="tx1"/>
+                </a:solidFill>
+                <a:latin typeface="+mn-lt"/>
+                <a:ea typeface="+mn-ea"/>
+                <a:cs typeface="+mn-cs"/>
+              </a:defRPr>
+            </a:lvl7pPr>
+            <a:lvl8pPr marL="3429000" indent="-228600" algn="l" defTabSz="914400" rtl="0" eaLnBrk="1" latinLnBrk="0" hangingPunct="1">
+              <a:lnSpc>
+                <a:spcPct val="90000"/>
+              </a:lnSpc>
+              <a:spcBef>
+                <a:spcPts val="500"/>
+              </a:spcBef>
+              <a:buFont typeface="Arial" panose="020B0604020202020204" pitchFamily="34" charset="0"/>
+              <a:buChar char="•"/>
+              <a:defRPr sz="1800" kern="1200">
+                <a:solidFill>
+                  <a:schemeClr val="tx1"/>
+                </a:solidFill>
+                <a:latin typeface="+mn-lt"/>
+                <a:ea typeface="+mn-ea"/>
+                <a:cs typeface="+mn-cs"/>
+              </a:defRPr>
+            </a:lvl8pPr>
+            <a:lvl9pPr marL="3886200" indent="-228600" algn="l" defTabSz="914400" rtl="0" eaLnBrk="1" latinLnBrk="0" hangingPunct="1">
+              <a:lnSpc>
+                <a:spcPct val="90000"/>
+              </a:lnSpc>
+              <a:spcBef>
+                <a:spcPts val="500"/>
+              </a:spcBef>
+              <a:buFont typeface="Arial" panose="020B0604020202020204" pitchFamily="34" charset="0"/>
+              <a:buChar char="•"/>
+              <a:defRPr sz="1800" kern="1200">
+                <a:solidFill>
+                  <a:schemeClr val="tx1"/>
+                </a:solidFill>
+                <a:latin typeface="+mn-lt"/>
+                <a:ea typeface="+mn-ea"/>
+                <a:cs typeface="+mn-cs"/>
+              </a:defRPr>
+            </a:lvl9pPr>
+          </a:lstStyle>
+          <a:p>
+            <a:r>
+              <a:rPr lang="en-US" dirty="0"/>
+              <a:t>User</a:t>
+            </a:r>
+          </a:p>
+          <a:p>
+            <a:pPr marL="342900" indent="-342900">
+              <a:buFont typeface="Arial" panose="020B0604020202020204" pitchFamily="34" charset="0"/>
+              <a:buChar char="•"/>
+            </a:pPr>
+            <a:r>
+              <a:rPr lang="en-US" dirty="0" err="1"/>
+              <a:t>TaskList</a:t>
+            </a:r>
+            <a:endParaRPr lang="en-US" dirty="0"/>
+          </a:p>
+          <a:p>
+            <a:pPr marL="342900" indent="-342900">
+              <a:buFont typeface="Arial" panose="020B0604020202020204" pitchFamily="34" charset="0"/>
+              <a:buChar char="•"/>
+            </a:pPr>
+            <a:r>
+              <a:rPr lang="en-US" dirty="0"/>
+              <a:t>Objectives</a:t>
+            </a:r>
+          </a:p>
+          <a:p>
+            <a:pPr marL="342900" indent="-342900">
+              <a:buFont typeface="Arial" panose="020B0604020202020204" pitchFamily="34" charset="0"/>
+              <a:buChar char="•"/>
+            </a:pPr>
+            <a:r>
+              <a:rPr lang="en-US" dirty="0"/>
+              <a:t>Inventory</a:t>
+            </a:r>
+          </a:p>
+          <a:p>
+            <a:pPr marL="342900" indent="-342900">
+              <a:buFont typeface="Arial" panose="020B0604020202020204" pitchFamily="34" charset="0"/>
+              <a:buChar char="•"/>
+            </a:pPr>
+            <a:r>
+              <a:rPr lang="en-US" dirty="0"/>
+              <a:t>Garden</a:t>
+            </a:r>
+          </a:p>
+          <a:p>
+            <a:pPr marL="342900" indent="-342900">
+              <a:buFont typeface="Arial" panose="020B0604020202020204" pitchFamily="34" charset="0"/>
+              <a:buChar char="•"/>
+            </a:pPr>
+            <a:r>
+              <a:rPr lang="en-US" dirty="0"/>
+              <a:t>Graphs</a:t>
+            </a:r>
+          </a:p>
+        </p:txBody>
+      </p:sp>
+      <p:sp>
+        <p:nvSpPr>
+          <p:cNvPr id="4" name="Title 1">
+            <a:extLst>
+              <a:ext uri="{FF2B5EF4-FFF2-40B4-BE49-F238E27FC236}">
+                <a16:creationId xmlns:a16="http://schemas.microsoft.com/office/drawing/2014/main" id="{12082F37-22EF-B3CA-23D3-6A9A1230F89D}"/>
+              </a:ext>
+            </a:extLst>
+          </p:cNvPr>
+          <p:cNvSpPr txBox="1">
+            <a:spLocks/>
+          </p:cNvSpPr>
+          <p:nvPr/>
+        </p:nvSpPr>
+        <p:spPr>
+          <a:xfrm>
+            <a:off x="515112" y="480567"/>
+            <a:ext cx="4287393" cy="2450593"/>
+          </a:xfrm>
+          <a:prstGeom prst="rect">
+            <a:avLst/>
+          </a:prstGeom>
+        </p:spPr>
+        <p:txBody>
+          <a:bodyPr/>
+          <a:lstStyle>
+            <a:lvl1pPr algn="l" defTabSz="914400" rtl="0" eaLnBrk="1" latinLnBrk="0" hangingPunct="1">
+              <a:lnSpc>
+                <a:spcPct val="100000"/>
+              </a:lnSpc>
+              <a:spcBef>
+                <a:spcPct val="0"/>
+              </a:spcBef>
+              <a:buNone/>
+              <a:defRPr sz="6600" kern="1200">
+                <a:solidFill>
+                  <a:schemeClr val="tx1"/>
+                </a:solidFill>
+                <a:latin typeface="+mj-lt"/>
+                <a:ea typeface="+mj-ea"/>
+                <a:cs typeface="+mj-cs"/>
+              </a:defRPr>
+            </a:lvl1pPr>
+          </a:lstStyle>
+          <a:p>
+            <a:r>
+              <a:rPr lang="en-US" sz="3000" dirty="0"/>
+              <a:t>Component Diagram</a:t>
+            </a:r>
+          </a:p>
+        </p:txBody>
+      </p:sp>
+    </p:spTree>
+    <p:extLst>
+      <p:ext uri="{BB962C8B-B14F-4D97-AF65-F5344CB8AC3E}">
+        <p14:creationId xmlns:p14="http://schemas.microsoft.com/office/powerpoint/2010/main" val="3493982357"/>
       </p:ext>
     </p:extLst>
   </p:cSld>

--- a/Documentation/DiagramPresentation.pptx
+++ b/Documentation/DiagramPresentation.pptx
@@ -16,8 +16,8 @@
     <p:sldId id="263" r:id="rId10"/>
     <p:sldId id="267" r:id="rId11"/>
     <p:sldId id="268" r:id="rId12"/>
-    <p:sldId id="265" r:id="rId13"/>
-    <p:sldId id="264" r:id="rId14"/>
+    <p:sldId id="269" r:id="rId13"/>
+    <p:sldId id="270" r:id="rId14"/>
   </p:sldIdLst>
   <p:sldSz cx="12192000" cy="6858000"/>
   <p:notesSz cx="6858000" cy="9144000"/>
@@ -5054,7 +5054,7 @@
         <p:spPr>
           <a:xfrm>
             <a:off x="606552" y="1280160"/>
-            <a:ext cx="2443178" cy="4846320"/>
+            <a:ext cx="5489448" cy="4846320"/>
           </a:xfrm>
           <a:prstGeom prst="rect">
             <a:avLst/>
@@ -5228,10 +5228,9 @@
           </a:lstStyle>
           <a:p>
             <a:r>
-              <a:rPr lang="en-US" dirty="0" err="1"/>
-              <a:t>TaskList</a:t>
-            </a:r>
-            <a:endParaRPr lang="en-US" dirty="0"/>
+              <a:rPr lang="en-US" dirty="0"/>
+              <a:t>Graphs</a:t>
+            </a:r>
           </a:p>
           <a:p>
             <a:pPr marL="342900" indent="-342900">
@@ -5239,10 +5238,23 @@
               <a:buChar char="•"/>
             </a:pPr>
             <a:r>
-              <a:rPr lang="en-US" dirty="0" err="1"/>
-              <a:t>taskList</a:t>
-            </a:r>
-            <a:endParaRPr lang="en-US" dirty="0"/>
+              <a:rPr lang="en-US" dirty="0"/>
+              <a:t>Daily Graph</a:t>
+            </a:r>
+          </a:p>
+          <a:p>
+            <a:pPr marL="1028700" lvl="1" indent="-342900"/>
+            <a:r>
+              <a:rPr lang="en-US" dirty="0"/>
+              <a:t>Specific items and types</a:t>
+            </a:r>
+          </a:p>
+          <a:p>
+            <a:pPr marL="1028700" lvl="1" indent="-342900"/>
+            <a:r>
+              <a:rPr lang="en-US" dirty="0"/>
+              <a:t>Displays info over last 7 days</a:t>
+            </a:r>
           </a:p>
           <a:p>
             <a:pPr marL="342900" indent="-342900">
@@ -5251,28 +5263,21 @@
             </a:pPr>
             <a:r>
               <a:rPr lang="en-US" dirty="0"/>
-              <a:t>Task</a:t>
-            </a:r>
-          </a:p>
-          <a:p>
-            <a:pPr marL="342900" indent="-342900">
-              <a:buFont typeface="Arial" panose="020B0604020202020204" pitchFamily="34" charset="0"/>
-              <a:buChar char="•"/>
-            </a:pPr>
-            <a:r>
-              <a:rPr lang="en-US" dirty="0" err="1"/>
-              <a:t>SubTask</a:t>
-            </a:r>
-            <a:endParaRPr lang="en-US" dirty="0"/>
-          </a:p>
-          <a:p>
-            <a:pPr marL="342900" indent="-342900">
-              <a:buFont typeface="Arial" panose="020B0604020202020204" pitchFamily="34" charset="0"/>
-              <a:buChar char="•"/>
-            </a:pPr>
+              <a:t>Weekly Graph</a:t>
+            </a:r>
+          </a:p>
+          <a:p>
+            <a:pPr marL="1028700" lvl="1" indent="-342900"/>
             <a:r>
               <a:rPr lang="en-US" dirty="0"/>
-              <a:t>Automatic ordering</a:t>
+              <a:t>Amount of time worked per week</a:t>
+            </a:r>
+          </a:p>
+          <a:p>
+            <a:pPr marL="1028700" lvl="1" indent="-342900"/>
+            <a:r>
+              <a:rPr lang="en-US" dirty="0"/>
+              <a:t>Displays info over past 52 weeks</a:t>
             </a:r>
           </a:p>
         </p:txBody>
@@ -5347,7 +5352,13 @@
   <p:cSld>
     <p:spTree>
       <p:nvGrpSpPr>
-        <p:cNvPr id="1" name=""/>
+        <p:cNvPr id="1" name="">
+          <a:extLst>
+            <a:ext uri="{FF2B5EF4-FFF2-40B4-BE49-F238E27FC236}">
+              <a16:creationId xmlns:a16="http://schemas.microsoft.com/office/drawing/2014/main" id="{F9AF34C9-5700-4FAF-B59B-9BE8626A3F85}"/>
+            </a:ext>
+          </a:extLst>
+        </p:cNvPr>
         <p:cNvGrpSpPr/>
         <p:nvPr/>
       </p:nvGrpSpPr>
@@ -5359,93 +5370,317 @@
           <a:chExt cx="0" cy="0"/>
         </a:xfrm>
       </p:grpSpPr>
-      <p:sp>
-        <p:nvSpPr>
-          <p:cNvPr id="2" name="Title 1">
-            <a:extLst>
-              <a:ext uri="{FF2B5EF4-FFF2-40B4-BE49-F238E27FC236}">
-                <a16:creationId xmlns:a16="http://schemas.microsoft.com/office/drawing/2014/main" id="{EBD08629-E096-1DDD-DA0D-AD00D8CF4E8A}"/>
-              </a:ext>
-            </a:extLst>
-          </p:cNvPr>
-          <p:cNvSpPr>
-            <a:spLocks noGrp="1"/>
-          </p:cNvSpPr>
-          <p:nvPr>
-            <p:ph type="title"/>
-          </p:nvPr>
-        </p:nvSpPr>
-        <p:spPr/>
+      <p:pic>
+        <p:nvPicPr>
+          <p:cNvPr id="3" name="Picture 2" descr="A white background with black text&#10;&#10;Description automatically generated">
+            <a:extLst>
+              <a:ext uri="{FF2B5EF4-FFF2-40B4-BE49-F238E27FC236}">
+                <a16:creationId xmlns:a16="http://schemas.microsoft.com/office/drawing/2014/main" id="{9B56E25E-932D-C758-3188-30F938AD2EFC}"/>
+              </a:ext>
+            </a:extLst>
+          </p:cNvPr>
+          <p:cNvPicPr>
+            <a:picLocks noChangeAspect="1"/>
+          </p:cNvPicPr>
+          <p:nvPr/>
+        </p:nvPicPr>
+        <p:blipFill rotWithShape="1">
+          <a:blip r:embed="rId2">
+            <a:extLst>
+              <a:ext uri="{28A0092B-C50C-407E-A947-70E740481C1C}">
+                <a14:useLocalDpi xmlns:a14="http://schemas.microsoft.com/office/drawing/2010/main" val="0"/>
+              </a:ext>
+            </a:extLst>
+          </a:blip>
+          <a:srcRect l="-11417" t="27192" r="68132" b="27431"/>
+          <a:stretch/>
+        </p:blipFill>
+        <p:spPr>
+          <a:xfrm>
+            <a:off x="606552" y="320040"/>
+            <a:ext cx="11803263" cy="6537960"/>
+          </a:xfrm>
+          <a:prstGeom prst="rect">
+            <a:avLst/>
+          </a:prstGeom>
+          <a:effectLst>
+            <a:softEdge rad="177800"/>
+          </a:effectLst>
+        </p:spPr>
+      </p:pic>
+      <p:sp>
+        <p:nvSpPr>
+          <p:cNvPr id="2" name="Text Placeholder 3">
+            <a:extLst>
+              <a:ext uri="{FF2B5EF4-FFF2-40B4-BE49-F238E27FC236}">
+                <a16:creationId xmlns:a16="http://schemas.microsoft.com/office/drawing/2014/main" id="{2858424F-55B1-0247-10A5-E8EA40ECB7ED}"/>
+              </a:ext>
+            </a:extLst>
+          </p:cNvPr>
+          <p:cNvSpPr txBox="1">
+            <a:spLocks/>
+          </p:cNvSpPr>
+          <p:nvPr/>
+        </p:nvSpPr>
+        <p:spPr>
+          <a:xfrm>
+            <a:off x="606552" y="1280160"/>
+            <a:ext cx="3609848" cy="4846320"/>
+          </a:xfrm>
+          <a:prstGeom prst="rect">
+            <a:avLst/>
+          </a:prstGeom>
+        </p:spPr>
         <p:txBody>
           <a:bodyPr/>
-          <a:lstStyle/>
-          <a:p>
-            <a:r>
-              <a:rPr lang="en-US" dirty="0" err="1"/>
-              <a:t>afdf</a:t>
-            </a:r>
-            <a:endParaRPr lang="en-US" dirty="0"/>
-          </a:p>
-        </p:txBody>
-      </p:sp>
-      <p:sp>
-        <p:nvSpPr>
-          <p:cNvPr id="3" name="Picture Placeholder 2">
-            <a:extLst>
-              <a:ext uri="{FF2B5EF4-FFF2-40B4-BE49-F238E27FC236}">
-                <a16:creationId xmlns:a16="http://schemas.microsoft.com/office/drawing/2014/main" id="{BF8634C1-36AC-D8ED-0F52-30014871D905}"/>
-              </a:ext>
-            </a:extLst>
-          </p:cNvPr>
-          <p:cNvSpPr>
-            <a:spLocks noGrp="1"/>
-          </p:cNvSpPr>
-          <p:nvPr>
-            <p:ph type="pic" idx="1"/>
-          </p:nvPr>
-        </p:nvSpPr>
-        <p:spPr/>
+          <a:lstStyle>
+            <a:lvl1pPr marL="0" indent="0" algn="l" defTabSz="914400" rtl="0" eaLnBrk="1" latinLnBrk="0" hangingPunct="1">
+              <a:lnSpc>
+                <a:spcPct val="100000"/>
+              </a:lnSpc>
+              <a:spcBef>
+                <a:spcPts val="1000"/>
+              </a:spcBef>
+              <a:buFont typeface="Arial" panose="020B0604020202020204" pitchFamily="34" charset="0"/>
+              <a:buNone/>
+              <a:defRPr sz="2400" kern="1200">
+                <a:solidFill>
+                  <a:schemeClr val="tx1"/>
+                </a:solidFill>
+                <a:latin typeface="+mn-lt"/>
+                <a:ea typeface="+mn-ea"/>
+                <a:cs typeface="+mn-cs"/>
+              </a:defRPr>
+            </a:lvl1pPr>
+            <a:lvl2pPr marL="685800" indent="-228600" algn="l" defTabSz="914400" rtl="0" eaLnBrk="1" latinLnBrk="0" hangingPunct="1">
+              <a:lnSpc>
+                <a:spcPct val="100000"/>
+              </a:lnSpc>
+              <a:spcBef>
+                <a:spcPts val="500"/>
+              </a:spcBef>
+              <a:buFont typeface="Arial" panose="020B0604020202020204" pitchFamily="34" charset="0"/>
+              <a:buChar char="•"/>
+              <a:defRPr sz="2000" kern="1200">
+                <a:solidFill>
+                  <a:schemeClr val="tx1"/>
+                </a:solidFill>
+                <a:latin typeface="+mn-lt"/>
+                <a:ea typeface="+mn-ea"/>
+                <a:cs typeface="+mn-cs"/>
+              </a:defRPr>
+            </a:lvl2pPr>
+            <a:lvl3pPr marL="914400" indent="0" algn="l" defTabSz="914400" rtl="0" eaLnBrk="1" latinLnBrk="0" hangingPunct="1">
+              <a:lnSpc>
+                <a:spcPct val="100000"/>
+              </a:lnSpc>
+              <a:spcBef>
+                <a:spcPts val="500"/>
+              </a:spcBef>
+              <a:buFont typeface="Arial" panose="020B0604020202020204" pitchFamily="34" charset="0"/>
+              <a:buNone/>
+              <a:defRPr sz="2000" kern="1200">
+                <a:solidFill>
+                  <a:schemeClr val="tx1"/>
+                </a:solidFill>
+                <a:latin typeface="+mn-lt"/>
+                <a:ea typeface="+mn-ea"/>
+                <a:cs typeface="+mn-cs"/>
+              </a:defRPr>
+            </a:lvl3pPr>
+            <a:lvl4pPr marL="1600200" indent="-228600" algn="l" defTabSz="914400" rtl="0" eaLnBrk="1" latinLnBrk="0" hangingPunct="1">
+              <a:lnSpc>
+                <a:spcPct val="100000"/>
+              </a:lnSpc>
+              <a:spcBef>
+                <a:spcPts val="500"/>
+              </a:spcBef>
+              <a:buFont typeface="Arial" panose="020B0604020202020204" pitchFamily="34" charset="0"/>
+              <a:buChar char="•"/>
+              <a:defRPr sz="1800" kern="1200">
+                <a:solidFill>
+                  <a:schemeClr val="tx1"/>
+                </a:solidFill>
+                <a:latin typeface="+mn-lt"/>
+                <a:ea typeface="+mn-ea"/>
+                <a:cs typeface="+mn-cs"/>
+              </a:defRPr>
+            </a:lvl4pPr>
+            <a:lvl5pPr marL="1828800" indent="0" algn="l" defTabSz="914400" rtl="0" eaLnBrk="1" latinLnBrk="0" hangingPunct="1">
+              <a:lnSpc>
+                <a:spcPct val="100000"/>
+              </a:lnSpc>
+              <a:spcBef>
+                <a:spcPts val="500"/>
+              </a:spcBef>
+              <a:buFont typeface="Arial" panose="020B0604020202020204" pitchFamily="34" charset="0"/>
+              <a:buNone/>
+              <a:defRPr sz="1800" kern="1200">
+                <a:solidFill>
+                  <a:schemeClr val="tx1"/>
+                </a:solidFill>
+                <a:latin typeface="+mn-lt"/>
+                <a:ea typeface="+mn-ea"/>
+                <a:cs typeface="+mn-cs"/>
+              </a:defRPr>
+            </a:lvl5pPr>
+            <a:lvl6pPr marL="2514600" indent="-228600" algn="l" defTabSz="914400" rtl="0" eaLnBrk="1" latinLnBrk="0" hangingPunct="1">
+              <a:lnSpc>
+                <a:spcPct val="90000"/>
+              </a:lnSpc>
+              <a:spcBef>
+                <a:spcPts val="500"/>
+              </a:spcBef>
+              <a:buFont typeface="Arial" panose="020B0604020202020204" pitchFamily="34" charset="0"/>
+              <a:buChar char="•"/>
+              <a:defRPr sz="1800" kern="1200">
+                <a:solidFill>
+                  <a:schemeClr val="tx1"/>
+                </a:solidFill>
+                <a:latin typeface="+mn-lt"/>
+                <a:ea typeface="+mn-ea"/>
+                <a:cs typeface="+mn-cs"/>
+              </a:defRPr>
+            </a:lvl6pPr>
+            <a:lvl7pPr marL="2971800" indent="-228600" algn="l" defTabSz="914400" rtl="0" eaLnBrk="1" latinLnBrk="0" hangingPunct="1">
+              <a:lnSpc>
+                <a:spcPct val="90000"/>
+              </a:lnSpc>
+              <a:spcBef>
+                <a:spcPts val="500"/>
+              </a:spcBef>
+              <a:buFont typeface="Arial" panose="020B0604020202020204" pitchFamily="34" charset="0"/>
+              <a:buChar char="•"/>
+              <a:defRPr sz="1800" kern="1200">
+                <a:solidFill>
+                  <a:schemeClr val="tx1"/>
+                </a:solidFill>
+                <a:latin typeface="+mn-lt"/>
+                <a:ea typeface="+mn-ea"/>
+                <a:cs typeface="+mn-cs"/>
+              </a:defRPr>
+            </a:lvl7pPr>
+            <a:lvl8pPr marL="3429000" indent="-228600" algn="l" defTabSz="914400" rtl="0" eaLnBrk="1" latinLnBrk="0" hangingPunct="1">
+              <a:lnSpc>
+                <a:spcPct val="90000"/>
+              </a:lnSpc>
+              <a:spcBef>
+                <a:spcPts val="500"/>
+              </a:spcBef>
+              <a:buFont typeface="Arial" panose="020B0604020202020204" pitchFamily="34" charset="0"/>
+              <a:buChar char="•"/>
+              <a:defRPr sz="1800" kern="1200">
+                <a:solidFill>
+                  <a:schemeClr val="tx1"/>
+                </a:solidFill>
+                <a:latin typeface="+mn-lt"/>
+                <a:ea typeface="+mn-ea"/>
+                <a:cs typeface="+mn-cs"/>
+              </a:defRPr>
+            </a:lvl8pPr>
+            <a:lvl9pPr marL="3886200" indent="-228600" algn="l" defTabSz="914400" rtl="0" eaLnBrk="1" latinLnBrk="0" hangingPunct="1">
+              <a:lnSpc>
+                <a:spcPct val="90000"/>
+              </a:lnSpc>
+              <a:spcBef>
+                <a:spcPts val="500"/>
+              </a:spcBef>
+              <a:buFont typeface="Arial" panose="020B0604020202020204" pitchFamily="34" charset="0"/>
+              <a:buChar char="•"/>
+              <a:defRPr sz="1800" kern="1200">
+                <a:solidFill>
+                  <a:schemeClr val="tx1"/>
+                </a:solidFill>
+                <a:latin typeface="+mn-lt"/>
+                <a:ea typeface="+mn-ea"/>
+                <a:cs typeface="+mn-cs"/>
+              </a:defRPr>
+            </a:lvl9pPr>
+          </a:lstStyle>
+          <a:p>
+            <a:r>
+              <a:rPr lang="en-US" dirty="0"/>
+              <a:t>Objectives</a:t>
+            </a:r>
+          </a:p>
+          <a:p>
+            <a:pPr marL="342900" indent="-342900">
+              <a:buFont typeface="Arial" panose="020B0604020202020204" pitchFamily="34" charset="0"/>
+              <a:buChar char="•"/>
+            </a:pPr>
+            <a:r>
+              <a:rPr lang="en-US" dirty="0"/>
+              <a:t>Weekly Objectives</a:t>
+            </a:r>
+          </a:p>
+          <a:p>
+            <a:pPr marL="342900" indent="-342900">
+              <a:buFont typeface="Arial" panose="020B0604020202020204" pitchFamily="34" charset="0"/>
+              <a:buChar char="•"/>
+            </a:pPr>
+            <a:r>
+              <a:rPr lang="en-US" dirty="0"/>
+              <a:t>Daily Objectives</a:t>
+            </a:r>
+          </a:p>
+        </p:txBody>
+      </p:sp>
+      <p:sp>
+        <p:nvSpPr>
+          <p:cNvPr id="4" name="Title 1">
+            <a:extLst>
+              <a:ext uri="{FF2B5EF4-FFF2-40B4-BE49-F238E27FC236}">
+                <a16:creationId xmlns:a16="http://schemas.microsoft.com/office/drawing/2014/main" id="{284B7D0B-84D0-A1DD-AEFD-EDC4A9402988}"/>
+              </a:ext>
+            </a:extLst>
+          </p:cNvPr>
+          <p:cNvSpPr txBox="1">
+            <a:spLocks/>
+          </p:cNvSpPr>
+          <p:nvPr/>
+        </p:nvSpPr>
+        <p:spPr>
+          <a:xfrm>
+            <a:off x="515112" y="480567"/>
+            <a:ext cx="4287393" cy="2450593"/>
+          </a:xfrm>
+          <a:prstGeom prst="rect">
+            <a:avLst/>
+          </a:prstGeom>
+        </p:spPr>
         <p:txBody>
           <a:bodyPr/>
-          <a:lstStyle/>
-          <a:p>
-            <a:endParaRPr lang="en-US"/>
-          </a:p>
-        </p:txBody>
-      </p:sp>
-      <p:sp>
-        <p:nvSpPr>
-          <p:cNvPr id="4" name="Text Placeholder 3">
-            <a:extLst>
-              <a:ext uri="{FF2B5EF4-FFF2-40B4-BE49-F238E27FC236}">
-                <a16:creationId xmlns:a16="http://schemas.microsoft.com/office/drawing/2014/main" id="{E5F88F04-E65A-A2D1-1ED7-D13788A7E546}"/>
-              </a:ext>
-            </a:extLst>
-          </p:cNvPr>
-          <p:cNvSpPr>
-            <a:spLocks noGrp="1"/>
-          </p:cNvSpPr>
-          <p:nvPr>
-            <p:ph type="body" sz="half" idx="2"/>
-          </p:nvPr>
-        </p:nvSpPr>
-        <p:spPr/>
-        <p:txBody>
-          <a:bodyPr/>
-          <a:lstStyle/>
-          <a:p>
-            <a:r>
-              <a:rPr lang="en-US" dirty="0" err="1"/>
-              <a:t>dafdf</a:t>
-            </a:r>
-            <a:endParaRPr lang="en-US" dirty="0"/>
+          <a:lstStyle>
+            <a:lvl1pPr algn="l" defTabSz="914400" rtl="0" eaLnBrk="1" latinLnBrk="0" hangingPunct="1">
+              <a:lnSpc>
+                <a:spcPct val="100000"/>
+              </a:lnSpc>
+              <a:spcBef>
+                <a:spcPct val="0"/>
+              </a:spcBef>
+              <a:buNone/>
+              <a:defRPr sz="6600" kern="1200">
+                <a:solidFill>
+                  <a:schemeClr val="tx1"/>
+                </a:solidFill>
+                <a:latin typeface="+mj-lt"/>
+                <a:ea typeface="+mj-ea"/>
+                <a:cs typeface="+mj-cs"/>
+              </a:defRPr>
+            </a:lvl1pPr>
+          </a:lstStyle>
+          <a:p>
+            <a:r>
+              <a:rPr lang="en-US" sz="3000" dirty="0"/>
+              <a:t>Component Diagram</a:t>
+            </a:r>
           </a:p>
         </p:txBody>
       </p:sp>
     </p:spTree>
     <p:extLst>
       <p:ext uri="{BB962C8B-B14F-4D97-AF65-F5344CB8AC3E}">
-        <p14:creationId xmlns:p14="http://schemas.microsoft.com/office/powerpoint/2010/main" val="687385264"/>
+        <p14:creationId xmlns:p14="http://schemas.microsoft.com/office/powerpoint/2010/main" val="2092714641"/>
       </p:ext>
     </p:extLst>
   </p:cSld>
@@ -5463,7 +5698,7 @@
         <p:cNvPr id="1" name="">
           <a:extLst>
             <a:ext uri="{FF2B5EF4-FFF2-40B4-BE49-F238E27FC236}">
-              <a16:creationId xmlns:a16="http://schemas.microsoft.com/office/drawing/2014/main" id="{95A9A0B1-B9CC-5E69-DB3A-AF83103D5385}"/>
+              <a16:creationId xmlns:a16="http://schemas.microsoft.com/office/drawing/2014/main" id="{826C9B89-9610-4C62-AFF6-9C9E42A04202}"/>
             </a:ext>
           </a:extLst>
         </p:cNvPr>
@@ -5483,7 +5718,7 @@
           <p:cNvPr id="3" name="Picture 2" descr="A white background with black text&#10;&#10;Description automatically generated">
             <a:extLst>
               <a:ext uri="{FF2B5EF4-FFF2-40B4-BE49-F238E27FC236}">
-                <a16:creationId xmlns:a16="http://schemas.microsoft.com/office/drawing/2014/main" id="{7E825E69-F9D4-50DE-237F-A0D1C0AC6964}"/>
+                <a16:creationId xmlns:a16="http://schemas.microsoft.com/office/drawing/2014/main" id="{389D95D3-2054-204B-47F0-FB248C5AFB48}"/>
               </a:ext>
             </a:extLst>
           </p:cNvPr>
@@ -5492,7 +5727,7 @@
           </p:cNvPicPr>
           <p:nvPr/>
         </p:nvPicPr>
-        <p:blipFill>
+        <p:blipFill rotWithShape="1">
           <a:blip r:embed="rId2">
             <a:extLst>
               <a:ext uri="{28A0092B-C50C-407E-A947-70E740481C1C}">
@@ -5500,24 +5735,306 @@
               </a:ext>
             </a:extLst>
           </a:blip>
-          <a:stretch>
-            <a:fillRect/>
-          </a:stretch>
+          <a:srcRect l="-853" t="-10144" r="39030" b="63816"/>
+          <a:stretch/>
         </p:blipFill>
         <p:spPr>
           <a:xfrm>
-            <a:off x="0" y="208223"/>
-            <a:ext cx="12192000" cy="6441554"/>
+            <a:off x="515112" y="2193337"/>
+            <a:ext cx="11602341" cy="4593948"/>
           </a:xfrm>
           <a:prstGeom prst="rect">
             <a:avLst/>
           </a:prstGeom>
+          <a:effectLst>
+            <a:softEdge rad="177800"/>
+          </a:effectLst>
         </p:spPr>
       </p:pic>
+      <p:sp>
+        <p:nvSpPr>
+          <p:cNvPr id="2" name="Text Placeholder 3">
+            <a:extLst>
+              <a:ext uri="{FF2B5EF4-FFF2-40B4-BE49-F238E27FC236}">
+                <a16:creationId xmlns:a16="http://schemas.microsoft.com/office/drawing/2014/main" id="{72674073-C5E6-F6F9-1517-A8CC7DF85BB0}"/>
+              </a:ext>
+            </a:extLst>
+          </p:cNvPr>
+          <p:cNvSpPr txBox="1">
+            <a:spLocks/>
+          </p:cNvSpPr>
+          <p:nvPr/>
+        </p:nvSpPr>
+        <p:spPr>
+          <a:xfrm>
+            <a:off x="606552" y="1280160"/>
+            <a:ext cx="3609848" cy="4846320"/>
+          </a:xfrm>
+          <a:prstGeom prst="rect">
+            <a:avLst/>
+          </a:prstGeom>
+        </p:spPr>
+        <p:txBody>
+          <a:bodyPr/>
+          <a:lstStyle>
+            <a:lvl1pPr marL="0" indent="0" algn="l" defTabSz="914400" rtl="0" eaLnBrk="1" latinLnBrk="0" hangingPunct="1">
+              <a:lnSpc>
+                <a:spcPct val="100000"/>
+              </a:lnSpc>
+              <a:spcBef>
+                <a:spcPts val="1000"/>
+              </a:spcBef>
+              <a:buFont typeface="Arial" panose="020B0604020202020204" pitchFamily="34" charset="0"/>
+              <a:buNone/>
+              <a:defRPr sz="2400" kern="1200">
+                <a:solidFill>
+                  <a:schemeClr val="tx1"/>
+                </a:solidFill>
+                <a:latin typeface="+mn-lt"/>
+                <a:ea typeface="+mn-ea"/>
+                <a:cs typeface="+mn-cs"/>
+              </a:defRPr>
+            </a:lvl1pPr>
+            <a:lvl2pPr marL="685800" indent="-228600" algn="l" defTabSz="914400" rtl="0" eaLnBrk="1" latinLnBrk="0" hangingPunct="1">
+              <a:lnSpc>
+                <a:spcPct val="100000"/>
+              </a:lnSpc>
+              <a:spcBef>
+                <a:spcPts val="500"/>
+              </a:spcBef>
+              <a:buFont typeface="Arial" panose="020B0604020202020204" pitchFamily="34" charset="0"/>
+              <a:buChar char="•"/>
+              <a:defRPr sz="2000" kern="1200">
+                <a:solidFill>
+                  <a:schemeClr val="tx1"/>
+                </a:solidFill>
+                <a:latin typeface="+mn-lt"/>
+                <a:ea typeface="+mn-ea"/>
+                <a:cs typeface="+mn-cs"/>
+              </a:defRPr>
+            </a:lvl2pPr>
+            <a:lvl3pPr marL="914400" indent="0" algn="l" defTabSz="914400" rtl="0" eaLnBrk="1" latinLnBrk="0" hangingPunct="1">
+              <a:lnSpc>
+                <a:spcPct val="100000"/>
+              </a:lnSpc>
+              <a:spcBef>
+                <a:spcPts val="500"/>
+              </a:spcBef>
+              <a:buFont typeface="Arial" panose="020B0604020202020204" pitchFamily="34" charset="0"/>
+              <a:buNone/>
+              <a:defRPr sz="2000" kern="1200">
+                <a:solidFill>
+                  <a:schemeClr val="tx1"/>
+                </a:solidFill>
+                <a:latin typeface="+mn-lt"/>
+                <a:ea typeface="+mn-ea"/>
+                <a:cs typeface="+mn-cs"/>
+              </a:defRPr>
+            </a:lvl3pPr>
+            <a:lvl4pPr marL="1600200" indent="-228600" algn="l" defTabSz="914400" rtl="0" eaLnBrk="1" latinLnBrk="0" hangingPunct="1">
+              <a:lnSpc>
+                <a:spcPct val="100000"/>
+              </a:lnSpc>
+              <a:spcBef>
+                <a:spcPts val="500"/>
+              </a:spcBef>
+              <a:buFont typeface="Arial" panose="020B0604020202020204" pitchFamily="34" charset="0"/>
+              <a:buChar char="•"/>
+              <a:defRPr sz="1800" kern="1200">
+                <a:solidFill>
+                  <a:schemeClr val="tx1"/>
+                </a:solidFill>
+                <a:latin typeface="+mn-lt"/>
+                <a:ea typeface="+mn-ea"/>
+                <a:cs typeface="+mn-cs"/>
+              </a:defRPr>
+            </a:lvl4pPr>
+            <a:lvl5pPr marL="1828800" indent="0" algn="l" defTabSz="914400" rtl="0" eaLnBrk="1" latinLnBrk="0" hangingPunct="1">
+              <a:lnSpc>
+                <a:spcPct val="100000"/>
+              </a:lnSpc>
+              <a:spcBef>
+                <a:spcPts val="500"/>
+              </a:spcBef>
+              <a:buFont typeface="Arial" panose="020B0604020202020204" pitchFamily="34" charset="0"/>
+              <a:buNone/>
+              <a:defRPr sz="1800" kern="1200">
+                <a:solidFill>
+                  <a:schemeClr val="tx1"/>
+                </a:solidFill>
+                <a:latin typeface="+mn-lt"/>
+                <a:ea typeface="+mn-ea"/>
+                <a:cs typeface="+mn-cs"/>
+              </a:defRPr>
+            </a:lvl5pPr>
+            <a:lvl6pPr marL="2514600" indent="-228600" algn="l" defTabSz="914400" rtl="0" eaLnBrk="1" latinLnBrk="0" hangingPunct="1">
+              <a:lnSpc>
+                <a:spcPct val="90000"/>
+              </a:lnSpc>
+              <a:spcBef>
+                <a:spcPts val="500"/>
+              </a:spcBef>
+              <a:buFont typeface="Arial" panose="020B0604020202020204" pitchFamily="34" charset="0"/>
+              <a:buChar char="•"/>
+              <a:defRPr sz="1800" kern="1200">
+                <a:solidFill>
+                  <a:schemeClr val="tx1"/>
+                </a:solidFill>
+                <a:latin typeface="+mn-lt"/>
+                <a:ea typeface="+mn-ea"/>
+                <a:cs typeface="+mn-cs"/>
+              </a:defRPr>
+            </a:lvl6pPr>
+            <a:lvl7pPr marL="2971800" indent="-228600" algn="l" defTabSz="914400" rtl="0" eaLnBrk="1" latinLnBrk="0" hangingPunct="1">
+              <a:lnSpc>
+                <a:spcPct val="90000"/>
+              </a:lnSpc>
+              <a:spcBef>
+                <a:spcPts val="500"/>
+              </a:spcBef>
+              <a:buFont typeface="Arial" panose="020B0604020202020204" pitchFamily="34" charset="0"/>
+              <a:buChar char="•"/>
+              <a:defRPr sz="1800" kern="1200">
+                <a:solidFill>
+                  <a:schemeClr val="tx1"/>
+                </a:solidFill>
+                <a:latin typeface="+mn-lt"/>
+                <a:ea typeface="+mn-ea"/>
+                <a:cs typeface="+mn-cs"/>
+              </a:defRPr>
+            </a:lvl7pPr>
+            <a:lvl8pPr marL="3429000" indent="-228600" algn="l" defTabSz="914400" rtl="0" eaLnBrk="1" latinLnBrk="0" hangingPunct="1">
+              <a:lnSpc>
+                <a:spcPct val="90000"/>
+              </a:lnSpc>
+              <a:spcBef>
+                <a:spcPts val="500"/>
+              </a:spcBef>
+              <a:buFont typeface="Arial" panose="020B0604020202020204" pitchFamily="34" charset="0"/>
+              <a:buChar char="•"/>
+              <a:defRPr sz="1800" kern="1200">
+                <a:solidFill>
+                  <a:schemeClr val="tx1"/>
+                </a:solidFill>
+                <a:latin typeface="+mn-lt"/>
+                <a:ea typeface="+mn-ea"/>
+                <a:cs typeface="+mn-cs"/>
+              </a:defRPr>
+            </a:lvl8pPr>
+            <a:lvl9pPr marL="3886200" indent="-228600" algn="l" defTabSz="914400" rtl="0" eaLnBrk="1" latinLnBrk="0" hangingPunct="1">
+              <a:lnSpc>
+                <a:spcPct val="90000"/>
+              </a:lnSpc>
+              <a:spcBef>
+                <a:spcPts val="500"/>
+              </a:spcBef>
+              <a:buFont typeface="Arial" panose="020B0604020202020204" pitchFamily="34" charset="0"/>
+              <a:buChar char="•"/>
+              <a:defRPr sz="1800" kern="1200">
+                <a:solidFill>
+                  <a:schemeClr val="tx1"/>
+                </a:solidFill>
+                <a:latin typeface="+mn-lt"/>
+                <a:ea typeface="+mn-ea"/>
+                <a:cs typeface="+mn-cs"/>
+              </a:defRPr>
+            </a:lvl9pPr>
+          </a:lstStyle>
+          <a:p>
+            <a:r>
+              <a:rPr lang="en-US" dirty="0"/>
+              <a:t>Garden</a:t>
+            </a:r>
+          </a:p>
+          <a:p>
+            <a:pPr marL="342900" indent="-342900">
+              <a:buFont typeface="Arial" panose="020B0604020202020204" pitchFamily="34" charset="0"/>
+              <a:buChar char="•"/>
+            </a:pPr>
+            <a:r>
+              <a:rPr lang="en-US" dirty="0"/>
+              <a:t>Inventory</a:t>
+            </a:r>
+          </a:p>
+          <a:p>
+            <a:pPr marL="342900" indent="-342900">
+              <a:buFont typeface="Arial" panose="020B0604020202020204" pitchFamily="34" charset="0"/>
+              <a:buChar char="•"/>
+            </a:pPr>
+            <a:r>
+              <a:rPr lang="en-US" dirty="0"/>
+              <a:t>Garden display</a:t>
+            </a:r>
+          </a:p>
+          <a:p>
+            <a:pPr marL="1028700" lvl="1" indent="-342900"/>
+            <a:r>
+              <a:rPr lang="en-US" dirty="0" err="1"/>
+              <a:t>Xp</a:t>
+            </a:r>
+            <a:r>
+              <a:rPr lang="en-US" dirty="0"/>
+              <a:t> multiplier</a:t>
+            </a:r>
+          </a:p>
+        </p:txBody>
+      </p:sp>
+      <p:sp>
+        <p:nvSpPr>
+          <p:cNvPr id="4" name="Title 1">
+            <a:extLst>
+              <a:ext uri="{FF2B5EF4-FFF2-40B4-BE49-F238E27FC236}">
+                <a16:creationId xmlns:a16="http://schemas.microsoft.com/office/drawing/2014/main" id="{7396B0F0-2C13-C8FC-172A-79C43839A910}"/>
+              </a:ext>
+            </a:extLst>
+          </p:cNvPr>
+          <p:cNvSpPr txBox="1">
+            <a:spLocks/>
+          </p:cNvSpPr>
+          <p:nvPr/>
+        </p:nvSpPr>
+        <p:spPr>
+          <a:xfrm>
+            <a:off x="515112" y="480567"/>
+            <a:ext cx="4287393" cy="2450593"/>
+          </a:xfrm>
+          <a:prstGeom prst="rect">
+            <a:avLst/>
+          </a:prstGeom>
+        </p:spPr>
+        <p:txBody>
+          <a:bodyPr/>
+          <a:lstStyle>
+            <a:lvl1pPr algn="l" defTabSz="914400" rtl="0" eaLnBrk="1" latinLnBrk="0" hangingPunct="1">
+              <a:lnSpc>
+                <a:spcPct val="100000"/>
+              </a:lnSpc>
+              <a:spcBef>
+                <a:spcPct val="0"/>
+              </a:spcBef>
+              <a:buNone/>
+              <a:defRPr sz="6600" kern="1200">
+                <a:solidFill>
+                  <a:schemeClr val="tx1"/>
+                </a:solidFill>
+                <a:latin typeface="+mj-lt"/>
+                <a:ea typeface="+mj-ea"/>
+                <a:cs typeface="+mj-cs"/>
+              </a:defRPr>
+            </a:lvl1pPr>
+          </a:lstStyle>
+          <a:p>
+            <a:r>
+              <a:rPr lang="en-US" sz="3000" dirty="0"/>
+              <a:t>Component Diagram</a:t>
+            </a:r>
+          </a:p>
+        </p:txBody>
+      </p:sp>
     </p:spTree>
     <p:extLst>
       <p:ext uri="{BB962C8B-B14F-4D97-AF65-F5344CB8AC3E}">
-        <p14:creationId xmlns:p14="http://schemas.microsoft.com/office/powerpoint/2010/main" val="398910363"/>
+        <p14:creationId xmlns:p14="http://schemas.microsoft.com/office/powerpoint/2010/main" val="75662964"/>
       </p:ext>
     </p:extLst>
   </p:cSld>

--- a/Documentation/DiagramPresentation.pptx
+++ b/Documentation/DiagramPresentation.pptx
@@ -8,16 +8,14 @@
     <p:sldId id="256" r:id="rId2"/>
     <p:sldId id="258" r:id="rId3"/>
     <p:sldId id="257" r:id="rId4"/>
-    <p:sldId id="259" r:id="rId5"/>
-    <p:sldId id="260" r:id="rId6"/>
-    <p:sldId id="261" r:id="rId7"/>
-    <p:sldId id="266" r:id="rId8"/>
-    <p:sldId id="262" r:id="rId9"/>
-    <p:sldId id="263" r:id="rId10"/>
-    <p:sldId id="267" r:id="rId11"/>
-    <p:sldId id="268" r:id="rId12"/>
-    <p:sldId id="269" r:id="rId13"/>
-    <p:sldId id="270" r:id="rId14"/>
+    <p:sldId id="262" r:id="rId5"/>
+    <p:sldId id="266" r:id="rId6"/>
+    <p:sldId id="264" r:id="rId7"/>
+    <p:sldId id="267" r:id="rId8"/>
+    <p:sldId id="265" r:id="rId9"/>
+    <p:sldId id="259" r:id="rId10"/>
+    <p:sldId id="260" r:id="rId11"/>
+    <p:sldId id="261" r:id="rId12"/>
   </p:sldIdLst>
   <p:sldSz cx="12192000" cy="6858000"/>
   <p:notesSz cx="6858000" cy="9144000"/>
@@ -128,6 +126,8 @@
 <p1510:revInfo xmlns:a="http://schemas.openxmlformats.org/drawingml/2006/main" xmlns:r="http://schemas.openxmlformats.org/officeDocument/2006/relationships" xmlns:p1510="http://schemas.microsoft.com/office/powerpoint/2015/10/main">
   <p1510:revLst>
     <p1510:client id="{06157ADC-4738-3A07-1936-F1B516799412}" v="372" dt="2024-02-27T03:00:12.348"/>
+    <p1510:client id="{2359DC81-BB17-CBB3-BDFB-E86B5E922CB9}" v="47" dt="2024-02-27T18:30:16.885"/>
+    <p1510:client id="{3D5B96F5-1999-2D8F-ECC5-CCE46EFA3AE1}" v="1273" dt="2024-02-27T18:28:09.994"/>
     <p1510:client id="{5C02849D-A3EE-6A27-E8E0-4529AB579D0A}" v="143" dt="2024-02-27T08:39:21.244"/>
     <p1510:client id="{61130A38-B2E3-FC3D-3C69-23C2F1F0AA70}" v="2" dt="2024-02-27T00:27:03.787"/>
     <p1510:client id="{7C890894-0D04-0F74-6FEC-7CFF13BF2BF8}" v="181" dt="2024-02-27T05:19:29.326"/>
@@ -4481,7 +4481,7 @@
           <a:p>
             <a:pPr algn="r"/>
             <a:r>
-              <a:rPr lang="en-US" sz="2000" dirty="0">
+              <a:rPr lang="en-US" sz="2000">
                 <a:solidFill>
                   <a:srgbClr val="FFFFFF"/>
                 </a:solidFill>
@@ -4615,13 +4615,7 @@
   <p:cSld>
     <p:spTree>
       <p:nvGrpSpPr>
-        <p:cNvPr id="1" name="">
-          <a:extLst>
-            <a:ext uri="{FF2B5EF4-FFF2-40B4-BE49-F238E27FC236}">
-              <a16:creationId xmlns:a16="http://schemas.microsoft.com/office/drawing/2014/main" id="{FDA1F741-DBB6-67C7-2DAF-D2F48FFE9181}"/>
-            </a:ext>
-          </a:extLst>
-        </p:cNvPr>
+        <p:cNvPr id="1" name=""/>
         <p:cNvGrpSpPr/>
         <p:nvPr/>
       </p:nvGrpSpPr>
@@ -4635,10 +4629,390 @@
       </p:grpSpPr>
       <p:pic>
         <p:nvPicPr>
-          <p:cNvPr id="3" name="Picture 2" descr="A white background with black text&#10;&#10;Description automatically generated">
-            <a:extLst>
-              <a:ext uri="{FF2B5EF4-FFF2-40B4-BE49-F238E27FC236}">
-                <a16:creationId xmlns:a16="http://schemas.microsoft.com/office/drawing/2014/main" id="{E1AFB45C-EEB8-EFE8-322B-FEA5D65E793E}"/>
+          <p:cNvPr id="4" name="Picture 3" descr="A screenshot of a sign-in application&#10;&#10;Description automatically generated">
+            <a:extLst>
+              <a:ext uri="{FF2B5EF4-FFF2-40B4-BE49-F238E27FC236}">
+                <a16:creationId xmlns:a16="http://schemas.microsoft.com/office/drawing/2014/main" id="{347A2332-5396-0A1A-AF3D-1EEC1B568904}"/>
+              </a:ext>
+            </a:extLst>
+          </p:cNvPr>
+          <p:cNvPicPr>
+            <a:picLocks noChangeAspect="1"/>
+          </p:cNvPicPr>
+          <p:nvPr/>
+        </p:nvPicPr>
+        <p:blipFill>
+          <a:blip r:embed="rId2"/>
+          <a:stretch>
+            <a:fillRect/>
+          </a:stretch>
+        </p:blipFill>
+        <p:spPr>
+          <a:xfrm>
+            <a:off x="479726" y="62782"/>
+            <a:ext cx="5453808" cy="7004648"/>
+          </a:xfrm>
+          <a:prstGeom prst="rect">
+            <a:avLst/>
+          </a:prstGeom>
+        </p:spPr>
+      </p:pic>
+      <p:pic>
+        <p:nvPicPr>
+          <p:cNvPr id="3" name="Picture 2" descr="A screenshot of a diagram&#10;&#10;Description automatically generated">
+            <a:extLst>
+              <a:ext uri="{FF2B5EF4-FFF2-40B4-BE49-F238E27FC236}">
+                <a16:creationId xmlns:a16="http://schemas.microsoft.com/office/drawing/2014/main" id="{AAB3F215-9666-0671-B685-5C1742894478}"/>
+              </a:ext>
+            </a:extLst>
+          </p:cNvPr>
+          <p:cNvPicPr>
+            <a:picLocks noChangeAspect="1"/>
+          </p:cNvPicPr>
+          <p:nvPr/>
+        </p:nvPicPr>
+        <p:blipFill>
+          <a:blip r:embed="rId3"/>
+          <a:stretch>
+            <a:fillRect/>
+          </a:stretch>
+        </p:blipFill>
+        <p:spPr>
+          <a:xfrm>
+            <a:off x="6160061" y="3676"/>
+            <a:ext cx="5540072" cy="7134043"/>
+          </a:xfrm>
+          <a:prstGeom prst="rect">
+            <a:avLst/>
+          </a:prstGeom>
+        </p:spPr>
+      </p:pic>
+    </p:spTree>
+    <p:extLst>
+      <p:ext uri="{BB962C8B-B14F-4D97-AF65-F5344CB8AC3E}">
+        <p14:creationId xmlns:p14="http://schemas.microsoft.com/office/powerpoint/2010/main" val="4216123075"/>
+      </p:ext>
+    </p:extLst>
+  </p:cSld>
+  <p:clrMapOvr>
+    <a:masterClrMapping/>
+  </p:clrMapOvr>
+</p:sld>
+</file>
+
+<file path=ppt/slides/slide11.xml><?xml version="1.0" encoding="utf-8"?>
+<p:sld xmlns:a="http://schemas.openxmlformats.org/drawingml/2006/main" xmlns:r="http://schemas.openxmlformats.org/officeDocument/2006/relationships" xmlns:p="http://schemas.openxmlformats.org/presentationml/2006/main">
+  <p:cSld>
+    <p:spTree>
+      <p:nvGrpSpPr>
+        <p:cNvPr id="1" name=""/>
+        <p:cNvGrpSpPr/>
+        <p:nvPr/>
+      </p:nvGrpSpPr>
+      <p:grpSpPr>
+        <a:xfrm>
+          <a:off x="0" y="0"/>
+          <a:ext cx="0" cy="0"/>
+          <a:chOff x="0" y="0"/>
+          <a:chExt cx="0" cy="0"/>
+        </a:xfrm>
+      </p:grpSpPr>
+      <p:pic>
+        <p:nvPicPr>
+          <p:cNvPr id="2" name="Picture 1" descr="A screenshot of a computer screen&#10;&#10;Description automatically generated">
+            <a:extLst>
+              <a:ext uri="{FF2B5EF4-FFF2-40B4-BE49-F238E27FC236}">
+                <a16:creationId xmlns:a16="http://schemas.microsoft.com/office/drawing/2014/main" id="{3166DD20-CFE4-2396-3232-7164A254952F}"/>
+              </a:ext>
+            </a:extLst>
+          </p:cNvPr>
+          <p:cNvPicPr>
+            <a:picLocks noChangeAspect="1"/>
+          </p:cNvPicPr>
+          <p:nvPr/>
+        </p:nvPicPr>
+        <p:blipFill>
+          <a:blip r:embed="rId2"/>
+          <a:stretch>
+            <a:fillRect/>
+          </a:stretch>
+        </p:blipFill>
+        <p:spPr>
+          <a:xfrm>
+            <a:off x="6982" y="1672900"/>
+            <a:ext cx="4159847" cy="5351252"/>
+          </a:xfrm>
+          <a:prstGeom prst="rect">
+            <a:avLst/>
+          </a:prstGeom>
+        </p:spPr>
+      </p:pic>
+      <p:pic>
+        <p:nvPicPr>
+          <p:cNvPr id="6" name="Picture 5" descr="A screenshot of a computer&#10;&#10;Description automatically generated">
+            <a:extLst>
+              <a:ext uri="{FF2B5EF4-FFF2-40B4-BE49-F238E27FC236}">
+                <a16:creationId xmlns:a16="http://schemas.microsoft.com/office/drawing/2014/main" id="{F3905651-CD7F-2D28-25B6-EEC6925087E4}"/>
+              </a:ext>
+            </a:extLst>
+          </p:cNvPr>
+          <p:cNvPicPr>
+            <a:picLocks noChangeAspect="1"/>
+          </p:cNvPicPr>
+          <p:nvPr/>
+        </p:nvPicPr>
+        <p:blipFill>
+          <a:blip r:embed="rId3"/>
+          <a:stretch>
+            <a:fillRect/>
+          </a:stretch>
+        </p:blipFill>
+        <p:spPr>
+          <a:xfrm>
+            <a:off x="4129977" y="1671766"/>
+            <a:ext cx="4159847" cy="5365630"/>
+          </a:xfrm>
+          <a:prstGeom prst="rect">
+            <a:avLst/>
+          </a:prstGeom>
+        </p:spPr>
+      </p:pic>
+      <p:pic>
+        <p:nvPicPr>
+          <p:cNvPr id="7" name="Picture 6" descr="A screenshot of a computer&#10;&#10;Description automatically generated">
+            <a:extLst>
+              <a:ext uri="{FF2B5EF4-FFF2-40B4-BE49-F238E27FC236}">
+                <a16:creationId xmlns:a16="http://schemas.microsoft.com/office/drawing/2014/main" id="{6F316144-27D7-EA74-EC22-CEB68C310D47}"/>
+              </a:ext>
+            </a:extLst>
+          </p:cNvPr>
+          <p:cNvPicPr>
+            <a:picLocks noChangeAspect="1"/>
+          </p:cNvPicPr>
+          <p:nvPr/>
+        </p:nvPicPr>
+        <p:blipFill>
+          <a:blip r:embed="rId4"/>
+          <a:stretch>
+            <a:fillRect/>
+          </a:stretch>
+        </p:blipFill>
+        <p:spPr>
+          <a:xfrm>
+            <a:off x="8302606" y="1976887"/>
+            <a:ext cx="3929809" cy="5063705"/>
+          </a:xfrm>
+          <a:prstGeom prst="rect">
+            <a:avLst/>
+          </a:prstGeom>
+        </p:spPr>
+      </p:pic>
+      <p:sp>
+        <p:nvSpPr>
+          <p:cNvPr id="4" name="TextBox 3">
+            <a:extLst>
+              <a:ext uri="{FF2B5EF4-FFF2-40B4-BE49-F238E27FC236}">
+                <a16:creationId xmlns:a16="http://schemas.microsoft.com/office/drawing/2014/main" id="{B3C4E843-196C-FE0A-9800-2CAF393B73C4}"/>
+              </a:ext>
+            </a:extLst>
+          </p:cNvPr>
+          <p:cNvSpPr txBox="1"/>
+          <p:nvPr/>
+        </p:nvSpPr>
+        <p:spPr>
+          <a:xfrm>
+            <a:off x="505444" y="532868"/>
+            <a:ext cx="9933223" cy="1107996"/>
+          </a:xfrm>
+          <a:prstGeom prst="rect">
+            <a:avLst/>
+          </a:prstGeom>
+          <a:noFill/>
+        </p:spPr>
+        <p:txBody>
+          <a:bodyPr rot="0" spcFirstLastPara="0" vertOverflow="overflow" horzOverflow="overflow" vert="horz" wrap="square" lIns="91440" tIns="45720" rIns="91440" bIns="45720" numCol="1" spcCol="0" rtlCol="0" fromWordArt="0" anchor="t" anchorCtr="0" forceAA="0" compatLnSpc="1">
+            <a:prstTxWarp prst="textNoShape">
+              <a:avLst/>
+            </a:prstTxWarp>
+            <a:spAutoFit/>
+          </a:bodyPr>
+          <a:lstStyle/>
+          <a:p>
+            <a:r>
+              <a:rPr lang="en-US" sz="6600"/>
+              <a:t>Storyboard Cont.</a:t>
+            </a:r>
+            <a:endParaRPr lang="en-US"/>
+          </a:p>
+        </p:txBody>
+      </p:sp>
+    </p:spTree>
+    <p:extLst>
+      <p:ext uri="{BB962C8B-B14F-4D97-AF65-F5344CB8AC3E}">
+        <p14:creationId xmlns:p14="http://schemas.microsoft.com/office/powerpoint/2010/main" val="532518087"/>
+      </p:ext>
+    </p:extLst>
+  </p:cSld>
+  <p:clrMapOvr>
+    <a:masterClrMapping/>
+  </p:clrMapOvr>
+</p:sld>
+</file>
+
+<file path=ppt/slides/slide2.xml><?xml version="1.0" encoding="utf-8"?>
+<p:sld xmlns:a="http://schemas.openxmlformats.org/drawingml/2006/main" xmlns:r="http://schemas.openxmlformats.org/officeDocument/2006/relationships" xmlns:p="http://schemas.openxmlformats.org/presentationml/2006/main">
+  <p:cSld>
+    <p:bg>
+      <p:bgPr>
+        <a:solidFill>
+          <a:schemeClr val="bg1"/>
+        </a:solidFill>
+        <a:effectLst/>
+      </p:bgPr>
+    </p:bg>
+    <p:spTree>
+      <p:nvGrpSpPr>
+        <p:cNvPr id="1" name=""/>
+        <p:cNvGrpSpPr/>
+        <p:nvPr/>
+      </p:nvGrpSpPr>
+      <p:grpSpPr>
+        <a:xfrm>
+          <a:off x="0" y="0"/>
+          <a:ext cx="0" cy="0"/>
+          <a:chOff x="0" y="0"/>
+          <a:chExt cx="0" cy="0"/>
+        </a:xfrm>
+      </p:grpSpPr>
+      <p:sp useBgFill="1">
+        <p:nvSpPr>
+          <p:cNvPr id="38" name="Rectangle 37">
+            <a:extLst>
+              <a:ext uri="{FF2B5EF4-FFF2-40B4-BE49-F238E27FC236}">
+                <a16:creationId xmlns:a16="http://schemas.microsoft.com/office/drawing/2014/main" id="{92B0CFF1-78D7-4A83-A95E-71F9E3831622}"/>
+              </a:ext>
+              <a:ext uri="{C183D7F6-B498-43B3-948B-1728B52AA6E4}">
+                <adec:decorative xmlns:adec="http://schemas.microsoft.com/office/drawing/2017/decorative" val="1"/>
+              </a:ext>
+            </a:extLst>
+          </p:cNvPr>
+          <p:cNvSpPr>
+            <a:spLocks noGrp="1" noRot="1" noChangeAspect="1" noMove="1" noResize="1" noEditPoints="1" noAdjustHandles="1" noChangeArrowheads="1" noChangeShapeType="1" noTextEdit="1"/>
+          </p:cNvSpPr>
+          <p:nvPr>
+            <p:extLst>
+              <p:ext uri="{386F3935-93C4-4BCD-93E2-E3B085C9AB24}">
+                <p16:designElem xmlns:p16="http://schemas.microsoft.com/office/powerpoint/2015/main" val="1"/>
+              </p:ext>
+            </p:extLst>
+          </p:nvPr>
+        </p:nvSpPr>
+        <p:spPr>
+          <a:xfrm>
+            <a:off x="0" y="0"/>
+            <a:ext cx="12192000" cy="6858001"/>
+          </a:xfrm>
+          <a:prstGeom prst="rect">
+            <a:avLst/>
+          </a:prstGeom>
+          <a:ln>
+            <a:noFill/>
+          </a:ln>
+        </p:spPr>
+        <p:style>
+          <a:lnRef idx="2">
+            <a:schemeClr val="accent1">
+              <a:shade val="50000"/>
+            </a:schemeClr>
+          </a:lnRef>
+          <a:fillRef idx="1">
+            <a:schemeClr val="accent1"/>
+          </a:fillRef>
+          <a:effectRef idx="0">
+            <a:schemeClr val="accent1"/>
+          </a:effectRef>
+          <a:fontRef idx="minor">
+            <a:schemeClr val="lt1"/>
+          </a:fontRef>
+        </p:style>
+        <p:txBody>
+          <a:bodyPr rtlCol="0" anchor="ctr"/>
+          <a:lstStyle/>
+          <a:p>
+            <a:pPr algn="ctr"/>
+            <a:endParaRPr lang="en-US"/>
+          </a:p>
+        </p:txBody>
+      </p:sp>
+      <p:sp>
+        <p:nvSpPr>
+          <p:cNvPr id="40" name="Rectangle 39">
+            <a:extLst>
+              <a:ext uri="{FF2B5EF4-FFF2-40B4-BE49-F238E27FC236}">
+                <a16:creationId xmlns:a16="http://schemas.microsoft.com/office/drawing/2014/main" id="{C34B9DE3-1715-4EE3-99FA-C9BC12F5DBA1}"/>
+              </a:ext>
+              <a:ext uri="{C183D7F6-B498-43B3-948B-1728B52AA6E4}">
+                <adec:decorative xmlns:adec="http://schemas.microsoft.com/office/drawing/2017/decorative" val="1"/>
+              </a:ext>
+            </a:extLst>
+          </p:cNvPr>
+          <p:cNvSpPr>
+            <a:spLocks noGrp="1" noRot="1" noChangeAspect="1" noMove="1" noResize="1" noEditPoints="1" noAdjustHandles="1" noChangeArrowheads="1" noChangeShapeType="1" noTextEdit="1"/>
+          </p:cNvSpPr>
+          <p:nvPr>
+            <p:extLst>
+              <p:ext uri="{386F3935-93C4-4BCD-93E2-E3B085C9AB24}">
+                <p16:designElem xmlns:p16="http://schemas.microsoft.com/office/powerpoint/2015/main" val="1"/>
+              </p:ext>
+            </p:extLst>
+          </p:nvPr>
+        </p:nvSpPr>
+        <p:spPr>
+          <a:xfrm>
+            <a:off x="0" y="0"/>
+            <a:ext cx="12192000" cy="6858001"/>
+          </a:xfrm>
+          <a:prstGeom prst="rect">
+            <a:avLst/>
+          </a:prstGeom>
+          <a:solidFill>
+            <a:srgbClr val="000000"/>
+          </a:solidFill>
+          <a:ln>
+            <a:noFill/>
+          </a:ln>
+        </p:spPr>
+        <p:style>
+          <a:lnRef idx="2">
+            <a:schemeClr val="accent1">
+              <a:shade val="50000"/>
+            </a:schemeClr>
+          </a:lnRef>
+          <a:fillRef idx="1">
+            <a:schemeClr val="accent1"/>
+          </a:fillRef>
+          <a:effectRef idx="0">
+            <a:schemeClr val="accent1"/>
+          </a:effectRef>
+          <a:fontRef idx="minor">
+            <a:schemeClr val="lt1"/>
+          </a:fontRef>
+        </p:style>
+        <p:txBody>
+          <a:bodyPr rtlCol="0" anchor="ctr"/>
+          <a:lstStyle/>
+          <a:p>
+            <a:pPr algn="ctr"/>
+            <a:endParaRPr lang="en-US"/>
+          </a:p>
+        </p:txBody>
+      </p:sp>
+      <p:pic>
+        <p:nvPicPr>
+          <p:cNvPr id="4" name="Content Placeholder 3" descr="A child writing the word 100% on a blackboard">
+            <a:extLst>
+              <a:ext uri="{FF2B5EF4-FFF2-40B4-BE49-F238E27FC236}">
+                <a16:creationId xmlns:a16="http://schemas.microsoft.com/office/drawing/2014/main" id="{23CF51F9-FFC4-D0B9-9BD1-A5A4E8E41BE5}"/>
               </a:ext>
             </a:extLst>
           </p:cNvPr>
@@ -4649,53 +5023,1370 @@
         </p:nvPicPr>
         <p:blipFill rotWithShape="1">
           <a:blip r:embed="rId2">
-            <a:extLst>
-              <a:ext uri="{28A0092B-C50C-407E-A947-70E740481C1C}">
-                <a14:useLocalDpi xmlns:a14="http://schemas.microsoft.com/office/drawing/2010/main" val="0"/>
-              </a:ext>
-            </a:extLst>
+            <a:alphaModFix amt="40000"/>
           </a:blip>
-          <a:srcRect l="44049" t="33600" r="-2343" b="-30190"/>
+          <a:srcRect t="13777" r="-1" b="1931"/>
           <a:stretch/>
         </p:blipFill>
         <p:spPr>
           <a:xfrm>
-            <a:off x="3049730" y="0"/>
-            <a:ext cx="9708143" cy="8499226"/>
+            <a:off x="20" y="10"/>
+            <a:ext cx="12188932" cy="6857990"/>
           </a:xfrm>
           <a:prstGeom prst="rect">
             <a:avLst/>
           </a:prstGeom>
-          <a:effectLst>
-            <a:softEdge rad="177800"/>
-          </a:effectLst>
         </p:spPr>
       </p:pic>
       <p:sp>
         <p:nvSpPr>
-          <p:cNvPr id="2" name="Text Placeholder 3">
-            <a:extLst>
-              <a:ext uri="{FF2B5EF4-FFF2-40B4-BE49-F238E27FC236}">
-                <a16:creationId xmlns:a16="http://schemas.microsoft.com/office/drawing/2014/main" id="{7FE01F00-167A-91D2-3753-5C4DC6402C5E}"/>
-              </a:ext>
-            </a:extLst>
-          </p:cNvPr>
-          <p:cNvSpPr txBox="1">
-            <a:spLocks/>
-          </p:cNvSpPr>
+          <p:cNvPr id="2" name="Title 1">
+            <a:extLst>
+              <a:ext uri="{FF2B5EF4-FFF2-40B4-BE49-F238E27FC236}">
+                <a16:creationId xmlns:a16="http://schemas.microsoft.com/office/drawing/2014/main" id="{977B5CB5-BF8B-F13E-6EFE-0B3857090E44}"/>
+              </a:ext>
+            </a:extLst>
+          </p:cNvPr>
+          <p:cNvSpPr>
+            <a:spLocks noGrp="1"/>
+          </p:cNvSpPr>
+          <p:nvPr>
+            <p:ph type="title"/>
+          </p:nvPr>
+        </p:nvSpPr>
+        <p:spPr>
+          <a:xfrm>
+            <a:off x="482601" y="799418"/>
+            <a:ext cx="11148680" cy="2929357"/>
+          </a:xfrm>
+        </p:spPr>
+        <p:txBody>
+          <a:bodyPr anchor="t">
+            <a:normAutofit/>
+          </a:bodyPr>
+          <a:lstStyle/>
+          <a:p>
+            <a:pPr algn="ctr"/>
+            <a:r>
+              <a:rPr lang="en-US">
+                <a:solidFill>
+                  <a:srgbClr val="FFFFFF"/>
+                </a:solidFill>
+              </a:rPr>
+              <a:t>Discussion Outline</a:t>
+            </a:r>
+          </a:p>
+        </p:txBody>
+      </p:sp>
+      <p:cxnSp>
+        <p:nvCxnSpPr>
+          <p:cNvPr id="42" name="Straight Connector 41">
+            <a:extLst>
+              <a:ext uri="{FF2B5EF4-FFF2-40B4-BE49-F238E27FC236}">
+                <a16:creationId xmlns:a16="http://schemas.microsoft.com/office/drawing/2014/main" id="{6108BD3D-CFD0-4A15-ACF6-EBC254CD7CF1}"/>
+              </a:ext>
+              <a:ext uri="{C183D7F6-B498-43B3-948B-1728B52AA6E4}">
+                <adec:decorative xmlns:adec="http://schemas.microsoft.com/office/drawing/2017/decorative" val="1"/>
+              </a:ext>
+            </a:extLst>
+          </p:cNvPr>
+          <p:cNvCxnSpPr>
+            <a:cxnSpLocks noGrp="1" noRot="1" noChangeAspect="1" noMove="1" noResize="1" noEditPoints="1" noAdjustHandles="1" noChangeArrowheads="1" noChangeShapeType="1"/>
+          </p:cNvCxnSpPr>
+          <p:nvPr>
+            <p:extLst>
+              <p:ext uri="{386F3935-93C4-4BCD-93E2-E3B085C9AB24}">
+                <p16:designElem xmlns:p16="http://schemas.microsoft.com/office/powerpoint/2015/main" val="1"/>
+              </p:ext>
+            </p:extLst>
+          </p:nvPr>
+        </p:nvCxnSpPr>
+        <p:spPr>
+          <a:xfrm>
+            <a:off x="482600" y="489855"/>
+            <a:ext cx="11147071" cy="0"/>
+          </a:xfrm>
+          <a:prstGeom prst="line">
+            <a:avLst/>
+          </a:prstGeom>
+          <a:ln w="28575">
+            <a:solidFill>
+              <a:srgbClr val="FFFFFF"/>
+            </a:solidFill>
+          </a:ln>
+        </p:spPr>
+        <p:style>
+          <a:lnRef idx="1">
+            <a:schemeClr val="dk1"/>
+          </a:lnRef>
+          <a:fillRef idx="0">
+            <a:schemeClr val="dk1"/>
+          </a:fillRef>
+          <a:effectRef idx="0">
+            <a:schemeClr val="dk1"/>
+          </a:effectRef>
+          <a:fontRef idx="minor">
+            <a:schemeClr val="tx1"/>
+          </a:fontRef>
+        </p:style>
+      </p:cxnSp>
+      <p:cxnSp>
+        <p:nvCxnSpPr>
+          <p:cNvPr id="44" name="Straight Connector 43">
+            <a:extLst>
+              <a:ext uri="{FF2B5EF4-FFF2-40B4-BE49-F238E27FC236}">
+                <a16:creationId xmlns:a16="http://schemas.microsoft.com/office/drawing/2014/main" id="{DB2019E5-6C31-4640-A135-6BBA7FFCF694}"/>
+              </a:ext>
+              <a:ext uri="{C183D7F6-B498-43B3-948B-1728B52AA6E4}">
+                <adec:decorative xmlns:adec="http://schemas.microsoft.com/office/drawing/2017/decorative" val="1"/>
+              </a:ext>
+            </a:extLst>
+          </p:cNvPr>
+          <p:cNvCxnSpPr>
+            <a:cxnSpLocks noGrp="1" noRot="1" noChangeAspect="1" noMove="1" noResize="1" noEditPoints="1" noAdjustHandles="1" noChangeArrowheads="1" noChangeShapeType="1"/>
+          </p:cNvCxnSpPr>
+          <p:nvPr>
+            <p:extLst>
+              <p:ext uri="{386F3935-93C4-4BCD-93E2-E3B085C9AB24}">
+                <p16:designElem xmlns:p16="http://schemas.microsoft.com/office/powerpoint/2015/main" val="1"/>
+              </p:ext>
+            </p:extLst>
+          </p:nvPr>
+        </p:nvCxnSpPr>
+        <p:spPr>
+          <a:xfrm>
+            <a:off x="482600" y="6368138"/>
+            <a:ext cx="11147071" cy="0"/>
+          </a:xfrm>
+          <a:prstGeom prst="line">
+            <a:avLst/>
+          </a:prstGeom>
+          <a:ln w="28575">
+            <a:solidFill>
+              <a:srgbClr val="FFFFFF"/>
+            </a:solidFill>
+          </a:ln>
+        </p:spPr>
+        <p:style>
+          <a:lnRef idx="1">
+            <a:schemeClr val="dk1"/>
+          </a:lnRef>
+          <a:fillRef idx="0">
+            <a:schemeClr val="dk1"/>
+          </a:fillRef>
+          <a:effectRef idx="0">
+            <a:schemeClr val="dk1"/>
+          </a:effectRef>
+          <a:fontRef idx="minor">
+            <a:schemeClr val="tx1"/>
+          </a:fontRef>
+        </p:style>
+      </p:cxnSp>
+      <p:sp>
+        <p:nvSpPr>
+          <p:cNvPr id="3" name="TextBox 2">
+            <a:extLst>
+              <a:ext uri="{FF2B5EF4-FFF2-40B4-BE49-F238E27FC236}">
+                <a16:creationId xmlns:a16="http://schemas.microsoft.com/office/drawing/2014/main" id="{75621B39-C22A-C90E-DB9B-1D3136CAF962}"/>
+              </a:ext>
+            </a:extLst>
+          </p:cNvPr>
+          <p:cNvSpPr txBox="1"/>
           <p:nvPr/>
         </p:nvSpPr>
         <p:spPr>
           <a:xfrm>
-            <a:off x="606552" y="1280160"/>
-            <a:ext cx="2443178" cy="4846320"/>
+            <a:off x="966095" y="2309128"/>
+            <a:ext cx="9554691" cy="3970318"/>
           </a:xfrm>
           <a:prstGeom prst="rect">
             <a:avLst/>
           </a:prstGeom>
-        </p:spPr>
-        <p:txBody>
-          <a:bodyPr/>
+          <a:noFill/>
+        </p:spPr>
+        <p:txBody>
+          <a:bodyPr rot="0" spcFirstLastPara="0" vertOverflow="overflow" horzOverflow="overflow" vert="horz" wrap="square" lIns="91440" tIns="45720" rIns="91440" bIns="45720" numCol="1" spcCol="0" rtlCol="0" fromWordArt="0" anchor="t" anchorCtr="0" forceAA="0" compatLnSpc="1">
+            <a:prstTxWarp prst="textNoShape">
+              <a:avLst/>
+            </a:prstTxWarp>
+            <a:spAutoFit/>
+          </a:bodyPr>
+          <a:lstStyle/>
+          <a:p>
+            <a:pPr marL="514350" indent="-514350">
+              <a:buAutoNum type="arabicPeriod"/>
+            </a:pPr>
+            <a:r>
+              <a:rPr lang="en-US" sz="2800" dirty="0">
+                <a:solidFill>
+                  <a:schemeClr val="bg1"/>
+                </a:solidFill>
+                <a:latin typeface="Seaford Display"/>
+                <a:ea typeface="+mn-lt"/>
+                <a:cs typeface="+mn-lt"/>
+              </a:rPr>
+              <a:t>Introduction</a:t>
+            </a:r>
+          </a:p>
+          <a:p>
+            <a:pPr marL="514350" indent="-514350">
+              <a:buAutoNum type="arabicPeriod"/>
+            </a:pPr>
+            <a:endParaRPr lang="en-US" sz="2800">
+              <a:solidFill>
+                <a:schemeClr val="bg1"/>
+              </a:solidFill>
+              <a:latin typeface="Seaford Display"/>
+              <a:cs typeface="Arial"/>
+            </a:endParaRPr>
+          </a:p>
+          <a:p>
+            <a:pPr marL="514350" indent="-514350">
+              <a:buFontTx/>
+              <a:buAutoNum type="arabicPeriod"/>
+            </a:pPr>
+            <a:r>
+              <a:rPr lang="en-US" sz="2800" dirty="0">
+                <a:solidFill>
+                  <a:schemeClr val="bg1"/>
+                </a:solidFill>
+                <a:latin typeface="Seaford Display"/>
+                <a:cs typeface="Arial"/>
+              </a:rPr>
+              <a:t>Block Diagram Information</a:t>
+            </a:r>
+          </a:p>
+          <a:p>
+            <a:pPr marL="342900" indent="-342900">
+              <a:buFontTx/>
+              <a:buAutoNum type="arabicPeriod"/>
+            </a:pPr>
+            <a:endParaRPr lang="en-US" sz="2800">
+              <a:solidFill>
+                <a:srgbClr val="000000"/>
+              </a:solidFill>
+              <a:latin typeface="Seaford Display"/>
+              <a:cs typeface="Arial"/>
+            </a:endParaRPr>
+          </a:p>
+          <a:p>
+            <a:pPr marL="514350" indent="-514350">
+              <a:buFontTx/>
+              <a:buAutoNum type="arabicPeriod"/>
+            </a:pPr>
+            <a:r>
+              <a:rPr lang="en-US" sz="2800" dirty="0">
+                <a:solidFill>
+                  <a:schemeClr val="bg1"/>
+                </a:solidFill>
+                <a:latin typeface="Seaford Display"/>
+                <a:cs typeface="Arial"/>
+              </a:rPr>
+              <a:t>Message and Storage (Server Setup)</a:t>
+            </a:r>
+          </a:p>
+          <a:p>
+            <a:pPr marL="342900" indent="-342900">
+              <a:buFontTx/>
+              <a:buAutoNum type="arabicPeriod"/>
+            </a:pPr>
+            <a:endParaRPr lang="en-US" sz="2800">
+              <a:solidFill>
+                <a:srgbClr val="000000"/>
+              </a:solidFill>
+              <a:latin typeface="Seaford Display"/>
+              <a:cs typeface="Arial"/>
+            </a:endParaRPr>
+          </a:p>
+          <a:p>
+            <a:pPr marL="514350" indent="-514350">
+              <a:buFontTx/>
+              <a:buAutoNum type="arabicPeriod"/>
+            </a:pPr>
+            <a:r>
+              <a:rPr lang="en-US" sz="2800" dirty="0">
+                <a:solidFill>
+                  <a:schemeClr val="bg1"/>
+                </a:solidFill>
+                <a:latin typeface="Seaford Display"/>
+                <a:cs typeface="Arial"/>
+              </a:rPr>
+              <a:t>Client Interaction </a:t>
+            </a:r>
+          </a:p>
+          <a:p>
+            <a:pPr marL="342900" indent="-342900">
+              <a:buFontTx/>
+              <a:buAutoNum type="arabicPeriod"/>
+            </a:pPr>
+            <a:endParaRPr lang="en-US" sz="2800">
+              <a:solidFill>
+                <a:srgbClr val="000000"/>
+              </a:solidFill>
+              <a:latin typeface="Seaford Display"/>
+              <a:cs typeface="Arial"/>
+            </a:endParaRPr>
+          </a:p>
+          <a:p>
+            <a:pPr marL="514350" indent="-514350">
+              <a:buFontTx/>
+              <a:buAutoNum type="arabicPeriod"/>
+            </a:pPr>
+            <a:r>
+              <a:rPr lang="en-US" sz="2800" dirty="0">
+                <a:solidFill>
+                  <a:schemeClr val="bg1"/>
+                </a:solidFill>
+                <a:latin typeface="Seaford Display"/>
+                <a:cs typeface="Arial"/>
+              </a:rPr>
+              <a:t>Storyboard </a:t>
+            </a:r>
+          </a:p>
+        </p:txBody>
+      </p:sp>
+    </p:spTree>
+    <p:extLst>
+      <p:ext uri="{BB962C8B-B14F-4D97-AF65-F5344CB8AC3E}">
+        <p14:creationId xmlns:p14="http://schemas.microsoft.com/office/powerpoint/2010/main" val="148982682"/>
+      </p:ext>
+    </p:extLst>
+  </p:cSld>
+  <p:clrMapOvr>
+    <a:masterClrMapping/>
+  </p:clrMapOvr>
+</p:sld>
+</file>
+
+<file path=ppt/slides/slide3.xml><?xml version="1.0" encoding="utf-8"?>
+<p:sld xmlns:a="http://schemas.openxmlformats.org/drawingml/2006/main" xmlns:r="http://schemas.openxmlformats.org/officeDocument/2006/relationships" xmlns:p="http://schemas.openxmlformats.org/presentationml/2006/main">
+  <p:cSld>
+    <p:bg>
+      <p:bgPr>
+        <a:blipFill>
+          <a:blip r:embed="rId2"/>
+          <a:stretch>
+            <a:fillRect t="-9000" b="-9000"/>
+          </a:stretch>
+        </a:blipFill>
+        <a:effectLst/>
+      </p:bgPr>
+    </p:bg>
+    <p:spTree>
+      <p:nvGrpSpPr>
+        <p:cNvPr id="1" name=""/>
+        <p:cNvGrpSpPr/>
+        <p:nvPr/>
+      </p:nvGrpSpPr>
+      <p:grpSpPr>
+        <a:xfrm>
+          <a:off x="0" y="0"/>
+          <a:ext cx="0" cy="0"/>
+          <a:chOff x="0" y="0"/>
+          <a:chExt cx="0" cy="0"/>
+        </a:xfrm>
+      </p:grpSpPr>
+      <p:sp useBgFill="1">
+        <p:nvSpPr>
+          <p:cNvPr id="73" name="Rectangle 72">
+            <a:extLst>
+              <a:ext uri="{FF2B5EF4-FFF2-40B4-BE49-F238E27FC236}">
+                <a16:creationId xmlns:a16="http://schemas.microsoft.com/office/drawing/2014/main" id="{92B0CFF1-78D7-4A83-A95E-71F9E3831622}"/>
+              </a:ext>
+              <a:ext uri="{C183D7F6-B498-43B3-948B-1728B52AA6E4}">
+                <adec:decorative xmlns:adec="http://schemas.microsoft.com/office/drawing/2017/decorative" val="1"/>
+              </a:ext>
+            </a:extLst>
+          </p:cNvPr>
+          <p:cNvSpPr>
+            <a:spLocks noGrp="1" noRot="1" noChangeAspect="1" noMove="1" noResize="1" noEditPoints="1" noAdjustHandles="1" noChangeArrowheads="1" noChangeShapeType="1" noTextEdit="1"/>
+          </p:cNvSpPr>
+          <p:nvPr>
+            <p:extLst>
+              <p:ext uri="{386F3935-93C4-4BCD-93E2-E3B085C9AB24}">
+                <p16:designElem xmlns:p16="http://schemas.microsoft.com/office/powerpoint/2015/main" val="1"/>
+              </p:ext>
+            </p:extLst>
+          </p:nvPr>
+        </p:nvSpPr>
+        <p:spPr>
+          <a:xfrm>
+            <a:off x="0" y="0"/>
+            <a:ext cx="12192000" cy="6858001"/>
+          </a:xfrm>
+          <a:prstGeom prst="rect">
+            <a:avLst/>
+          </a:prstGeom>
+          <a:ln>
+            <a:noFill/>
+          </a:ln>
+        </p:spPr>
+        <p:style>
+          <a:lnRef idx="2">
+            <a:schemeClr val="accent1">
+              <a:shade val="50000"/>
+            </a:schemeClr>
+          </a:lnRef>
+          <a:fillRef idx="1">
+            <a:schemeClr val="accent1"/>
+          </a:fillRef>
+          <a:effectRef idx="0">
+            <a:schemeClr val="accent1"/>
+          </a:effectRef>
+          <a:fontRef idx="minor">
+            <a:schemeClr val="lt1"/>
+          </a:fontRef>
+        </p:style>
+        <p:txBody>
+          <a:bodyPr rtlCol="0" anchor="ctr"/>
+          <a:lstStyle/>
+          <a:p>
+            <a:pPr algn="ctr"/>
+            <a:endParaRPr lang="en-US"/>
+          </a:p>
+        </p:txBody>
+      </p:sp>
+      <p:sp>
+        <p:nvSpPr>
+          <p:cNvPr id="74" name="Rectangle 73">
+            <a:extLst>
+              <a:ext uri="{FF2B5EF4-FFF2-40B4-BE49-F238E27FC236}">
+                <a16:creationId xmlns:a16="http://schemas.microsoft.com/office/drawing/2014/main" id="{C12927E5-081D-440D-A775-C0AE9DA1E3EC}"/>
+              </a:ext>
+              <a:ext uri="{C183D7F6-B498-43B3-948B-1728B52AA6E4}">
+                <adec:decorative xmlns:adec="http://schemas.microsoft.com/office/drawing/2017/decorative" val="1"/>
+              </a:ext>
+            </a:extLst>
+          </p:cNvPr>
+          <p:cNvSpPr>
+            <a:spLocks noGrp="1" noRot="1" noChangeAspect="1" noMove="1" noResize="1" noEditPoints="1" noAdjustHandles="1" noChangeArrowheads="1" noChangeShapeType="1" noTextEdit="1"/>
+          </p:cNvSpPr>
+          <p:nvPr>
+            <p:extLst>
+              <p:ext uri="{386F3935-93C4-4BCD-93E2-E3B085C9AB24}">
+                <p16:designElem xmlns:p16="http://schemas.microsoft.com/office/powerpoint/2015/main" val="1"/>
+              </p:ext>
+            </p:extLst>
+          </p:nvPr>
+        </p:nvSpPr>
+        <p:spPr>
+          <a:xfrm>
+            <a:off x="481007" y="489856"/>
+            <a:ext cx="11147071" cy="1476642"/>
+          </a:xfrm>
+          <a:prstGeom prst="rect">
+            <a:avLst/>
+          </a:prstGeom>
+          <a:solidFill>
+            <a:schemeClr val="accent1">
+              <a:alpha val="10000"/>
+            </a:schemeClr>
+          </a:solidFill>
+          <a:ln>
+            <a:noFill/>
+          </a:ln>
+        </p:spPr>
+        <p:style>
+          <a:lnRef idx="2">
+            <a:schemeClr val="accent1">
+              <a:shade val="50000"/>
+            </a:schemeClr>
+          </a:lnRef>
+          <a:fillRef idx="1">
+            <a:schemeClr val="accent1"/>
+          </a:fillRef>
+          <a:effectRef idx="0">
+            <a:schemeClr val="accent1"/>
+          </a:effectRef>
+          <a:fontRef idx="minor">
+            <a:schemeClr val="lt1"/>
+          </a:fontRef>
+        </p:style>
+        <p:txBody>
+          <a:bodyPr rtlCol="0" anchor="ctr"/>
+          <a:lstStyle/>
+          <a:p>
+            <a:pPr algn="ctr"/>
+            <a:endParaRPr lang="en-US"/>
+          </a:p>
+        </p:txBody>
+      </p:sp>
+      <p:sp>
+        <p:nvSpPr>
+          <p:cNvPr id="2" name="Title 1">
+            <a:extLst>
+              <a:ext uri="{FF2B5EF4-FFF2-40B4-BE49-F238E27FC236}">
+                <a16:creationId xmlns:a16="http://schemas.microsoft.com/office/drawing/2014/main" id="{977B5CB5-BF8B-F13E-6EFE-0B3857090E44}"/>
+              </a:ext>
+            </a:extLst>
+          </p:cNvPr>
+          <p:cNvSpPr>
+            <a:spLocks noGrp="1"/>
+          </p:cNvSpPr>
+          <p:nvPr>
+            <p:ph type="title"/>
+          </p:nvPr>
+        </p:nvSpPr>
+        <p:spPr>
+          <a:xfrm>
+            <a:off x="482601" y="721946"/>
+            <a:ext cx="10813250" cy="1022100"/>
+          </a:xfrm>
+        </p:spPr>
+        <p:txBody>
+          <a:bodyPr>
+            <a:normAutofit/>
+          </a:bodyPr>
+          <a:lstStyle/>
+          <a:p>
+            <a:pPr>
+              <a:lnSpc>
+                <a:spcPct val="90000"/>
+              </a:lnSpc>
+            </a:pPr>
+            <a:r>
+              <a:rPr lang="en-US"/>
+              <a:t>Introduction</a:t>
+            </a:r>
+          </a:p>
+        </p:txBody>
+      </p:sp>
+      <p:cxnSp>
+        <p:nvCxnSpPr>
+          <p:cNvPr id="75" name="Straight Connector 74">
+            <a:extLst>
+              <a:ext uri="{FF2B5EF4-FFF2-40B4-BE49-F238E27FC236}">
+                <a16:creationId xmlns:a16="http://schemas.microsoft.com/office/drawing/2014/main" id="{22CDD0E7-BDD6-41F4-8AAB-088A2E8D0367}"/>
+              </a:ext>
+              <a:ext uri="{C183D7F6-B498-43B3-948B-1728B52AA6E4}">
+                <adec:decorative xmlns:adec="http://schemas.microsoft.com/office/drawing/2017/decorative" val="1"/>
+              </a:ext>
+            </a:extLst>
+          </p:cNvPr>
+          <p:cNvCxnSpPr>
+            <a:cxnSpLocks noGrp="1" noRot="1" noChangeAspect="1" noMove="1" noResize="1" noEditPoints="1" noAdjustHandles="1" noChangeArrowheads="1" noChangeShapeType="1"/>
+          </p:cNvCxnSpPr>
+          <p:nvPr>
+            <p:extLst>
+              <p:ext uri="{386F3935-93C4-4BCD-93E2-E3B085C9AB24}">
+                <p16:designElem xmlns:p16="http://schemas.microsoft.com/office/powerpoint/2015/main" val="1"/>
+              </p:ext>
+            </p:extLst>
+          </p:nvPr>
+        </p:nvCxnSpPr>
+        <p:spPr>
+          <a:xfrm>
+            <a:off x="482600" y="489855"/>
+            <a:ext cx="11147071" cy="0"/>
+          </a:xfrm>
+          <a:prstGeom prst="line">
+            <a:avLst/>
+          </a:prstGeom>
+          <a:ln w="28575">
+            <a:solidFill>
+              <a:schemeClr val="tx1"/>
+            </a:solidFill>
+          </a:ln>
+        </p:spPr>
+        <p:style>
+          <a:lnRef idx="1">
+            <a:schemeClr val="dk1"/>
+          </a:lnRef>
+          <a:fillRef idx="0">
+            <a:schemeClr val="dk1"/>
+          </a:fillRef>
+          <a:effectRef idx="0">
+            <a:schemeClr val="dk1"/>
+          </a:effectRef>
+          <a:fontRef idx="minor">
+            <a:schemeClr val="tx1"/>
+          </a:fontRef>
+        </p:style>
+      </p:cxnSp>
+      <p:cxnSp>
+        <p:nvCxnSpPr>
+          <p:cNvPr id="76" name="Straight Connector 75">
+            <a:extLst>
+              <a:ext uri="{FF2B5EF4-FFF2-40B4-BE49-F238E27FC236}">
+                <a16:creationId xmlns:a16="http://schemas.microsoft.com/office/drawing/2014/main" id="{C4558310-C928-4426-BFAC-68450D291D0A}"/>
+              </a:ext>
+              <a:ext uri="{C183D7F6-B498-43B3-948B-1728B52AA6E4}">
+                <adec:decorative xmlns:adec="http://schemas.microsoft.com/office/drawing/2017/decorative" val="1"/>
+              </a:ext>
+            </a:extLst>
+          </p:cNvPr>
+          <p:cNvCxnSpPr>
+            <a:cxnSpLocks noGrp="1" noRot="1" noChangeAspect="1" noMove="1" noResize="1" noEditPoints="1" noAdjustHandles="1" noChangeArrowheads="1" noChangeShapeType="1"/>
+          </p:cNvCxnSpPr>
+          <p:nvPr>
+            <p:extLst>
+              <p:ext uri="{386F3935-93C4-4BCD-93E2-E3B085C9AB24}">
+                <p16:designElem xmlns:p16="http://schemas.microsoft.com/office/powerpoint/2015/main" val="1"/>
+              </p:ext>
+            </p:extLst>
+          </p:nvPr>
+        </p:nvCxnSpPr>
+        <p:spPr>
+          <a:xfrm>
+            <a:off x="482600" y="1993515"/>
+            <a:ext cx="11147071" cy="0"/>
+          </a:xfrm>
+          <a:prstGeom prst="line">
+            <a:avLst/>
+          </a:prstGeom>
+          <a:ln w="28575">
+            <a:solidFill>
+              <a:schemeClr val="tx1"/>
+            </a:solidFill>
+          </a:ln>
+        </p:spPr>
+        <p:style>
+          <a:lnRef idx="1">
+            <a:schemeClr val="dk1"/>
+          </a:lnRef>
+          <a:fillRef idx="0">
+            <a:schemeClr val="dk1"/>
+          </a:fillRef>
+          <a:effectRef idx="0">
+            <a:schemeClr val="dk1"/>
+          </a:effectRef>
+          <a:fontRef idx="minor">
+            <a:schemeClr val="tx1"/>
+          </a:fontRef>
+        </p:style>
+      </p:cxnSp>
+      <p:sp>
+        <p:nvSpPr>
+          <p:cNvPr id="48" name="Content Placeholder 7">
+            <a:extLst>
+              <a:ext uri="{FF2B5EF4-FFF2-40B4-BE49-F238E27FC236}">
+                <a16:creationId xmlns:a16="http://schemas.microsoft.com/office/drawing/2014/main" id="{A9EE76D5-A6F9-2EDA-E862-D355EA79AB7A}"/>
+              </a:ext>
+            </a:extLst>
+          </p:cNvPr>
+          <p:cNvSpPr>
+            <a:spLocks noGrp="1"/>
+          </p:cNvSpPr>
+          <p:nvPr>
+            <p:ph idx="1"/>
+          </p:nvPr>
+        </p:nvSpPr>
+        <p:spPr>
+          <a:xfrm>
+            <a:off x="479605" y="2146856"/>
+            <a:ext cx="5164103" cy="4017953"/>
+          </a:xfrm>
+        </p:spPr>
+        <p:txBody>
+          <a:bodyPr vert="horz" lIns="91440" tIns="45720" rIns="91440" bIns="45720" rtlCol="0" anchor="ctr">
+            <a:noAutofit/>
+          </a:bodyPr>
+          <a:lstStyle/>
+          <a:p>
+            <a:pPr>
+              <a:lnSpc>
+                <a:spcPct val="90000"/>
+              </a:lnSpc>
+            </a:pPr>
+            <a:r>
+              <a:rPr lang="en-US" err="1">
+                <a:ea typeface="+mn-lt"/>
+                <a:cs typeface="+mn-lt"/>
+              </a:rPr>
+              <a:t>ThinkItThru</a:t>
+            </a:r>
+            <a:r>
+              <a:rPr lang="en-US">
+                <a:ea typeface="+mn-lt"/>
+                <a:cs typeface="+mn-lt"/>
+              </a:rPr>
+              <a:t>! motivates users to organize their day and satisfy academic deadlines </a:t>
+            </a:r>
+            <a:endParaRPr lang="en-US"/>
+          </a:p>
+          <a:p>
+            <a:pPr>
+              <a:lnSpc>
+                <a:spcPct val="90000"/>
+              </a:lnSpc>
+            </a:pPr>
+            <a:r>
+              <a:rPr lang="en-US">
+                <a:ea typeface="+mn-lt"/>
+                <a:cs typeface="+mn-lt"/>
+              </a:rPr>
+              <a:t>Users may accomplish this by: </a:t>
+            </a:r>
+            <a:endParaRPr lang="en-US"/>
+          </a:p>
+          <a:p>
+            <a:pPr marL="457200" indent="-457200">
+              <a:lnSpc>
+                <a:spcPct val="90000"/>
+              </a:lnSpc>
+              <a:buAutoNum type="arabicPeriod"/>
+            </a:pPr>
+            <a:r>
+              <a:rPr lang="en-US">
+                <a:ea typeface="+mn-lt"/>
+                <a:cs typeface="+mn-lt"/>
+              </a:rPr>
+              <a:t>Creating tasks for themselves </a:t>
+            </a:r>
+          </a:p>
+          <a:p>
+            <a:pPr marL="457200" indent="-457200">
+              <a:lnSpc>
+                <a:spcPct val="90000"/>
+              </a:lnSpc>
+              <a:buAutoNum type="arabicPeriod"/>
+            </a:pPr>
+            <a:r>
+              <a:rPr lang="en-US">
+                <a:ea typeface="+mn-lt"/>
+                <a:cs typeface="+mn-lt"/>
+              </a:rPr>
+              <a:t>Which will be scheduled into goals</a:t>
+            </a:r>
+          </a:p>
+          <a:p>
+            <a:pPr marL="457200" indent="-457200">
+              <a:lnSpc>
+                <a:spcPct val="90000"/>
+              </a:lnSpc>
+              <a:buAutoNum type="arabicPeriod"/>
+            </a:pPr>
+            <a:r>
+              <a:rPr lang="en-US">
+                <a:ea typeface="+mn-lt"/>
+                <a:cs typeface="+mn-lt"/>
+              </a:rPr>
+              <a:t>Enjoy their rewards for accomplishing their goals!</a:t>
+            </a:r>
+          </a:p>
+        </p:txBody>
+      </p:sp>
+      <p:cxnSp>
+        <p:nvCxnSpPr>
+          <p:cNvPr id="77" name="Straight Connector 76">
+            <a:extLst>
+              <a:ext uri="{FF2B5EF4-FFF2-40B4-BE49-F238E27FC236}">
+                <a16:creationId xmlns:a16="http://schemas.microsoft.com/office/drawing/2014/main" id="{B58B45F5-E162-4AF7-9E46-A4290969B479}"/>
+              </a:ext>
+              <a:ext uri="{C183D7F6-B498-43B3-948B-1728B52AA6E4}">
+                <adec:decorative xmlns:adec="http://schemas.microsoft.com/office/drawing/2017/decorative" val="1"/>
+              </a:ext>
+            </a:extLst>
+          </p:cNvPr>
+          <p:cNvCxnSpPr>
+            <a:cxnSpLocks noGrp="1" noRot="1" noChangeAspect="1" noMove="1" noResize="1" noEditPoints="1" noAdjustHandles="1" noChangeArrowheads="1" noChangeShapeType="1"/>
+          </p:cNvCxnSpPr>
+          <p:nvPr>
+            <p:extLst>
+              <p:ext uri="{386F3935-93C4-4BCD-93E2-E3B085C9AB24}">
+                <p16:designElem xmlns:p16="http://schemas.microsoft.com/office/powerpoint/2015/main" val="1"/>
+              </p:ext>
+            </p:extLst>
+          </p:nvPr>
+        </p:nvCxnSpPr>
+        <p:spPr>
+          <a:xfrm>
+            <a:off x="482600" y="6368138"/>
+            <a:ext cx="11147071" cy="0"/>
+          </a:xfrm>
+          <a:prstGeom prst="line">
+            <a:avLst/>
+          </a:prstGeom>
+          <a:ln w="28575">
+            <a:solidFill>
+              <a:schemeClr val="tx1"/>
+            </a:solidFill>
+          </a:ln>
+        </p:spPr>
+        <p:style>
+          <a:lnRef idx="1">
+            <a:schemeClr val="dk1"/>
+          </a:lnRef>
+          <a:fillRef idx="0">
+            <a:schemeClr val="dk1"/>
+          </a:fillRef>
+          <a:effectRef idx="0">
+            <a:schemeClr val="dk1"/>
+          </a:effectRef>
+          <a:fontRef idx="minor">
+            <a:schemeClr val="tx1"/>
+          </a:fontRef>
+        </p:style>
+      </p:cxnSp>
+    </p:spTree>
+    <p:extLst>
+      <p:ext uri="{BB962C8B-B14F-4D97-AF65-F5344CB8AC3E}">
+        <p14:creationId xmlns:p14="http://schemas.microsoft.com/office/powerpoint/2010/main" val="3287089986"/>
+      </p:ext>
+    </p:extLst>
+  </p:cSld>
+  <p:clrMapOvr>
+    <a:masterClrMapping/>
+  </p:clrMapOvr>
+</p:sld>
+</file>
+
+<file path=ppt/slides/slide4.xml><?xml version="1.0" encoding="utf-8"?>
+<p:sld xmlns:a="http://schemas.openxmlformats.org/drawingml/2006/main" xmlns:r="http://schemas.openxmlformats.org/officeDocument/2006/relationships" xmlns:p="http://schemas.openxmlformats.org/presentationml/2006/main">
+  <p:cSld>
+    <p:spTree>
+      <p:nvGrpSpPr>
+        <p:cNvPr id="1" name=""/>
+        <p:cNvGrpSpPr/>
+        <p:nvPr/>
+      </p:nvGrpSpPr>
+      <p:grpSpPr>
+        <a:xfrm>
+          <a:off x="0" y="0"/>
+          <a:ext cx="0" cy="0"/>
+          <a:chOff x="0" y="0"/>
+          <a:chExt cx="0" cy="0"/>
+        </a:xfrm>
+      </p:grpSpPr>
+      <p:pic>
+        <p:nvPicPr>
+          <p:cNvPr id="2" name="Content Placeholder 1" descr="A diagram of a computer&#10;&#10;Description automatically generated">
+            <a:extLst>
+              <a:ext uri="{FF2B5EF4-FFF2-40B4-BE49-F238E27FC236}">
+                <a16:creationId xmlns:a16="http://schemas.microsoft.com/office/drawing/2014/main" id="{B8A481C1-5A1D-DC96-91AA-3D18D2DB9147}"/>
+              </a:ext>
+            </a:extLst>
+          </p:cNvPr>
+          <p:cNvPicPr>
+            <a:picLocks noGrp="1" noChangeAspect="1"/>
+          </p:cNvPicPr>
+          <p:nvPr>
+            <p:ph idx="1"/>
+          </p:nvPr>
+        </p:nvPicPr>
+        <p:blipFill>
+          <a:blip r:embed="rId2"/>
+          <a:stretch>
+            <a:fillRect/>
+          </a:stretch>
+        </p:blipFill>
+        <p:spPr>
+          <a:xfrm>
+            <a:off x="2378982" y="1634547"/>
+            <a:ext cx="7433094" cy="4565895"/>
+          </a:xfrm>
+        </p:spPr>
+      </p:pic>
+      <p:sp>
+        <p:nvSpPr>
+          <p:cNvPr id="5" name="TextBox 4">
+            <a:extLst>
+              <a:ext uri="{FF2B5EF4-FFF2-40B4-BE49-F238E27FC236}">
+                <a16:creationId xmlns:a16="http://schemas.microsoft.com/office/drawing/2014/main" id="{6B4DF185-8DEB-BD8D-1186-A2F63291BD58}"/>
+              </a:ext>
+            </a:extLst>
+          </p:cNvPr>
+          <p:cNvSpPr txBox="1"/>
+          <p:nvPr/>
+        </p:nvSpPr>
+        <p:spPr>
+          <a:xfrm>
+            <a:off x="850501" y="532868"/>
+            <a:ext cx="10479563" cy="1107996"/>
+          </a:xfrm>
+          <a:prstGeom prst="rect">
+            <a:avLst/>
+          </a:prstGeom>
+          <a:noFill/>
+        </p:spPr>
+        <p:txBody>
+          <a:bodyPr rot="0" spcFirstLastPara="0" vertOverflow="overflow" horzOverflow="overflow" vert="horz" wrap="square" lIns="91440" tIns="45720" rIns="91440" bIns="45720" numCol="1" spcCol="0" rtlCol="0" fromWordArt="0" anchor="t" anchorCtr="0" forceAA="0" compatLnSpc="1">
+            <a:prstTxWarp prst="textNoShape">
+              <a:avLst/>
+            </a:prstTxWarp>
+            <a:spAutoFit/>
+          </a:bodyPr>
+          <a:lstStyle/>
+          <a:p>
+            <a:r>
+              <a:rPr lang="en-US" sz="6600"/>
+              <a:t>Block Diagram Information</a:t>
+            </a:r>
+            <a:endParaRPr lang="en-US"/>
+          </a:p>
+        </p:txBody>
+      </p:sp>
+    </p:spTree>
+    <p:extLst>
+      <p:ext uri="{BB962C8B-B14F-4D97-AF65-F5344CB8AC3E}">
+        <p14:creationId xmlns:p14="http://schemas.microsoft.com/office/powerpoint/2010/main" val="1731729236"/>
+      </p:ext>
+    </p:extLst>
+  </p:cSld>
+  <p:clrMapOvr>
+    <a:masterClrMapping/>
+  </p:clrMapOvr>
+</p:sld>
+</file>
+
+<file path=ppt/slides/slide5.xml><?xml version="1.0" encoding="utf-8"?>
+<p:sld xmlns:a="http://schemas.openxmlformats.org/drawingml/2006/main" xmlns:r="http://schemas.openxmlformats.org/officeDocument/2006/relationships" xmlns:p="http://schemas.openxmlformats.org/presentationml/2006/main">
+  <p:cSld>
+    <p:spTree>
+      <p:nvGrpSpPr>
+        <p:cNvPr id="1" name=""/>
+        <p:cNvGrpSpPr/>
+        <p:nvPr/>
+      </p:nvGrpSpPr>
+      <p:grpSpPr>
+        <a:xfrm>
+          <a:off x="0" y="0"/>
+          <a:ext cx="0" cy="0"/>
+          <a:chOff x="0" y="0"/>
+          <a:chExt cx="0" cy="0"/>
+        </a:xfrm>
+      </p:grpSpPr>
+      <p:sp>
+        <p:nvSpPr>
+          <p:cNvPr id="3" name="Content Placeholder 2">
+            <a:extLst>
+              <a:ext uri="{FF2B5EF4-FFF2-40B4-BE49-F238E27FC236}">
+                <a16:creationId xmlns:a16="http://schemas.microsoft.com/office/drawing/2014/main" id="{C7F10E50-5680-8042-69CA-E9119F368139}"/>
+              </a:ext>
+            </a:extLst>
+          </p:cNvPr>
+          <p:cNvSpPr>
+            <a:spLocks noGrp="1"/>
+          </p:cNvSpPr>
+          <p:nvPr>
+            <p:ph idx="1"/>
+          </p:nvPr>
+        </p:nvSpPr>
+        <p:spPr>
+          <a:xfrm>
+            <a:off x="496977" y="1639097"/>
+            <a:ext cx="10492614" cy="4240494"/>
+          </a:xfrm>
+        </p:spPr>
+        <p:txBody>
+          <a:bodyPr vert="horz" lIns="91440" tIns="45720" rIns="91440" bIns="45720" rtlCol="0" anchor="t">
+            <a:normAutofit/>
+          </a:bodyPr>
+          <a:lstStyle/>
+          <a:p>
+            <a:r>
+              <a:rPr lang="en-US"/>
+              <a:t>Key take-aways:</a:t>
+            </a:r>
+          </a:p>
+          <a:p>
+            <a:pPr marL="342900" indent="-342900">
+              <a:buFont typeface="Calibri" panose="020B0604020202020204" pitchFamily="34" charset="0"/>
+              <a:buChar char="-"/>
+            </a:pPr>
+            <a:r>
+              <a:rPr lang="en-US"/>
+              <a:t>Using Firebase for federated Authentication</a:t>
+            </a:r>
+          </a:p>
+          <a:p>
+            <a:pPr marL="342900" indent="-342900">
+              <a:buFont typeface="Calibri" panose="020B0604020202020204" pitchFamily="34" charset="0"/>
+              <a:buChar char="-"/>
+            </a:pPr>
+            <a:r>
+              <a:rPr lang="en-US"/>
+              <a:t>Using Firebase Realtime Database</a:t>
+            </a:r>
+          </a:p>
+          <a:p>
+            <a:pPr marL="342900" indent="-342900">
+              <a:buFont typeface="Calibri" panose="020B0604020202020204" pitchFamily="34" charset="0"/>
+              <a:buChar char="-"/>
+            </a:pPr>
+            <a:r>
+              <a:rPr lang="en-US"/>
+              <a:t>Various reasons to push/pull data</a:t>
+            </a:r>
+          </a:p>
+          <a:p>
+            <a:pPr marL="1028700" lvl="1" indent="-342900">
+              <a:buFont typeface="Courier New" panose="020B0604020202020204" pitchFamily="34" charset="0"/>
+              <a:buChar char="o"/>
+            </a:pPr>
+            <a:r>
+              <a:rPr lang="en-US"/>
+              <a:t>Login</a:t>
+            </a:r>
+          </a:p>
+          <a:p>
+            <a:pPr marL="1028700" lvl="1" indent="-342900">
+              <a:buFont typeface="Courier New" panose="020B0604020202020204" pitchFamily="34" charset="0"/>
+              <a:buChar char="o"/>
+            </a:pPr>
+            <a:r>
+              <a:rPr lang="en-US"/>
+              <a:t>Editing info</a:t>
+            </a:r>
+          </a:p>
+          <a:p>
+            <a:pPr marL="1028700" lvl="1" indent="-342900">
+              <a:buFont typeface="Courier New" panose="020B0604020202020204" pitchFamily="34" charset="0"/>
+              <a:buChar char="o"/>
+            </a:pPr>
+            <a:r>
+              <a:rPr lang="en-US"/>
+              <a:t>Creating info</a:t>
+            </a:r>
+          </a:p>
+        </p:txBody>
+      </p:sp>
+      <p:sp>
+        <p:nvSpPr>
+          <p:cNvPr id="5" name="TextBox 4">
+            <a:extLst>
+              <a:ext uri="{FF2B5EF4-FFF2-40B4-BE49-F238E27FC236}">
+                <a16:creationId xmlns:a16="http://schemas.microsoft.com/office/drawing/2014/main" id="{6B4DF185-8DEB-BD8D-1186-A2F63291BD58}"/>
+              </a:ext>
+            </a:extLst>
+          </p:cNvPr>
+          <p:cNvSpPr txBox="1"/>
+          <p:nvPr/>
+        </p:nvSpPr>
+        <p:spPr>
+          <a:xfrm>
+            <a:off x="505444" y="532868"/>
+            <a:ext cx="10479563" cy="1107996"/>
+          </a:xfrm>
+          <a:prstGeom prst="rect">
+            <a:avLst/>
+          </a:prstGeom>
+          <a:noFill/>
+        </p:spPr>
+        <p:txBody>
+          <a:bodyPr rot="0" spcFirstLastPara="0" vertOverflow="overflow" horzOverflow="overflow" vert="horz" wrap="square" lIns="91440" tIns="45720" rIns="91440" bIns="45720" numCol="1" spcCol="0" rtlCol="0" fromWordArt="0" anchor="t" anchorCtr="0" forceAA="0" compatLnSpc="1">
+            <a:prstTxWarp prst="textNoShape">
+              <a:avLst/>
+            </a:prstTxWarp>
+            <a:spAutoFit/>
+          </a:bodyPr>
+          <a:lstStyle/>
+          <a:p>
+            <a:r>
+              <a:rPr lang="en-US" sz="6600"/>
+              <a:t>Block Diagram Information</a:t>
+            </a:r>
+            <a:endParaRPr lang="en-US"/>
+          </a:p>
+        </p:txBody>
+      </p:sp>
+    </p:spTree>
+    <p:extLst>
+      <p:ext uri="{BB962C8B-B14F-4D97-AF65-F5344CB8AC3E}">
+        <p14:creationId xmlns:p14="http://schemas.microsoft.com/office/powerpoint/2010/main" val="2354338151"/>
+      </p:ext>
+    </p:extLst>
+  </p:cSld>
+  <p:clrMapOvr>
+    <a:masterClrMapping/>
+  </p:clrMapOvr>
+</p:sld>
+</file>
+
+<file path=ppt/slides/slide6.xml><?xml version="1.0" encoding="utf-8"?>
+<p:sld xmlns:a="http://schemas.openxmlformats.org/drawingml/2006/main" xmlns:r="http://schemas.openxmlformats.org/officeDocument/2006/relationships" xmlns:p="http://schemas.openxmlformats.org/presentationml/2006/main">
+  <p:cSld>
+    <p:spTree>
+      <p:nvGrpSpPr>
+        <p:cNvPr id="1" name=""/>
+        <p:cNvGrpSpPr/>
+        <p:nvPr/>
+      </p:nvGrpSpPr>
+      <p:grpSpPr>
+        <a:xfrm>
+          <a:off x="0" y="0"/>
+          <a:ext cx="0" cy="0"/>
+          <a:chOff x="0" y="0"/>
+          <a:chExt cx="0" cy="0"/>
+        </a:xfrm>
+      </p:grpSpPr>
+      <p:sp>
+        <p:nvSpPr>
+          <p:cNvPr id="3" name="Content Placeholder 2">
+            <a:extLst>
+              <a:ext uri="{FF2B5EF4-FFF2-40B4-BE49-F238E27FC236}">
+                <a16:creationId xmlns:a16="http://schemas.microsoft.com/office/drawing/2014/main" id="{C7F10E50-5680-8042-69CA-E9119F368139}"/>
+              </a:ext>
+            </a:extLst>
+          </p:cNvPr>
+          <p:cNvSpPr>
+            <a:spLocks noGrp="1"/>
+          </p:cNvSpPr>
+          <p:nvPr>
+            <p:ph idx="1"/>
+          </p:nvPr>
+        </p:nvSpPr>
+        <p:spPr>
+          <a:xfrm>
+            <a:off x="496977" y="1639097"/>
+            <a:ext cx="10492614" cy="4240494"/>
+          </a:xfrm>
+        </p:spPr>
+        <p:txBody>
+          <a:bodyPr vert="horz" lIns="91440" tIns="45720" rIns="91440" bIns="45720" rtlCol="0" anchor="t">
+            <a:normAutofit/>
+          </a:bodyPr>
+          <a:lstStyle/>
+          <a:p>
+            <a:r>
+              <a:rPr lang="en-US"/>
+              <a:t>Firebase Realtime Database:</a:t>
+            </a:r>
+          </a:p>
+          <a:p>
+            <a:pPr marL="342900" indent="-342900">
+              <a:buFont typeface="Calibri" panose="020B0604020202020204" pitchFamily="34" charset="0"/>
+              <a:buChar char="-"/>
+            </a:pPr>
+            <a:r>
+              <a:rPr lang="en-US"/>
+              <a:t>Set up as a large JSON tree</a:t>
+            </a:r>
+          </a:p>
+          <a:p>
+            <a:pPr marL="1028700" lvl="1" indent="-342900">
+              <a:buFont typeface="Courier New" panose="020B0604020202020204" pitchFamily="34" charset="0"/>
+              <a:buChar char="o"/>
+            </a:pPr>
+            <a:r>
+              <a:rPr lang="en-US"/>
+              <a:t>JSON incorporates a lot of data objects in nodes</a:t>
+            </a:r>
+          </a:p>
+          <a:p>
+            <a:pPr marL="1257300" lvl="2" indent="-342900">
+              <a:buFont typeface="Wingdings" panose="020B0604020202020204" pitchFamily="34" charset="0"/>
+              <a:buChar char="§"/>
+            </a:pPr>
+            <a:r>
+              <a:rPr lang="en-US"/>
+              <a:t>User, Gameboard, </a:t>
+            </a:r>
+          </a:p>
+          <a:p>
+            <a:pPr marL="1028700" lvl="1" indent="-342900">
+              <a:buFont typeface="Courier New" panose="020B0604020202020204" pitchFamily="34" charset="0"/>
+              <a:buChar char="o"/>
+            </a:pPr>
+            <a:r>
+              <a:rPr lang="en-US"/>
+              <a:t>Can create arrays of data</a:t>
+            </a:r>
+          </a:p>
+          <a:p>
+            <a:pPr marL="1028700" lvl="1" indent="-342900">
+              <a:buFont typeface="Courier New" panose="020B0604020202020204" pitchFamily="34" charset="0"/>
+              <a:buChar char="o"/>
+            </a:pPr>
+            <a:r>
+              <a:rPr lang="en-US"/>
+              <a:t>Can update quite a bit</a:t>
+            </a:r>
+          </a:p>
+          <a:p>
+            <a:pPr marL="1028700" lvl="1" indent="-342900">
+              <a:buFont typeface="Courier New" panose="020B0604020202020204" pitchFamily="34" charset="0"/>
+              <a:buChar char="o"/>
+            </a:pPr>
+            <a:r>
+              <a:rPr lang="en-US"/>
+              <a:t>Drawback of pulling all the child nodes of the tree</a:t>
+            </a:r>
+          </a:p>
+          <a:p>
+            <a:pPr marL="1257300" lvl="2" indent="-342900">
+              <a:buFont typeface="Wingdings" panose="020B0604020202020204" pitchFamily="34" charset="0"/>
+              <a:buChar char="§"/>
+            </a:pPr>
+            <a:r>
+              <a:rPr lang="en-US"/>
+              <a:t>Not much of an issue currently</a:t>
+            </a:r>
+          </a:p>
+          <a:p>
+            <a:pPr marL="1257300" lvl="2" indent="-342900">
+              <a:buFont typeface="Wingdings" panose="020B0604020202020204" pitchFamily="34" charset="0"/>
+              <a:buChar char="§"/>
+            </a:pPr>
+            <a:r>
+              <a:rPr lang="en-US"/>
+              <a:t>Separated design to make individual pieces</a:t>
+            </a:r>
+          </a:p>
+        </p:txBody>
+      </p:sp>
+      <p:sp>
+        <p:nvSpPr>
+          <p:cNvPr id="5" name="TextBox 4">
+            <a:extLst>
+              <a:ext uri="{FF2B5EF4-FFF2-40B4-BE49-F238E27FC236}">
+                <a16:creationId xmlns:a16="http://schemas.microsoft.com/office/drawing/2014/main" id="{6B4DF185-8DEB-BD8D-1186-A2F63291BD58}"/>
+              </a:ext>
+            </a:extLst>
+          </p:cNvPr>
+          <p:cNvSpPr txBox="1"/>
+          <p:nvPr/>
+        </p:nvSpPr>
+        <p:spPr>
+          <a:xfrm>
+            <a:off x="505444" y="532868"/>
+            <a:ext cx="10608959" cy="1107996"/>
+          </a:xfrm>
+          <a:prstGeom prst="rect">
+            <a:avLst/>
+          </a:prstGeom>
+          <a:noFill/>
+        </p:spPr>
+        <p:txBody>
+          <a:bodyPr rot="0" spcFirstLastPara="0" vertOverflow="overflow" horzOverflow="overflow" vert="horz" wrap="square" lIns="91440" tIns="45720" rIns="91440" bIns="45720" numCol="1" spcCol="0" rtlCol="0" fromWordArt="0" anchor="t" anchorCtr="0" forceAA="0" compatLnSpc="1">
+            <a:prstTxWarp prst="textNoShape">
+              <a:avLst/>
+            </a:prstTxWarp>
+            <a:spAutoFit/>
+          </a:bodyPr>
+          <a:lstStyle/>
+          <a:p>
+            <a:r>
+              <a:rPr lang="en-US" sz="6600"/>
+              <a:t>Server Setup</a:t>
+            </a:r>
+          </a:p>
+        </p:txBody>
+      </p:sp>
+    </p:spTree>
+    <p:extLst>
+      <p:ext uri="{BB962C8B-B14F-4D97-AF65-F5344CB8AC3E}">
+        <p14:creationId xmlns:p14="http://schemas.microsoft.com/office/powerpoint/2010/main" val="97472599"/>
+      </p:ext>
+    </p:extLst>
+  </p:cSld>
+  <p:clrMapOvr>
+    <a:masterClrMapping/>
+  </p:clrMapOvr>
+</p:sld>
+</file>
+
+<file path=ppt/slides/slide7.xml><?xml version="1.0" encoding="utf-8"?>
+<p:sld xmlns:a="http://schemas.openxmlformats.org/drawingml/2006/main" xmlns:r="http://schemas.openxmlformats.org/officeDocument/2006/relationships" xmlns:p="http://schemas.openxmlformats.org/presentationml/2006/main">
+  <p:cSld>
+    <p:spTree>
+      <p:nvGrpSpPr>
+        <p:cNvPr id="1" name=""/>
+        <p:cNvGrpSpPr/>
+        <p:nvPr/>
+      </p:nvGrpSpPr>
+      <p:grpSpPr>
+        <a:xfrm>
+          <a:off x="0" y="0"/>
+          <a:ext cx="0" cy="0"/>
+          <a:chOff x="0" y="0"/>
+          <a:chExt cx="0" cy="0"/>
+        </a:xfrm>
+      </p:grpSpPr>
+      <p:sp>
+        <p:nvSpPr>
+          <p:cNvPr id="5" name="TextBox 4">
+            <a:extLst>
+              <a:ext uri="{FF2B5EF4-FFF2-40B4-BE49-F238E27FC236}">
+                <a16:creationId xmlns:a16="http://schemas.microsoft.com/office/drawing/2014/main" id="{6B4DF185-8DEB-BD8D-1186-A2F63291BD58}"/>
+              </a:ext>
+            </a:extLst>
+          </p:cNvPr>
+          <p:cNvSpPr txBox="1"/>
+          <p:nvPr/>
+        </p:nvSpPr>
+        <p:spPr>
+          <a:xfrm>
+            <a:off x="476689" y="518490"/>
+            <a:ext cx="10608959" cy="1107996"/>
+          </a:xfrm>
+          <a:prstGeom prst="rect">
+            <a:avLst/>
+          </a:prstGeom>
+          <a:noFill/>
+        </p:spPr>
+        <p:txBody>
+          <a:bodyPr rot="0" spcFirstLastPara="0" vertOverflow="overflow" horzOverflow="overflow" vert="horz" wrap="square" lIns="91440" tIns="45720" rIns="91440" bIns="45720" numCol="1" spcCol="0" rtlCol="0" fromWordArt="0" anchor="t" anchorCtr="0" forceAA="0" compatLnSpc="1">
+            <a:prstTxWarp prst="textNoShape">
+              <a:avLst/>
+            </a:prstTxWarp>
+            <a:spAutoFit/>
+          </a:bodyPr>
+          <a:lstStyle/>
+          <a:p>
+            <a:r>
+              <a:rPr lang="en-US" sz="6600"/>
+              <a:t>Server Setup</a:t>
+            </a:r>
+          </a:p>
+        </p:txBody>
+      </p:sp>
+      <p:pic>
+        <p:nvPicPr>
+          <p:cNvPr id="6" name="Content Placeholder 5" descr="A screenshot of a computer&#10;&#10;Description automatically generated">
+            <a:extLst>
+              <a:ext uri="{FF2B5EF4-FFF2-40B4-BE49-F238E27FC236}">
+                <a16:creationId xmlns:a16="http://schemas.microsoft.com/office/drawing/2014/main" id="{5301C625-3A75-CF0B-1ED2-5509BAE26B2B}"/>
+              </a:ext>
+            </a:extLst>
+          </p:cNvPr>
+          <p:cNvPicPr>
+            <a:picLocks noGrp="1" noChangeAspect="1"/>
+          </p:cNvPicPr>
+          <p:nvPr>
+            <p:ph idx="1"/>
+          </p:nvPr>
+        </p:nvPicPr>
+        <p:blipFill>
+          <a:blip r:embed="rId2"/>
+          <a:stretch>
+            <a:fillRect/>
+          </a:stretch>
+        </p:blipFill>
+        <p:spPr>
+          <a:xfrm>
+            <a:off x="6831811" y="5415"/>
+            <a:ext cx="5356681" cy="6846498"/>
+          </a:xfrm>
+        </p:spPr>
+      </p:pic>
+      <p:sp>
+        <p:nvSpPr>
+          <p:cNvPr id="8" name="Content Placeholder 2">
+            <a:extLst>
+              <a:ext uri="{FF2B5EF4-FFF2-40B4-BE49-F238E27FC236}">
+                <a16:creationId xmlns:a16="http://schemas.microsoft.com/office/drawing/2014/main" id="{B1AE0D00-ABB7-EFB0-2DAE-380C5FF2B01A}"/>
+              </a:ext>
+            </a:extLst>
+          </p:cNvPr>
+          <p:cNvSpPr txBox="1">
+            <a:spLocks/>
+          </p:cNvSpPr>
+          <p:nvPr/>
+        </p:nvSpPr>
+        <p:spPr>
+          <a:xfrm>
+            <a:off x="482600" y="1624720"/>
+            <a:ext cx="6265671" cy="4254871"/>
+          </a:xfrm>
+          <a:prstGeom prst="rect">
+            <a:avLst/>
+          </a:prstGeom>
+        </p:spPr>
+        <p:txBody>
+          <a:bodyPr vert="horz" lIns="91440" tIns="45720" rIns="91440" bIns="45720" rtlCol="0" anchor="t">
+            <a:normAutofit/>
+          </a:bodyPr>
           <a:lstStyle>
             <a:lvl1pPr marL="0" indent="0" algn="l" defTabSz="914400" rtl="0" eaLnBrk="1" latinLnBrk="0" hangingPunct="1">
               <a:lnSpc>
@@ -4861,2588 +6552,67 @@
             </a:lvl9pPr>
           </a:lstStyle>
           <a:p>
-            <a:r>
-              <a:rPr lang="en-US" dirty="0" err="1"/>
-              <a:t>TaskList</a:t>
-            </a:r>
-            <a:endParaRPr lang="en-US" dirty="0"/>
-          </a:p>
-          <a:p>
             <a:pPr marL="342900" indent="-342900">
-              <a:buFont typeface="Arial" panose="020B0604020202020204" pitchFamily="34" charset="0"/>
-              <a:buChar char="•"/>
+              <a:buFont typeface="Calibri" panose="020B0604020202020204" pitchFamily="34" charset="0"/>
+              <a:buChar char="-"/>
             </a:pPr>
             <a:r>
-              <a:rPr lang="en-US" dirty="0" err="1"/>
-              <a:t>taskList</a:t>
-            </a:r>
-            <a:endParaRPr lang="en-US" dirty="0"/>
+              <a:rPr lang="en-US"/>
+              <a:t>Users</a:t>
+            </a:r>
           </a:p>
           <a:p>
             <a:pPr marL="342900" indent="-342900">
-              <a:buFont typeface="Arial" panose="020B0604020202020204" pitchFamily="34" charset="0"/>
-              <a:buChar char="•"/>
+              <a:buFont typeface="Calibri" panose="020B0604020202020204" pitchFamily="34" charset="0"/>
+              <a:buChar char="-"/>
             </a:pPr>
             <a:r>
-              <a:rPr lang="en-US" dirty="0"/>
-              <a:t>Task</a:t>
+              <a:rPr lang="en-US"/>
+              <a:t>Tasks</a:t>
             </a:r>
           </a:p>
           <a:p>
             <a:pPr marL="342900" indent="-342900">
-              <a:buFont typeface="Arial" panose="020B0604020202020204" pitchFamily="34" charset="0"/>
-              <a:buChar char="•"/>
+              <a:buFont typeface="Calibri" panose="020B0604020202020204" pitchFamily="34" charset="0"/>
+              <a:buChar char="-"/>
             </a:pPr>
             <a:r>
-              <a:rPr lang="en-US" dirty="0" err="1"/>
-              <a:t>SubTask</a:t>
-            </a:r>
-            <a:endParaRPr lang="en-US" dirty="0"/>
+              <a:rPr lang="en-US"/>
+              <a:t>Subtasks</a:t>
+            </a:r>
           </a:p>
           <a:p>
             <a:pPr marL="342900" indent="-342900">
-              <a:buFont typeface="Arial" panose="020B0604020202020204" pitchFamily="34" charset="0"/>
-              <a:buChar char="•"/>
+              <a:buFont typeface="Calibri" panose="020B0604020202020204" pitchFamily="34" charset="0"/>
+              <a:buChar char="-"/>
             </a:pPr>
             <a:r>
-              <a:rPr lang="en-US" dirty="0"/>
-              <a:t>Automatic ordering</a:t>
-            </a:r>
-          </a:p>
-        </p:txBody>
-      </p:sp>
-      <p:sp>
-        <p:nvSpPr>
-          <p:cNvPr id="4" name="Title 1">
-            <a:extLst>
-              <a:ext uri="{FF2B5EF4-FFF2-40B4-BE49-F238E27FC236}">
-                <a16:creationId xmlns:a16="http://schemas.microsoft.com/office/drawing/2014/main" id="{5512A021-0025-7751-38A1-DDF13E612D69}"/>
-              </a:ext>
-            </a:extLst>
-          </p:cNvPr>
-          <p:cNvSpPr txBox="1">
-            <a:spLocks/>
-          </p:cNvSpPr>
-          <p:nvPr/>
-        </p:nvSpPr>
-        <p:spPr>
-          <a:xfrm>
-            <a:off x="515112" y="480567"/>
-            <a:ext cx="4287393" cy="2450593"/>
-          </a:xfrm>
-          <a:prstGeom prst="rect">
-            <a:avLst/>
-          </a:prstGeom>
-        </p:spPr>
-        <p:txBody>
-          <a:bodyPr/>
-          <a:lstStyle>
-            <a:lvl1pPr algn="l" defTabSz="914400" rtl="0" eaLnBrk="1" latinLnBrk="0" hangingPunct="1">
-              <a:lnSpc>
-                <a:spcPct val="100000"/>
-              </a:lnSpc>
-              <a:spcBef>
-                <a:spcPct val="0"/>
-              </a:spcBef>
-              <a:buNone/>
-              <a:defRPr sz="6600" kern="1200">
-                <a:solidFill>
-                  <a:schemeClr val="tx1"/>
-                </a:solidFill>
-                <a:latin typeface="+mj-lt"/>
-                <a:ea typeface="+mj-ea"/>
-                <a:cs typeface="+mj-cs"/>
-              </a:defRPr>
-            </a:lvl1pPr>
-          </a:lstStyle>
-          <a:p>
-            <a:r>
-              <a:rPr lang="en-US" sz="3000" dirty="0"/>
-              <a:t>Component Diagram</a:t>
-            </a:r>
+              <a:rPr lang="en-US"/>
+              <a:t>Gameboard</a:t>
+            </a:r>
+          </a:p>
+          <a:p>
+            <a:pPr marL="342900" indent="-342900">
+              <a:buFont typeface="Calibri" panose="020B0604020202020204" pitchFamily="34" charset="0"/>
+              <a:buChar char="-"/>
+            </a:pPr>
+            <a:endParaRPr lang="en-US"/>
+          </a:p>
+          <a:p>
+            <a:r>
+              <a:rPr lang="en-US"/>
+              <a:t>(To prevent too much data from being pulled at once, we utilize several data objects that are called to, such as difficulty, priority, pictures, game items, etc.)</a:t>
+            </a:r>
+          </a:p>
+          <a:p>
+            <a:endParaRPr lang="en-US"/>
           </a:p>
         </p:txBody>
       </p:sp>
     </p:spTree>
     <p:extLst>
       <p:ext uri="{BB962C8B-B14F-4D97-AF65-F5344CB8AC3E}">
-        <p14:creationId xmlns:p14="http://schemas.microsoft.com/office/powerpoint/2010/main" val="3266450277"/>
-      </p:ext>
-    </p:extLst>
-  </p:cSld>
-  <p:clrMapOvr>
-    <a:masterClrMapping/>
-  </p:clrMapOvr>
-</p:sld>
-</file>
-
-<file path=ppt/slides/slide11.xml><?xml version="1.0" encoding="utf-8"?>
-<p:sld xmlns:a="http://schemas.openxmlformats.org/drawingml/2006/main" xmlns:r="http://schemas.openxmlformats.org/officeDocument/2006/relationships" xmlns:p="http://schemas.openxmlformats.org/presentationml/2006/main">
-  <p:cSld>
-    <p:spTree>
-      <p:nvGrpSpPr>
-        <p:cNvPr id="1" name="">
-          <a:extLst>
-            <a:ext uri="{FF2B5EF4-FFF2-40B4-BE49-F238E27FC236}">
-              <a16:creationId xmlns:a16="http://schemas.microsoft.com/office/drawing/2014/main" id="{E8E13915-A0B4-CCD3-1518-DEC7E3622625}"/>
-            </a:ext>
-          </a:extLst>
-        </p:cNvPr>
-        <p:cNvGrpSpPr/>
-        <p:nvPr/>
-      </p:nvGrpSpPr>
-      <p:grpSpPr>
-        <a:xfrm>
-          <a:off x="0" y="0"/>
-          <a:ext cx="0" cy="0"/>
-          <a:chOff x="0" y="0"/>
-          <a:chExt cx="0" cy="0"/>
-        </a:xfrm>
-      </p:grpSpPr>
-      <p:pic>
-        <p:nvPicPr>
-          <p:cNvPr id="3" name="Picture 2" descr="A white background with black text&#10;&#10;Description automatically generated">
-            <a:extLst>
-              <a:ext uri="{FF2B5EF4-FFF2-40B4-BE49-F238E27FC236}">
-                <a16:creationId xmlns:a16="http://schemas.microsoft.com/office/drawing/2014/main" id="{FE0858D8-8202-F540-9841-EE4C1245E90C}"/>
-              </a:ext>
-            </a:extLst>
-          </p:cNvPr>
-          <p:cNvPicPr>
-            <a:picLocks noChangeAspect="1"/>
-          </p:cNvPicPr>
-          <p:nvPr/>
-        </p:nvPicPr>
-        <p:blipFill rotWithShape="1">
-          <a:blip r:embed="rId2">
-            <a:extLst>
-              <a:ext uri="{28A0092B-C50C-407E-A947-70E740481C1C}">
-                <a14:useLocalDpi xmlns:a14="http://schemas.microsoft.com/office/drawing/2010/main" val="0"/>
-              </a:ext>
-            </a:extLst>
-          </a:blip>
-          <a:srcRect l="937" t="74553" r="39856" b="-23167"/>
-          <a:stretch/>
-        </p:blipFill>
-        <p:spPr>
-          <a:xfrm>
-            <a:off x="606552" y="4238560"/>
-            <a:ext cx="9860280" cy="4277746"/>
-          </a:xfrm>
-          <a:prstGeom prst="rect">
-            <a:avLst/>
-          </a:prstGeom>
-          <a:effectLst>
-            <a:softEdge rad="177800"/>
-          </a:effectLst>
-        </p:spPr>
-      </p:pic>
-      <p:sp>
-        <p:nvSpPr>
-          <p:cNvPr id="2" name="Text Placeholder 3">
-            <a:extLst>
-              <a:ext uri="{FF2B5EF4-FFF2-40B4-BE49-F238E27FC236}">
-                <a16:creationId xmlns:a16="http://schemas.microsoft.com/office/drawing/2014/main" id="{600A5869-19A6-C031-7F1D-7707926B8CCF}"/>
-              </a:ext>
-            </a:extLst>
-          </p:cNvPr>
-          <p:cNvSpPr txBox="1">
-            <a:spLocks/>
-          </p:cNvSpPr>
-          <p:nvPr/>
-        </p:nvSpPr>
-        <p:spPr>
-          <a:xfrm>
-            <a:off x="606552" y="1280160"/>
-            <a:ext cx="5489448" cy="4846320"/>
-          </a:xfrm>
-          <a:prstGeom prst="rect">
-            <a:avLst/>
-          </a:prstGeom>
-        </p:spPr>
-        <p:txBody>
-          <a:bodyPr/>
-          <a:lstStyle>
-            <a:lvl1pPr marL="0" indent="0" algn="l" defTabSz="914400" rtl="0" eaLnBrk="1" latinLnBrk="0" hangingPunct="1">
-              <a:lnSpc>
-                <a:spcPct val="100000"/>
-              </a:lnSpc>
-              <a:spcBef>
-                <a:spcPts val="1000"/>
-              </a:spcBef>
-              <a:buFont typeface="Arial" panose="020B0604020202020204" pitchFamily="34" charset="0"/>
-              <a:buNone/>
-              <a:defRPr sz="2400" kern="1200">
-                <a:solidFill>
-                  <a:schemeClr val="tx1"/>
-                </a:solidFill>
-                <a:latin typeface="+mn-lt"/>
-                <a:ea typeface="+mn-ea"/>
-                <a:cs typeface="+mn-cs"/>
-              </a:defRPr>
-            </a:lvl1pPr>
-            <a:lvl2pPr marL="685800" indent="-228600" algn="l" defTabSz="914400" rtl="0" eaLnBrk="1" latinLnBrk="0" hangingPunct="1">
-              <a:lnSpc>
-                <a:spcPct val="100000"/>
-              </a:lnSpc>
-              <a:spcBef>
-                <a:spcPts val="500"/>
-              </a:spcBef>
-              <a:buFont typeface="Arial" panose="020B0604020202020204" pitchFamily="34" charset="0"/>
-              <a:buChar char="•"/>
-              <a:defRPr sz="2000" kern="1200">
-                <a:solidFill>
-                  <a:schemeClr val="tx1"/>
-                </a:solidFill>
-                <a:latin typeface="+mn-lt"/>
-                <a:ea typeface="+mn-ea"/>
-                <a:cs typeface="+mn-cs"/>
-              </a:defRPr>
-            </a:lvl2pPr>
-            <a:lvl3pPr marL="914400" indent="0" algn="l" defTabSz="914400" rtl="0" eaLnBrk="1" latinLnBrk="0" hangingPunct="1">
-              <a:lnSpc>
-                <a:spcPct val="100000"/>
-              </a:lnSpc>
-              <a:spcBef>
-                <a:spcPts val="500"/>
-              </a:spcBef>
-              <a:buFont typeface="Arial" panose="020B0604020202020204" pitchFamily="34" charset="0"/>
-              <a:buNone/>
-              <a:defRPr sz="2000" kern="1200">
-                <a:solidFill>
-                  <a:schemeClr val="tx1"/>
-                </a:solidFill>
-                <a:latin typeface="+mn-lt"/>
-                <a:ea typeface="+mn-ea"/>
-                <a:cs typeface="+mn-cs"/>
-              </a:defRPr>
-            </a:lvl3pPr>
-            <a:lvl4pPr marL="1600200" indent="-228600" algn="l" defTabSz="914400" rtl="0" eaLnBrk="1" latinLnBrk="0" hangingPunct="1">
-              <a:lnSpc>
-                <a:spcPct val="100000"/>
-              </a:lnSpc>
-              <a:spcBef>
-                <a:spcPts val="500"/>
-              </a:spcBef>
-              <a:buFont typeface="Arial" panose="020B0604020202020204" pitchFamily="34" charset="0"/>
-              <a:buChar char="•"/>
-              <a:defRPr sz="1800" kern="1200">
-                <a:solidFill>
-                  <a:schemeClr val="tx1"/>
-                </a:solidFill>
-                <a:latin typeface="+mn-lt"/>
-                <a:ea typeface="+mn-ea"/>
-                <a:cs typeface="+mn-cs"/>
-              </a:defRPr>
-            </a:lvl4pPr>
-            <a:lvl5pPr marL="1828800" indent="0" algn="l" defTabSz="914400" rtl="0" eaLnBrk="1" latinLnBrk="0" hangingPunct="1">
-              <a:lnSpc>
-                <a:spcPct val="100000"/>
-              </a:lnSpc>
-              <a:spcBef>
-                <a:spcPts val="500"/>
-              </a:spcBef>
-              <a:buFont typeface="Arial" panose="020B0604020202020204" pitchFamily="34" charset="0"/>
-              <a:buNone/>
-              <a:defRPr sz="1800" kern="1200">
-                <a:solidFill>
-                  <a:schemeClr val="tx1"/>
-                </a:solidFill>
-                <a:latin typeface="+mn-lt"/>
-                <a:ea typeface="+mn-ea"/>
-                <a:cs typeface="+mn-cs"/>
-              </a:defRPr>
-            </a:lvl5pPr>
-            <a:lvl6pPr marL="2514600" indent="-228600" algn="l" defTabSz="914400" rtl="0" eaLnBrk="1" latinLnBrk="0" hangingPunct="1">
-              <a:lnSpc>
-                <a:spcPct val="90000"/>
-              </a:lnSpc>
-              <a:spcBef>
-                <a:spcPts val="500"/>
-              </a:spcBef>
-              <a:buFont typeface="Arial" panose="020B0604020202020204" pitchFamily="34" charset="0"/>
-              <a:buChar char="•"/>
-              <a:defRPr sz="1800" kern="1200">
-                <a:solidFill>
-                  <a:schemeClr val="tx1"/>
-                </a:solidFill>
-                <a:latin typeface="+mn-lt"/>
-                <a:ea typeface="+mn-ea"/>
-                <a:cs typeface="+mn-cs"/>
-              </a:defRPr>
-            </a:lvl6pPr>
-            <a:lvl7pPr marL="2971800" indent="-228600" algn="l" defTabSz="914400" rtl="0" eaLnBrk="1" latinLnBrk="0" hangingPunct="1">
-              <a:lnSpc>
-                <a:spcPct val="90000"/>
-              </a:lnSpc>
-              <a:spcBef>
-                <a:spcPts val="500"/>
-              </a:spcBef>
-              <a:buFont typeface="Arial" panose="020B0604020202020204" pitchFamily="34" charset="0"/>
-              <a:buChar char="•"/>
-              <a:defRPr sz="1800" kern="1200">
-                <a:solidFill>
-                  <a:schemeClr val="tx1"/>
-                </a:solidFill>
-                <a:latin typeface="+mn-lt"/>
-                <a:ea typeface="+mn-ea"/>
-                <a:cs typeface="+mn-cs"/>
-              </a:defRPr>
-            </a:lvl7pPr>
-            <a:lvl8pPr marL="3429000" indent="-228600" algn="l" defTabSz="914400" rtl="0" eaLnBrk="1" latinLnBrk="0" hangingPunct="1">
-              <a:lnSpc>
-                <a:spcPct val="90000"/>
-              </a:lnSpc>
-              <a:spcBef>
-                <a:spcPts val="500"/>
-              </a:spcBef>
-              <a:buFont typeface="Arial" panose="020B0604020202020204" pitchFamily="34" charset="0"/>
-              <a:buChar char="•"/>
-              <a:defRPr sz="1800" kern="1200">
-                <a:solidFill>
-                  <a:schemeClr val="tx1"/>
-                </a:solidFill>
-                <a:latin typeface="+mn-lt"/>
-                <a:ea typeface="+mn-ea"/>
-                <a:cs typeface="+mn-cs"/>
-              </a:defRPr>
-            </a:lvl8pPr>
-            <a:lvl9pPr marL="3886200" indent="-228600" algn="l" defTabSz="914400" rtl="0" eaLnBrk="1" latinLnBrk="0" hangingPunct="1">
-              <a:lnSpc>
-                <a:spcPct val="90000"/>
-              </a:lnSpc>
-              <a:spcBef>
-                <a:spcPts val="500"/>
-              </a:spcBef>
-              <a:buFont typeface="Arial" panose="020B0604020202020204" pitchFamily="34" charset="0"/>
-              <a:buChar char="•"/>
-              <a:defRPr sz="1800" kern="1200">
-                <a:solidFill>
-                  <a:schemeClr val="tx1"/>
-                </a:solidFill>
-                <a:latin typeface="+mn-lt"/>
-                <a:ea typeface="+mn-ea"/>
-                <a:cs typeface="+mn-cs"/>
-              </a:defRPr>
-            </a:lvl9pPr>
-          </a:lstStyle>
-          <a:p>
-            <a:r>
-              <a:rPr lang="en-US" dirty="0"/>
-              <a:t>Graphs</a:t>
-            </a:r>
-          </a:p>
-          <a:p>
-            <a:pPr marL="342900" indent="-342900">
-              <a:buFont typeface="Arial" panose="020B0604020202020204" pitchFamily="34" charset="0"/>
-              <a:buChar char="•"/>
-            </a:pPr>
-            <a:r>
-              <a:rPr lang="en-US" dirty="0"/>
-              <a:t>Daily Graph</a:t>
-            </a:r>
-          </a:p>
-          <a:p>
-            <a:pPr marL="1028700" lvl="1" indent="-342900"/>
-            <a:r>
-              <a:rPr lang="en-US" dirty="0"/>
-              <a:t>Specific items and types</a:t>
-            </a:r>
-          </a:p>
-          <a:p>
-            <a:pPr marL="1028700" lvl="1" indent="-342900"/>
-            <a:r>
-              <a:rPr lang="en-US" dirty="0"/>
-              <a:t>Displays info over last 7 days</a:t>
-            </a:r>
-          </a:p>
-          <a:p>
-            <a:pPr marL="342900" indent="-342900">
-              <a:buFont typeface="Arial" panose="020B0604020202020204" pitchFamily="34" charset="0"/>
-              <a:buChar char="•"/>
-            </a:pPr>
-            <a:r>
-              <a:rPr lang="en-US" dirty="0"/>
-              <a:t>Weekly Graph</a:t>
-            </a:r>
-          </a:p>
-          <a:p>
-            <a:pPr marL="1028700" lvl="1" indent="-342900"/>
-            <a:r>
-              <a:rPr lang="en-US" dirty="0"/>
-              <a:t>Amount of time worked per week</a:t>
-            </a:r>
-          </a:p>
-          <a:p>
-            <a:pPr marL="1028700" lvl="1" indent="-342900"/>
-            <a:r>
-              <a:rPr lang="en-US" dirty="0"/>
-              <a:t>Displays info over past 52 weeks</a:t>
-            </a:r>
-          </a:p>
-        </p:txBody>
-      </p:sp>
-      <p:sp>
-        <p:nvSpPr>
-          <p:cNvPr id="4" name="Title 1">
-            <a:extLst>
-              <a:ext uri="{FF2B5EF4-FFF2-40B4-BE49-F238E27FC236}">
-                <a16:creationId xmlns:a16="http://schemas.microsoft.com/office/drawing/2014/main" id="{2DD77A84-BE98-92D0-4CD0-4683591F3007}"/>
-              </a:ext>
-            </a:extLst>
-          </p:cNvPr>
-          <p:cNvSpPr txBox="1">
-            <a:spLocks/>
-          </p:cNvSpPr>
-          <p:nvPr/>
-        </p:nvSpPr>
-        <p:spPr>
-          <a:xfrm>
-            <a:off x="515112" y="480567"/>
-            <a:ext cx="4287393" cy="2450593"/>
-          </a:xfrm>
-          <a:prstGeom prst="rect">
-            <a:avLst/>
-          </a:prstGeom>
-        </p:spPr>
-        <p:txBody>
-          <a:bodyPr/>
-          <a:lstStyle>
-            <a:lvl1pPr algn="l" defTabSz="914400" rtl="0" eaLnBrk="1" latinLnBrk="0" hangingPunct="1">
-              <a:lnSpc>
-                <a:spcPct val="100000"/>
-              </a:lnSpc>
-              <a:spcBef>
-                <a:spcPct val="0"/>
-              </a:spcBef>
-              <a:buNone/>
-              <a:defRPr sz="6600" kern="1200">
-                <a:solidFill>
-                  <a:schemeClr val="tx1"/>
-                </a:solidFill>
-                <a:latin typeface="+mj-lt"/>
-                <a:ea typeface="+mj-ea"/>
-                <a:cs typeface="+mj-cs"/>
-              </a:defRPr>
-            </a:lvl1pPr>
-          </a:lstStyle>
-          <a:p>
-            <a:r>
-              <a:rPr lang="en-US" sz="3000" dirty="0"/>
-              <a:t>Component Diagram</a:t>
-            </a:r>
-          </a:p>
-        </p:txBody>
-      </p:sp>
-    </p:spTree>
-    <p:extLst>
-      <p:ext uri="{BB962C8B-B14F-4D97-AF65-F5344CB8AC3E}">
-        <p14:creationId xmlns:p14="http://schemas.microsoft.com/office/powerpoint/2010/main" val="2351279164"/>
-      </p:ext>
-    </p:extLst>
-  </p:cSld>
-  <p:clrMapOvr>
-    <a:masterClrMapping/>
-  </p:clrMapOvr>
-</p:sld>
-</file>
-
-<file path=ppt/slides/slide12.xml><?xml version="1.0" encoding="utf-8"?>
-<p:sld xmlns:a="http://schemas.openxmlformats.org/drawingml/2006/main" xmlns:r="http://schemas.openxmlformats.org/officeDocument/2006/relationships" xmlns:p="http://schemas.openxmlformats.org/presentationml/2006/main">
-  <p:cSld>
-    <p:spTree>
-      <p:nvGrpSpPr>
-        <p:cNvPr id="1" name="">
-          <a:extLst>
-            <a:ext uri="{FF2B5EF4-FFF2-40B4-BE49-F238E27FC236}">
-              <a16:creationId xmlns:a16="http://schemas.microsoft.com/office/drawing/2014/main" id="{F9AF34C9-5700-4FAF-B59B-9BE8626A3F85}"/>
-            </a:ext>
-          </a:extLst>
-        </p:cNvPr>
-        <p:cNvGrpSpPr/>
-        <p:nvPr/>
-      </p:nvGrpSpPr>
-      <p:grpSpPr>
-        <a:xfrm>
-          <a:off x="0" y="0"/>
-          <a:ext cx="0" cy="0"/>
-          <a:chOff x="0" y="0"/>
-          <a:chExt cx="0" cy="0"/>
-        </a:xfrm>
-      </p:grpSpPr>
-      <p:pic>
-        <p:nvPicPr>
-          <p:cNvPr id="3" name="Picture 2" descr="A white background with black text&#10;&#10;Description automatically generated">
-            <a:extLst>
-              <a:ext uri="{FF2B5EF4-FFF2-40B4-BE49-F238E27FC236}">
-                <a16:creationId xmlns:a16="http://schemas.microsoft.com/office/drawing/2014/main" id="{9B56E25E-932D-C758-3188-30F938AD2EFC}"/>
-              </a:ext>
-            </a:extLst>
-          </p:cNvPr>
-          <p:cNvPicPr>
-            <a:picLocks noChangeAspect="1"/>
-          </p:cNvPicPr>
-          <p:nvPr/>
-        </p:nvPicPr>
-        <p:blipFill rotWithShape="1">
-          <a:blip r:embed="rId2">
-            <a:extLst>
-              <a:ext uri="{28A0092B-C50C-407E-A947-70E740481C1C}">
-                <a14:useLocalDpi xmlns:a14="http://schemas.microsoft.com/office/drawing/2010/main" val="0"/>
-              </a:ext>
-            </a:extLst>
-          </a:blip>
-          <a:srcRect l="-11417" t="27192" r="68132" b="27431"/>
-          <a:stretch/>
-        </p:blipFill>
-        <p:spPr>
-          <a:xfrm>
-            <a:off x="606552" y="320040"/>
-            <a:ext cx="11803263" cy="6537960"/>
-          </a:xfrm>
-          <a:prstGeom prst="rect">
-            <a:avLst/>
-          </a:prstGeom>
-          <a:effectLst>
-            <a:softEdge rad="177800"/>
-          </a:effectLst>
-        </p:spPr>
-      </p:pic>
-      <p:sp>
-        <p:nvSpPr>
-          <p:cNvPr id="2" name="Text Placeholder 3">
-            <a:extLst>
-              <a:ext uri="{FF2B5EF4-FFF2-40B4-BE49-F238E27FC236}">
-                <a16:creationId xmlns:a16="http://schemas.microsoft.com/office/drawing/2014/main" id="{2858424F-55B1-0247-10A5-E8EA40ECB7ED}"/>
-              </a:ext>
-            </a:extLst>
-          </p:cNvPr>
-          <p:cNvSpPr txBox="1">
-            <a:spLocks/>
-          </p:cNvSpPr>
-          <p:nvPr/>
-        </p:nvSpPr>
-        <p:spPr>
-          <a:xfrm>
-            <a:off x="606552" y="1280160"/>
-            <a:ext cx="3609848" cy="4846320"/>
-          </a:xfrm>
-          <a:prstGeom prst="rect">
-            <a:avLst/>
-          </a:prstGeom>
-        </p:spPr>
-        <p:txBody>
-          <a:bodyPr/>
-          <a:lstStyle>
-            <a:lvl1pPr marL="0" indent="0" algn="l" defTabSz="914400" rtl="0" eaLnBrk="1" latinLnBrk="0" hangingPunct="1">
-              <a:lnSpc>
-                <a:spcPct val="100000"/>
-              </a:lnSpc>
-              <a:spcBef>
-                <a:spcPts val="1000"/>
-              </a:spcBef>
-              <a:buFont typeface="Arial" panose="020B0604020202020204" pitchFamily="34" charset="0"/>
-              <a:buNone/>
-              <a:defRPr sz="2400" kern="1200">
-                <a:solidFill>
-                  <a:schemeClr val="tx1"/>
-                </a:solidFill>
-                <a:latin typeface="+mn-lt"/>
-                <a:ea typeface="+mn-ea"/>
-                <a:cs typeface="+mn-cs"/>
-              </a:defRPr>
-            </a:lvl1pPr>
-            <a:lvl2pPr marL="685800" indent="-228600" algn="l" defTabSz="914400" rtl="0" eaLnBrk="1" latinLnBrk="0" hangingPunct="1">
-              <a:lnSpc>
-                <a:spcPct val="100000"/>
-              </a:lnSpc>
-              <a:spcBef>
-                <a:spcPts val="500"/>
-              </a:spcBef>
-              <a:buFont typeface="Arial" panose="020B0604020202020204" pitchFamily="34" charset="0"/>
-              <a:buChar char="•"/>
-              <a:defRPr sz="2000" kern="1200">
-                <a:solidFill>
-                  <a:schemeClr val="tx1"/>
-                </a:solidFill>
-                <a:latin typeface="+mn-lt"/>
-                <a:ea typeface="+mn-ea"/>
-                <a:cs typeface="+mn-cs"/>
-              </a:defRPr>
-            </a:lvl2pPr>
-            <a:lvl3pPr marL="914400" indent="0" algn="l" defTabSz="914400" rtl="0" eaLnBrk="1" latinLnBrk="0" hangingPunct="1">
-              <a:lnSpc>
-                <a:spcPct val="100000"/>
-              </a:lnSpc>
-              <a:spcBef>
-                <a:spcPts val="500"/>
-              </a:spcBef>
-              <a:buFont typeface="Arial" panose="020B0604020202020204" pitchFamily="34" charset="0"/>
-              <a:buNone/>
-              <a:defRPr sz="2000" kern="1200">
-                <a:solidFill>
-                  <a:schemeClr val="tx1"/>
-                </a:solidFill>
-                <a:latin typeface="+mn-lt"/>
-                <a:ea typeface="+mn-ea"/>
-                <a:cs typeface="+mn-cs"/>
-              </a:defRPr>
-            </a:lvl3pPr>
-            <a:lvl4pPr marL="1600200" indent="-228600" algn="l" defTabSz="914400" rtl="0" eaLnBrk="1" latinLnBrk="0" hangingPunct="1">
-              <a:lnSpc>
-                <a:spcPct val="100000"/>
-              </a:lnSpc>
-              <a:spcBef>
-                <a:spcPts val="500"/>
-              </a:spcBef>
-              <a:buFont typeface="Arial" panose="020B0604020202020204" pitchFamily="34" charset="0"/>
-              <a:buChar char="•"/>
-              <a:defRPr sz="1800" kern="1200">
-                <a:solidFill>
-                  <a:schemeClr val="tx1"/>
-                </a:solidFill>
-                <a:latin typeface="+mn-lt"/>
-                <a:ea typeface="+mn-ea"/>
-                <a:cs typeface="+mn-cs"/>
-              </a:defRPr>
-            </a:lvl4pPr>
-            <a:lvl5pPr marL="1828800" indent="0" algn="l" defTabSz="914400" rtl="0" eaLnBrk="1" latinLnBrk="0" hangingPunct="1">
-              <a:lnSpc>
-                <a:spcPct val="100000"/>
-              </a:lnSpc>
-              <a:spcBef>
-                <a:spcPts val="500"/>
-              </a:spcBef>
-              <a:buFont typeface="Arial" panose="020B0604020202020204" pitchFamily="34" charset="0"/>
-              <a:buNone/>
-              <a:defRPr sz="1800" kern="1200">
-                <a:solidFill>
-                  <a:schemeClr val="tx1"/>
-                </a:solidFill>
-                <a:latin typeface="+mn-lt"/>
-                <a:ea typeface="+mn-ea"/>
-                <a:cs typeface="+mn-cs"/>
-              </a:defRPr>
-            </a:lvl5pPr>
-            <a:lvl6pPr marL="2514600" indent="-228600" algn="l" defTabSz="914400" rtl="0" eaLnBrk="1" latinLnBrk="0" hangingPunct="1">
-              <a:lnSpc>
-                <a:spcPct val="90000"/>
-              </a:lnSpc>
-              <a:spcBef>
-                <a:spcPts val="500"/>
-              </a:spcBef>
-              <a:buFont typeface="Arial" panose="020B0604020202020204" pitchFamily="34" charset="0"/>
-              <a:buChar char="•"/>
-              <a:defRPr sz="1800" kern="1200">
-                <a:solidFill>
-                  <a:schemeClr val="tx1"/>
-                </a:solidFill>
-                <a:latin typeface="+mn-lt"/>
-                <a:ea typeface="+mn-ea"/>
-                <a:cs typeface="+mn-cs"/>
-              </a:defRPr>
-            </a:lvl6pPr>
-            <a:lvl7pPr marL="2971800" indent="-228600" algn="l" defTabSz="914400" rtl="0" eaLnBrk="1" latinLnBrk="0" hangingPunct="1">
-              <a:lnSpc>
-                <a:spcPct val="90000"/>
-              </a:lnSpc>
-              <a:spcBef>
-                <a:spcPts val="500"/>
-              </a:spcBef>
-              <a:buFont typeface="Arial" panose="020B0604020202020204" pitchFamily="34" charset="0"/>
-              <a:buChar char="•"/>
-              <a:defRPr sz="1800" kern="1200">
-                <a:solidFill>
-                  <a:schemeClr val="tx1"/>
-                </a:solidFill>
-                <a:latin typeface="+mn-lt"/>
-                <a:ea typeface="+mn-ea"/>
-                <a:cs typeface="+mn-cs"/>
-              </a:defRPr>
-            </a:lvl7pPr>
-            <a:lvl8pPr marL="3429000" indent="-228600" algn="l" defTabSz="914400" rtl="0" eaLnBrk="1" latinLnBrk="0" hangingPunct="1">
-              <a:lnSpc>
-                <a:spcPct val="90000"/>
-              </a:lnSpc>
-              <a:spcBef>
-                <a:spcPts val="500"/>
-              </a:spcBef>
-              <a:buFont typeface="Arial" panose="020B0604020202020204" pitchFamily="34" charset="0"/>
-              <a:buChar char="•"/>
-              <a:defRPr sz="1800" kern="1200">
-                <a:solidFill>
-                  <a:schemeClr val="tx1"/>
-                </a:solidFill>
-                <a:latin typeface="+mn-lt"/>
-                <a:ea typeface="+mn-ea"/>
-                <a:cs typeface="+mn-cs"/>
-              </a:defRPr>
-            </a:lvl8pPr>
-            <a:lvl9pPr marL="3886200" indent="-228600" algn="l" defTabSz="914400" rtl="0" eaLnBrk="1" latinLnBrk="0" hangingPunct="1">
-              <a:lnSpc>
-                <a:spcPct val="90000"/>
-              </a:lnSpc>
-              <a:spcBef>
-                <a:spcPts val="500"/>
-              </a:spcBef>
-              <a:buFont typeface="Arial" panose="020B0604020202020204" pitchFamily="34" charset="0"/>
-              <a:buChar char="•"/>
-              <a:defRPr sz="1800" kern="1200">
-                <a:solidFill>
-                  <a:schemeClr val="tx1"/>
-                </a:solidFill>
-                <a:latin typeface="+mn-lt"/>
-                <a:ea typeface="+mn-ea"/>
-                <a:cs typeface="+mn-cs"/>
-              </a:defRPr>
-            </a:lvl9pPr>
-          </a:lstStyle>
-          <a:p>
-            <a:r>
-              <a:rPr lang="en-US" dirty="0"/>
-              <a:t>Objectives</a:t>
-            </a:r>
-          </a:p>
-          <a:p>
-            <a:pPr marL="342900" indent="-342900">
-              <a:buFont typeface="Arial" panose="020B0604020202020204" pitchFamily="34" charset="0"/>
-              <a:buChar char="•"/>
-            </a:pPr>
-            <a:r>
-              <a:rPr lang="en-US" dirty="0"/>
-              <a:t>Weekly Objectives</a:t>
-            </a:r>
-          </a:p>
-          <a:p>
-            <a:pPr marL="342900" indent="-342900">
-              <a:buFont typeface="Arial" panose="020B0604020202020204" pitchFamily="34" charset="0"/>
-              <a:buChar char="•"/>
-            </a:pPr>
-            <a:r>
-              <a:rPr lang="en-US" dirty="0"/>
-              <a:t>Daily Objectives</a:t>
-            </a:r>
-          </a:p>
-        </p:txBody>
-      </p:sp>
-      <p:sp>
-        <p:nvSpPr>
-          <p:cNvPr id="4" name="Title 1">
-            <a:extLst>
-              <a:ext uri="{FF2B5EF4-FFF2-40B4-BE49-F238E27FC236}">
-                <a16:creationId xmlns:a16="http://schemas.microsoft.com/office/drawing/2014/main" id="{284B7D0B-84D0-A1DD-AEFD-EDC4A9402988}"/>
-              </a:ext>
-            </a:extLst>
-          </p:cNvPr>
-          <p:cNvSpPr txBox="1">
-            <a:spLocks/>
-          </p:cNvSpPr>
-          <p:nvPr/>
-        </p:nvSpPr>
-        <p:spPr>
-          <a:xfrm>
-            <a:off x="515112" y="480567"/>
-            <a:ext cx="4287393" cy="2450593"/>
-          </a:xfrm>
-          <a:prstGeom prst="rect">
-            <a:avLst/>
-          </a:prstGeom>
-        </p:spPr>
-        <p:txBody>
-          <a:bodyPr/>
-          <a:lstStyle>
-            <a:lvl1pPr algn="l" defTabSz="914400" rtl="0" eaLnBrk="1" latinLnBrk="0" hangingPunct="1">
-              <a:lnSpc>
-                <a:spcPct val="100000"/>
-              </a:lnSpc>
-              <a:spcBef>
-                <a:spcPct val="0"/>
-              </a:spcBef>
-              <a:buNone/>
-              <a:defRPr sz="6600" kern="1200">
-                <a:solidFill>
-                  <a:schemeClr val="tx1"/>
-                </a:solidFill>
-                <a:latin typeface="+mj-lt"/>
-                <a:ea typeface="+mj-ea"/>
-                <a:cs typeface="+mj-cs"/>
-              </a:defRPr>
-            </a:lvl1pPr>
-          </a:lstStyle>
-          <a:p>
-            <a:r>
-              <a:rPr lang="en-US" sz="3000" dirty="0"/>
-              <a:t>Component Diagram</a:t>
-            </a:r>
-          </a:p>
-        </p:txBody>
-      </p:sp>
-    </p:spTree>
-    <p:extLst>
-      <p:ext uri="{BB962C8B-B14F-4D97-AF65-F5344CB8AC3E}">
-        <p14:creationId xmlns:p14="http://schemas.microsoft.com/office/powerpoint/2010/main" val="2092714641"/>
-      </p:ext>
-    </p:extLst>
-  </p:cSld>
-  <p:clrMapOvr>
-    <a:masterClrMapping/>
-  </p:clrMapOvr>
-</p:sld>
-</file>
-
-<file path=ppt/slides/slide13.xml><?xml version="1.0" encoding="utf-8"?>
-<p:sld xmlns:a="http://schemas.openxmlformats.org/drawingml/2006/main" xmlns:r="http://schemas.openxmlformats.org/officeDocument/2006/relationships" xmlns:p="http://schemas.openxmlformats.org/presentationml/2006/main">
-  <p:cSld>
-    <p:spTree>
-      <p:nvGrpSpPr>
-        <p:cNvPr id="1" name="">
-          <a:extLst>
-            <a:ext uri="{FF2B5EF4-FFF2-40B4-BE49-F238E27FC236}">
-              <a16:creationId xmlns:a16="http://schemas.microsoft.com/office/drawing/2014/main" id="{826C9B89-9610-4C62-AFF6-9C9E42A04202}"/>
-            </a:ext>
-          </a:extLst>
-        </p:cNvPr>
-        <p:cNvGrpSpPr/>
-        <p:nvPr/>
-      </p:nvGrpSpPr>
-      <p:grpSpPr>
-        <a:xfrm>
-          <a:off x="0" y="0"/>
-          <a:ext cx="0" cy="0"/>
-          <a:chOff x="0" y="0"/>
-          <a:chExt cx="0" cy="0"/>
-        </a:xfrm>
-      </p:grpSpPr>
-      <p:pic>
-        <p:nvPicPr>
-          <p:cNvPr id="3" name="Picture 2" descr="A white background with black text&#10;&#10;Description automatically generated">
-            <a:extLst>
-              <a:ext uri="{FF2B5EF4-FFF2-40B4-BE49-F238E27FC236}">
-                <a16:creationId xmlns:a16="http://schemas.microsoft.com/office/drawing/2014/main" id="{389D95D3-2054-204B-47F0-FB248C5AFB48}"/>
-              </a:ext>
-            </a:extLst>
-          </p:cNvPr>
-          <p:cNvPicPr>
-            <a:picLocks noChangeAspect="1"/>
-          </p:cNvPicPr>
-          <p:nvPr/>
-        </p:nvPicPr>
-        <p:blipFill rotWithShape="1">
-          <a:blip r:embed="rId2">
-            <a:extLst>
-              <a:ext uri="{28A0092B-C50C-407E-A947-70E740481C1C}">
-                <a14:useLocalDpi xmlns:a14="http://schemas.microsoft.com/office/drawing/2010/main" val="0"/>
-              </a:ext>
-            </a:extLst>
-          </a:blip>
-          <a:srcRect l="-853" t="-10144" r="39030" b="63816"/>
-          <a:stretch/>
-        </p:blipFill>
-        <p:spPr>
-          <a:xfrm>
-            <a:off x="515112" y="2193337"/>
-            <a:ext cx="11602341" cy="4593948"/>
-          </a:xfrm>
-          <a:prstGeom prst="rect">
-            <a:avLst/>
-          </a:prstGeom>
-          <a:effectLst>
-            <a:softEdge rad="177800"/>
-          </a:effectLst>
-        </p:spPr>
-      </p:pic>
-      <p:sp>
-        <p:nvSpPr>
-          <p:cNvPr id="2" name="Text Placeholder 3">
-            <a:extLst>
-              <a:ext uri="{FF2B5EF4-FFF2-40B4-BE49-F238E27FC236}">
-                <a16:creationId xmlns:a16="http://schemas.microsoft.com/office/drawing/2014/main" id="{72674073-C5E6-F6F9-1517-A8CC7DF85BB0}"/>
-              </a:ext>
-            </a:extLst>
-          </p:cNvPr>
-          <p:cNvSpPr txBox="1">
-            <a:spLocks/>
-          </p:cNvSpPr>
-          <p:nvPr/>
-        </p:nvSpPr>
-        <p:spPr>
-          <a:xfrm>
-            <a:off x="606552" y="1280160"/>
-            <a:ext cx="3609848" cy="4846320"/>
-          </a:xfrm>
-          <a:prstGeom prst="rect">
-            <a:avLst/>
-          </a:prstGeom>
-        </p:spPr>
-        <p:txBody>
-          <a:bodyPr/>
-          <a:lstStyle>
-            <a:lvl1pPr marL="0" indent="0" algn="l" defTabSz="914400" rtl="0" eaLnBrk="1" latinLnBrk="0" hangingPunct="1">
-              <a:lnSpc>
-                <a:spcPct val="100000"/>
-              </a:lnSpc>
-              <a:spcBef>
-                <a:spcPts val="1000"/>
-              </a:spcBef>
-              <a:buFont typeface="Arial" panose="020B0604020202020204" pitchFamily="34" charset="0"/>
-              <a:buNone/>
-              <a:defRPr sz="2400" kern="1200">
-                <a:solidFill>
-                  <a:schemeClr val="tx1"/>
-                </a:solidFill>
-                <a:latin typeface="+mn-lt"/>
-                <a:ea typeface="+mn-ea"/>
-                <a:cs typeface="+mn-cs"/>
-              </a:defRPr>
-            </a:lvl1pPr>
-            <a:lvl2pPr marL="685800" indent="-228600" algn="l" defTabSz="914400" rtl="0" eaLnBrk="1" latinLnBrk="0" hangingPunct="1">
-              <a:lnSpc>
-                <a:spcPct val="100000"/>
-              </a:lnSpc>
-              <a:spcBef>
-                <a:spcPts val="500"/>
-              </a:spcBef>
-              <a:buFont typeface="Arial" panose="020B0604020202020204" pitchFamily="34" charset="0"/>
-              <a:buChar char="•"/>
-              <a:defRPr sz="2000" kern="1200">
-                <a:solidFill>
-                  <a:schemeClr val="tx1"/>
-                </a:solidFill>
-                <a:latin typeface="+mn-lt"/>
-                <a:ea typeface="+mn-ea"/>
-                <a:cs typeface="+mn-cs"/>
-              </a:defRPr>
-            </a:lvl2pPr>
-            <a:lvl3pPr marL="914400" indent="0" algn="l" defTabSz="914400" rtl="0" eaLnBrk="1" latinLnBrk="0" hangingPunct="1">
-              <a:lnSpc>
-                <a:spcPct val="100000"/>
-              </a:lnSpc>
-              <a:spcBef>
-                <a:spcPts val="500"/>
-              </a:spcBef>
-              <a:buFont typeface="Arial" panose="020B0604020202020204" pitchFamily="34" charset="0"/>
-              <a:buNone/>
-              <a:defRPr sz="2000" kern="1200">
-                <a:solidFill>
-                  <a:schemeClr val="tx1"/>
-                </a:solidFill>
-                <a:latin typeface="+mn-lt"/>
-                <a:ea typeface="+mn-ea"/>
-                <a:cs typeface="+mn-cs"/>
-              </a:defRPr>
-            </a:lvl3pPr>
-            <a:lvl4pPr marL="1600200" indent="-228600" algn="l" defTabSz="914400" rtl="0" eaLnBrk="1" latinLnBrk="0" hangingPunct="1">
-              <a:lnSpc>
-                <a:spcPct val="100000"/>
-              </a:lnSpc>
-              <a:spcBef>
-                <a:spcPts val="500"/>
-              </a:spcBef>
-              <a:buFont typeface="Arial" panose="020B0604020202020204" pitchFamily="34" charset="0"/>
-              <a:buChar char="•"/>
-              <a:defRPr sz="1800" kern="1200">
-                <a:solidFill>
-                  <a:schemeClr val="tx1"/>
-                </a:solidFill>
-                <a:latin typeface="+mn-lt"/>
-                <a:ea typeface="+mn-ea"/>
-                <a:cs typeface="+mn-cs"/>
-              </a:defRPr>
-            </a:lvl4pPr>
-            <a:lvl5pPr marL="1828800" indent="0" algn="l" defTabSz="914400" rtl="0" eaLnBrk="1" latinLnBrk="0" hangingPunct="1">
-              <a:lnSpc>
-                <a:spcPct val="100000"/>
-              </a:lnSpc>
-              <a:spcBef>
-                <a:spcPts val="500"/>
-              </a:spcBef>
-              <a:buFont typeface="Arial" panose="020B0604020202020204" pitchFamily="34" charset="0"/>
-              <a:buNone/>
-              <a:defRPr sz="1800" kern="1200">
-                <a:solidFill>
-                  <a:schemeClr val="tx1"/>
-                </a:solidFill>
-                <a:latin typeface="+mn-lt"/>
-                <a:ea typeface="+mn-ea"/>
-                <a:cs typeface="+mn-cs"/>
-              </a:defRPr>
-            </a:lvl5pPr>
-            <a:lvl6pPr marL="2514600" indent="-228600" algn="l" defTabSz="914400" rtl="0" eaLnBrk="1" latinLnBrk="0" hangingPunct="1">
-              <a:lnSpc>
-                <a:spcPct val="90000"/>
-              </a:lnSpc>
-              <a:spcBef>
-                <a:spcPts val="500"/>
-              </a:spcBef>
-              <a:buFont typeface="Arial" panose="020B0604020202020204" pitchFamily="34" charset="0"/>
-              <a:buChar char="•"/>
-              <a:defRPr sz="1800" kern="1200">
-                <a:solidFill>
-                  <a:schemeClr val="tx1"/>
-                </a:solidFill>
-                <a:latin typeface="+mn-lt"/>
-                <a:ea typeface="+mn-ea"/>
-                <a:cs typeface="+mn-cs"/>
-              </a:defRPr>
-            </a:lvl6pPr>
-            <a:lvl7pPr marL="2971800" indent="-228600" algn="l" defTabSz="914400" rtl="0" eaLnBrk="1" latinLnBrk="0" hangingPunct="1">
-              <a:lnSpc>
-                <a:spcPct val="90000"/>
-              </a:lnSpc>
-              <a:spcBef>
-                <a:spcPts val="500"/>
-              </a:spcBef>
-              <a:buFont typeface="Arial" panose="020B0604020202020204" pitchFamily="34" charset="0"/>
-              <a:buChar char="•"/>
-              <a:defRPr sz="1800" kern="1200">
-                <a:solidFill>
-                  <a:schemeClr val="tx1"/>
-                </a:solidFill>
-                <a:latin typeface="+mn-lt"/>
-                <a:ea typeface="+mn-ea"/>
-                <a:cs typeface="+mn-cs"/>
-              </a:defRPr>
-            </a:lvl7pPr>
-            <a:lvl8pPr marL="3429000" indent="-228600" algn="l" defTabSz="914400" rtl="0" eaLnBrk="1" latinLnBrk="0" hangingPunct="1">
-              <a:lnSpc>
-                <a:spcPct val="90000"/>
-              </a:lnSpc>
-              <a:spcBef>
-                <a:spcPts val="500"/>
-              </a:spcBef>
-              <a:buFont typeface="Arial" panose="020B0604020202020204" pitchFamily="34" charset="0"/>
-              <a:buChar char="•"/>
-              <a:defRPr sz="1800" kern="1200">
-                <a:solidFill>
-                  <a:schemeClr val="tx1"/>
-                </a:solidFill>
-                <a:latin typeface="+mn-lt"/>
-                <a:ea typeface="+mn-ea"/>
-                <a:cs typeface="+mn-cs"/>
-              </a:defRPr>
-            </a:lvl8pPr>
-            <a:lvl9pPr marL="3886200" indent="-228600" algn="l" defTabSz="914400" rtl="0" eaLnBrk="1" latinLnBrk="0" hangingPunct="1">
-              <a:lnSpc>
-                <a:spcPct val="90000"/>
-              </a:lnSpc>
-              <a:spcBef>
-                <a:spcPts val="500"/>
-              </a:spcBef>
-              <a:buFont typeface="Arial" panose="020B0604020202020204" pitchFamily="34" charset="0"/>
-              <a:buChar char="•"/>
-              <a:defRPr sz="1800" kern="1200">
-                <a:solidFill>
-                  <a:schemeClr val="tx1"/>
-                </a:solidFill>
-                <a:latin typeface="+mn-lt"/>
-                <a:ea typeface="+mn-ea"/>
-                <a:cs typeface="+mn-cs"/>
-              </a:defRPr>
-            </a:lvl9pPr>
-          </a:lstStyle>
-          <a:p>
-            <a:r>
-              <a:rPr lang="en-US" dirty="0"/>
-              <a:t>Garden</a:t>
-            </a:r>
-          </a:p>
-          <a:p>
-            <a:pPr marL="342900" indent="-342900">
-              <a:buFont typeface="Arial" panose="020B0604020202020204" pitchFamily="34" charset="0"/>
-              <a:buChar char="•"/>
-            </a:pPr>
-            <a:r>
-              <a:rPr lang="en-US" dirty="0"/>
-              <a:t>Inventory</a:t>
-            </a:r>
-          </a:p>
-          <a:p>
-            <a:pPr marL="342900" indent="-342900">
-              <a:buFont typeface="Arial" panose="020B0604020202020204" pitchFamily="34" charset="0"/>
-              <a:buChar char="•"/>
-            </a:pPr>
-            <a:r>
-              <a:rPr lang="en-US" dirty="0"/>
-              <a:t>Garden display</a:t>
-            </a:r>
-          </a:p>
-          <a:p>
-            <a:pPr marL="1028700" lvl="1" indent="-342900"/>
-            <a:r>
-              <a:rPr lang="en-US" dirty="0" err="1"/>
-              <a:t>Xp</a:t>
-            </a:r>
-            <a:r>
-              <a:rPr lang="en-US" dirty="0"/>
-              <a:t> multiplier</a:t>
-            </a:r>
-          </a:p>
-        </p:txBody>
-      </p:sp>
-      <p:sp>
-        <p:nvSpPr>
-          <p:cNvPr id="4" name="Title 1">
-            <a:extLst>
-              <a:ext uri="{FF2B5EF4-FFF2-40B4-BE49-F238E27FC236}">
-                <a16:creationId xmlns:a16="http://schemas.microsoft.com/office/drawing/2014/main" id="{7396B0F0-2C13-C8FC-172A-79C43839A910}"/>
-              </a:ext>
-            </a:extLst>
-          </p:cNvPr>
-          <p:cNvSpPr txBox="1">
-            <a:spLocks/>
-          </p:cNvSpPr>
-          <p:nvPr/>
-        </p:nvSpPr>
-        <p:spPr>
-          <a:xfrm>
-            <a:off x="515112" y="480567"/>
-            <a:ext cx="4287393" cy="2450593"/>
-          </a:xfrm>
-          <a:prstGeom prst="rect">
-            <a:avLst/>
-          </a:prstGeom>
-        </p:spPr>
-        <p:txBody>
-          <a:bodyPr/>
-          <a:lstStyle>
-            <a:lvl1pPr algn="l" defTabSz="914400" rtl="0" eaLnBrk="1" latinLnBrk="0" hangingPunct="1">
-              <a:lnSpc>
-                <a:spcPct val="100000"/>
-              </a:lnSpc>
-              <a:spcBef>
-                <a:spcPct val="0"/>
-              </a:spcBef>
-              <a:buNone/>
-              <a:defRPr sz="6600" kern="1200">
-                <a:solidFill>
-                  <a:schemeClr val="tx1"/>
-                </a:solidFill>
-                <a:latin typeface="+mj-lt"/>
-                <a:ea typeface="+mj-ea"/>
-                <a:cs typeface="+mj-cs"/>
-              </a:defRPr>
-            </a:lvl1pPr>
-          </a:lstStyle>
-          <a:p>
-            <a:r>
-              <a:rPr lang="en-US" sz="3000" dirty="0"/>
-              <a:t>Component Diagram</a:t>
-            </a:r>
-          </a:p>
-        </p:txBody>
-      </p:sp>
-    </p:spTree>
-    <p:extLst>
-      <p:ext uri="{BB962C8B-B14F-4D97-AF65-F5344CB8AC3E}">
-        <p14:creationId xmlns:p14="http://schemas.microsoft.com/office/powerpoint/2010/main" val="75662964"/>
-      </p:ext>
-    </p:extLst>
-  </p:cSld>
-  <p:clrMapOvr>
-    <a:masterClrMapping/>
-  </p:clrMapOvr>
-</p:sld>
-</file>
-
-<file path=ppt/slides/slide2.xml><?xml version="1.0" encoding="utf-8"?>
-<p:sld xmlns:a="http://schemas.openxmlformats.org/drawingml/2006/main" xmlns:r="http://schemas.openxmlformats.org/officeDocument/2006/relationships" xmlns:p="http://schemas.openxmlformats.org/presentationml/2006/main">
-  <p:cSld>
-    <p:bg>
-      <p:bgPr>
-        <a:solidFill>
-          <a:schemeClr val="bg1"/>
-        </a:solidFill>
-        <a:effectLst/>
-      </p:bgPr>
-    </p:bg>
-    <p:spTree>
-      <p:nvGrpSpPr>
-        <p:cNvPr id="1" name=""/>
-        <p:cNvGrpSpPr/>
-        <p:nvPr/>
-      </p:nvGrpSpPr>
-      <p:grpSpPr>
-        <a:xfrm>
-          <a:off x="0" y="0"/>
-          <a:ext cx="0" cy="0"/>
-          <a:chOff x="0" y="0"/>
-          <a:chExt cx="0" cy="0"/>
-        </a:xfrm>
-      </p:grpSpPr>
-      <p:sp useBgFill="1">
-        <p:nvSpPr>
-          <p:cNvPr id="38" name="Rectangle 37">
-            <a:extLst>
-              <a:ext uri="{FF2B5EF4-FFF2-40B4-BE49-F238E27FC236}">
-                <a16:creationId xmlns:a16="http://schemas.microsoft.com/office/drawing/2014/main" id="{92B0CFF1-78D7-4A83-A95E-71F9E3831622}"/>
-              </a:ext>
-              <a:ext uri="{C183D7F6-B498-43B3-948B-1728B52AA6E4}">
-                <adec:decorative xmlns:adec="http://schemas.microsoft.com/office/drawing/2017/decorative" val="1"/>
-              </a:ext>
-            </a:extLst>
-          </p:cNvPr>
-          <p:cNvSpPr>
-            <a:spLocks noGrp="1" noRot="1" noChangeAspect="1" noMove="1" noResize="1" noEditPoints="1" noAdjustHandles="1" noChangeArrowheads="1" noChangeShapeType="1" noTextEdit="1"/>
-          </p:cNvSpPr>
-          <p:nvPr>
-            <p:extLst>
-              <p:ext uri="{386F3935-93C4-4BCD-93E2-E3B085C9AB24}">
-                <p16:designElem xmlns:p16="http://schemas.microsoft.com/office/powerpoint/2015/main" val="1"/>
-              </p:ext>
-            </p:extLst>
-          </p:nvPr>
-        </p:nvSpPr>
-        <p:spPr>
-          <a:xfrm>
-            <a:off x="0" y="0"/>
-            <a:ext cx="12192000" cy="6858001"/>
-          </a:xfrm>
-          <a:prstGeom prst="rect">
-            <a:avLst/>
-          </a:prstGeom>
-          <a:ln>
-            <a:noFill/>
-          </a:ln>
-        </p:spPr>
-        <p:style>
-          <a:lnRef idx="2">
-            <a:schemeClr val="accent1">
-              <a:shade val="50000"/>
-            </a:schemeClr>
-          </a:lnRef>
-          <a:fillRef idx="1">
-            <a:schemeClr val="accent1"/>
-          </a:fillRef>
-          <a:effectRef idx="0">
-            <a:schemeClr val="accent1"/>
-          </a:effectRef>
-          <a:fontRef idx="minor">
-            <a:schemeClr val="lt1"/>
-          </a:fontRef>
-        </p:style>
-        <p:txBody>
-          <a:bodyPr rtlCol="0" anchor="ctr"/>
-          <a:lstStyle/>
-          <a:p>
-            <a:pPr algn="ctr"/>
-            <a:endParaRPr lang="en-US"/>
-          </a:p>
-        </p:txBody>
-      </p:sp>
-      <p:sp>
-        <p:nvSpPr>
-          <p:cNvPr id="40" name="Rectangle 39">
-            <a:extLst>
-              <a:ext uri="{FF2B5EF4-FFF2-40B4-BE49-F238E27FC236}">
-                <a16:creationId xmlns:a16="http://schemas.microsoft.com/office/drawing/2014/main" id="{C34B9DE3-1715-4EE3-99FA-C9BC12F5DBA1}"/>
-              </a:ext>
-              <a:ext uri="{C183D7F6-B498-43B3-948B-1728B52AA6E4}">
-                <adec:decorative xmlns:adec="http://schemas.microsoft.com/office/drawing/2017/decorative" val="1"/>
-              </a:ext>
-            </a:extLst>
-          </p:cNvPr>
-          <p:cNvSpPr>
-            <a:spLocks noGrp="1" noRot="1" noChangeAspect="1" noMove="1" noResize="1" noEditPoints="1" noAdjustHandles="1" noChangeArrowheads="1" noChangeShapeType="1" noTextEdit="1"/>
-          </p:cNvSpPr>
-          <p:nvPr>
-            <p:extLst>
-              <p:ext uri="{386F3935-93C4-4BCD-93E2-E3B085C9AB24}">
-                <p16:designElem xmlns:p16="http://schemas.microsoft.com/office/powerpoint/2015/main" val="1"/>
-              </p:ext>
-            </p:extLst>
-          </p:nvPr>
-        </p:nvSpPr>
-        <p:spPr>
-          <a:xfrm>
-            <a:off x="0" y="0"/>
-            <a:ext cx="12192000" cy="6858001"/>
-          </a:xfrm>
-          <a:prstGeom prst="rect">
-            <a:avLst/>
-          </a:prstGeom>
-          <a:solidFill>
-            <a:srgbClr val="000000"/>
-          </a:solidFill>
-          <a:ln>
-            <a:noFill/>
-          </a:ln>
-        </p:spPr>
-        <p:style>
-          <a:lnRef idx="2">
-            <a:schemeClr val="accent1">
-              <a:shade val="50000"/>
-            </a:schemeClr>
-          </a:lnRef>
-          <a:fillRef idx="1">
-            <a:schemeClr val="accent1"/>
-          </a:fillRef>
-          <a:effectRef idx="0">
-            <a:schemeClr val="accent1"/>
-          </a:effectRef>
-          <a:fontRef idx="minor">
-            <a:schemeClr val="lt1"/>
-          </a:fontRef>
-        </p:style>
-        <p:txBody>
-          <a:bodyPr rtlCol="0" anchor="ctr"/>
-          <a:lstStyle/>
-          <a:p>
-            <a:pPr algn="ctr"/>
-            <a:endParaRPr lang="en-US"/>
-          </a:p>
-        </p:txBody>
-      </p:sp>
-      <p:pic>
-        <p:nvPicPr>
-          <p:cNvPr id="4" name="Content Placeholder 3" descr="A child writing the word 100% on a blackboard">
-            <a:extLst>
-              <a:ext uri="{FF2B5EF4-FFF2-40B4-BE49-F238E27FC236}">
-                <a16:creationId xmlns:a16="http://schemas.microsoft.com/office/drawing/2014/main" id="{23CF51F9-FFC4-D0B9-9BD1-A5A4E8E41BE5}"/>
-              </a:ext>
-            </a:extLst>
-          </p:cNvPr>
-          <p:cNvPicPr>
-            <a:picLocks noChangeAspect="1"/>
-          </p:cNvPicPr>
-          <p:nvPr/>
-        </p:nvPicPr>
-        <p:blipFill rotWithShape="1">
-          <a:blip r:embed="rId2">
-            <a:alphaModFix amt="40000"/>
-          </a:blip>
-          <a:srcRect t="13777" r="-1" b="1931"/>
-          <a:stretch/>
-        </p:blipFill>
-        <p:spPr>
-          <a:xfrm>
-            <a:off x="20" y="10"/>
-            <a:ext cx="12188932" cy="6857990"/>
-          </a:xfrm>
-          <a:prstGeom prst="rect">
-            <a:avLst/>
-          </a:prstGeom>
-        </p:spPr>
-      </p:pic>
-      <p:sp>
-        <p:nvSpPr>
-          <p:cNvPr id="2" name="Title 1">
-            <a:extLst>
-              <a:ext uri="{FF2B5EF4-FFF2-40B4-BE49-F238E27FC236}">
-                <a16:creationId xmlns:a16="http://schemas.microsoft.com/office/drawing/2014/main" id="{977B5CB5-BF8B-F13E-6EFE-0B3857090E44}"/>
-              </a:ext>
-            </a:extLst>
-          </p:cNvPr>
-          <p:cNvSpPr>
-            <a:spLocks noGrp="1"/>
-          </p:cNvSpPr>
-          <p:nvPr>
-            <p:ph type="title"/>
-          </p:nvPr>
-        </p:nvSpPr>
-        <p:spPr>
-          <a:xfrm>
-            <a:off x="482601" y="799418"/>
-            <a:ext cx="11148680" cy="2929357"/>
-          </a:xfrm>
-        </p:spPr>
-        <p:txBody>
-          <a:bodyPr anchor="t">
-            <a:normAutofit/>
-          </a:bodyPr>
-          <a:lstStyle/>
-          <a:p>
-            <a:pPr algn="ctr"/>
-            <a:r>
-              <a:rPr lang="en-US" dirty="0">
-                <a:solidFill>
-                  <a:srgbClr val="FFFFFF"/>
-                </a:solidFill>
-              </a:rPr>
-              <a:t>Discussion Outline</a:t>
-            </a:r>
-            <a:endParaRPr lang="en-US">
-              <a:solidFill>
-                <a:srgbClr val="FFFFFF"/>
-              </a:solidFill>
-            </a:endParaRPr>
-          </a:p>
-        </p:txBody>
-      </p:sp>
-      <p:cxnSp>
-        <p:nvCxnSpPr>
-          <p:cNvPr id="42" name="Straight Connector 41">
-            <a:extLst>
-              <a:ext uri="{FF2B5EF4-FFF2-40B4-BE49-F238E27FC236}">
-                <a16:creationId xmlns:a16="http://schemas.microsoft.com/office/drawing/2014/main" id="{6108BD3D-CFD0-4A15-ACF6-EBC254CD7CF1}"/>
-              </a:ext>
-              <a:ext uri="{C183D7F6-B498-43B3-948B-1728B52AA6E4}">
-                <adec:decorative xmlns:adec="http://schemas.microsoft.com/office/drawing/2017/decorative" val="1"/>
-              </a:ext>
-            </a:extLst>
-          </p:cNvPr>
-          <p:cNvCxnSpPr>
-            <a:cxnSpLocks noGrp="1" noRot="1" noChangeAspect="1" noMove="1" noResize="1" noEditPoints="1" noAdjustHandles="1" noChangeArrowheads="1" noChangeShapeType="1"/>
-          </p:cNvCxnSpPr>
-          <p:nvPr>
-            <p:extLst>
-              <p:ext uri="{386F3935-93C4-4BCD-93E2-E3B085C9AB24}">
-                <p16:designElem xmlns:p16="http://schemas.microsoft.com/office/powerpoint/2015/main" val="1"/>
-              </p:ext>
-            </p:extLst>
-          </p:nvPr>
-        </p:nvCxnSpPr>
-        <p:spPr>
-          <a:xfrm>
-            <a:off x="482600" y="489855"/>
-            <a:ext cx="11147071" cy="0"/>
-          </a:xfrm>
-          <a:prstGeom prst="line">
-            <a:avLst/>
-          </a:prstGeom>
-          <a:ln w="28575">
-            <a:solidFill>
-              <a:srgbClr val="FFFFFF"/>
-            </a:solidFill>
-          </a:ln>
-        </p:spPr>
-        <p:style>
-          <a:lnRef idx="1">
-            <a:schemeClr val="dk1"/>
-          </a:lnRef>
-          <a:fillRef idx="0">
-            <a:schemeClr val="dk1"/>
-          </a:fillRef>
-          <a:effectRef idx="0">
-            <a:schemeClr val="dk1"/>
-          </a:effectRef>
-          <a:fontRef idx="minor">
-            <a:schemeClr val="tx1"/>
-          </a:fontRef>
-        </p:style>
-      </p:cxnSp>
-      <p:cxnSp>
-        <p:nvCxnSpPr>
-          <p:cNvPr id="44" name="Straight Connector 43">
-            <a:extLst>
-              <a:ext uri="{FF2B5EF4-FFF2-40B4-BE49-F238E27FC236}">
-                <a16:creationId xmlns:a16="http://schemas.microsoft.com/office/drawing/2014/main" id="{DB2019E5-6C31-4640-A135-6BBA7FFCF694}"/>
-              </a:ext>
-              <a:ext uri="{C183D7F6-B498-43B3-948B-1728B52AA6E4}">
-                <adec:decorative xmlns:adec="http://schemas.microsoft.com/office/drawing/2017/decorative" val="1"/>
-              </a:ext>
-            </a:extLst>
-          </p:cNvPr>
-          <p:cNvCxnSpPr>
-            <a:cxnSpLocks noGrp="1" noRot="1" noChangeAspect="1" noMove="1" noResize="1" noEditPoints="1" noAdjustHandles="1" noChangeArrowheads="1" noChangeShapeType="1"/>
-          </p:cNvCxnSpPr>
-          <p:nvPr>
-            <p:extLst>
-              <p:ext uri="{386F3935-93C4-4BCD-93E2-E3B085C9AB24}">
-                <p16:designElem xmlns:p16="http://schemas.microsoft.com/office/powerpoint/2015/main" val="1"/>
-              </p:ext>
-            </p:extLst>
-          </p:nvPr>
-        </p:nvCxnSpPr>
-        <p:spPr>
-          <a:xfrm>
-            <a:off x="482600" y="6368138"/>
-            <a:ext cx="11147071" cy="0"/>
-          </a:xfrm>
-          <a:prstGeom prst="line">
-            <a:avLst/>
-          </a:prstGeom>
-          <a:ln w="28575">
-            <a:solidFill>
-              <a:srgbClr val="FFFFFF"/>
-            </a:solidFill>
-          </a:ln>
-        </p:spPr>
-        <p:style>
-          <a:lnRef idx="1">
-            <a:schemeClr val="dk1"/>
-          </a:lnRef>
-          <a:fillRef idx="0">
-            <a:schemeClr val="dk1"/>
-          </a:fillRef>
-          <a:effectRef idx="0">
-            <a:schemeClr val="dk1"/>
-          </a:effectRef>
-          <a:fontRef idx="minor">
-            <a:schemeClr val="tx1"/>
-          </a:fontRef>
-        </p:style>
-      </p:cxnSp>
-      <p:sp>
-        <p:nvSpPr>
-          <p:cNvPr id="3" name="TextBox 2">
-            <a:extLst>
-              <a:ext uri="{FF2B5EF4-FFF2-40B4-BE49-F238E27FC236}">
-                <a16:creationId xmlns:a16="http://schemas.microsoft.com/office/drawing/2014/main" id="{75621B39-C22A-C90E-DB9B-1D3136CAF962}"/>
-              </a:ext>
-            </a:extLst>
-          </p:cNvPr>
-          <p:cNvSpPr txBox="1"/>
-          <p:nvPr/>
-        </p:nvSpPr>
-        <p:spPr>
-          <a:xfrm>
-            <a:off x="966095" y="2309128"/>
-            <a:ext cx="9554691" cy="3970318"/>
-          </a:xfrm>
-          <a:prstGeom prst="rect">
-            <a:avLst/>
-          </a:prstGeom>
-          <a:noFill/>
-        </p:spPr>
-        <p:txBody>
-          <a:bodyPr rot="0" spcFirstLastPara="0" vertOverflow="overflow" horzOverflow="overflow" vert="horz" wrap="square" lIns="91440" tIns="45720" rIns="91440" bIns="45720" numCol="1" spcCol="0" rtlCol="0" fromWordArt="0" anchor="t" anchorCtr="0" forceAA="0" compatLnSpc="1">
-            <a:prstTxWarp prst="textNoShape">
-              <a:avLst/>
-            </a:prstTxWarp>
-            <a:spAutoFit/>
-          </a:bodyPr>
-          <a:lstStyle/>
-          <a:p>
-            <a:pPr marL="514350" indent="-514350">
-              <a:buAutoNum type="arabicPeriod"/>
-            </a:pPr>
-            <a:r>
-              <a:rPr lang="en-US" sz="2800" dirty="0">
-                <a:solidFill>
-                  <a:schemeClr val="bg1"/>
-                </a:solidFill>
-                <a:latin typeface="Seaford Display"/>
-                <a:ea typeface="+mn-lt"/>
-                <a:cs typeface="+mn-lt"/>
-              </a:rPr>
-              <a:t>Introduction</a:t>
-            </a:r>
-          </a:p>
-          <a:p>
-            <a:pPr marL="514350" indent="-514350">
-              <a:buAutoNum type="arabicPeriod"/>
-            </a:pPr>
-            <a:endParaRPr lang="en-US" sz="2800">
-              <a:solidFill>
-                <a:schemeClr val="bg1"/>
-              </a:solidFill>
-              <a:latin typeface="Seaford Display"/>
-              <a:cs typeface="Arial"/>
-            </a:endParaRPr>
-          </a:p>
-          <a:p>
-            <a:pPr marL="514350" indent="-514350">
-              <a:buFontTx/>
-              <a:buAutoNum type="arabicPeriod"/>
-            </a:pPr>
-            <a:r>
-              <a:rPr lang="en-US" sz="2800" dirty="0">
-                <a:solidFill>
-                  <a:schemeClr val="bg1"/>
-                </a:solidFill>
-                <a:latin typeface="Seaford Display"/>
-                <a:cs typeface="Arial"/>
-              </a:rPr>
-              <a:t>Block Diagram </a:t>
-            </a:r>
-          </a:p>
-          <a:p>
-            <a:pPr marL="342900" indent="-342900">
-              <a:buFontTx/>
-              <a:buAutoNum type="arabicPeriod"/>
-            </a:pPr>
-            <a:endParaRPr lang="en-US" sz="2800">
-              <a:solidFill>
-                <a:srgbClr val="000000"/>
-              </a:solidFill>
-              <a:latin typeface="Seaford Display"/>
-              <a:cs typeface="Arial"/>
-            </a:endParaRPr>
-          </a:p>
-          <a:p>
-            <a:pPr marL="514350" indent="-514350">
-              <a:buFontTx/>
-              <a:buAutoNum type="arabicPeriod"/>
-            </a:pPr>
-            <a:r>
-              <a:rPr lang="en-US" sz="2800" dirty="0">
-                <a:solidFill>
-                  <a:schemeClr val="bg1"/>
-                </a:solidFill>
-                <a:latin typeface="Seaford Display"/>
-                <a:cs typeface="Arial"/>
-              </a:rPr>
-              <a:t>Message and Storage (Server Interaction)</a:t>
-            </a:r>
-          </a:p>
-          <a:p>
-            <a:pPr marL="342900" indent="-342900">
-              <a:buFontTx/>
-              <a:buAutoNum type="arabicPeriod"/>
-            </a:pPr>
-            <a:endParaRPr lang="en-US" sz="2800">
-              <a:solidFill>
-                <a:srgbClr val="000000"/>
-              </a:solidFill>
-              <a:latin typeface="Seaford Display"/>
-              <a:cs typeface="Arial"/>
-            </a:endParaRPr>
-          </a:p>
-          <a:p>
-            <a:pPr marL="514350" indent="-514350">
-              <a:buFontTx/>
-              <a:buAutoNum type="arabicPeriod"/>
-            </a:pPr>
-            <a:r>
-              <a:rPr lang="en-US" sz="2800" dirty="0">
-                <a:solidFill>
-                  <a:schemeClr val="bg1"/>
-                </a:solidFill>
-                <a:latin typeface="Seaford Display"/>
-                <a:cs typeface="Arial"/>
-              </a:rPr>
-              <a:t>Component diagram and Feature List </a:t>
-            </a:r>
-          </a:p>
-          <a:p>
-            <a:pPr marL="342900" indent="-342900">
-              <a:buFontTx/>
-              <a:buAutoNum type="arabicPeriod"/>
-            </a:pPr>
-            <a:endParaRPr lang="en-US" sz="2800">
-              <a:solidFill>
-                <a:srgbClr val="000000"/>
-              </a:solidFill>
-              <a:latin typeface="Seaford Display"/>
-              <a:cs typeface="Arial"/>
-            </a:endParaRPr>
-          </a:p>
-          <a:p>
-            <a:pPr marL="514350" indent="-514350">
-              <a:buFontTx/>
-              <a:buAutoNum type="arabicPeriod"/>
-            </a:pPr>
-            <a:r>
-              <a:rPr lang="en-US" sz="2800" dirty="0">
-                <a:solidFill>
-                  <a:schemeClr val="bg1"/>
-                </a:solidFill>
-                <a:latin typeface="Seaford Display"/>
-                <a:cs typeface="Arial"/>
-              </a:rPr>
-              <a:t>Storyboard </a:t>
-            </a:r>
-          </a:p>
-        </p:txBody>
-      </p:sp>
-    </p:spTree>
-    <p:extLst>
-      <p:ext uri="{BB962C8B-B14F-4D97-AF65-F5344CB8AC3E}">
-        <p14:creationId xmlns:p14="http://schemas.microsoft.com/office/powerpoint/2010/main" val="148982682"/>
-      </p:ext>
-    </p:extLst>
-  </p:cSld>
-  <p:clrMapOvr>
-    <a:masterClrMapping/>
-  </p:clrMapOvr>
-</p:sld>
-</file>
-
-<file path=ppt/slides/slide3.xml><?xml version="1.0" encoding="utf-8"?>
-<p:sld xmlns:a="http://schemas.openxmlformats.org/drawingml/2006/main" xmlns:r="http://schemas.openxmlformats.org/officeDocument/2006/relationships" xmlns:p="http://schemas.openxmlformats.org/presentationml/2006/main">
-  <p:cSld>
-    <p:bg>
-      <p:bgPr>
-        <a:blipFill>
-          <a:blip r:embed="rId2"/>
-          <a:stretch>
-            <a:fillRect t="-9000" b="-9000"/>
-          </a:stretch>
-        </a:blipFill>
-        <a:effectLst/>
-      </p:bgPr>
-    </p:bg>
-    <p:spTree>
-      <p:nvGrpSpPr>
-        <p:cNvPr id="1" name=""/>
-        <p:cNvGrpSpPr/>
-        <p:nvPr/>
-      </p:nvGrpSpPr>
-      <p:grpSpPr>
-        <a:xfrm>
-          <a:off x="0" y="0"/>
-          <a:ext cx="0" cy="0"/>
-          <a:chOff x="0" y="0"/>
-          <a:chExt cx="0" cy="0"/>
-        </a:xfrm>
-      </p:grpSpPr>
-      <p:sp useBgFill="1">
-        <p:nvSpPr>
-          <p:cNvPr id="73" name="Rectangle 72">
-            <a:extLst>
-              <a:ext uri="{FF2B5EF4-FFF2-40B4-BE49-F238E27FC236}">
-                <a16:creationId xmlns:a16="http://schemas.microsoft.com/office/drawing/2014/main" id="{92B0CFF1-78D7-4A83-A95E-71F9E3831622}"/>
-              </a:ext>
-              <a:ext uri="{C183D7F6-B498-43B3-948B-1728B52AA6E4}">
-                <adec:decorative xmlns:adec="http://schemas.microsoft.com/office/drawing/2017/decorative" val="1"/>
-              </a:ext>
-            </a:extLst>
-          </p:cNvPr>
-          <p:cNvSpPr>
-            <a:spLocks noGrp="1" noRot="1" noChangeAspect="1" noMove="1" noResize="1" noEditPoints="1" noAdjustHandles="1" noChangeArrowheads="1" noChangeShapeType="1" noTextEdit="1"/>
-          </p:cNvSpPr>
-          <p:nvPr>
-            <p:extLst>
-              <p:ext uri="{386F3935-93C4-4BCD-93E2-E3B085C9AB24}">
-                <p16:designElem xmlns:p16="http://schemas.microsoft.com/office/powerpoint/2015/main" val="1"/>
-              </p:ext>
-            </p:extLst>
-          </p:nvPr>
-        </p:nvSpPr>
-        <p:spPr>
-          <a:xfrm>
-            <a:off x="0" y="0"/>
-            <a:ext cx="12192000" cy="6858001"/>
-          </a:xfrm>
-          <a:prstGeom prst="rect">
-            <a:avLst/>
-          </a:prstGeom>
-          <a:ln>
-            <a:noFill/>
-          </a:ln>
-        </p:spPr>
-        <p:style>
-          <a:lnRef idx="2">
-            <a:schemeClr val="accent1">
-              <a:shade val="50000"/>
-            </a:schemeClr>
-          </a:lnRef>
-          <a:fillRef idx="1">
-            <a:schemeClr val="accent1"/>
-          </a:fillRef>
-          <a:effectRef idx="0">
-            <a:schemeClr val="accent1"/>
-          </a:effectRef>
-          <a:fontRef idx="minor">
-            <a:schemeClr val="lt1"/>
-          </a:fontRef>
-        </p:style>
-        <p:txBody>
-          <a:bodyPr rtlCol="0" anchor="ctr"/>
-          <a:lstStyle/>
-          <a:p>
-            <a:pPr algn="ctr"/>
-            <a:endParaRPr lang="en-US" dirty="0"/>
-          </a:p>
-        </p:txBody>
-      </p:sp>
-      <p:sp>
-        <p:nvSpPr>
-          <p:cNvPr id="74" name="Rectangle 73">
-            <a:extLst>
-              <a:ext uri="{FF2B5EF4-FFF2-40B4-BE49-F238E27FC236}">
-                <a16:creationId xmlns:a16="http://schemas.microsoft.com/office/drawing/2014/main" id="{C12927E5-081D-440D-A775-C0AE9DA1E3EC}"/>
-              </a:ext>
-              <a:ext uri="{C183D7F6-B498-43B3-948B-1728B52AA6E4}">
-                <adec:decorative xmlns:adec="http://schemas.microsoft.com/office/drawing/2017/decorative" val="1"/>
-              </a:ext>
-            </a:extLst>
-          </p:cNvPr>
-          <p:cNvSpPr>
-            <a:spLocks noGrp="1" noRot="1" noChangeAspect="1" noMove="1" noResize="1" noEditPoints="1" noAdjustHandles="1" noChangeArrowheads="1" noChangeShapeType="1" noTextEdit="1"/>
-          </p:cNvSpPr>
-          <p:nvPr>
-            <p:extLst>
-              <p:ext uri="{386F3935-93C4-4BCD-93E2-E3B085C9AB24}">
-                <p16:designElem xmlns:p16="http://schemas.microsoft.com/office/powerpoint/2015/main" val="1"/>
-              </p:ext>
-            </p:extLst>
-          </p:nvPr>
-        </p:nvSpPr>
-        <p:spPr>
-          <a:xfrm>
-            <a:off x="481007" y="489856"/>
-            <a:ext cx="11147071" cy="1476642"/>
-          </a:xfrm>
-          <a:prstGeom prst="rect">
-            <a:avLst/>
-          </a:prstGeom>
-          <a:solidFill>
-            <a:schemeClr val="accent1">
-              <a:alpha val="10000"/>
-            </a:schemeClr>
-          </a:solidFill>
-          <a:ln>
-            <a:noFill/>
-          </a:ln>
-        </p:spPr>
-        <p:style>
-          <a:lnRef idx="2">
-            <a:schemeClr val="accent1">
-              <a:shade val="50000"/>
-            </a:schemeClr>
-          </a:lnRef>
-          <a:fillRef idx="1">
-            <a:schemeClr val="accent1"/>
-          </a:fillRef>
-          <a:effectRef idx="0">
-            <a:schemeClr val="accent1"/>
-          </a:effectRef>
-          <a:fontRef idx="minor">
-            <a:schemeClr val="lt1"/>
-          </a:fontRef>
-        </p:style>
-        <p:txBody>
-          <a:bodyPr rtlCol="0" anchor="ctr"/>
-          <a:lstStyle/>
-          <a:p>
-            <a:pPr algn="ctr"/>
-            <a:endParaRPr lang="en-US"/>
-          </a:p>
-        </p:txBody>
-      </p:sp>
-      <p:sp>
-        <p:nvSpPr>
-          <p:cNvPr id="2" name="Title 1">
-            <a:extLst>
-              <a:ext uri="{FF2B5EF4-FFF2-40B4-BE49-F238E27FC236}">
-                <a16:creationId xmlns:a16="http://schemas.microsoft.com/office/drawing/2014/main" id="{977B5CB5-BF8B-F13E-6EFE-0B3857090E44}"/>
-              </a:ext>
-            </a:extLst>
-          </p:cNvPr>
-          <p:cNvSpPr>
-            <a:spLocks noGrp="1"/>
-          </p:cNvSpPr>
-          <p:nvPr>
-            <p:ph type="title"/>
-          </p:nvPr>
-        </p:nvSpPr>
-        <p:spPr>
-          <a:xfrm>
-            <a:off x="482601" y="721946"/>
-            <a:ext cx="10813250" cy="1022100"/>
-          </a:xfrm>
-        </p:spPr>
-        <p:txBody>
-          <a:bodyPr>
-            <a:normAutofit/>
-          </a:bodyPr>
-          <a:lstStyle/>
-          <a:p>
-            <a:pPr>
-              <a:lnSpc>
-                <a:spcPct val="90000"/>
-              </a:lnSpc>
-            </a:pPr>
-            <a:r>
-              <a:rPr lang="en-US"/>
-              <a:t>Introduction</a:t>
-            </a:r>
-          </a:p>
-        </p:txBody>
-      </p:sp>
-      <p:cxnSp>
-        <p:nvCxnSpPr>
-          <p:cNvPr id="75" name="Straight Connector 74">
-            <a:extLst>
-              <a:ext uri="{FF2B5EF4-FFF2-40B4-BE49-F238E27FC236}">
-                <a16:creationId xmlns:a16="http://schemas.microsoft.com/office/drawing/2014/main" id="{22CDD0E7-BDD6-41F4-8AAB-088A2E8D0367}"/>
-              </a:ext>
-              <a:ext uri="{C183D7F6-B498-43B3-948B-1728B52AA6E4}">
-                <adec:decorative xmlns:adec="http://schemas.microsoft.com/office/drawing/2017/decorative" val="1"/>
-              </a:ext>
-            </a:extLst>
-          </p:cNvPr>
-          <p:cNvCxnSpPr>
-            <a:cxnSpLocks noGrp="1" noRot="1" noChangeAspect="1" noMove="1" noResize="1" noEditPoints="1" noAdjustHandles="1" noChangeArrowheads="1" noChangeShapeType="1"/>
-          </p:cNvCxnSpPr>
-          <p:nvPr>
-            <p:extLst>
-              <p:ext uri="{386F3935-93C4-4BCD-93E2-E3B085C9AB24}">
-                <p16:designElem xmlns:p16="http://schemas.microsoft.com/office/powerpoint/2015/main" val="1"/>
-              </p:ext>
-            </p:extLst>
-          </p:nvPr>
-        </p:nvCxnSpPr>
-        <p:spPr>
-          <a:xfrm>
-            <a:off x="482600" y="489855"/>
-            <a:ext cx="11147071" cy="0"/>
-          </a:xfrm>
-          <a:prstGeom prst="line">
-            <a:avLst/>
-          </a:prstGeom>
-          <a:ln w="28575">
-            <a:solidFill>
-              <a:schemeClr val="tx1"/>
-            </a:solidFill>
-          </a:ln>
-        </p:spPr>
-        <p:style>
-          <a:lnRef idx="1">
-            <a:schemeClr val="dk1"/>
-          </a:lnRef>
-          <a:fillRef idx="0">
-            <a:schemeClr val="dk1"/>
-          </a:fillRef>
-          <a:effectRef idx="0">
-            <a:schemeClr val="dk1"/>
-          </a:effectRef>
-          <a:fontRef idx="minor">
-            <a:schemeClr val="tx1"/>
-          </a:fontRef>
-        </p:style>
-      </p:cxnSp>
-      <p:cxnSp>
-        <p:nvCxnSpPr>
-          <p:cNvPr id="76" name="Straight Connector 75">
-            <a:extLst>
-              <a:ext uri="{FF2B5EF4-FFF2-40B4-BE49-F238E27FC236}">
-                <a16:creationId xmlns:a16="http://schemas.microsoft.com/office/drawing/2014/main" id="{C4558310-C928-4426-BFAC-68450D291D0A}"/>
-              </a:ext>
-              <a:ext uri="{C183D7F6-B498-43B3-948B-1728B52AA6E4}">
-                <adec:decorative xmlns:adec="http://schemas.microsoft.com/office/drawing/2017/decorative" val="1"/>
-              </a:ext>
-            </a:extLst>
-          </p:cNvPr>
-          <p:cNvCxnSpPr>
-            <a:cxnSpLocks noGrp="1" noRot="1" noChangeAspect="1" noMove="1" noResize="1" noEditPoints="1" noAdjustHandles="1" noChangeArrowheads="1" noChangeShapeType="1"/>
-          </p:cNvCxnSpPr>
-          <p:nvPr>
-            <p:extLst>
-              <p:ext uri="{386F3935-93C4-4BCD-93E2-E3B085C9AB24}">
-                <p16:designElem xmlns:p16="http://schemas.microsoft.com/office/powerpoint/2015/main" val="1"/>
-              </p:ext>
-            </p:extLst>
-          </p:nvPr>
-        </p:nvCxnSpPr>
-        <p:spPr>
-          <a:xfrm>
-            <a:off x="482600" y="1993515"/>
-            <a:ext cx="11147071" cy="0"/>
-          </a:xfrm>
-          <a:prstGeom prst="line">
-            <a:avLst/>
-          </a:prstGeom>
-          <a:ln w="28575">
-            <a:solidFill>
-              <a:schemeClr val="tx1"/>
-            </a:solidFill>
-          </a:ln>
-        </p:spPr>
-        <p:style>
-          <a:lnRef idx="1">
-            <a:schemeClr val="dk1"/>
-          </a:lnRef>
-          <a:fillRef idx="0">
-            <a:schemeClr val="dk1"/>
-          </a:fillRef>
-          <a:effectRef idx="0">
-            <a:schemeClr val="dk1"/>
-          </a:effectRef>
-          <a:fontRef idx="minor">
-            <a:schemeClr val="tx1"/>
-          </a:fontRef>
-        </p:style>
-      </p:cxnSp>
-      <p:sp>
-        <p:nvSpPr>
-          <p:cNvPr id="48" name="Content Placeholder 7">
-            <a:extLst>
-              <a:ext uri="{FF2B5EF4-FFF2-40B4-BE49-F238E27FC236}">
-                <a16:creationId xmlns:a16="http://schemas.microsoft.com/office/drawing/2014/main" id="{A9EE76D5-A6F9-2EDA-E862-D355EA79AB7A}"/>
-              </a:ext>
-            </a:extLst>
-          </p:cNvPr>
-          <p:cNvSpPr>
-            <a:spLocks noGrp="1"/>
-          </p:cNvSpPr>
-          <p:nvPr>
-            <p:ph idx="1"/>
-          </p:nvPr>
-        </p:nvSpPr>
-        <p:spPr>
-          <a:xfrm>
-            <a:off x="479605" y="2146856"/>
-            <a:ext cx="5164103" cy="4017953"/>
-          </a:xfrm>
-        </p:spPr>
-        <p:txBody>
-          <a:bodyPr vert="horz" lIns="91440" tIns="45720" rIns="91440" bIns="45720" rtlCol="0" anchor="ctr">
-            <a:noAutofit/>
-          </a:bodyPr>
-          <a:lstStyle/>
-          <a:p>
-            <a:pPr>
-              <a:lnSpc>
-                <a:spcPct val="90000"/>
-              </a:lnSpc>
-            </a:pPr>
-            <a:r>
-              <a:rPr lang="en-US" dirty="0" err="1">
-                <a:ea typeface="+mn-lt"/>
-                <a:cs typeface="+mn-lt"/>
-              </a:rPr>
-              <a:t>ThinkItThru</a:t>
-            </a:r>
-            <a:r>
-              <a:rPr lang="en-US" dirty="0">
-                <a:ea typeface="+mn-lt"/>
-                <a:cs typeface="+mn-lt"/>
-              </a:rPr>
-              <a:t>! motivates users to organize their day and satisfy academic deadlines </a:t>
-            </a:r>
-            <a:endParaRPr lang="en-US" dirty="0"/>
-          </a:p>
-          <a:p>
-            <a:pPr>
-              <a:lnSpc>
-                <a:spcPct val="90000"/>
-              </a:lnSpc>
-            </a:pPr>
-            <a:r>
-              <a:rPr lang="en-US" dirty="0">
-                <a:ea typeface="+mn-lt"/>
-                <a:cs typeface="+mn-lt"/>
-              </a:rPr>
-              <a:t>Users may accomplish this by: </a:t>
-            </a:r>
-            <a:endParaRPr lang="en-US" dirty="0"/>
-          </a:p>
-          <a:p>
-            <a:pPr marL="457200" indent="-457200">
-              <a:lnSpc>
-                <a:spcPct val="90000"/>
-              </a:lnSpc>
-              <a:buAutoNum type="arabicPeriod"/>
-            </a:pPr>
-            <a:r>
-              <a:rPr lang="en-US" dirty="0">
-                <a:ea typeface="+mn-lt"/>
-                <a:cs typeface="+mn-lt"/>
-              </a:rPr>
-              <a:t>Creating tasks for themselves </a:t>
-            </a:r>
-          </a:p>
-          <a:p>
-            <a:pPr marL="457200" indent="-457200">
-              <a:lnSpc>
-                <a:spcPct val="90000"/>
-              </a:lnSpc>
-              <a:buAutoNum type="arabicPeriod"/>
-            </a:pPr>
-            <a:r>
-              <a:rPr lang="en-US" dirty="0">
-                <a:ea typeface="+mn-lt"/>
-                <a:cs typeface="+mn-lt"/>
-              </a:rPr>
-              <a:t>Which will be scheduled into goals</a:t>
-            </a:r>
-          </a:p>
-          <a:p>
-            <a:pPr marL="457200" indent="-457200">
-              <a:lnSpc>
-                <a:spcPct val="90000"/>
-              </a:lnSpc>
-              <a:buAutoNum type="arabicPeriod"/>
-            </a:pPr>
-            <a:r>
-              <a:rPr lang="en-US" dirty="0">
-                <a:ea typeface="+mn-lt"/>
-                <a:cs typeface="+mn-lt"/>
-              </a:rPr>
-              <a:t>Enjoy their rewards for accomplishing their goals!</a:t>
-            </a:r>
-          </a:p>
-        </p:txBody>
-      </p:sp>
-      <p:cxnSp>
-        <p:nvCxnSpPr>
-          <p:cNvPr id="77" name="Straight Connector 76">
-            <a:extLst>
-              <a:ext uri="{FF2B5EF4-FFF2-40B4-BE49-F238E27FC236}">
-                <a16:creationId xmlns:a16="http://schemas.microsoft.com/office/drawing/2014/main" id="{B58B45F5-E162-4AF7-9E46-A4290969B479}"/>
-              </a:ext>
-              <a:ext uri="{C183D7F6-B498-43B3-948B-1728B52AA6E4}">
-                <adec:decorative xmlns:adec="http://schemas.microsoft.com/office/drawing/2017/decorative" val="1"/>
-              </a:ext>
-            </a:extLst>
-          </p:cNvPr>
-          <p:cNvCxnSpPr>
-            <a:cxnSpLocks noGrp="1" noRot="1" noChangeAspect="1" noMove="1" noResize="1" noEditPoints="1" noAdjustHandles="1" noChangeArrowheads="1" noChangeShapeType="1"/>
-          </p:cNvCxnSpPr>
-          <p:nvPr>
-            <p:extLst>
-              <p:ext uri="{386F3935-93C4-4BCD-93E2-E3B085C9AB24}">
-                <p16:designElem xmlns:p16="http://schemas.microsoft.com/office/powerpoint/2015/main" val="1"/>
-              </p:ext>
-            </p:extLst>
-          </p:nvPr>
-        </p:nvCxnSpPr>
-        <p:spPr>
-          <a:xfrm>
-            <a:off x="482600" y="6368138"/>
-            <a:ext cx="11147071" cy="0"/>
-          </a:xfrm>
-          <a:prstGeom prst="line">
-            <a:avLst/>
-          </a:prstGeom>
-          <a:ln w="28575">
-            <a:solidFill>
-              <a:schemeClr val="tx1"/>
-            </a:solidFill>
-          </a:ln>
-        </p:spPr>
-        <p:style>
-          <a:lnRef idx="1">
-            <a:schemeClr val="dk1"/>
-          </a:lnRef>
-          <a:fillRef idx="0">
-            <a:schemeClr val="dk1"/>
-          </a:fillRef>
-          <a:effectRef idx="0">
-            <a:schemeClr val="dk1"/>
-          </a:effectRef>
-          <a:fontRef idx="minor">
-            <a:schemeClr val="tx1"/>
-          </a:fontRef>
-        </p:style>
-      </p:cxnSp>
-    </p:spTree>
-    <p:extLst>
-      <p:ext uri="{BB962C8B-B14F-4D97-AF65-F5344CB8AC3E}">
-        <p14:creationId xmlns:p14="http://schemas.microsoft.com/office/powerpoint/2010/main" val="3287089986"/>
-      </p:ext>
-    </p:extLst>
-  </p:cSld>
-  <p:clrMapOvr>
-    <a:masterClrMapping/>
-  </p:clrMapOvr>
-</p:sld>
-</file>
-
-<file path=ppt/slides/slide4.xml><?xml version="1.0" encoding="utf-8"?>
-<p:sld xmlns:a="http://schemas.openxmlformats.org/drawingml/2006/main" xmlns:r="http://schemas.openxmlformats.org/officeDocument/2006/relationships" xmlns:p="http://schemas.openxmlformats.org/presentationml/2006/main">
-  <p:cSld>
-    <p:spTree>
-      <p:nvGrpSpPr>
-        <p:cNvPr id="1" name=""/>
-        <p:cNvGrpSpPr/>
-        <p:nvPr/>
-      </p:nvGrpSpPr>
-      <p:grpSpPr>
-        <a:xfrm>
-          <a:off x="0" y="0"/>
-          <a:ext cx="0" cy="0"/>
-          <a:chOff x="0" y="0"/>
-          <a:chExt cx="0" cy="0"/>
-        </a:xfrm>
-      </p:grpSpPr>
-      <p:pic>
-        <p:nvPicPr>
-          <p:cNvPr id="4" name="Picture 3" descr="A screenshot of a computer screen&#10;&#10;Description automatically generated">
-            <a:extLst>
-              <a:ext uri="{FF2B5EF4-FFF2-40B4-BE49-F238E27FC236}">
-                <a16:creationId xmlns:a16="http://schemas.microsoft.com/office/drawing/2014/main" id="{1C9BC5DA-669F-9CA0-3158-562D26025228}"/>
-              </a:ext>
-            </a:extLst>
-          </p:cNvPr>
-          <p:cNvPicPr>
-            <a:picLocks noChangeAspect="1"/>
-          </p:cNvPicPr>
-          <p:nvPr/>
-        </p:nvPicPr>
-        <p:blipFill>
-          <a:blip r:embed="rId2"/>
-          <a:stretch>
-            <a:fillRect/>
-          </a:stretch>
-        </p:blipFill>
-        <p:spPr>
-          <a:xfrm>
-            <a:off x="3362926" y="2822"/>
-            <a:ext cx="8824590" cy="6852354"/>
-          </a:xfrm>
-          <a:prstGeom prst="rect">
-            <a:avLst/>
-          </a:prstGeom>
-        </p:spPr>
-      </p:pic>
-      <p:sp>
-        <p:nvSpPr>
-          <p:cNvPr id="5" name="TextBox 4">
-            <a:extLst>
-              <a:ext uri="{FF2B5EF4-FFF2-40B4-BE49-F238E27FC236}">
-                <a16:creationId xmlns:a16="http://schemas.microsoft.com/office/drawing/2014/main" id="{8FF16D2C-E511-66DA-4069-C8FA24FF6B5F}"/>
-              </a:ext>
-            </a:extLst>
-          </p:cNvPr>
-          <p:cNvSpPr txBox="1"/>
-          <p:nvPr/>
-        </p:nvSpPr>
-        <p:spPr>
-          <a:xfrm>
-            <a:off x="505444" y="532868"/>
-            <a:ext cx="4455450" cy="1107996"/>
-          </a:xfrm>
-          <a:prstGeom prst="rect">
-            <a:avLst/>
-          </a:prstGeom>
-          <a:noFill/>
-        </p:spPr>
-        <p:txBody>
-          <a:bodyPr rot="0" spcFirstLastPara="0" vertOverflow="overflow" horzOverflow="overflow" vert="horz" wrap="square" lIns="91440" tIns="45720" rIns="91440" bIns="45720" numCol="1" spcCol="0" rtlCol="0" fromWordArt="0" anchor="t" anchorCtr="0" forceAA="0" compatLnSpc="1">
-            <a:prstTxWarp prst="textNoShape">
-              <a:avLst/>
-            </a:prstTxWarp>
-            <a:spAutoFit/>
-          </a:bodyPr>
-          <a:lstStyle/>
-          <a:p>
-            <a:r>
-              <a:rPr lang="en-US" sz="6600" dirty="0"/>
-              <a:t>Storyboard</a:t>
-            </a:r>
-            <a:endParaRPr lang="en-US" dirty="0"/>
-          </a:p>
-        </p:txBody>
-      </p:sp>
-    </p:spTree>
-    <p:extLst>
-      <p:ext uri="{BB962C8B-B14F-4D97-AF65-F5344CB8AC3E}">
-        <p14:creationId xmlns:p14="http://schemas.microsoft.com/office/powerpoint/2010/main" val="1457298528"/>
-      </p:ext>
-    </p:extLst>
-  </p:cSld>
-  <p:clrMapOvr>
-    <a:masterClrMapping/>
-  </p:clrMapOvr>
-</p:sld>
-</file>
-
-<file path=ppt/slides/slide5.xml><?xml version="1.0" encoding="utf-8"?>
-<p:sld xmlns:a="http://schemas.openxmlformats.org/drawingml/2006/main" xmlns:r="http://schemas.openxmlformats.org/officeDocument/2006/relationships" xmlns:p="http://schemas.openxmlformats.org/presentationml/2006/main">
-  <p:cSld>
-    <p:spTree>
-      <p:nvGrpSpPr>
-        <p:cNvPr id="1" name=""/>
-        <p:cNvGrpSpPr/>
-        <p:nvPr/>
-      </p:nvGrpSpPr>
-      <p:grpSpPr>
-        <a:xfrm>
-          <a:off x="0" y="0"/>
-          <a:ext cx="0" cy="0"/>
-          <a:chOff x="0" y="0"/>
-          <a:chExt cx="0" cy="0"/>
-        </a:xfrm>
-      </p:grpSpPr>
-      <p:pic>
-        <p:nvPicPr>
-          <p:cNvPr id="4" name="Picture 3" descr="A screenshot of a sign-in application&#10;&#10;Description automatically generated">
-            <a:extLst>
-              <a:ext uri="{FF2B5EF4-FFF2-40B4-BE49-F238E27FC236}">
-                <a16:creationId xmlns:a16="http://schemas.microsoft.com/office/drawing/2014/main" id="{347A2332-5396-0A1A-AF3D-1EEC1B568904}"/>
-              </a:ext>
-            </a:extLst>
-          </p:cNvPr>
-          <p:cNvPicPr>
-            <a:picLocks noChangeAspect="1"/>
-          </p:cNvPicPr>
-          <p:nvPr/>
-        </p:nvPicPr>
-        <p:blipFill>
-          <a:blip r:embed="rId2"/>
-          <a:stretch>
-            <a:fillRect/>
-          </a:stretch>
-        </p:blipFill>
-        <p:spPr>
-          <a:xfrm>
-            <a:off x="479726" y="62782"/>
-            <a:ext cx="5453808" cy="7004648"/>
-          </a:xfrm>
-          <a:prstGeom prst="rect">
-            <a:avLst/>
-          </a:prstGeom>
-        </p:spPr>
-      </p:pic>
-      <p:pic>
-        <p:nvPicPr>
-          <p:cNvPr id="3" name="Picture 2" descr="A screenshot of a diagram&#10;&#10;Description automatically generated">
-            <a:extLst>
-              <a:ext uri="{FF2B5EF4-FFF2-40B4-BE49-F238E27FC236}">
-                <a16:creationId xmlns:a16="http://schemas.microsoft.com/office/drawing/2014/main" id="{AAB3F215-9666-0671-B685-5C1742894478}"/>
-              </a:ext>
-            </a:extLst>
-          </p:cNvPr>
-          <p:cNvPicPr>
-            <a:picLocks noChangeAspect="1"/>
-          </p:cNvPicPr>
-          <p:nvPr/>
-        </p:nvPicPr>
-        <p:blipFill>
-          <a:blip r:embed="rId3"/>
-          <a:stretch>
-            <a:fillRect/>
-          </a:stretch>
-        </p:blipFill>
-        <p:spPr>
-          <a:xfrm>
-            <a:off x="6160061" y="3676"/>
-            <a:ext cx="5540072" cy="7134043"/>
-          </a:xfrm>
-          <a:prstGeom prst="rect">
-            <a:avLst/>
-          </a:prstGeom>
-        </p:spPr>
-      </p:pic>
-    </p:spTree>
-    <p:extLst>
-      <p:ext uri="{BB962C8B-B14F-4D97-AF65-F5344CB8AC3E}">
-        <p14:creationId xmlns:p14="http://schemas.microsoft.com/office/powerpoint/2010/main" val="4216123075"/>
-      </p:ext>
-    </p:extLst>
-  </p:cSld>
-  <p:clrMapOvr>
-    <a:masterClrMapping/>
-  </p:clrMapOvr>
-</p:sld>
-</file>
-
-<file path=ppt/slides/slide6.xml><?xml version="1.0" encoding="utf-8"?>
-<p:sld xmlns:a="http://schemas.openxmlformats.org/drawingml/2006/main" xmlns:r="http://schemas.openxmlformats.org/officeDocument/2006/relationships" xmlns:p="http://schemas.openxmlformats.org/presentationml/2006/main">
-  <p:cSld>
-    <p:spTree>
-      <p:nvGrpSpPr>
-        <p:cNvPr id="1" name=""/>
-        <p:cNvGrpSpPr/>
-        <p:nvPr/>
-      </p:nvGrpSpPr>
-      <p:grpSpPr>
-        <a:xfrm>
-          <a:off x="0" y="0"/>
-          <a:ext cx="0" cy="0"/>
-          <a:chOff x="0" y="0"/>
-          <a:chExt cx="0" cy="0"/>
-        </a:xfrm>
-      </p:grpSpPr>
-      <p:pic>
-        <p:nvPicPr>
-          <p:cNvPr id="2" name="Picture 1" descr="A screenshot of a computer screen&#10;&#10;Description automatically generated">
-            <a:extLst>
-              <a:ext uri="{FF2B5EF4-FFF2-40B4-BE49-F238E27FC236}">
-                <a16:creationId xmlns:a16="http://schemas.microsoft.com/office/drawing/2014/main" id="{3166DD20-CFE4-2396-3232-7164A254952F}"/>
-              </a:ext>
-            </a:extLst>
-          </p:cNvPr>
-          <p:cNvPicPr>
-            <a:picLocks noChangeAspect="1"/>
-          </p:cNvPicPr>
-          <p:nvPr/>
-        </p:nvPicPr>
-        <p:blipFill>
-          <a:blip r:embed="rId2"/>
-          <a:stretch>
-            <a:fillRect/>
-          </a:stretch>
-        </p:blipFill>
-        <p:spPr>
-          <a:xfrm>
-            <a:off x="6982" y="1672900"/>
-            <a:ext cx="4159847" cy="5351252"/>
-          </a:xfrm>
-          <a:prstGeom prst="rect">
-            <a:avLst/>
-          </a:prstGeom>
-        </p:spPr>
-      </p:pic>
-      <p:pic>
-        <p:nvPicPr>
-          <p:cNvPr id="6" name="Picture 5" descr="A screenshot of a computer&#10;&#10;Description automatically generated">
-            <a:extLst>
-              <a:ext uri="{FF2B5EF4-FFF2-40B4-BE49-F238E27FC236}">
-                <a16:creationId xmlns:a16="http://schemas.microsoft.com/office/drawing/2014/main" id="{F3905651-CD7F-2D28-25B6-EEC6925087E4}"/>
-              </a:ext>
-            </a:extLst>
-          </p:cNvPr>
-          <p:cNvPicPr>
-            <a:picLocks noChangeAspect="1"/>
-          </p:cNvPicPr>
-          <p:nvPr/>
-        </p:nvPicPr>
-        <p:blipFill>
-          <a:blip r:embed="rId3"/>
-          <a:stretch>
-            <a:fillRect/>
-          </a:stretch>
-        </p:blipFill>
-        <p:spPr>
-          <a:xfrm>
-            <a:off x="4129977" y="1671766"/>
-            <a:ext cx="4159847" cy="5365630"/>
-          </a:xfrm>
-          <a:prstGeom prst="rect">
-            <a:avLst/>
-          </a:prstGeom>
-        </p:spPr>
-      </p:pic>
-      <p:pic>
-        <p:nvPicPr>
-          <p:cNvPr id="7" name="Picture 6" descr="A screenshot of a computer&#10;&#10;Description automatically generated">
-            <a:extLst>
-              <a:ext uri="{FF2B5EF4-FFF2-40B4-BE49-F238E27FC236}">
-                <a16:creationId xmlns:a16="http://schemas.microsoft.com/office/drawing/2014/main" id="{6F316144-27D7-EA74-EC22-CEB68C310D47}"/>
-              </a:ext>
-            </a:extLst>
-          </p:cNvPr>
-          <p:cNvPicPr>
-            <a:picLocks noChangeAspect="1"/>
-          </p:cNvPicPr>
-          <p:nvPr/>
-        </p:nvPicPr>
-        <p:blipFill>
-          <a:blip r:embed="rId4"/>
-          <a:stretch>
-            <a:fillRect/>
-          </a:stretch>
-        </p:blipFill>
-        <p:spPr>
-          <a:xfrm>
-            <a:off x="8302606" y="1976887"/>
-            <a:ext cx="3929809" cy="5063705"/>
-          </a:xfrm>
-          <a:prstGeom prst="rect">
-            <a:avLst/>
-          </a:prstGeom>
-        </p:spPr>
-      </p:pic>
-      <p:sp>
-        <p:nvSpPr>
-          <p:cNvPr id="4" name="TextBox 3">
-            <a:extLst>
-              <a:ext uri="{FF2B5EF4-FFF2-40B4-BE49-F238E27FC236}">
-                <a16:creationId xmlns:a16="http://schemas.microsoft.com/office/drawing/2014/main" id="{B3C4E843-196C-FE0A-9800-2CAF393B73C4}"/>
-              </a:ext>
-            </a:extLst>
-          </p:cNvPr>
-          <p:cNvSpPr txBox="1"/>
-          <p:nvPr/>
-        </p:nvSpPr>
-        <p:spPr>
-          <a:xfrm>
-            <a:off x="505444" y="532868"/>
-            <a:ext cx="9933223" cy="1107996"/>
-          </a:xfrm>
-          <a:prstGeom prst="rect">
-            <a:avLst/>
-          </a:prstGeom>
-          <a:noFill/>
-        </p:spPr>
-        <p:txBody>
-          <a:bodyPr rot="0" spcFirstLastPara="0" vertOverflow="overflow" horzOverflow="overflow" vert="horz" wrap="square" lIns="91440" tIns="45720" rIns="91440" bIns="45720" numCol="1" spcCol="0" rtlCol="0" fromWordArt="0" anchor="t" anchorCtr="0" forceAA="0" compatLnSpc="1">
-            <a:prstTxWarp prst="textNoShape">
-              <a:avLst/>
-            </a:prstTxWarp>
-            <a:spAutoFit/>
-          </a:bodyPr>
-          <a:lstStyle/>
-          <a:p>
-            <a:r>
-              <a:rPr lang="en-US" sz="6600" dirty="0"/>
-              <a:t>Storyboard Cont.</a:t>
-            </a:r>
-            <a:endParaRPr lang="en-US" dirty="0"/>
-          </a:p>
-        </p:txBody>
-      </p:sp>
-    </p:spTree>
-    <p:extLst>
-      <p:ext uri="{BB962C8B-B14F-4D97-AF65-F5344CB8AC3E}">
-        <p14:creationId xmlns:p14="http://schemas.microsoft.com/office/powerpoint/2010/main" val="532518087"/>
-      </p:ext>
-    </p:extLst>
-  </p:cSld>
-  <p:clrMapOvr>
-    <a:masterClrMapping/>
-  </p:clrMapOvr>
-</p:sld>
-</file>
-
-<file path=ppt/slides/slide7.xml><?xml version="1.0" encoding="utf-8"?>
-<p:sld xmlns:a="http://schemas.openxmlformats.org/drawingml/2006/main" xmlns:r="http://schemas.openxmlformats.org/officeDocument/2006/relationships" xmlns:p="http://schemas.openxmlformats.org/presentationml/2006/main">
-  <p:cSld>
-    <p:spTree>
-      <p:nvGrpSpPr>
-        <p:cNvPr id="1" name=""/>
-        <p:cNvGrpSpPr/>
-        <p:nvPr/>
-      </p:nvGrpSpPr>
-      <p:grpSpPr>
-        <a:xfrm>
-          <a:off x="0" y="0"/>
-          <a:ext cx="0" cy="0"/>
-          <a:chOff x="0" y="0"/>
-          <a:chExt cx="0" cy="0"/>
-        </a:xfrm>
-      </p:grpSpPr>
-      <p:sp>
-        <p:nvSpPr>
-          <p:cNvPr id="2" name="Title 1">
-            <a:extLst>
-              <a:ext uri="{FF2B5EF4-FFF2-40B4-BE49-F238E27FC236}">
-                <a16:creationId xmlns:a16="http://schemas.microsoft.com/office/drawing/2014/main" id="{D0094F6E-6DC4-9318-6247-0CB267E8DC97}"/>
-              </a:ext>
-            </a:extLst>
-          </p:cNvPr>
-          <p:cNvSpPr>
-            <a:spLocks noGrp="1"/>
-          </p:cNvSpPr>
-          <p:nvPr>
-            <p:ph type="ctrTitle"/>
-          </p:nvPr>
-        </p:nvSpPr>
-        <p:spPr/>
-        <p:txBody>
-          <a:bodyPr/>
-          <a:lstStyle/>
-          <a:p>
-            <a:r>
-              <a:rPr lang="en-US" dirty="0"/>
-              <a:t>Functionality</a:t>
-            </a:r>
-          </a:p>
-        </p:txBody>
-      </p:sp>
-      <p:sp>
-        <p:nvSpPr>
-          <p:cNvPr id="3" name="Subtitle 2">
-            <a:extLst>
-              <a:ext uri="{FF2B5EF4-FFF2-40B4-BE49-F238E27FC236}">
-                <a16:creationId xmlns:a16="http://schemas.microsoft.com/office/drawing/2014/main" id="{2AC92756-F7BF-7354-F3CD-B839C42CBBE2}"/>
-              </a:ext>
-            </a:extLst>
-          </p:cNvPr>
-          <p:cNvSpPr>
-            <a:spLocks noGrp="1"/>
-          </p:cNvSpPr>
-          <p:nvPr>
-            <p:ph type="subTitle" idx="1"/>
-          </p:nvPr>
-        </p:nvSpPr>
-        <p:spPr/>
-        <p:txBody>
-          <a:bodyPr/>
-          <a:lstStyle/>
-          <a:p>
-            <a:endParaRPr lang="en-US"/>
-          </a:p>
-        </p:txBody>
-      </p:sp>
-    </p:spTree>
-    <p:extLst>
-      <p:ext uri="{BB962C8B-B14F-4D97-AF65-F5344CB8AC3E}">
-        <p14:creationId xmlns:p14="http://schemas.microsoft.com/office/powerpoint/2010/main" val="715663043"/>
+        <p14:creationId xmlns:p14="http://schemas.microsoft.com/office/powerpoint/2010/main" val="857432564"/>
       </p:ext>
     </p:extLst>
   </p:cSld>
@@ -7469,90 +6639,156 @@
           <a:chExt cx="0" cy="0"/>
         </a:xfrm>
       </p:grpSpPr>
-      <p:pic>
-        <p:nvPicPr>
-          <p:cNvPr id="3" name="Picture 2" descr="A white background with black text&#10;&#10;Description automatically generated">
-            <a:extLst>
-              <a:ext uri="{FF2B5EF4-FFF2-40B4-BE49-F238E27FC236}">
-                <a16:creationId xmlns:a16="http://schemas.microsoft.com/office/drawing/2014/main" id="{3F947749-1FFF-946F-E7DC-205C95DDF7C2}"/>
-              </a:ext>
-            </a:extLst>
-          </p:cNvPr>
-          <p:cNvPicPr>
-            <a:picLocks noChangeAspect="1"/>
-          </p:cNvPicPr>
+      <p:sp>
+        <p:nvSpPr>
+          <p:cNvPr id="3" name="Content Placeholder 2">
+            <a:extLst>
+              <a:ext uri="{FF2B5EF4-FFF2-40B4-BE49-F238E27FC236}">
+                <a16:creationId xmlns:a16="http://schemas.microsoft.com/office/drawing/2014/main" id="{C7F10E50-5680-8042-69CA-E9119F368139}"/>
+              </a:ext>
+            </a:extLst>
+          </p:cNvPr>
+          <p:cNvSpPr>
+            <a:spLocks noGrp="1"/>
+          </p:cNvSpPr>
+          <p:nvPr>
+            <p:ph idx="1"/>
+          </p:nvPr>
+        </p:nvSpPr>
+        <p:spPr>
+          <a:xfrm>
+            <a:off x="496977" y="1639097"/>
+            <a:ext cx="10492614" cy="4240494"/>
+          </a:xfrm>
+        </p:spPr>
+        <p:txBody>
+          <a:bodyPr vert="horz" lIns="91440" tIns="45720" rIns="91440" bIns="45720" rtlCol="0" anchor="t">
+            <a:normAutofit/>
+          </a:bodyPr>
+          <a:lstStyle/>
+          <a:p>
+            <a:pPr marL="342900" indent="-342900">
+              <a:buFont typeface="Calibri" panose="020B0604020202020204" pitchFamily="34" charset="0"/>
+              <a:buChar char="-"/>
+            </a:pPr>
+            <a:r>
+              <a:rPr lang="en-US"/>
+              <a:t>The client interacts with login</a:t>
+            </a:r>
+          </a:p>
+          <a:p>
+            <a:pPr marL="342900" indent="-342900">
+              <a:buFont typeface="Calibri" panose="020B0604020202020204" pitchFamily="34" charset="0"/>
+              <a:buChar char="-"/>
+            </a:pPr>
+            <a:r>
+              <a:rPr lang="en-US"/>
+              <a:t>Firebase Auth</a:t>
+            </a:r>
+          </a:p>
+          <a:p>
+            <a:pPr marL="342900" indent="-342900">
+              <a:buFont typeface="Calibri" panose="020B0604020202020204" pitchFamily="34" charset="0"/>
+              <a:buChar char="-"/>
+            </a:pPr>
+            <a:r>
+              <a:rPr lang="en-US"/>
+              <a:t>Account data? If not, registration</a:t>
+            </a:r>
+          </a:p>
+          <a:p>
+            <a:pPr marL="1028700" lvl="1" indent="-342900">
+              <a:buFont typeface="Courier New" panose="020B0604020202020204" pitchFamily="34" charset="0"/>
+              <a:buChar char="o"/>
+            </a:pPr>
+            <a:r>
+              <a:rPr lang="en-US"/>
+              <a:t>Registration communicates new objects to database</a:t>
+            </a:r>
+          </a:p>
+          <a:p>
+            <a:pPr marL="1028700" lvl="1" indent="-342900">
+              <a:buFont typeface="Courier New" panose="020B0604020202020204" pitchFamily="34" charset="0"/>
+              <a:buChar char="o"/>
+            </a:pPr>
+            <a:r>
+              <a:rPr lang="en-US"/>
+              <a:t>Login page communicates data to database (update streak/exp)</a:t>
+            </a:r>
+          </a:p>
+          <a:p>
+            <a:pPr marL="1028700" lvl="1" indent="-342900">
+              <a:buFont typeface="Courier New" panose="020B0604020202020204" pitchFamily="34" charset="0"/>
+              <a:buChar char="o"/>
+            </a:pPr>
+            <a:r>
+              <a:rPr lang="en-US"/>
+              <a:t>Edit information pages overwrite data</a:t>
+            </a:r>
+          </a:p>
+          <a:p>
+            <a:pPr marL="1028700" lvl="1" indent="-342900">
+              <a:buFont typeface="Courier New" panose="020B0604020202020204" pitchFamily="34" charset="0"/>
+              <a:buChar char="o"/>
+            </a:pPr>
+            <a:r>
+              <a:rPr lang="en-US"/>
+              <a:t>New tasks pages updates data</a:t>
+            </a:r>
+          </a:p>
+          <a:p>
+            <a:pPr marL="1028700" lvl="1" indent="-342900">
+              <a:buFont typeface="Courier New" panose="020B0604020202020204" pitchFamily="34" charset="0"/>
+              <a:buChar char="o"/>
+            </a:pPr>
+            <a:r>
+              <a:rPr lang="en-US"/>
+              <a:t>Game updates data in Gameboard</a:t>
+            </a:r>
+          </a:p>
+          <a:p>
+            <a:pPr marL="1028700" lvl="1" indent="-342900">
+              <a:buFont typeface="Courier New" panose="020B0604020202020204" pitchFamily="34" charset="0"/>
+              <a:buChar char="o"/>
+            </a:pPr>
+            <a:endParaRPr lang="en-US"/>
+          </a:p>
+        </p:txBody>
+      </p:sp>
+      <p:sp>
+        <p:nvSpPr>
+          <p:cNvPr id="5" name="TextBox 4">
+            <a:extLst>
+              <a:ext uri="{FF2B5EF4-FFF2-40B4-BE49-F238E27FC236}">
+                <a16:creationId xmlns:a16="http://schemas.microsoft.com/office/drawing/2014/main" id="{6B4DF185-8DEB-BD8D-1186-A2F63291BD58}"/>
+              </a:ext>
+            </a:extLst>
+          </p:cNvPr>
+          <p:cNvSpPr txBox="1"/>
           <p:nvPr/>
-        </p:nvPicPr>
-        <p:blipFill>
-          <a:blip r:embed="rId2">
-            <a:extLst>
-              <a:ext uri="{28A0092B-C50C-407E-A947-70E740481C1C}">
-                <a14:useLocalDpi xmlns:a14="http://schemas.microsoft.com/office/drawing/2010/main" val="0"/>
-              </a:ext>
-            </a:extLst>
-          </a:blip>
-          <a:stretch>
-            <a:fillRect/>
-          </a:stretch>
-        </p:blipFill>
-        <p:spPr>
-          <a:xfrm>
-            <a:off x="0" y="208223"/>
-            <a:ext cx="12192000" cy="6441554"/>
+        </p:nvSpPr>
+        <p:spPr>
+          <a:xfrm>
+            <a:off x="505444" y="532868"/>
+            <a:ext cx="10608959" cy="1107996"/>
           </a:xfrm>
           <a:prstGeom prst="rect">
             <a:avLst/>
           </a:prstGeom>
-        </p:spPr>
-      </p:pic>
-      <p:sp>
-        <p:nvSpPr>
-          <p:cNvPr id="4" name="Title 1">
-            <a:extLst>
-              <a:ext uri="{FF2B5EF4-FFF2-40B4-BE49-F238E27FC236}">
-                <a16:creationId xmlns:a16="http://schemas.microsoft.com/office/drawing/2014/main" id="{A11AEDC7-ED5B-C753-8A09-7B012AD9F330}"/>
-              </a:ext>
-            </a:extLst>
-          </p:cNvPr>
-          <p:cNvSpPr txBox="1">
-            <a:spLocks/>
-          </p:cNvSpPr>
-          <p:nvPr/>
-        </p:nvSpPr>
-        <p:spPr>
-          <a:xfrm>
-            <a:off x="7904607" y="409447"/>
-            <a:ext cx="4287393" cy="2450593"/>
-          </a:xfrm>
-          <a:prstGeom prst="rect">
-            <a:avLst/>
-          </a:prstGeom>
-        </p:spPr>
-        <p:txBody>
-          <a:bodyPr/>
-          <a:lstStyle>
-            <a:lvl1pPr algn="l" defTabSz="914400" rtl="0" eaLnBrk="1" latinLnBrk="0" hangingPunct="1">
-              <a:lnSpc>
-                <a:spcPct val="100000"/>
-              </a:lnSpc>
-              <a:spcBef>
-                <a:spcPct val="0"/>
-              </a:spcBef>
-              <a:buNone/>
-              <a:defRPr sz="6600" kern="1200">
-                <a:solidFill>
-                  <a:schemeClr val="tx1"/>
-                </a:solidFill>
-                <a:latin typeface="+mj-lt"/>
-                <a:ea typeface="+mj-ea"/>
-                <a:cs typeface="+mj-cs"/>
-              </a:defRPr>
-            </a:lvl1pPr>
-          </a:lstStyle>
-          <a:p>
-            <a:r>
-              <a:rPr lang="en-US" sz="3000" dirty="0"/>
-              <a:t>Component Diagram</a:t>
+          <a:noFill/>
+        </p:spPr>
+        <p:txBody>
+          <a:bodyPr rot="0" spcFirstLastPara="0" vertOverflow="overflow" horzOverflow="overflow" vert="horz" wrap="square" lIns="91440" tIns="45720" rIns="91440" bIns="45720" numCol="1" spcCol="0" rtlCol="0" fromWordArt="0" anchor="t" anchorCtr="0" forceAA="0" compatLnSpc="1">
+            <a:prstTxWarp prst="textNoShape">
+              <a:avLst/>
+            </a:prstTxWarp>
+            <a:spAutoFit/>
+          </a:bodyPr>
+          <a:lstStyle/>
+          <a:p>
+            <a:r>
+              <a:rPr lang="en-US" sz="6600"/>
+              <a:t>Client Interaction</a:t>
             </a:r>
           </a:p>
         </p:txBody>
@@ -7560,7 +6796,7 @@
     </p:spTree>
     <p:extLst>
       <p:ext uri="{BB962C8B-B14F-4D97-AF65-F5344CB8AC3E}">
-        <p14:creationId xmlns:p14="http://schemas.microsoft.com/office/powerpoint/2010/main" val="870489951"/>
+        <p14:creationId xmlns:p14="http://schemas.microsoft.com/office/powerpoint/2010/main" val="3632256187"/>
       </p:ext>
     </p:extLst>
   </p:cSld>
@@ -7575,13 +6811,7 @@
   <p:cSld>
     <p:spTree>
       <p:nvGrpSpPr>
-        <p:cNvPr id="1" name="">
-          <a:extLst>
-            <a:ext uri="{FF2B5EF4-FFF2-40B4-BE49-F238E27FC236}">
-              <a16:creationId xmlns:a16="http://schemas.microsoft.com/office/drawing/2014/main" id="{96B00724-D1C3-3C94-2103-F24BD5150541}"/>
-            </a:ext>
-          </a:extLst>
-        </p:cNvPr>
+        <p:cNvPr id="1" name=""/>
         <p:cNvGrpSpPr/>
         <p:nvPr/>
       </p:nvGrpSpPr>
@@ -7595,10 +6825,10 @@
       </p:grpSpPr>
       <p:pic>
         <p:nvPicPr>
-          <p:cNvPr id="3" name="Picture 2" descr="A white background with black text&#10;&#10;Description automatically generated">
-            <a:extLst>
-              <a:ext uri="{FF2B5EF4-FFF2-40B4-BE49-F238E27FC236}">
-                <a16:creationId xmlns:a16="http://schemas.microsoft.com/office/drawing/2014/main" id="{9388CE7B-8890-E5A6-A5DB-B99986A69FCD}"/>
+          <p:cNvPr id="4" name="Picture 3" descr="A screenshot of a computer screen&#10;&#10;Description automatically generated">
+            <a:extLst>
+              <a:ext uri="{FF2B5EF4-FFF2-40B4-BE49-F238E27FC236}">
+                <a16:creationId xmlns:a16="http://schemas.microsoft.com/office/drawing/2014/main" id="{1C9BC5DA-669F-9CA0-3158-562D26025228}"/>
               </a:ext>
             </a:extLst>
           </p:cNvPr>
@@ -7607,334 +6837,65 @@
           </p:cNvPicPr>
           <p:nvPr/>
         </p:nvPicPr>
-        <p:blipFill rotWithShape="1">
-          <a:blip r:embed="rId2">
-            <a:extLst>
-              <a:ext uri="{28A0092B-C50C-407E-A947-70E740481C1C}">
-                <a14:useLocalDpi xmlns:a14="http://schemas.microsoft.com/office/drawing/2010/main" val="0"/>
-              </a:ext>
-            </a:extLst>
-          </a:blip>
-          <a:srcRect l="13635" t="-3058" r="35675" b="-16698"/>
-          <a:stretch/>
+        <p:blipFill>
+          <a:blip r:embed="rId2"/>
+          <a:stretch>
+            <a:fillRect/>
+          </a:stretch>
         </p:blipFill>
         <p:spPr>
           <a:xfrm>
-            <a:off x="5354320" y="-1127760"/>
-            <a:ext cx="7315200" cy="9131217"/>
+            <a:off x="3362926" y="2822"/>
+            <a:ext cx="8824590" cy="6852354"/>
           </a:xfrm>
           <a:prstGeom prst="rect">
             <a:avLst/>
           </a:prstGeom>
-          <a:effectLst>
-            <a:softEdge rad="381000"/>
-          </a:effectLst>
         </p:spPr>
       </p:pic>
       <p:sp>
         <p:nvSpPr>
-          <p:cNvPr id="2" name="Text Placeholder 3">
-            <a:extLst>
-              <a:ext uri="{FF2B5EF4-FFF2-40B4-BE49-F238E27FC236}">
-                <a16:creationId xmlns:a16="http://schemas.microsoft.com/office/drawing/2014/main" id="{B68FE0D0-16C3-E124-A2FC-B275513DE36A}"/>
-              </a:ext>
-            </a:extLst>
-          </p:cNvPr>
-          <p:cNvSpPr txBox="1">
-            <a:spLocks/>
-          </p:cNvSpPr>
+          <p:cNvPr id="5" name="TextBox 4">
+            <a:extLst>
+              <a:ext uri="{FF2B5EF4-FFF2-40B4-BE49-F238E27FC236}">
+                <a16:creationId xmlns:a16="http://schemas.microsoft.com/office/drawing/2014/main" id="{8FF16D2C-E511-66DA-4069-C8FA24FF6B5F}"/>
+              </a:ext>
+            </a:extLst>
+          </p:cNvPr>
+          <p:cNvSpPr txBox="1"/>
           <p:nvPr/>
         </p:nvSpPr>
         <p:spPr>
           <a:xfrm>
-            <a:off x="606552" y="1280160"/>
-            <a:ext cx="4287393" cy="4846320"/>
+            <a:off x="505444" y="532868"/>
+            <a:ext cx="4455450" cy="1107996"/>
           </a:xfrm>
           <a:prstGeom prst="rect">
             <a:avLst/>
           </a:prstGeom>
-        </p:spPr>
-        <p:txBody>
-          <a:bodyPr/>
-          <a:lstStyle>
-            <a:lvl1pPr marL="0" indent="0" algn="l" defTabSz="914400" rtl="0" eaLnBrk="1" latinLnBrk="0" hangingPunct="1">
-              <a:lnSpc>
-                <a:spcPct val="100000"/>
-              </a:lnSpc>
-              <a:spcBef>
-                <a:spcPts val="1000"/>
-              </a:spcBef>
-              <a:buFont typeface="Arial" panose="020B0604020202020204" pitchFamily="34" charset="0"/>
-              <a:buNone/>
-              <a:defRPr sz="2400" kern="1200">
-                <a:solidFill>
-                  <a:schemeClr val="tx1"/>
-                </a:solidFill>
-                <a:latin typeface="+mn-lt"/>
-                <a:ea typeface="+mn-ea"/>
-                <a:cs typeface="+mn-cs"/>
-              </a:defRPr>
-            </a:lvl1pPr>
-            <a:lvl2pPr marL="685800" indent="-228600" algn="l" defTabSz="914400" rtl="0" eaLnBrk="1" latinLnBrk="0" hangingPunct="1">
-              <a:lnSpc>
-                <a:spcPct val="100000"/>
-              </a:lnSpc>
-              <a:spcBef>
-                <a:spcPts val="500"/>
-              </a:spcBef>
-              <a:buFont typeface="Arial" panose="020B0604020202020204" pitchFamily="34" charset="0"/>
-              <a:buChar char="•"/>
-              <a:defRPr sz="2000" kern="1200">
-                <a:solidFill>
-                  <a:schemeClr val="tx1"/>
-                </a:solidFill>
-                <a:latin typeface="+mn-lt"/>
-                <a:ea typeface="+mn-ea"/>
-                <a:cs typeface="+mn-cs"/>
-              </a:defRPr>
-            </a:lvl2pPr>
-            <a:lvl3pPr marL="914400" indent="0" algn="l" defTabSz="914400" rtl="0" eaLnBrk="1" latinLnBrk="0" hangingPunct="1">
-              <a:lnSpc>
-                <a:spcPct val="100000"/>
-              </a:lnSpc>
-              <a:spcBef>
-                <a:spcPts val="500"/>
-              </a:spcBef>
-              <a:buFont typeface="Arial" panose="020B0604020202020204" pitchFamily="34" charset="0"/>
-              <a:buNone/>
-              <a:defRPr sz="2000" kern="1200">
-                <a:solidFill>
-                  <a:schemeClr val="tx1"/>
-                </a:solidFill>
-                <a:latin typeface="+mn-lt"/>
-                <a:ea typeface="+mn-ea"/>
-                <a:cs typeface="+mn-cs"/>
-              </a:defRPr>
-            </a:lvl3pPr>
-            <a:lvl4pPr marL="1600200" indent="-228600" algn="l" defTabSz="914400" rtl="0" eaLnBrk="1" latinLnBrk="0" hangingPunct="1">
-              <a:lnSpc>
-                <a:spcPct val="100000"/>
-              </a:lnSpc>
-              <a:spcBef>
-                <a:spcPts val="500"/>
-              </a:spcBef>
-              <a:buFont typeface="Arial" panose="020B0604020202020204" pitchFamily="34" charset="0"/>
-              <a:buChar char="•"/>
-              <a:defRPr sz="1800" kern="1200">
-                <a:solidFill>
-                  <a:schemeClr val="tx1"/>
-                </a:solidFill>
-                <a:latin typeface="+mn-lt"/>
-                <a:ea typeface="+mn-ea"/>
-                <a:cs typeface="+mn-cs"/>
-              </a:defRPr>
-            </a:lvl4pPr>
-            <a:lvl5pPr marL="1828800" indent="0" algn="l" defTabSz="914400" rtl="0" eaLnBrk="1" latinLnBrk="0" hangingPunct="1">
-              <a:lnSpc>
-                <a:spcPct val="100000"/>
-              </a:lnSpc>
-              <a:spcBef>
-                <a:spcPts val="500"/>
-              </a:spcBef>
-              <a:buFont typeface="Arial" panose="020B0604020202020204" pitchFamily="34" charset="0"/>
-              <a:buNone/>
-              <a:defRPr sz="1800" kern="1200">
-                <a:solidFill>
-                  <a:schemeClr val="tx1"/>
-                </a:solidFill>
-                <a:latin typeface="+mn-lt"/>
-                <a:ea typeface="+mn-ea"/>
-                <a:cs typeface="+mn-cs"/>
-              </a:defRPr>
-            </a:lvl5pPr>
-            <a:lvl6pPr marL="2514600" indent="-228600" algn="l" defTabSz="914400" rtl="0" eaLnBrk="1" latinLnBrk="0" hangingPunct="1">
-              <a:lnSpc>
-                <a:spcPct val="90000"/>
-              </a:lnSpc>
-              <a:spcBef>
-                <a:spcPts val="500"/>
-              </a:spcBef>
-              <a:buFont typeface="Arial" panose="020B0604020202020204" pitchFamily="34" charset="0"/>
-              <a:buChar char="•"/>
-              <a:defRPr sz="1800" kern="1200">
-                <a:solidFill>
-                  <a:schemeClr val="tx1"/>
-                </a:solidFill>
-                <a:latin typeface="+mn-lt"/>
-                <a:ea typeface="+mn-ea"/>
-                <a:cs typeface="+mn-cs"/>
-              </a:defRPr>
-            </a:lvl6pPr>
-            <a:lvl7pPr marL="2971800" indent="-228600" algn="l" defTabSz="914400" rtl="0" eaLnBrk="1" latinLnBrk="0" hangingPunct="1">
-              <a:lnSpc>
-                <a:spcPct val="90000"/>
-              </a:lnSpc>
-              <a:spcBef>
-                <a:spcPts val="500"/>
-              </a:spcBef>
-              <a:buFont typeface="Arial" panose="020B0604020202020204" pitchFamily="34" charset="0"/>
-              <a:buChar char="•"/>
-              <a:defRPr sz="1800" kern="1200">
-                <a:solidFill>
-                  <a:schemeClr val="tx1"/>
-                </a:solidFill>
-                <a:latin typeface="+mn-lt"/>
-                <a:ea typeface="+mn-ea"/>
-                <a:cs typeface="+mn-cs"/>
-              </a:defRPr>
-            </a:lvl7pPr>
-            <a:lvl8pPr marL="3429000" indent="-228600" algn="l" defTabSz="914400" rtl="0" eaLnBrk="1" latinLnBrk="0" hangingPunct="1">
-              <a:lnSpc>
-                <a:spcPct val="90000"/>
-              </a:lnSpc>
-              <a:spcBef>
-                <a:spcPts val="500"/>
-              </a:spcBef>
-              <a:buFont typeface="Arial" panose="020B0604020202020204" pitchFamily="34" charset="0"/>
-              <a:buChar char="•"/>
-              <a:defRPr sz="1800" kern="1200">
-                <a:solidFill>
-                  <a:schemeClr val="tx1"/>
-                </a:solidFill>
-                <a:latin typeface="+mn-lt"/>
-                <a:ea typeface="+mn-ea"/>
-                <a:cs typeface="+mn-cs"/>
-              </a:defRPr>
-            </a:lvl8pPr>
-            <a:lvl9pPr marL="3886200" indent="-228600" algn="l" defTabSz="914400" rtl="0" eaLnBrk="1" latinLnBrk="0" hangingPunct="1">
-              <a:lnSpc>
-                <a:spcPct val="90000"/>
-              </a:lnSpc>
-              <a:spcBef>
-                <a:spcPts val="500"/>
-              </a:spcBef>
-              <a:buFont typeface="Arial" panose="020B0604020202020204" pitchFamily="34" charset="0"/>
-              <a:buChar char="•"/>
-              <a:defRPr sz="1800" kern="1200">
-                <a:solidFill>
-                  <a:schemeClr val="tx1"/>
-                </a:solidFill>
-                <a:latin typeface="+mn-lt"/>
-                <a:ea typeface="+mn-ea"/>
-                <a:cs typeface="+mn-cs"/>
-              </a:defRPr>
-            </a:lvl9pPr>
-          </a:lstStyle>
-          <a:p>
-            <a:r>
-              <a:rPr lang="en-US" dirty="0"/>
-              <a:t>User</a:t>
-            </a:r>
-          </a:p>
-          <a:p>
-            <a:pPr marL="342900" indent="-342900">
-              <a:buFont typeface="Arial" panose="020B0604020202020204" pitchFamily="34" charset="0"/>
-              <a:buChar char="•"/>
-            </a:pPr>
-            <a:r>
-              <a:rPr lang="en-US" dirty="0" err="1"/>
-              <a:t>TaskList</a:t>
-            </a:r>
-            <a:endParaRPr lang="en-US" dirty="0"/>
-          </a:p>
-          <a:p>
-            <a:pPr marL="342900" indent="-342900">
-              <a:buFont typeface="Arial" panose="020B0604020202020204" pitchFamily="34" charset="0"/>
-              <a:buChar char="•"/>
-            </a:pPr>
-            <a:r>
-              <a:rPr lang="en-US" dirty="0"/>
-              <a:t>Objectives</a:t>
-            </a:r>
-          </a:p>
-          <a:p>
-            <a:pPr marL="342900" indent="-342900">
-              <a:buFont typeface="Arial" panose="020B0604020202020204" pitchFamily="34" charset="0"/>
-              <a:buChar char="•"/>
-            </a:pPr>
-            <a:r>
-              <a:rPr lang="en-US" dirty="0"/>
-              <a:t>Inventory</a:t>
-            </a:r>
-          </a:p>
-          <a:p>
-            <a:pPr marL="342900" indent="-342900">
-              <a:buFont typeface="Arial" panose="020B0604020202020204" pitchFamily="34" charset="0"/>
-              <a:buChar char="•"/>
-            </a:pPr>
-            <a:r>
-              <a:rPr lang="en-US" dirty="0"/>
-              <a:t>Garden</a:t>
-            </a:r>
-          </a:p>
-          <a:p>
-            <a:pPr marL="342900" indent="-342900">
-              <a:buFont typeface="Arial" panose="020B0604020202020204" pitchFamily="34" charset="0"/>
-              <a:buChar char="•"/>
-            </a:pPr>
-            <a:r>
-              <a:rPr lang="en-US" dirty="0"/>
-              <a:t>Graphs</a:t>
-            </a:r>
-          </a:p>
-        </p:txBody>
-      </p:sp>
-      <p:sp>
-        <p:nvSpPr>
-          <p:cNvPr id="4" name="Title 1">
-            <a:extLst>
-              <a:ext uri="{FF2B5EF4-FFF2-40B4-BE49-F238E27FC236}">
-                <a16:creationId xmlns:a16="http://schemas.microsoft.com/office/drawing/2014/main" id="{12082F37-22EF-B3CA-23D3-6A9A1230F89D}"/>
-              </a:ext>
-            </a:extLst>
-          </p:cNvPr>
-          <p:cNvSpPr txBox="1">
-            <a:spLocks/>
-          </p:cNvSpPr>
-          <p:nvPr/>
-        </p:nvSpPr>
-        <p:spPr>
-          <a:xfrm>
-            <a:off x="515112" y="480567"/>
-            <a:ext cx="4287393" cy="2450593"/>
-          </a:xfrm>
-          <a:prstGeom prst="rect">
-            <a:avLst/>
-          </a:prstGeom>
-        </p:spPr>
-        <p:txBody>
-          <a:bodyPr/>
-          <a:lstStyle>
-            <a:lvl1pPr algn="l" defTabSz="914400" rtl="0" eaLnBrk="1" latinLnBrk="0" hangingPunct="1">
-              <a:lnSpc>
-                <a:spcPct val="100000"/>
-              </a:lnSpc>
-              <a:spcBef>
-                <a:spcPct val="0"/>
-              </a:spcBef>
-              <a:buNone/>
-              <a:defRPr sz="6600" kern="1200">
-                <a:solidFill>
-                  <a:schemeClr val="tx1"/>
-                </a:solidFill>
-                <a:latin typeface="+mj-lt"/>
-                <a:ea typeface="+mj-ea"/>
-                <a:cs typeface="+mj-cs"/>
-              </a:defRPr>
-            </a:lvl1pPr>
-          </a:lstStyle>
-          <a:p>
-            <a:r>
-              <a:rPr lang="en-US" sz="3000" dirty="0"/>
-              <a:t>Component Diagram</a:t>
-            </a:r>
+          <a:noFill/>
+        </p:spPr>
+        <p:txBody>
+          <a:bodyPr rot="0" spcFirstLastPara="0" vertOverflow="overflow" horzOverflow="overflow" vert="horz" wrap="square" lIns="91440" tIns="45720" rIns="91440" bIns="45720" numCol="1" spcCol="0" rtlCol="0" fromWordArt="0" anchor="t" anchorCtr="0" forceAA="0" compatLnSpc="1">
+            <a:prstTxWarp prst="textNoShape">
+              <a:avLst/>
+            </a:prstTxWarp>
+            <a:spAutoFit/>
+          </a:bodyPr>
+          <a:lstStyle/>
+          <a:p>
+            <a:r>
+              <a:rPr lang="en-US" sz="6600"/>
+              <a:t>Storyboard</a:t>
+            </a:r>
+            <a:endParaRPr lang="en-US"/>
           </a:p>
         </p:txBody>
       </p:sp>
     </p:spTree>
     <p:extLst>
       <p:ext uri="{BB962C8B-B14F-4D97-AF65-F5344CB8AC3E}">
-        <p14:creationId xmlns:p14="http://schemas.microsoft.com/office/powerpoint/2010/main" val="3493982357"/>
+        <p14:creationId xmlns:p14="http://schemas.microsoft.com/office/powerpoint/2010/main" val="1457298528"/>
       </p:ext>
     </p:extLst>
   </p:cSld>

--- a/Documentation/DiagramPresentation.pptx
+++ b/Documentation/DiagramPresentation.pptx
@@ -8,16 +8,18 @@
     <p:sldId id="256" r:id="rId2"/>
     <p:sldId id="258" r:id="rId3"/>
     <p:sldId id="257" r:id="rId4"/>
-    <p:sldId id="259" r:id="rId5"/>
-    <p:sldId id="260" r:id="rId6"/>
-    <p:sldId id="261" r:id="rId7"/>
-    <p:sldId id="266" r:id="rId8"/>
-    <p:sldId id="262" r:id="rId9"/>
-    <p:sldId id="263" r:id="rId10"/>
-    <p:sldId id="267" r:id="rId11"/>
-    <p:sldId id="268" r:id="rId12"/>
-    <p:sldId id="269" r:id="rId13"/>
-    <p:sldId id="270" r:id="rId14"/>
+    <p:sldId id="271" r:id="rId5"/>
+    <p:sldId id="272" r:id="rId6"/>
+    <p:sldId id="259" r:id="rId7"/>
+    <p:sldId id="260" r:id="rId8"/>
+    <p:sldId id="261" r:id="rId9"/>
+    <p:sldId id="266" r:id="rId10"/>
+    <p:sldId id="262" r:id="rId11"/>
+    <p:sldId id="263" r:id="rId12"/>
+    <p:sldId id="267" r:id="rId13"/>
+    <p:sldId id="268" r:id="rId14"/>
+    <p:sldId id="269" r:id="rId15"/>
+    <p:sldId id="270" r:id="rId16"/>
   </p:sldIdLst>
   <p:sldSz cx="12192000" cy="6858000"/>
   <p:notesSz cx="6858000" cy="9144000"/>
@@ -4615,10 +4617,128 @@
   <p:cSld>
     <p:spTree>
       <p:nvGrpSpPr>
+        <p:cNvPr id="1" name=""/>
+        <p:cNvGrpSpPr/>
+        <p:nvPr/>
+      </p:nvGrpSpPr>
+      <p:grpSpPr>
+        <a:xfrm>
+          <a:off x="0" y="0"/>
+          <a:ext cx="0" cy="0"/>
+          <a:chOff x="0" y="0"/>
+          <a:chExt cx="0" cy="0"/>
+        </a:xfrm>
+      </p:grpSpPr>
+      <p:pic>
+        <p:nvPicPr>
+          <p:cNvPr id="3" name="Picture 2" descr="A white background with black text&#10;&#10;Description automatically generated">
+            <a:extLst>
+              <a:ext uri="{FF2B5EF4-FFF2-40B4-BE49-F238E27FC236}">
+                <a16:creationId xmlns:a16="http://schemas.microsoft.com/office/drawing/2014/main" id="{3F947749-1FFF-946F-E7DC-205C95DDF7C2}"/>
+              </a:ext>
+            </a:extLst>
+          </p:cNvPr>
+          <p:cNvPicPr>
+            <a:picLocks noChangeAspect="1"/>
+          </p:cNvPicPr>
+          <p:nvPr/>
+        </p:nvPicPr>
+        <p:blipFill>
+          <a:blip r:embed="rId2">
+            <a:extLst>
+              <a:ext uri="{28A0092B-C50C-407E-A947-70E740481C1C}">
+                <a14:useLocalDpi xmlns:a14="http://schemas.microsoft.com/office/drawing/2010/main" val="0"/>
+              </a:ext>
+            </a:extLst>
+          </a:blip>
+          <a:stretch>
+            <a:fillRect/>
+          </a:stretch>
+        </p:blipFill>
+        <p:spPr>
+          <a:xfrm>
+            <a:off x="0" y="208223"/>
+            <a:ext cx="12192000" cy="6441554"/>
+          </a:xfrm>
+          <a:prstGeom prst="rect">
+            <a:avLst/>
+          </a:prstGeom>
+        </p:spPr>
+      </p:pic>
+      <p:sp>
+        <p:nvSpPr>
+          <p:cNvPr id="4" name="Title 1">
+            <a:extLst>
+              <a:ext uri="{FF2B5EF4-FFF2-40B4-BE49-F238E27FC236}">
+                <a16:creationId xmlns:a16="http://schemas.microsoft.com/office/drawing/2014/main" id="{A11AEDC7-ED5B-C753-8A09-7B012AD9F330}"/>
+              </a:ext>
+            </a:extLst>
+          </p:cNvPr>
+          <p:cNvSpPr txBox="1">
+            <a:spLocks/>
+          </p:cNvSpPr>
+          <p:nvPr/>
+        </p:nvSpPr>
+        <p:spPr>
+          <a:xfrm>
+            <a:off x="7904607" y="409447"/>
+            <a:ext cx="4287393" cy="2450593"/>
+          </a:xfrm>
+          <a:prstGeom prst="rect">
+            <a:avLst/>
+          </a:prstGeom>
+        </p:spPr>
+        <p:txBody>
+          <a:bodyPr/>
+          <a:lstStyle>
+            <a:lvl1pPr algn="l" defTabSz="914400" rtl="0" eaLnBrk="1" latinLnBrk="0" hangingPunct="1">
+              <a:lnSpc>
+                <a:spcPct val="100000"/>
+              </a:lnSpc>
+              <a:spcBef>
+                <a:spcPct val="0"/>
+              </a:spcBef>
+              <a:buNone/>
+              <a:defRPr sz="6600" kern="1200">
+                <a:solidFill>
+                  <a:schemeClr val="tx1"/>
+                </a:solidFill>
+                <a:latin typeface="+mj-lt"/>
+                <a:ea typeface="+mj-ea"/>
+                <a:cs typeface="+mj-cs"/>
+              </a:defRPr>
+            </a:lvl1pPr>
+          </a:lstStyle>
+          <a:p>
+            <a:r>
+              <a:rPr lang="en-US" sz="3000" dirty="0"/>
+              <a:t>Component Diagram</a:t>
+            </a:r>
+          </a:p>
+        </p:txBody>
+      </p:sp>
+    </p:spTree>
+    <p:extLst>
+      <p:ext uri="{BB962C8B-B14F-4D97-AF65-F5344CB8AC3E}">
+        <p14:creationId xmlns:p14="http://schemas.microsoft.com/office/powerpoint/2010/main" val="870489951"/>
+      </p:ext>
+    </p:extLst>
+  </p:cSld>
+  <p:clrMapOvr>
+    <a:masterClrMapping/>
+  </p:clrMapOvr>
+</p:sld>
+</file>
+
+<file path=ppt/slides/slide11.xml><?xml version="1.0" encoding="utf-8"?>
+<p:sld xmlns:a="http://schemas.openxmlformats.org/drawingml/2006/main" xmlns:r="http://schemas.openxmlformats.org/officeDocument/2006/relationships" xmlns:p="http://schemas.openxmlformats.org/presentationml/2006/main">
+  <p:cSld>
+    <p:spTree>
+      <p:nvGrpSpPr>
         <p:cNvPr id="1" name="">
           <a:extLst>
             <a:ext uri="{FF2B5EF4-FFF2-40B4-BE49-F238E27FC236}">
-              <a16:creationId xmlns:a16="http://schemas.microsoft.com/office/drawing/2014/main" id="{FDA1F741-DBB6-67C7-2DAF-D2F48FFE9181}"/>
+              <a16:creationId xmlns:a16="http://schemas.microsoft.com/office/drawing/2014/main" id="{96B00724-D1C3-3C94-2103-F24BD5150541}"/>
             </a:ext>
           </a:extLst>
         </p:cNvPr>
@@ -4638,7 +4758,7 @@
           <p:cNvPr id="3" name="Picture 2" descr="A white background with black text&#10;&#10;Description automatically generated">
             <a:extLst>
               <a:ext uri="{FF2B5EF4-FFF2-40B4-BE49-F238E27FC236}">
-                <a16:creationId xmlns:a16="http://schemas.microsoft.com/office/drawing/2014/main" id="{E1AFB45C-EEB8-EFE8-322B-FEA5D65E793E}"/>
+                <a16:creationId xmlns:a16="http://schemas.microsoft.com/office/drawing/2014/main" id="{9388CE7B-8890-E5A6-A5DB-B99986A69FCD}"/>
               </a:ext>
             </a:extLst>
           </p:cNvPr>
@@ -4655,19 +4775,19 @@
               </a:ext>
             </a:extLst>
           </a:blip>
-          <a:srcRect l="44049" t="33600" r="-2343" b="-30190"/>
+          <a:srcRect l="13635" t="-3058" r="35675" b="-16698"/>
           <a:stretch/>
         </p:blipFill>
         <p:spPr>
           <a:xfrm>
-            <a:off x="3049730" y="0"/>
-            <a:ext cx="9708143" cy="8499226"/>
+            <a:off x="5354320" y="-1127760"/>
+            <a:ext cx="7315200" cy="9131217"/>
           </a:xfrm>
           <a:prstGeom prst="rect">
             <a:avLst/>
           </a:prstGeom>
           <a:effectLst>
-            <a:softEdge rad="177800"/>
+            <a:softEdge rad="381000"/>
           </a:effectLst>
         </p:spPr>
       </p:pic>
@@ -4676,7 +4796,7 @@
           <p:cNvPr id="2" name="Text Placeholder 3">
             <a:extLst>
               <a:ext uri="{FF2B5EF4-FFF2-40B4-BE49-F238E27FC236}">
-                <a16:creationId xmlns:a16="http://schemas.microsoft.com/office/drawing/2014/main" id="{7FE01F00-167A-91D2-3753-5C4DC6402C5E}"/>
+                <a16:creationId xmlns:a16="http://schemas.microsoft.com/office/drawing/2014/main" id="{B68FE0D0-16C3-E124-A2FC-B275513DE36A}"/>
               </a:ext>
             </a:extLst>
           </p:cNvPr>
@@ -4688,7 +4808,7 @@
         <p:spPr>
           <a:xfrm>
             <a:off x="606552" y="1280160"/>
-            <a:ext cx="2443178" cy="4846320"/>
+            <a:ext cx="4287393" cy="4846320"/>
           </a:xfrm>
           <a:prstGeom prst="rect">
             <a:avLst/>
@@ -4862,10 +4982,9 @@
           </a:lstStyle>
           <a:p>
             <a:r>
-              <a:rPr lang="en-US" dirty="0" err="1"/>
-              <a:t>TaskList</a:t>
-            </a:r>
-            <a:endParaRPr lang="en-US" dirty="0"/>
+              <a:rPr lang="en-US" dirty="0"/>
+              <a:t>User</a:t>
+            </a:r>
           </a:p>
           <a:p>
             <a:pPr marL="342900" indent="-342900">
@@ -4874,7 +4993,7 @@
             </a:pPr>
             <a:r>
               <a:rPr lang="en-US" dirty="0" err="1"/>
-              <a:t>taskList</a:t>
+              <a:t>TaskList</a:t>
             </a:r>
             <a:endParaRPr lang="en-US" dirty="0"/>
           </a:p>
@@ -4885,7 +5004,7 @@
             </a:pPr>
             <a:r>
               <a:rPr lang="en-US" dirty="0"/>
-              <a:t>Task</a:t>
+              <a:t>Objectives</a:t>
             </a:r>
           </a:p>
           <a:p>
@@ -4894,10 +5013,9 @@
               <a:buChar char="•"/>
             </a:pPr>
             <a:r>
-              <a:rPr lang="en-US" dirty="0" err="1"/>
-              <a:t>SubTask</a:t>
-            </a:r>
-            <a:endParaRPr lang="en-US" dirty="0"/>
+              <a:rPr lang="en-US" dirty="0"/>
+              <a:t>Inventory</a:t>
+            </a:r>
           </a:p>
           <a:p>
             <a:pPr marL="342900" indent="-342900">
@@ -4906,7 +5024,17 @@
             </a:pPr>
             <a:r>
               <a:rPr lang="en-US" dirty="0"/>
-              <a:t>Automatic ordering</a:t>
+              <a:t>Garden</a:t>
+            </a:r>
+          </a:p>
+          <a:p>
+            <a:pPr marL="342900" indent="-342900">
+              <a:buFont typeface="Arial" panose="020B0604020202020204" pitchFamily="34" charset="0"/>
+              <a:buChar char="•"/>
+            </a:pPr>
+            <a:r>
+              <a:rPr lang="en-US" dirty="0"/>
+              <a:t>Graphs</a:t>
             </a:r>
           </a:p>
         </p:txBody>
@@ -4916,7 +5044,7 @@
           <p:cNvPr id="4" name="Title 1">
             <a:extLst>
               <a:ext uri="{FF2B5EF4-FFF2-40B4-BE49-F238E27FC236}">
-                <a16:creationId xmlns:a16="http://schemas.microsoft.com/office/drawing/2014/main" id="{5512A021-0025-7751-38A1-DDF13E612D69}"/>
+                <a16:creationId xmlns:a16="http://schemas.microsoft.com/office/drawing/2014/main" id="{12082F37-22EF-B3CA-23D3-6A9A1230F89D}"/>
               </a:ext>
             </a:extLst>
           </p:cNvPr>
@@ -4966,7 +5094,7 @@
     </p:spTree>
     <p:extLst>
       <p:ext uri="{BB962C8B-B14F-4D97-AF65-F5344CB8AC3E}">
-        <p14:creationId xmlns:p14="http://schemas.microsoft.com/office/powerpoint/2010/main" val="3266450277"/>
+        <p14:creationId xmlns:p14="http://schemas.microsoft.com/office/powerpoint/2010/main" val="3493982357"/>
       </p:ext>
     </p:extLst>
   </p:cSld>
@@ -4976,7 +5104,7 @@
 </p:sld>
 </file>
 
-<file path=ppt/slides/slide11.xml><?xml version="1.0" encoding="utf-8"?>
+<file path=ppt/slides/slide12.xml><?xml version="1.0" encoding="utf-8"?>
 <p:sld xmlns:a="http://schemas.openxmlformats.org/drawingml/2006/main" xmlns:r="http://schemas.openxmlformats.org/officeDocument/2006/relationships" xmlns:p="http://schemas.openxmlformats.org/presentationml/2006/main">
   <p:cSld>
     <p:spTree>
@@ -4984,7 +5112,7 @@
         <p:cNvPr id="1" name="">
           <a:extLst>
             <a:ext uri="{FF2B5EF4-FFF2-40B4-BE49-F238E27FC236}">
-              <a16:creationId xmlns:a16="http://schemas.microsoft.com/office/drawing/2014/main" id="{E8E13915-A0B4-CCD3-1518-DEC7E3622625}"/>
+              <a16:creationId xmlns:a16="http://schemas.microsoft.com/office/drawing/2014/main" id="{FDA1F741-DBB6-67C7-2DAF-D2F48FFE9181}"/>
             </a:ext>
           </a:extLst>
         </p:cNvPr>
@@ -5004,7 +5132,7 @@
           <p:cNvPr id="3" name="Picture 2" descr="A white background with black text&#10;&#10;Description automatically generated">
             <a:extLst>
               <a:ext uri="{FF2B5EF4-FFF2-40B4-BE49-F238E27FC236}">
-                <a16:creationId xmlns:a16="http://schemas.microsoft.com/office/drawing/2014/main" id="{FE0858D8-8202-F540-9841-EE4C1245E90C}"/>
+                <a16:creationId xmlns:a16="http://schemas.microsoft.com/office/drawing/2014/main" id="{E1AFB45C-EEB8-EFE8-322B-FEA5D65E793E}"/>
               </a:ext>
             </a:extLst>
           </p:cNvPr>
@@ -5021,13 +5149,13 @@
               </a:ext>
             </a:extLst>
           </a:blip>
-          <a:srcRect l="937" t="74553" r="39856" b="-23167"/>
+          <a:srcRect l="44049" t="33600" r="-2343" b="-30190"/>
           <a:stretch/>
         </p:blipFill>
         <p:spPr>
           <a:xfrm>
-            <a:off x="606552" y="4238560"/>
-            <a:ext cx="9860280" cy="4277746"/>
+            <a:off x="3049730" y="0"/>
+            <a:ext cx="9708143" cy="8499226"/>
           </a:xfrm>
           <a:prstGeom prst="rect">
             <a:avLst/>
@@ -5042,7 +5170,7 @@
           <p:cNvPr id="2" name="Text Placeholder 3">
             <a:extLst>
               <a:ext uri="{FF2B5EF4-FFF2-40B4-BE49-F238E27FC236}">
-                <a16:creationId xmlns:a16="http://schemas.microsoft.com/office/drawing/2014/main" id="{600A5869-19A6-C031-7F1D-7707926B8CCF}"/>
+                <a16:creationId xmlns:a16="http://schemas.microsoft.com/office/drawing/2014/main" id="{7FE01F00-167A-91D2-3753-5C4DC6402C5E}"/>
               </a:ext>
             </a:extLst>
           </p:cNvPr>
@@ -5054,7 +5182,7 @@
         <p:spPr>
           <a:xfrm>
             <a:off x="606552" y="1280160"/>
-            <a:ext cx="5489448" cy="4846320"/>
+            <a:ext cx="2443178" cy="4846320"/>
           </a:xfrm>
           <a:prstGeom prst="rect">
             <a:avLst/>
@@ -5228,9 +5356,10 @@
           </a:lstStyle>
           <a:p>
             <a:r>
-              <a:rPr lang="en-US" dirty="0"/>
-              <a:t>Graphs</a:t>
-            </a:r>
+              <a:rPr lang="en-US" dirty="0" err="1"/>
+              <a:t>TaskList</a:t>
+            </a:r>
+            <a:endParaRPr lang="en-US" dirty="0"/>
           </a:p>
           <a:p>
             <a:pPr marL="342900" indent="-342900">
@@ -5238,23 +5367,10 @@
               <a:buChar char="•"/>
             </a:pPr>
             <a:r>
-              <a:rPr lang="en-US" dirty="0"/>
-              <a:t>Daily Graph</a:t>
-            </a:r>
-          </a:p>
-          <a:p>
-            <a:pPr marL="1028700" lvl="1" indent="-342900"/>
-            <a:r>
-              <a:rPr lang="en-US" dirty="0"/>
-              <a:t>Specific items and types</a:t>
-            </a:r>
-          </a:p>
-          <a:p>
-            <a:pPr marL="1028700" lvl="1" indent="-342900"/>
-            <a:r>
-              <a:rPr lang="en-US" dirty="0"/>
-              <a:t>Displays info over last 7 days</a:t>
-            </a:r>
+              <a:rPr lang="en-US" dirty="0" err="1"/>
+              <a:t>taskList</a:t>
+            </a:r>
+            <a:endParaRPr lang="en-US" dirty="0"/>
           </a:p>
           <a:p>
             <a:pPr marL="342900" indent="-342900">
@@ -5263,21 +5379,28 @@
             </a:pPr>
             <a:r>
               <a:rPr lang="en-US" dirty="0"/>
-              <a:t>Weekly Graph</a:t>
-            </a:r>
-          </a:p>
-          <a:p>
-            <a:pPr marL="1028700" lvl="1" indent="-342900"/>
+              <a:t>Task</a:t>
+            </a:r>
+          </a:p>
+          <a:p>
+            <a:pPr marL="342900" indent="-342900">
+              <a:buFont typeface="Arial" panose="020B0604020202020204" pitchFamily="34" charset="0"/>
+              <a:buChar char="•"/>
+            </a:pPr>
+            <a:r>
+              <a:rPr lang="en-US" dirty="0" err="1"/>
+              <a:t>SubTask</a:t>
+            </a:r>
+            <a:endParaRPr lang="en-US" dirty="0"/>
+          </a:p>
+          <a:p>
+            <a:pPr marL="342900" indent="-342900">
+              <a:buFont typeface="Arial" panose="020B0604020202020204" pitchFamily="34" charset="0"/>
+              <a:buChar char="•"/>
+            </a:pPr>
             <a:r>
               <a:rPr lang="en-US" dirty="0"/>
-              <a:t>Amount of time worked per week</a:t>
-            </a:r>
-          </a:p>
-          <a:p>
-            <a:pPr marL="1028700" lvl="1" indent="-342900"/>
-            <a:r>
-              <a:rPr lang="en-US" dirty="0"/>
-              <a:t>Displays info over past 52 weeks</a:t>
+              <a:t>Automatic ordering</a:t>
             </a:r>
           </a:p>
         </p:txBody>
@@ -5287,7 +5410,7 @@
           <p:cNvPr id="4" name="Title 1">
             <a:extLst>
               <a:ext uri="{FF2B5EF4-FFF2-40B4-BE49-F238E27FC236}">
-                <a16:creationId xmlns:a16="http://schemas.microsoft.com/office/drawing/2014/main" id="{2DD77A84-BE98-92D0-4CD0-4683591F3007}"/>
+                <a16:creationId xmlns:a16="http://schemas.microsoft.com/office/drawing/2014/main" id="{5512A021-0025-7751-38A1-DDF13E612D69}"/>
               </a:ext>
             </a:extLst>
           </p:cNvPr>
@@ -5337,7 +5460,7 @@
     </p:spTree>
     <p:extLst>
       <p:ext uri="{BB962C8B-B14F-4D97-AF65-F5344CB8AC3E}">
-        <p14:creationId xmlns:p14="http://schemas.microsoft.com/office/powerpoint/2010/main" val="2351279164"/>
+        <p14:creationId xmlns:p14="http://schemas.microsoft.com/office/powerpoint/2010/main" val="3266450277"/>
       </p:ext>
     </p:extLst>
   </p:cSld>
@@ -5347,7 +5470,7 @@
 </p:sld>
 </file>
 
-<file path=ppt/slides/slide12.xml><?xml version="1.0" encoding="utf-8"?>
+<file path=ppt/slides/slide13.xml><?xml version="1.0" encoding="utf-8"?>
 <p:sld xmlns:a="http://schemas.openxmlformats.org/drawingml/2006/main" xmlns:r="http://schemas.openxmlformats.org/officeDocument/2006/relationships" xmlns:p="http://schemas.openxmlformats.org/presentationml/2006/main">
   <p:cSld>
     <p:spTree>
@@ -5355,7 +5478,7 @@
         <p:cNvPr id="1" name="">
           <a:extLst>
             <a:ext uri="{FF2B5EF4-FFF2-40B4-BE49-F238E27FC236}">
-              <a16:creationId xmlns:a16="http://schemas.microsoft.com/office/drawing/2014/main" id="{F9AF34C9-5700-4FAF-B59B-9BE8626A3F85}"/>
+              <a16:creationId xmlns:a16="http://schemas.microsoft.com/office/drawing/2014/main" id="{E8E13915-A0B4-CCD3-1518-DEC7E3622625}"/>
             </a:ext>
           </a:extLst>
         </p:cNvPr>
@@ -5375,7 +5498,7 @@
           <p:cNvPr id="3" name="Picture 2" descr="A white background with black text&#10;&#10;Description automatically generated">
             <a:extLst>
               <a:ext uri="{FF2B5EF4-FFF2-40B4-BE49-F238E27FC236}">
-                <a16:creationId xmlns:a16="http://schemas.microsoft.com/office/drawing/2014/main" id="{9B56E25E-932D-C758-3188-30F938AD2EFC}"/>
+                <a16:creationId xmlns:a16="http://schemas.microsoft.com/office/drawing/2014/main" id="{FE0858D8-8202-F540-9841-EE4C1245E90C}"/>
               </a:ext>
             </a:extLst>
           </p:cNvPr>
@@ -5392,13 +5515,13 @@
               </a:ext>
             </a:extLst>
           </a:blip>
-          <a:srcRect l="-11417" t="27192" r="68132" b="27431"/>
+          <a:srcRect l="937" t="74553" r="39856" b="-23167"/>
           <a:stretch/>
         </p:blipFill>
         <p:spPr>
           <a:xfrm>
-            <a:off x="606552" y="320040"/>
-            <a:ext cx="11803263" cy="6537960"/>
+            <a:off x="606552" y="4238560"/>
+            <a:ext cx="9860280" cy="4277746"/>
           </a:xfrm>
           <a:prstGeom prst="rect">
             <a:avLst/>
@@ -5413,7 +5536,7 @@
           <p:cNvPr id="2" name="Text Placeholder 3">
             <a:extLst>
               <a:ext uri="{FF2B5EF4-FFF2-40B4-BE49-F238E27FC236}">
-                <a16:creationId xmlns:a16="http://schemas.microsoft.com/office/drawing/2014/main" id="{2858424F-55B1-0247-10A5-E8EA40ECB7ED}"/>
+                <a16:creationId xmlns:a16="http://schemas.microsoft.com/office/drawing/2014/main" id="{600A5869-19A6-C031-7F1D-7707926B8CCF}"/>
               </a:ext>
             </a:extLst>
           </p:cNvPr>
@@ -5425,7 +5548,7 @@
         <p:spPr>
           <a:xfrm>
             <a:off x="606552" y="1280160"/>
-            <a:ext cx="3609848" cy="4846320"/>
+            <a:ext cx="5489448" cy="4846320"/>
           </a:xfrm>
           <a:prstGeom prst="rect">
             <a:avLst/>
@@ -5600,7 +5723,7 @@
           <a:p>
             <a:r>
               <a:rPr lang="en-US" dirty="0"/>
-              <a:t>Objectives</a:t>
+              <a:t>Graphs</a:t>
             </a:r>
           </a:p>
           <a:p>
@@ -5610,7 +5733,21 @@
             </a:pPr>
             <a:r>
               <a:rPr lang="en-US" dirty="0"/>
-              <a:t>Weekly Objectives</a:t>
+              <a:t>Daily Graph</a:t>
+            </a:r>
+          </a:p>
+          <a:p>
+            <a:pPr marL="1028700" lvl="1" indent="-342900"/>
+            <a:r>
+              <a:rPr lang="en-US" dirty="0"/>
+              <a:t>Specific items and types</a:t>
+            </a:r>
+          </a:p>
+          <a:p>
+            <a:pPr marL="1028700" lvl="1" indent="-342900"/>
+            <a:r>
+              <a:rPr lang="en-US" dirty="0"/>
+              <a:t>Displays info over last 7 days</a:t>
             </a:r>
           </a:p>
           <a:p>
@@ -5620,7 +5757,21 @@
             </a:pPr>
             <a:r>
               <a:rPr lang="en-US" dirty="0"/>
-              <a:t>Daily Objectives</a:t>
+              <a:t>Weekly Graph</a:t>
+            </a:r>
+          </a:p>
+          <a:p>
+            <a:pPr marL="1028700" lvl="1" indent="-342900"/>
+            <a:r>
+              <a:rPr lang="en-US" dirty="0"/>
+              <a:t>Amount of time worked per week</a:t>
+            </a:r>
+          </a:p>
+          <a:p>
+            <a:pPr marL="1028700" lvl="1" indent="-342900"/>
+            <a:r>
+              <a:rPr lang="en-US" dirty="0"/>
+              <a:t>Displays info over past 52 weeks</a:t>
             </a:r>
           </a:p>
         </p:txBody>
@@ -5630,7 +5781,7 @@
           <p:cNvPr id="4" name="Title 1">
             <a:extLst>
               <a:ext uri="{FF2B5EF4-FFF2-40B4-BE49-F238E27FC236}">
-                <a16:creationId xmlns:a16="http://schemas.microsoft.com/office/drawing/2014/main" id="{284B7D0B-84D0-A1DD-AEFD-EDC4A9402988}"/>
+                <a16:creationId xmlns:a16="http://schemas.microsoft.com/office/drawing/2014/main" id="{2DD77A84-BE98-92D0-4CD0-4683591F3007}"/>
               </a:ext>
             </a:extLst>
           </p:cNvPr>
@@ -5680,7 +5831,7 @@
     </p:spTree>
     <p:extLst>
       <p:ext uri="{BB962C8B-B14F-4D97-AF65-F5344CB8AC3E}">
-        <p14:creationId xmlns:p14="http://schemas.microsoft.com/office/powerpoint/2010/main" val="2092714641"/>
+        <p14:creationId xmlns:p14="http://schemas.microsoft.com/office/powerpoint/2010/main" val="2351279164"/>
       </p:ext>
     </p:extLst>
   </p:cSld>
@@ -5690,7 +5841,7 @@
 </p:sld>
 </file>
 
-<file path=ppt/slides/slide13.xml><?xml version="1.0" encoding="utf-8"?>
+<file path=ppt/slides/slide14.xml><?xml version="1.0" encoding="utf-8"?>
 <p:sld xmlns:a="http://schemas.openxmlformats.org/drawingml/2006/main" xmlns:r="http://schemas.openxmlformats.org/officeDocument/2006/relationships" xmlns:p="http://schemas.openxmlformats.org/presentationml/2006/main">
   <p:cSld>
     <p:spTree>
@@ -5698,7 +5849,7 @@
         <p:cNvPr id="1" name="">
           <a:extLst>
             <a:ext uri="{FF2B5EF4-FFF2-40B4-BE49-F238E27FC236}">
-              <a16:creationId xmlns:a16="http://schemas.microsoft.com/office/drawing/2014/main" id="{826C9B89-9610-4C62-AFF6-9C9E42A04202}"/>
+              <a16:creationId xmlns:a16="http://schemas.microsoft.com/office/drawing/2014/main" id="{F9AF34C9-5700-4FAF-B59B-9BE8626A3F85}"/>
             </a:ext>
           </a:extLst>
         </p:cNvPr>
@@ -5718,7 +5869,7 @@
           <p:cNvPr id="3" name="Picture 2" descr="A white background with black text&#10;&#10;Description automatically generated">
             <a:extLst>
               <a:ext uri="{FF2B5EF4-FFF2-40B4-BE49-F238E27FC236}">
-                <a16:creationId xmlns:a16="http://schemas.microsoft.com/office/drawing/2014/main" id="{389D95D3-2054-204B-47F0-FB248C5AFB48}"/>
+                <a16:creationId xmlns:a16="http://schemas.microsoft.com/office/drawing/2014/main" id="{9B56E25E-932D-C758-3188-30F938AD2EFC}"/>
               </a:ext>
             </a:extLst>
           </p:cNvPr>
@@ -5735,13 +5886,13 @@
               </a:ext>
             </a:extLst>
           </a:blip>
-          <a:srcRect l="-853" t="-10144" r="39030" b="63816"/>
+          <a:srcRect l="-11417" t="27192" r="68132" b="27431"/>
           <a:stretch/>
         </p:blipFill>
         <p:spPr>
           <a:xfrm>
-            <a:off x="515112" y="2193337"/>
-            <a:ext cx="11602341" cy="4593948"/>
+            <a:off x="606552" y="320040"/>
+            <a:ext cx="11803263" cy="6537960"/>
           </a:xfrm>
           <a:prstGeom prst="rect">
             <a:avLst/>
@@ -5756,7 +5907,7 @@
           <p:cNvPr id="2" name="Text Placeholder 3">
             <a:extLst>
               <a:ext uri="{FF2B5EF4-FFF2-40B4-BE49-F238E27FC236}">
-                <a16:creationId xmlns:a16="http://schemas.microsoft.com/office/drawing/2014/main" id="{72674073-C5E6-F6F9-1517-A8CC7DF85BB0}"/>
+                <a16:creationId xmlns:a16="http://schemas.microsoft.com/office/drawing/2014/main" id="{2858424F-55B1-0247-10A5-E8EA40ECB7ED}"/>
               </a:ext>
             </a:extLst>
           </p:cNvPr>
@@ -5943,7 +6094,7 @@
           <a:p>
             <a:r>
               <a:rPr lang="en-US" dirty="0"/>
-              <a:t>Garden</a:t>
+              <a:t>Objectives</a:t>
             </a:r>
           </a:p>
           <a:p>
@@ -5953,7 +6104,7 @@
             </a:pPr>
             <a:r>
               <a:rPr lang="en-US" dirty="0"/>
-              <a:t>Inventory</a:t>
+              <a:t>Weekly Objectives</a:t>
             </a:r>
           </a:p>
           <a:p>
@@ -5963,18 +6114,7 @@
             </a:pPr>
             <a:r>
               <a:rPr lang="en-US" dirty="0"/>
-              <a:t>Garden display</a:t>
-            </a:r>
-          </a:p>
-          <a:p>
-            <a:pPr marL="1028700" lvl="1" indent="-342900"/>
-            <a:r>
-              <a:rPr lang="en-US" dirty="0" err="1"/>
-              <a:t>Xp</a:t>
-            </a:r>
-            <a:r>
-              <a:rPr lang="en-US" dirty="0"/>
-              <a:t> multiplier</a:t>
+              <a:t>Daily Objectives</a:t>
             </a:r>
           </a:p>
         </p:txBody>
@@ -5984,7 +6124,7 @@
           <p:cNvPr id="4" name="Title 1">
             <a:extLst>
               <a:ext uri="{FF2B5EF4-FFF2-40B4-BE49-F238E27FC236}">
-                <a16:creationId xmlns:a16="http://schemas.microsoft.com/office/drawing/2014/main" id="{7396B0F0-2C13-C8FC-172A-79C43839A910}"/>
+                <a16:creationId xmlns:a16="http://schemas.microsoft.com/office/drawing/2014/main" id="{284B7D0B-84D0-A1DD-AEFD-EDC4A9402988}"/>
               </a:ext>
             </a:extLst>
           </p:cNvPr>
@@ -6034,7 +6174,7 @@
     </p:spTree>
     <p:extLst>
       <p:ext uri="{BB962C8B-B14F-4D97-AF65-F5344CB8AC3E}">
-        <p14:creationId xmlns:p14="http://schemas.microsoft.com/office/powerpoint/2010/main" val="75662964"/>
+        <p14:creationId xmlns:p14="http://schemas.microsoft.com/office/powerpoint/2010/main" val="2092714641"/>
       </p:ext>
     </p:extLst>
   </p:cSld>
@@ -6044,1533 +6184,7 @@
 </p:sld>
 </file>
 
-<file path=ppt/slides/slide2.xml><?xml version="1.0" encoding="utf-8"?>
-<p:sld xmlns:a="http://schemas.openxmlformats.org/drawingml/2006/main" xmlns:r="http://schemas.openxmlformats.org/officeDocument/2006/relationships" xmlns:p="http://schemas.openxmlformats.org/presentationml/2006/main">
-  <p:cSld>
-    <p:bg>
-      <p:bgPr>
-        <a:solidFill>
-          <a:schemeClr val="bg1"/>
-        </a:solidFill>
-        <a:effectLst/>
-      </p:bgPr>
-    </p:bg>
-    <p:spTree>
-      <p:nvGrpSpPr>
-        <p:cNvPr id="1" name=""/>
-        <p:cNvGrpSpPr/>
-        <p:nvPr/>
-      </p:nvGrpSpPr>
-      <p:grpSpPr>
-        <a:xfrm>
-          <a:off x="0" y="0"/>
-          <a:ext cx="0" cy="0"/>
-          <a:chOff x="0" y="0"/>
-          <a:chExt cx="0" cy="0"/>
-        </a:xfrm>
-      </p:grpSpPr>
-      <p:sp useBgFill="1">
-        <p:nvSpPr>
-          <p:cNvPr id="38" name="Rectangle 37">
-            <a:extLst>
-              <a:ext uri="{FF2B5EF4-FFF2-40B4-BE49-F238E27FC236}">
-                <a16:creationId xmlns:a16="http://schemas.microsoft.com/office/drawing/2014/main" id="{92B0CFF1-78D7-4A83-A95E-71F9E3831622}"/>
-              </a:ext>
-              <a:ext uri="{C183D7F6-B498-43B3-948B-1728B52AA6E4}">
-                <adec:decorative xmlns:adec="http://schemas.microsoft.com/office/drawing/2017/decorative" val="1"/>
-              </a:ext>
-            </a:extLst>
-          </p:cNvPr>
-          <p:cNvSpPr>
-            <a:spLocks noGrp="1" noRot="1" noChangeAspect="1" noMove="1" noResize="1" noEditPoints="1" noAdjustHandles="1" noChangeArrowheads="1" noChangeShapeType="1" noTextEdit="1"/>
-          </p:cNvSpPr>
-          <p:nvPr>
-            <p:extLst>
-              <p:ext uri="{386F3935-93C4-4BCD-93E2-E3B085C9AB24}">
-                <p16:designElem xmlns:p16="http://schemas.microsoft.com/office/powerpoint/2015/main" val="1"/>
-              </p:ext>
-            </p:extLst>
-          </p:nvPr>
-        </p:nvSpPr>
-        <p:spPr>
-          <a:xfrm>
-            <a:off x="0" y="0"/>
-            <a:ext cx="12192000" cy="6858001"/>
-          </a:xfrm>
-          <a:prstGeom prst="rect">
-            <a:avLst/>
-          </a:prstGeom>
-          <a:ln>
-            <a:noFill/>
-          </a:ln>
-        </p:spPr>
-        <p:style>
-          <a:lnRef idx="2">
-            <a:schemeClr val="accent1">
-              <a:shade val="50000"/>
-            </a:schemeClr>
-          </a:lnRef>
-          <a:fillRef idx="1">
-            <a:schemeClr val="accent1"/>
-          </a:fillRef>
-          <a:effectRef idx="0">
-            <a:schemeClr val="accent1"/>
-          </a:effectRef>
-          <a:fontRef idx="minor">
-            <a:schemeClr val="lt1"/>
-          </a:fontRef>
-        </p:style>
-        <p:txBody>
-          <a:bodyPr rtlCol="0" anchor="ctr"/>
-          <a:lstStyle/>
-          <a:p>
-            <a:pPr algn="ctr"/>
-            <a:endParaRPr lang="en-US"/>
-          </a:p>
-        </p:txBody>
-      </p:sp>
-      <p:sp>
-        <p:nvSpPr>
-          <p:cNvPr id="40" name="Rectangle 39">
-            <a:extLst>
-              <a:ext uri="{FF2B5EF4-FFF2-40B4-BE49-F238E27FC236}">
-                <a16:creationId xmlns:a16="http://schemas.microsoft.com/office/drawing/2014/main" id="{C34B9DE3-1715-4EE3-99FA-C9BC12F5DBA1}"/>
-              </a:ext>
-              <a:ext uri="{C183D7F6-B498-43B3-948B-1728B52AA6E4}">
-                <adec:decorative xmlns:adec="http://schemas.microsoft.com/office/drawing/2017/decorative" val="1"/>
-              </a:ext>
-            </a:extLst>
-          </p:cNvPr>
-          <p:cNvSpPr>
-            <a:spLocks noGrp="1" noRot="1" noChangeAspect="1" noMove="1" noResize="1" noEditPoints="1" noAdjustHandles="1" noChangeArrowheads="1" noChangeShapeType="1" noTextEdit="1"/>
-          </p:cNvSpPr>
-          <p:nvPr>
-            <p:extLst>
-              <p:ext uri="{386F3935-93C4-4BCD-93E2-E3B085C9AB24}">
-                <p16:designElem xmlns:p16="http://schemas.microsoft.com/office/powerpoint/2015/main" val="1"/>
-              </p:ext>
-            </p:extLst>
-          </p:nvPr>
-        </p:nvSpPr>
-        <p:spPr>
-          <a:xfrm>
-            <a:off x="0" y="0"/>
-            <a:ext cx="12192000" cy="6858001"/>
-          </a:xfrm>
-          <a:prstGeom prst="rect">
-            <a:avLst/>
-          </a:prstGeom>
-          <a:solidFill>
-            <a:srgbClr val="000000"/>
-          </a:solidFill>
-          <a:ln>
-            <a:noFill/>
-          </a:ln>
-        </p:spPr>
-        <p:style>
-          <a:lnRef idx="2">
-            <a:schemeClr val="accent1">
-              <a:shade val="50000"/>
-            </a:schemeClr>
-          </a:lnRef>
-          <a:fillRef idx="1">
-            <a:schemeClr val="accent1"/>
-          </a:fillRef>
-          <a:effectRef idx="0">
-            <a:schemeClr val="accent1"/>
-          </a:effectRef>
-          <a:fontRef idx="minor">
-            <a:schemeClr val="lt1"/>
-          </a:fontRef>
-        </p:style>
-        <p:txBody>
-          <a:bodyPr rtlCol="0" anchor="ctr"/>
-          <a:lstStyle/>
-          <a:p>
-            <a:pPr algn="ctr"/>
-            <a:endParaRPr lang="en-US"/>
-          </a:p>
-        </p:txBody>
-      </p:sp>
-      <p:pic>
-        <p:nvPicPr>
-          <p:cNvPr id="4" name="Content Placeholder 3" descr="A child writing the word 100% on a blackboard">
-            <a:extLst>
-              <a:ext uri="{FF2B5EF4-FFF2-40B4-BE49-F238E27FC236}">
-                <a16:creationId xmlns:a16="http://schemas.microsoft.com/office/drawing/2014/main" id="{23CF51F9-FFC4-D0B9-9BD1-A5A4E8E41BE5}"/>
-              </a:ext>
-            </a:extLst>
-          </p:cNvPr>
-          <p:cNvPicPr>
-            <a:picLocks noChangeAspect="1"/>
-          </p:cNvPicPr>
-          <p:nvPr/>
-        </p:nvPicPr>
-        <p:blipFill rotWithShape="1">
-          <a:blip r:embed="rId2">
-            <a:alphaModFix amt="40000"/>
-          </a:blip>
-          <a:srcRect t="13777" r="-1" b="1931"/>
-          <a:stretch/>
-        </p:blipFill>
-        <p:spPr>
-          <a:xfrm>
-            <a:off x="20" y="10"/>
-            <a:ext cx="12188932" cy="6857990"/>
-          </a:xfrm>
-          <a:prstGeom prst="rect">
-            <a:avLst/>
-          </a:prstGeom>
-        </p:spPr>
-      </p:pic>
-      <p:sp>
-        <p:nvSpPr>
-          <p:cNvPr id="2" name="Title 1">
-            <a:extLst>
-              <a:ext uri="{FF2B5EF4-FFF2-40B4-BE49-F238E27FC236}">
-                <a16:creationId xmlns:a16="http://schemas.microsoft.com/office/drawing/2014/main" id="{977B5CB5-BF8B-F13E-6EFE-0B3857090E44}"/>
-              </a:ext>
-            </a:extLst>
-          </p:cNvPr>
-          <p:cNvSpPr>
-            <a:spLocks noGrp="1"/>
-          </p:cNvSpPr>
-          <p:nvPr>
-            <p:ph type="title"/>
-          </p:nvPr>
-        </p:nvSpPr>
-        <p:spPr>
-          <a:xfrm>
-            <a:off x="482601" y="799418"/>
-            <a:ext cx="11148680" cy="2929357"/>
-          </a:xfrm>
-        </p:spPr>
-        <p:txBody>
-          <a:bodyPr anchor="t">
-            <a:normAutofit/>
-          </a:bodyPr>
-          <a:lstStyle/>
-          <a:p>
-            <a:pPr algn="ctr"/>
-            <a:r>
-              <a:rPr lang="en-US" dirty="0">
-                <a:solidFill>
-                  <a:srgbClr val="FFFFFF"/>
-                </a:solidFill>
-              </a:rPr>
-              <a:t>Discussion Outline</a:t>
-            </a:r>
-            <a:endParaRPr lang="en-US">
-              <a:solidFill>
-                <a:srgbClr val="FFFFFF"/>
-              </a:solidFill>
-            </a:endParaRPr>
-          </a:p>
-        </p:txBody>
-      </p:sp>
-      <p:cxnSp>
-        <p:nvCxnSpPr>
-          <p:cNvPr id="42" name="Straight Connector 41">
-            <a:extLst>
-              <a:ext uri="{FF2B5EF4-FFF2-40B4-BE49-F238E27FC236}">
-                <a16:creationId xmlns:a16="http://schemas.microsoft.com/office/drawing/2014/main" id="{6108BD3D-CFD0-4A15-ACF6-EBC254CD7CF1}"/>
-              </a:ext>
-              <a:ext uri="{C183D7F6-B498-43B3-948B-1728B52AA6E4}">
-                <adec:decorative xmlns:adec="http://schemas.microsoft.com/office/drawing/2017/decorative" val="1"/>
-              </a:ext>
-            </a:extLst>
-          </p:cNvPr>
-          <p:cNvCxnSpPr>
-            <a:cxnSpLocks noGrp="1" noRot="1" noChangeAspect="1" noMove="1" noResize="1" noEditPoints="1" noAdjustHandles="1" noChangeArrowheads="1" noChangeShapeType="1"/>
-          </p:cNvCxnSpPr>
-          <p:nvPr>
-            <p:extLst>
-              <p:ext uri="{386F3935-93C4-4BCD-93E2-E3B085C9AB24}">
-                <p16:designElem xmlns:p16="http://schemas.microsoft.com/office/powerpoint/2015/main" val="1"/>
-              </p:ext>
-            </p:extLst>
-          </p:nvPr>
-        </p:nvCxnSpPr>
-        <p:spPr>
-          <a:xfrm>
-            <a:off x="482600" y="489855"/>
-            <a:ext cx="11147071" cy="0"/>
-          </a:xfrm>
-          <a:prstGeom prst="line">
-            <a:avLst/>
-          </a:prstGeom>
-          <a:ln w="28575">
-            <a:solidFill>
-              <a:srgbClr val="FFFFFF"/>
-            </a:solidFill>
-          </a:ln>
-        </p:spPr>
-        <p:style>
-          <a:lnRef idx="1">
-            <a:schemeClr val="dk1"/>
-          </a:lnRef>
-          <a:fillRef idx="0">
-            <a:schemeClr val="dk1"/>
-          </a:fillRef>
-          <a:effectRef idx="0">
-            <a:schemeClr val="dk1"/>
-          </a:effectRef>
-          <a:fontRef idx="minor">
-            <a:schemeClr val="tx1"/>
-          </a:fontRef>
-        </p:style>
-      </p:cxnSp>
-      <p:cxnSp>
-        <p:nvCxnSpPr>
-          <p:cNvPr id="44" name="Straight Connector 43">
-            <a:extLst>
-              <a:ext uri="{FF2B5EF4-FFF2-40B4-BE49-F238E27FC236}">
-                <a16:creationId xmlns:a16="http://schemas.microsoft.com/office/drawing/2014/main" id="{DB2019E5-6C31-4640-A135-6BBA7FFCF694}"/>
-              </a:ext>
-              <a:ext uri="{C183D7F6-B498-43B3-948B-1728B52AA6E4}">
-                <adec:decorative xmlns:adec="http://schemas.microsoft.com/office/drawing/2017/decorative" val="1"/>
-              </a:ext>
-            </a:extLst>
-          </p:cNvPr>
-          <p:cNvCxnSpPr>
-            <a:cxnSpLocks noGrp="1" noRot="1" noChangeAspect="1" noMove="1" noResize="1" noEditPoints="1" noAdjustHandles="1" noChangeArrowheads="1" noChangeShapeType="1"/>
-          </p:cNvCxnSpPr>
-          <p:nvPr>
-            <p:extLst>
-              <p:ext uri="{386F3935-93C4-4BCD-93E2-E3B085C9AB24}">
-                <p16:designElem xmlns:p16="http://schemas.microsoft.com/office/powerpoint/2015/main" val="1"/>
-              </p:ext>
-            </p:extLst>
-          </p:nvPr>
-        </p:nvCxnSpPr>
-        <p:spPr>
-          <a:xfrm>
-            <a:off x="482600" y="6368138"/>
-            <a:ext cx="11147071" cy="0"/>
-          </a:xfrm>
-          <a:prstGeom prst="line">
-            <a:avLst/>
-          </a:prstGeom>
-          <a:ln w="28575">
-            <a:solidFill>
-              <a:srgbClr val="FFFFFF"/>
-            </a:solidFill>
-          </a:ln>
-        </p:spPr>
-        <p:style>
-          <a:lnRef idx="1">
-            <a:schemeClr val="dk1"/>
-          </a:lnRef>
-          <a:fillRef idx="0">
-            <a:schemeClr val="dk1"/>
-          </a:fillRef>
-          <a:effectRef idx="0">
-            <a:schemeClr val="dk1"/>
-          </a:effectRef>
-          <a:fontRef idx="minor">
-            <a:schemeClr val="tx1"/>
-          </a:fontRef>
-        </p:style>
-      </p:cxnSp>
-      <p:sp>
-        <p:nvSpPr>
-          <p:cNvPr id="3" name="TextBox 2">
-            <a:extLst>
-              <a:ext uri="{FF2B5EF4-FFF2-40B4-BE49-F238E27FC236}">
-                <a16:creationId xmlns:a16="http://schemas.microsoft.com/office/drawing/2014/main" id="{75621B39-C22A-C90E-DB9B-1D3136CAF962}"/>
-              </a:ext>
-            </a:extLst>
-          </p:cNvPr>
-          <p:cNvSpPr txBox="1"/>
-          <p:nvPr/>
-        </p:nvSpPr>
-        <p:spPr>
-          <a:xfrm>
-            <a:off x="966095" y="2309128"/>
-            <a:ext cx="9554691" cy="3970318"/>
-          </a:xfrm>
-          <a:prstGeom prst="rect">
-            <a:avLst/>
-          </a:prstGeom>
-          <a:noFill/>
-        </p:spPr>
-        <p:txBody>
-          <a:bodyPr rot="0" spcFirstLastPara="0" vertOverflow="overflow" horzOverflow="overflow" vert="horz" wrap="square" lIns="91440" tIns="45720" rIns="91440" bIns="45720" numCol="1" spcCol="0" rtlCol="0" fromWordArt="0" anchor="t" anchorCtr="0" forceAA="0" compatLnSpc="1">
-            <a:prstTxWarp prst="textNoShape">
-              <a:avLst/>
-            </a:prstTxWarp>
-            <a:spAutoFit/>
-          </a:bodyPr>
-          <a:lstStyle/>
-          <a:p>
-            <a:pPr marL="514350" indent="-514350">
-              <a:buAutoNum type="arabicPeriod"/>
-            </a:pPr>
-            <a:r>
-              <a:rPr lang="en-US" sz="2800" dirty="0">
-                <a:solidFill>
-                  <a:schemeClr val="bg1"/>
-                </a:solidFill>
-                <a:latin typeface="Seaford Display"/>
-                <a:ea typeface="+mn-lt"/>
-                <a:cs typeface="+mn-lt"/>
-              </a:rPr>
-              <a:t>Introduction</a:t>
-            </a:r>
-          </a:p>
-          <a:p>
-            <a:pPr marL="514350" indent="-514350">
-              <a:buAutoNum type="arabicPeriod"/>
-            </a:pPr>
-            <a:endParaRPr lang="en-US" sz="2800">
-              <a:solidFill>
-                <a:schemeClr val="bg1"/>
-              </a:solidFill>
-              <a:latin typeface="Seaford Display"/>
-              <a:cs typeface="Arial"/>
-            </a:endParaRPr>
-          </a:p>
-          <a:p>
-            <a:pPr marL="514350" indent="-514350">
-              <a:buFontTx/>
-              <a:buAutoNum type="arabicPeriod"/>
-            </a:pPr>
-            <a:r>
-              <a:rPr lang="en-US" sz="2800" dirty="0">
-                <a:solidFill>
-                  <a:schemeClr val="bg1"/>
-                </a:solidFill>
-                <a:latin typeface="Seaford Display"/>
-                <a:cs typeface="Arial"/>
-              </a:rPr>
-              <a:t>Block Diagram </a:t>
-            </a:r>
-          </a:p>
-          <a:p>
-            <a:pPr marL="342900" indent="-342900">
-              <a:buFontTx/>
-              <a:buAutoNum type="arabicPeriod"/>
-            </a:pPr>
-            <a:endParaRPr lang="en-US" sz="2800">
-              <a:solidFill>
-                <a:srgbClr val="000000"/>
-              </a:solidFill>
-              <a:latin typeface="Seaford Display"/>
-              <a:cs typeface="Arial"/>
-            </a:endParaRPr>
-          </a:p>
-          <a:p>
-            <a:pPr marL="514350" indent="-514350">
-              <a:buFontTx/>
-              <a:buAutoNum type="arabicPeriod"/>
-            </a:pPr>
-            <a:r>
-              <a:rPr lang="en-US" sz="2800" dirty="0">
-                <a:solidFill>
-                  <a:schemeClr val="bg1"/>
-                </a:solidFill>
-                <a:latin typeface="Seaford Display"/>
-                <a:cs typeface="Arial"/>
-              </a:rPr>
-              <a:t>Message and Storage (Server Interaction)</a:t>
-            </a:r>
-          </a:p>
-          <a:p>
-            <a:pPr marL="342900" indent="-342900">
-              <a:buFontTx/>
-              <a:buAutoNum type="arabicPeriod"/>
-            </a:pPr>
-            <a:endParaRPr lang="en-US" sz="2800">
-              <a:solidFill>
-                <a:srgbClr val="000000"/>
-              </a:solidFill>
-              <a:latin typeface="Seaford Display"/>
-              <a:cs typeface="Arial"/>
-            </a:endParaRPr>
-          </a:p>
-          <a:p>
-            <a:pPr marL="514350" indent="-514350">
-              <a:buFontTx/>
-              <a:buAutoNum type="arabicPeriod"/>
-            </a:pPr>
-            <a:r>
-              <a:rPr lang="en-US" sz="2800" dirty="0">
-                <a:solidFill>
-                  <a:schemeClr val="bg1"/>
-                </a:solidFill>
-                <a:latin typeface="Seaford Display"/>
-                <a:cs typeface="Arial"/>
-              </a:rPr>
-              <a:t>Component diagram and Feature List </a:t>
-            </a:r>
-          </a:p>
-          <a:p>
-            <a:pPr marL="342900" indent="-342900">
-              <a:buFontTx/>
-              <a:buAutoNum type="arabicPeriod"/>
-            </a:pPr>
-            <a:endParaRPr lang="en-US" sz="2800">
-              <a:solidFill>
-                <a:srgbClr val="000000"/>
-              </a:solidFill>
-              <a:latin typeface="Seaford Display"/>
-              <a:cs typeface="Arial"/>
-            </a:endParaRPr>
-          </a:p>
-          <a:p>
-            <a:pPr marL="514350" indent="-514350">
-              <a:buFontTx/>
-              <a:buAutoNum type="arabicPeriod"/>
-            </a:pPr>
-            <a:r>
-              <a:rPr lang="en-US" sz="2800" dirty="0">
-                <a:solidFill>
-                  <a:schemeClr val="bg1"/>
-                </a:solidFill>
-                <a:latin typeface="Seaford Display"/>
-                <a:cs typeface="Arial"/>
-              </a:rPr>
-              <a:t>Storyboard </a:t>
-            </a:r>
-          </a:p>
-        </p:txBody>
-      </p:sp>
-    </p:spTree>
-    <p:extLst>
-      <p:ext uri="{BB962C8B-B14F-4D97-AF65-F5344CB8AC3E}">
-        <p14:creationId xmlns:p14="http://schemas.microsoft.com/office/powerpoint/2010/main" val="148982682"/>
-      </p:ext>
-    </p:extLst>
-  </p:cSld>
-  <p:clrMapOvr>
-    <a:masterClrMapping/>
-  </p:clrMapOvr>
-</p:sld>
-</file>
-
-<file path=ppt/slides/slide3.xml><?xml version="1.0" encoding="utf-8"?>
-<p:sld xmlns:a="http://schemas.openxmlformats.org/drawingml/2006/main" xmlns:r="http://schemas.openxmlformats.org/officeDocument/2006/relationships" xmlns:p="http://schemas.openxmlformats.org/presentationml/2006/main">
-  <p:cSld>
-    <p:bg>
-      <p:bgPr>
-        <a:blipFill>
-          <a:blip r:embed="rId2"/>
-          <a:stretch>
-            <a:fillRect t="-9000" b="-9000"/>
-          </a:stretch>
-        </a:blipFill>
-        <a:effectLst/>
-      </p:bgPr>
-    </p:bg>
-    <p:spTree>
-      <p:nvGrpSpPr>
-        <p:cNvPr id="1" name=""/>
-        <p:cNvGrpSpPr/>
-        <p:nvPr/>
-      </p:nvGrpSpPr>
-      <p:grpSpPr>
-        <a:xfrm>
-          <a:off x="0" y="0"/>
-          <a:ext cx="0" cy="0"/>
-          <a:chOff x="0" y="0"/>
-          <a:chExt cx="0" cy="0"/>
-        </a:xfrm>
-      </p:grpSpPr>
-      <p:sp useBgFill="1">
-        <p:nvSpPr>
-          <p:cNvPr id="73" name="Rectangle 72">
-            <a:extLst>
-              <a:ext uri="{FF2B5EF4-FFF2-40B4-BE49-F238E27FC236}">
-                <a16:creationId xmlns:a16="http://schemas.microsoft.com/office/drawing/2014/main" id="{92B0CFF1-78D7-4A83-A95E-71F9E3831622}"/>
-              </a:ext>
-              <a:ext uri="{C183D7F6-B498-43B3-948B-1728B52AA6E4}">
-                <adec:decorative xmlns:adec="http://schemas.microsoft.com/office/drawing/2017/decorative" val="1"/>
-              </a:ext>
-            </a:extLst>
-          </p:cNvPr>
-          <p:cNvSpPr>
-            <a:spLocks noGrp="1" noRot="1" noChangeAspect="1" noMove="1" noResize="1" noEditPoints="1" noAdjustHandles="1" noChangeArrowheads="1" noChangeShapeType="1" noTextEdit="1"/>
-          </p:cNvSpPr>
-          <p:nvPr>
-            <p:extLst>
-              <p:ext uri="{386F3935-93C4-4BCD-93E2-E3B085C9AB24}">
-                <p16:designElem xmlns:p16="http://schemas.microsoft.com/office/powerpoint/2015/main" val="1"/>
-              </p:ext>
-            </p:extLst>
-          </p:nvPr>
-        </p:nvSpPr>
-        <p:spPr>
-          <a:xfrm>
-            <a:off x="0" y="0"/>
-            <a:ext cx="12192000" cy="6858001"/>
-          </a:xfrm>
-          <a:prstGeom prst="rect">
-            <a:avLst/>
-          </a:prstGeom>
-          <a:ln>
-            <a:noFill/>
-          </a:ln>
-        </p:spPr>
-        <p:style>
-          <a:lnRef idx="2">
-            <a:schemeClr val="accent1">
-              <a:shade val="50000"/>
-            </a:schemeClr>
-          </a:lnRef>
-          <a:fillRef idx="1">
-            <a:schemeClr val="accent1"/>
-          </a:fillRef>
-          <a:effectRef idx="0">
-            <a:schemeClr val="accent1"/>
-          </a:effectRef>
-          <a:fontRef idx="minor">
-            <a:schemeClr val="lt1"/>
-          </a:fontRef>
-        </p:style>
-        <p:txBody>
-          <a:bodyPr rtlCol="0" anchor="ctr"/>
-          <a:lstStyle/>
-          <a:p>
-            <a:pPr algn="ctr"/>
-            <a:endParaRPr lang="en-US" dirty="0"/>
-          </a:p>
-        </p:txBody>
-      </p:sp>
-      <p:sp>
-        <p:nvSpPr>
-          <p:cNvPr id="74" name="Rectangle 73">
-            <a:extLst>
-              <a:ext uri="{FF2B5EF4-FFF2-40B4-BE49-F238E27FC236}">
-                <a16:creationId xmlns:a16="http://schemas.microsoft.com/office/drawing/2014/main" id="{C12927E5-081D-440D-A775-C0AE9DA1E3EC}"/>
-              </a:ext>
-              <a:ext uri="{C183D7F6-B498-43B3-948B-1728B52AA6E4}">
-                <adec:decorative xmlns:adec="http://schemas.microsoft.com/office/drawing/2017/decorative" val="1"/>
-              </a:ext>
-            </a:extLst>
-          </p:cNvPr>
-          <p:cNvSpPr>
-            <a:spLocks noGrp="1" noRot="1" noChangeAspect="1" noMove="1" noResize="1" noEditPoints="1" noAdjustHandles="1" noChangeArrowheads="1" noChangeShapeType="1" noTextEdit="1"/>
-          </p:cNvSpPr>
-          <p:nvPr>
-            <p:extLst>
-              <p:ext uri="{386F3935-93C4-4BCD-93E2-E3B085C9AB24}">
-                <p16:designElem xmlns:p16="http://schemas.microsoft.com/office/powerpoint/2015/main" val="1"/>
-              </p:ext>
-            </p:extLst>
-          </p:nvPr>
-        </p:nvSpPr>
-        <p:spPr>
-          <a:xfrm>
-            <a:off x="481007" y="489856"/>
-            <a:ext cx="11147071" cy="1476642"/>
-          </a:xfrm>
-          <a:prstGeom prst="rect">
-            <a:avLst/>
-          </a:prstGeom>
-          <a:solidFill>
-            <a:schemeClr val="accent1">
-              <a:alpha val="10000"/>
-            </a:schemeClr>
-          </a:solidFill>
-          <a:ln>
-            <a:noFill/>
-          </a:ln>
-        </p:spPr>
-        <p:style>
-          <a:lnRef idx="2">
-            <a:schemeClr val="accent1">
-              <a:shade val="50000"/>
-            </a:schemeClr>
-          </a:lnRef>
-          <a:fillRef idx="1">
-            <a:schemeClr val="accent1"/>
-          </a:fillRef>
-          <a:effectRef idx="0">
-            <a:schemeClr val="accent1"/>
-          </a:effectRef>
-          <a:fontRef idx="minor">
-            <a:schemeClr val="lt1"/>
-          </a:fontRef>
-        </p:style>
-        <p:txBody>
-          <a:bodyPr rtlCol="0" anchor="ctr"/>
-          <a:lstStyle/>
-          <a:p>
-            <a:pPr algn="ctr"/>
-            <a:endParaRPr lang="en-US"/>
-          </a:p>
-        </p:txBody>
-      </p:sp>
-      <p:sp>
-        <p:nvSpPr>
-          <p:cNvPr id="2" name="Title 1">
-            <a:extLst>
-              <a:ext uri="{FF2B5EF4-FFF2-40B4-BE49-F238E27FC236}">
-                <a16:creationId xmlns:a16="http://schemas.microsoft.com/office/drawing/2014/main" id="{977B5CB5-BF8B-F13E-6EFE-0B3857090E44}"/>
-              </a:ext>
-            </a:extLst>
-          </p:cNvPr>
-          <p:cNvSpPr>
-            <a:spLocks noGrp="1"/>
-          </p:cNvSpPr>
-          <p:nvPr>
-            <p:ph type="title"/>
-          </p:nvPr>
-        </p:nvSpPr>
-        <p:spPr>
-          <a:xfrm>
-            <a:off x="482601" y="721946"/>
-            <a:ext cx="10813250" cy="1022100"/>
-          </a:xfrm>
-        </p:spPr>
-        <p:txBody>
-          <a:bodyPr>
-            <a:normAutofit/>
-          </a:bodyPr>
-          <a:lstStyle/>
-          <a:p>
-            <a:pPr>
-              <a:lnSpc>
-                <a:spcPct val="90000"/>
-              </a:lnSpc>
-            </a:pPr>
-            <a:r>
-              <a:rPr lang="en-US"/>
-              <a:t>Introduction</a:t>
-            </a:r>
-          </a:p>
-        </p:txBody>
-      </p:sp>
-      <p:cxnSp>
-        <p:nvCxnSpPr>
-          <p:cNvPr id="75" name="Straight Connector 74">
-            <a:extLst>
-              <a:ext uri="{FF2B5EF4-FFF2-40B4-BE49-F238E27FC236}">
-                <a16:creationId xmlns:a16="http://schemas.microsoft.com/office/drawing/2014/main" id="{22CDD0E7-BDD6-41F4-8AAB-088A2E8D0367}"/>
-              </a:ext>
-              <a:ext uri="{C183D7F6-B498-43B3-948B-1728B52AA6E4}">
-                <adec:decorative xmlns:adec="http://schemas.microsoft.com/office/drawing/2017/decorative" val="1"/>
-              </a:ext>
-            </a:extLst>
-          </p:cNvPr>
-          <p:cNvCxnSpPr>
-            <a:cxnSpLocks noGrp="1" noRot="1" noChangeAspect="1" noMove="1" noResize="1" noEditPoints="1" noAdjustHandles="1" noChangeArrowheads="1" noChangeShapeType="1"/>
-          </p:cNvCxnSpPr>
-          <p:nvPr>
-            <p:extLst>
-              <p:ext uri="{386F3935-93C4-4BCD-93E2-E3B085C9AB24}">
-                <p16:designElem xmlns:p16="http://schemas.microsoft.com/office/powerpoint/2015/main" val="1"/>
-              </p:ext>
-            </p:extLst>
-          </p:nvPr>
-        </p:nvCxnSpPr>
-        <p:spPr>
-          <a:xfrm>
-            <a:off x="482600" y="489855"/>
-            <a:ext cx="11147071" cy="0"/>
-          </a:xfrm>
-          <a:prstGeom prst="line">
-            <a:avLst/>
-          </a:prstGeom>
-          <a:ln w="28575">
-            <a:solidFill>
-              <a:schemeClr val="tx1"/>
-            </a:solidFill>
-          </a:ln>
-        </p:spPr>
-        <p:style>
-          <a:lnRef idx="1">
-            <a:schemeClr val="dk1"/>
-          </a:lnRef>
-          <a:fillRef idx="0">
-            <a:schemeClr val="dk1"/>
-          </a:fillRef>
-          <a:effectRef idx="0">
-            <a:schemeClr val="dk1"/>
-          </a:effectRef>
-          <a:fontRef idx="minor">
-            <a:schemeClr val="tx1"/>
-          </a:fontRef>
-        </p:style>
-      </p:cxnSp>
-      <p:cxnSp>
-        <p:nvCxnSpPr>
-          <p:cNvPr id="76" name="Straight Connector 75">
-            <a:extLst>
-              <a:ext uri="{FF2B5EF4-FFF2-40B4-BE49-F238E27FC236}">
-                <a16:creationId xmlns:a16="http://schemas.microsoft.com/office/drawing/2014/main" id="{C4558310-C928-4426-BFAC-68450D291D0A}"/>
-              </a:ext>
-              <a:ext uri="{C183D7F6-B498-43B3-948B-1728B52AA6E4}">
-                <adec:decorative xmlns:adec="http://schemas.microsoft.com/office/drawing/2017/decorative" val="1"/>
-              </a:ext>
-            </a:extLst>
-          </p:cNvPr>
-          <p:cNvCxnSpPr>
-            <a:cxnSpLocks noGrp="1" noRot="1" noChangeAspect="1" noMove="1" noResize="1" noEditPoints="1" noAdjustHandles="1" noChangeArrowheads="1" noChangeShapeType="1"/>
-          </p:cNvCxnSpPr>
-          <p:nvPr>
-            <p:extLst>
-              <p:ext uri="{386F3935-93C4-4BCD-93E2-E3B085C9AB24}">
-                <p16:designElem xmlns:p16="http://schemas.microsoft.com/office/powerpoint/2015/main" val="1"/>
-              </p:ext>
-            </p:extLst>
-          </p:nvPr>
-        </p:nvCxnSpPr>
-        <p:spPr>
-          <a:xfrm>
-            <a:off x="482600" y="1993515"/>
-            <a:ext cx="11147071" cy="0"/>
-          </a:xfrm>
-          <a:prstGeom prst="line">
-            <a:avLst/>
-          </a:prstGeom>
-          <a:ln w="28575">
-            <a:solidFill>
-              <a:schemeClr val="tx1"/>
-            </a:solidFill>
-          </a:ln>
-        </p:spPr>
-        <p:style>
-          <a:lnRef idx="1">
-            <a:schemeClr val="dk1"/>
-          </a:lnRef>
-          <a:fillRef idx="0">
-            <a:schemeClr val="dk1"/>
-          </a:fillRef>
-          <a:effectRef idx="0">
-            <a:schemeClr val="dk1"/>
-          </a:effectRef>
-          <a:fontRef idx="minor">
-            <a:schemeClr val="tx1"/>
-          </a:fontRef>
-        </p:style>
-      </p:cxnSp>
-      <p:sp>
-        <p:nvSpPr>
-          <p:cNvPr id="48" name="Content Placeholder 7">
-            <a:extLst>
-              <a:ext uri="{FF2B5EF4-FFF2-40B4-BE49-F238E27FC236}">
-                <a16:creationId xmlns:a16="http://schemas.microsoft.com/office/drawing/2014/main" id="{A9EE76D5-A6F9-2EDA-E862-D355EA79AB7A}"/>
-              </a:ext>
-            </a:extLst>
-          </p:cNvPr>
-          <p:cNvSpPr>
-            <a:spLocks noGrp="1"/>
-          </p:cNvSpPr>
-          <p:nvPr>
-            <p:ph idx="1"/>
-          </p:nvPr>
-        </p:nvSpPr>
-        <p:spPr>
-          <a:xfrm>
-            <a:off x="479605" y="2146856"/>
-            <a:ext cx="5164103" cy="4017953"/>
-          </a:xfrm>
-        </p:spPr>
-        <p:txBody>
-          <a:bodyPr vert="horz" lIns="91440" tIns="45720" rIns="91440" bIns="45720" rtlCol="0" anchor="ctr">
-            <a:noAutofit/>
-          </a:bodyPr>
-          <a:lstStyle/>
-          <a:p>
-            <a:pPr>
-              <a:lnSpc>
-                <a:spcPct val="90000"/>
-              </a:lnSpc>
-            </a:pPr>
-            <a:r>
-              <a:rPr lang="en-US" dirty="0" err="1">
-                <a:ea typeface="+mn-lt"/>
-                <a:cs typeface="+mn-lt"/>
-              </a:rPr>
-              <a:t>ThinkItThru</a:t>
-            </a:r>
-            <a:r>
-              <a:rPr lang="en-US" dirty="0">
-                <a:ea typeface="+mn-lt"/>
-                <a:cs typeface="+mn-lt"/>
-              </a:rPr>
-              <a:t>! motivates users to organize their day and satisfy academic deadlines </a:t>
-            </a:r>
-            <a:endParaRPr lang="en-US" dirty="0"/>
-          </a:p>
-          <a:p>
-            <a:pPr>
-              <a:lnSpc>
-                <a:spcPct val="90000"/>
-              </a:lnSpc>
-            </a:pPr>
-            <a:r>
-              <a:rPr lang="en-US" dirty="0">
-                <a:ea typeface="+mn-lt"/>
-                <a:cs typeface="+mn-lt"/>
-              </a:rPr>
-              <a:t>Users may accomplish this by: </a:t>
-            </a:r>
-            <a:endParaRPr lang="en-US" dirty="0"/>
-          </a:p>
-          <a:p>
-            <a:pPr marL="457200" indent="-457200">
-              <a:lnSpc>
-                <a:spcPct val="90000"/>
-              </a:lnSpc>
-              <a:buAutoNum type="arabicPeriod"/>
-            </a:pPr>
-            <a:r>
-              <a:rPr lang="en-US" dirty="0">
-                <a:ea typeface="+mn-lt"/>
-                <a:cs typeface="+mn-lt"/>
-              </a:rPr>
-              <a:t>Creating tasks for themselves </a:t>
-            </a:r>
-          </a:p>
-          <a:p>
-            <a:pPr marL="457200" indent="-457200">
-              <a:lnSpc>
-                <a:spcPct val="90000"/>
-              </a:lnSpc>
-              <a:buAutoNum type="arabicPeriod"/>
-            </a:pPr>
-            <a:r>
-              <a:rPr lang="en-US" dirty="0">
-                <a:ea typeface="+mn-lt"/>
-                <a:cs typeface="+mn-lt"/>
-              </a:rPr>
-              <a:t>Which will be scheduled into goals</a:t>
-            </a:r>
-          </a:p>
-          <a:p>
-            <a:pPr marL="457200" indent="-457200">
-              <a:lnSpc>
-                <a:spcPct val="90000"/>
-              </a:lnSpc>
-              <a:buAutoNum type="arabicPeriod"/>
-            </a:pPr>
-            <a:r>
-              <a:rPr lang="en-US" dirty="0">
-                <a:ea typeface="+mn-lt"/>
-                <a:cs typeface="+mn-lt"/>
-              </a:rPr>
-              <a:t>Enjoy their rewards for accomplishing their goals!</a:t>
-            </a:r>
-          </a:p>
-        </p:txBody>
-      </p:sp>
-      <p:cxnSp>
-        <p:nvCxnSpPr>
-          <p:cNvPr id="77" name="Straight Connector 76">
-            <a:extLst>
-              <a:ext uri="{FF2B5EF4-FFF2-40B4-BE49-F238E27FC236}">
-                <a16:creationId xmlns:a16="http://schemas.microsoft.com/office/drawing/2014/main" id="{B58B45F5-E162-4AF7-9E46-A4290969B479}"/>
-              </a:ext>
-              <a:ext uri="{C183D7F6-B498-43B3-948B-1728B52AA6E4}">
-                <adec:decorative xmlns:adec="http://schemas.microsoft.com/office/drawing/2017/decorative" val="1"/>
-              </a:ext>
-            </a:extLst>
-          </p:cNvPr>
-          <p:cNvCxnSpPr>
-            <a:cxnSpLocks noGrp="1" noRot="1" noChangeAspect="1" noMove="1" noResize="1" noEditPoints="1" noAdjustHandles="1" noChangeArrowheads="1" noChangeShapeType="1"/>
-          </p:cNvCxnSpPr>
-          <p:nvPr>
-            <p:extLst>
-              <p:ext uri="{386F3935-93C4-4BCD-93E2-E3B085C9AB24}">
-                <p16:designElem xmlns:p16="http://schemas.microsoft.com/office/powerpoint/2015/main" val="1"/>
-              </p:ext>
-            </p:extLst>
-          </p:nvPr>
-        </p:nvCxnSpPr>
-        <p:spPr>
-          <a:xfrm>
-            <a:off x="482600" y="6368138"/>
-            <a:ext cx="11147071" cy="0"/>
-          </a:xfrm>
-          <a:prstGeom prst="line">
-            <a:avLst/>
-          </a:prstGeom>
-          <a:ln w="28575">
-            <a:solidFill>
-              <a:schemeClr val="tx1"/>
-            </a:solidFill>
-          </a:ln>
-        </p:spPr>
-        <p:style>
-          <a:lnRef idx="1">
-            <a:schemeClr val="dk1"/>
-          </a:lnRef>
-          <a:fillRef idx="0">
-            <a:schemeClr val="dk1"/>
-          </a:fillRef>
-          <a:effectRef idx="0">
-            <a:schemeClr val="dk1"/>
-          </a:effectRef>
-          <a:fontRef idx="minor">
-            <a:schemeClr val="tx1"/>
-          </a:fontRef>
-        </p:style>
-      </p:cxnSp>
-    </p:spTree>
-    <p:extLst>
-      <p:ext uri="{BB962C8B-B14F-4D97-AF65-F5344CB8AC3E}">
-        <p14:creationId xmlns:p14="http://schemas.microsoft.com/office/powerpoint/2010/main" val="3287089986"/>
-      </p:ext>
-    </p:extLst>
-  </p:cSld>
-  <p:clrMapOvr>
-    <a:masterClrMapping/>
-  </p:clrMapOvr>
-</p:sld>
-</file>
-
-<file path=ppt/slides/slide4.xml><?xml version="1.0" encoding="utf-8"?>
-<p:sld xmlns:a="http://schemas.openxmlformats.org/drawingml/2006/main" xmlns:r="http://schemas.openxmlformats.org/officeDocument/2006/relationships" xmlns:p="http://schemas.openxmlformats.org/presentationml/2006/main">
-  <p:cSld>
-    <p:spTree>
-      <p:nvGrpSpPr>
-        <p:cNvPr id="1" name=""/>
-        <p:cNvGrpSpPr/>
-        <p:nvPr/>
-      </p:nvGrpSpPr>
-      <p:grpSpPr>
-        <a:xfrm>
-          <a:off x="0" y="0"/>
-          <a:ext cx="0" cy="0"/>
-          <a:chOff x="0" y="0"/>
-          <a:chExt cx="0" cy="0"/>
-        </a:xfrm>
-      </p:grpSpPr>
-      <p:pic>
-        <p:nvPicPr>
-          <p:cNvPr id="4" name="Picture 3" descr="A screenshot of a computer screen&#10;&#10;Description automatically generated">
-            <a:extLst>
-              <a:ext uri="{FF2B5EF4-FFF2-40B4-BE49-F238E27FC236}">
-                <a16:creationId xmlns:a16="http://schemas.microsoft.com/office/drawing/2014/main" id="{1C9BC5DA-669F-9CA0-3158-562D26025228}"/>
-              </a:ext>
-            </a:extLst>
-          </p:cNvPr>
-          <p:cNvPicPr>
-            <a:picLocks noChangeAspect="1"/>
-          </p:cNvPicPr>
-          <p:nvPr/>
-        </p:nvPicPr>
-        <p:blipFill>
-          <a:blip r:embed="rId2"/>
-          <a:stretch>
-            <a:fillRect/>
-          </a:stretch>
-        </p:blipFill>
-        <p:spPr>
-          <a:xfrm>
-            <a:off x="3362926" y="2822"/>
-            <a:ext cx="8824590" cy="6852354"/>
-          </a:xfrm>
-          <a:prstGeom prst="rect">
-            <a:avLst/>
-          </a:prstGeom>
-        </p:spPr>
-      </p:pic>
-      <p:sp>
-        <p:nvSpPr>
-          <p:cNvPr id="5" name="TextBox 4">
-            <a:extLst>
-              <a:ext uri="{FF2B5EF4-FFF2-40B4-BE49-F238E27FC236}">
-                <a16:creationId xmlns:a16="http://schemas.microsoft.com/office/drawing/2014/main" id="{8FF16D2C-E511-66DA-4069-C8FA24FF6B5F}"/>
-              </a:ext>
-            </a:extLst>
-          </p:cNvPr>
-          <p:cNvSpPr txBox="1"/>
-          <p:nvPr/>
-        </p:nvSpPr>
-        <p:spPr>
-          <a:xfrm>
-            <a:off x="505444" y="532868"/>
-            <a:ext cx="4455450" cy="1107996"/>
-          </a:xfrm>
-          <a:prstGeom prst="rect">
-            <a:avLst/>
-          </a:prstGeom>
-          <a:noFill/>
-        </p:spPr>
-        <p:txBody>
-          <a:bodyPr rot="0" spcFirstLastPara="0" vertOverflow="overflow" horzOverflow="overflow" vert="horz" wrap="square" lIns="91440" tIns="45720" rIns="91440" bIns="45720" numCol="1" spcCol="0" rtlCol="0" fromWordArt="0" anchor="t" anchorCtr="0" forceAA="0" compatLnSpc="1">
-            <a:prstTxWarp prst="textNoShape">
-              <a:avLst/>
-            </a:prstTxWarp>
-            <a:spAutoFit/>
-          </a:bodyPr>
-          <a:lstStyle/>
-          <a:p>
-            <a:r>
-              <a:rPr lang="en-US" sz="6600" dirty="0"/>
-              <a:t>Storyboard</a:t>
-            </a:r>
-            <a:endParaRPr lang="en-US" dirty="0"/>
-          </a:p>
-        </p:txBody>
-      </p:sp>
-    </p:spTree>
-    <p:extLst>
-      <p:ext uri="{BB962C8B-B14F-4D97-AF65-F5344CB8AC3E}">
-        <p14:creationId xmlns:p14="http://schemas.microsoft.com/office/powerpoint/2010/main" val="1457298528"/>
-      </p:ext>
-    </p:extLst>
-  </p:cSld>
-  <p:clrMapOvr>
-    <a:masterClrMapping/>
-  </p:clrMapOvr>
-</p:sld>
-</file>
-
-<file path=ppt/slides/slide5.xml><?xml version="1.0" encoding="utf-8"?>
-<p:sld xmlns:a="http://schemas.openxmlformats.org/drawingml/2006/main" xmlns:r="http://schemas.openxmlformats.org/officeDocument/2006/relationships" xmlns:p="http://schemas.openxmlformats.org/presentationml/2006/main">
-  <p:cSld>
-    <p:spTree>
-      <p:nvGrpSpPr>
-        <p:cNvPr id="1" name=""/>
-        <p:cNvGrpSpPr/>
-        <p:nvPr/>
-      </p:nvGrpSpPr>
-      <p:grpSpPr>
-        <a:xfrm>
-          <a:off x="0" y="0"/>
-          <a:ext cx="0" cy="0"/>
-          <a:chOff x="0" y="0"/>
-          <a:chExt cx="0" cy="0"/>
-        </a:xfrm>
-      </p:grpSpPr>
-      <p:pic>
-        <p:nvPicPr>
-          <p:cNvPr id="4" name="Picture 3" descr="A screenshot of a sign-in application&#10;&#10;Description automatically generated">
-            <a:extLst>
-              <a:ext uri="{FF2B5EF4-FFF2-40B4-BE49-F238E27FC236}">
-                <a16:creationId xmlns:a16="http://schemas.microsoft.com/office/drawing/2014/main" id="{347A2332-5396-0A1A-AF3D-1EEC1B568904}"/>
-              </a:ext>
-            </a:extLst>
-          </p:cNvPr>
-          <p:cNvPicPr>
-            <a:picLocks noChangeAspect="1"/>
-          </p:cNvPicPr>
-          <p:nvPr/>
-        </p:nvPicPr>
-        <p:blipFill>
-          <a:blip r:embed="rId2"/>
-          <a:stretch>
-            <a:fillRect/>
-          </a:stretch>
-        </p:blipFill>
-        <p:spPr>
-          <a:xfrm>
-            <a:off x="479726" y="62782"/>
-            <a:ext cx="5453808" cy="7004648"/>
-          </a:xfrm>
-          <a:prstGeom prst="rect">
-            <a:avLst/>
-          </a:prstGeom>
-        </p:spPr>
-      </p:pic>
-      <p:pic>
-        <p:nvPicPr>
-          <p:cNvPr id="3" name="Picture 2" descr="A screenshot of a diagram&#10;&#10;Description automatically generated">
-            <a:extLst>
-              <a:ext uri="{FF2B5EF4-FFF2-40B4-BE49-F238E27FC236}">
-                <a16:creationId xmlns:a16="http://schemas.microsoft.com/office/drawing/2014/main" id="{AAB3F215-9666-0671-B685-5C1742894478}"/>
-              </a:ext>
-            </a:extLst>
-          </p:cNvPr>
-          <p:cNvPicPr>
-            <a:picLocks noChangeAspect="1"/>
-          </p:cNvPicPr>
-          <p:nvPr/>
-        </p:nvPicPr>
-        <p:blipFill>
-          <a:blip r:embed="rId3"/>
-          <a:stretch>
-            <a:fillRect/>
-          </a:stretch>
-        </p:blipFill>
-        <p:spPr>
-          <a:xfrm>
-            <a:off x="6160061" y="3676"/>
-            <a:ext cx="5540072" cy="7134043"/>
-          </a:xfrm>
-          <a:prstGeom prst="rect">
-            <a:avLst/>
-          </a:prstGeom>
-        </p:spPr>
-      </p:pic>
-    </p:spTree>
-    <p:extLst>
-      <p:ext uri="{BB962C8B-B14F-4D97-AF65-F5344CB8AC3E}">
-        <p14:creationId xmlns:p14="http://schemas.microsoft.com/office/powerpoint/2010/main" val="4216123075"/>
-      </p:ext>
-    </p:extLst>
-  </p:cSld>
-  <p:clrMapOvr>
-    <a:masterClrMapping/>
-  </p:clrMapOvr>
-</p:sld>
-</file>
-
-<file path=ppt/slides/slide6.xml><?xml version="1.0" encoding="utf-8"?>
-<p:sld xmlns:a="http://schemas.openxmlformats.org/drawingml/2006/main" xmlns:r="http://schemas.openxmlformats.org/officeDocument/2006/relationships" xmlns:p="http://schemas.openxmlformats.org/presentationml/2006/main">
-  <p:cSld>
-    <p:spTree>
-      <p:nvGrpSpPr>
-        <p:cNvPr id="1" name=""/>
-        <p:cNvGrpSpPr/>
-        <p:nvPr/>
-      </p:nvGrpSpPr>
-      <p:grpSpPr>
-        <a:xfrm>
-          <a:off x="0" y="0"/>
-          <a:ext cx="0" cy="0"/>
-          <a:chOff x="0" y="0"/>
-          <a:chExt cx="0" cy="0"/>
-        </a:xfrm>
-      </p:grpSpPr>
-      <p:pic>
-        <p:nvPicPr>
-          <p:cNvPr id="2" name="Picture 1" descr="A screenshot of a computer screen&#10;&#10;Description automatically generated">
-            <a:extLst>
-              <a:ext uri="{FF2B5EF4-FFF2-40B4-BE49-F238E27FC236}">
-                <a16:creationId xmlns:a16="http://schemas.microsoft.com/office/drawing/2014/main" id="{3166DD20-CFE4-2396-3232-7164A254952F}"/>
-              </a:ext>
-            </a:extLst>
-          </p:cNvPr>
-          <p:cNvPicPr>
-            <a:picLocks noChangeAspect="1"/>
-          </p:cNvPicPr>
-          <p:nvPr/>
-        </p:nvPicPr>
-        <p:blipFill>
-          <a:blip r:embed="rId2"/>
-          <a:stretch>
-            <a:fillRect/>
-          </a:stretch>
-        </p:blipFill>
-        <p:spPr>
-          <a:xfrm>
-            <a:off x="6982" y="1672900"/>
-            <a:ext cx="4159847" cy="5351252"/>
-          </a:xfrm>
-          <a:prstGeom prst="rect">
-            <a:avLst/>
-          </a:prstGeom>
-        </p:spPr>
-      </p:pic>
-      <p:pic>
-        <p:nvPicPr>
-          <p:cNvPr id="6" name="Picture 5" descr="A screenshot of a computer&#10;&#10;Description automatically generated">
-            <a:extLst>
-              <a:ext uri="{FF2B5EF4-FFF2-40B4-BE49-F238E27FC236}">
-                <a16:creationId xmlns:a16="http://schemas.microsoft.com/office/drawing/2014/main" id="{F3905651-CD7F-2D28-25B6-EEC6925087E4}"/>
-              </a:ext>
-            </a:extLst>
-          </p:cNvPr>
-          <p:cNvPicPr>
-            <a:picLocks noChangeAspect="1"/>
-          </p:cNvPicPr>
-          <p:nvPr/>
-        </p:nvPicPr>
-        <p:blipFill>
-          <a:blip r:embed="rId3"/>
-          <a:stretch>
-            <a:fillRect/>
-          </a:stretch>
-        </p:blipFill>
-        <p:spPr>
-          <a:xfrm>
-            <a:off x="4129977" y="1671766"/>
-            <a:ext cx="4159847" cy="5365630"/>
-          </a:xfrm>
-          <a:prstGeom prst="rect">
-            <a:avLst/>
-          </a:prstGeom>
-        </p:spPr>
-      </p:pic>
-      <p:pic>
-        <p:nvPicPr>
-          <p:cNvPr id="7" name="Picture 6" descr="A screenshot of a computer&#10;&#10;Description automatically generated">
-            <a:extLst>
-              <a:ext uri="{FF2B5EF4-FFF2-40B4-BE49-F238E27FC236}">
-                <a16:creationId xmlns:a16="http://schemas.microsoft.com/office/drawing/2014/main" id="{6F316144-27D7-EA74-EC22-CEB68C310D47}"/>
-              </a:ext>
-            </a:extLst>
-          </p:cNvPr>
-          <p:cNvPicPr>
-            <a:picLocks noChangeAspect="1"/>
-          </p:cNvPicPr>
-          <p:nvPr/>
-        </p:nvPicPr>
-        <p:blipFill>
-          <a:blip r:embed="rId4"/>
-          <a:stretch>
-            <a:fillRect/>
-          </a:stretch>
-        </p:blipFill>
-        <p:spPr>
-          <a:xfrm>
-            <a:off x="8302606" y="1976887"/>
-            <a:ext cx="3929809" cy="5063705"/>
-          </a:xfrm>
-          <a:prstGeom prst="rect">
-            <a:avLst/>
-          </a:prstGeom>
-        </p:spPr>
-      </p:pic>
-      <p:sp>
-        <p:nvSpPr>
-          <p:cNvPr id="4" name="TextBox 3">
-            <a:extLst>
-              <a:ext uri="{FF2B5EF4-FFF2-40B4-BE49-F238E27FC236}">
-                <a16:creationId xmlns:a16="http://schemas.microsoft.com/office/drawing/2014/main" id="{B3C4E843-196C-FE0A-9800-2CAF393B73C4}"/>
-              </a:ext>
-            </a:extLst>
-          </p:cNvPr>
-          <p:cNvSpPr txBox="1"/>
-          <p:nvPr/>
-        </p:nvSpPr>
-        <p:spPr>
-          <a:xfrm>
-            <a:off x="505444" y="532868"/>
-            <a:ext cx="9933223" cy="1107996"/>
-          </a:xfrm>
-          <a:prstGeom prst="rect">
-            <a:avLst/>
-          </a:prstGeom>
-          <a:noFill/>
-        </p:spPr>
-        <p:txBody>
-          <a:bodyPr rot="0" spcFirstLastPara="0" vertOverflow="overflow" horzOverflow="overflow" vert="horz" wrap="square" lIns="91440" tIns="45720" rIns="91440" bIns="45720" numCol="1" spcCol="0" rtlCol="0" fromWordArt="0" anchor="t" anchorCtr="0" forceAA="0" compatLnSpc="1">
-            <a:prstTxWarp prst="textNoShape">
-              <a:avLst/>
-            </a:prstTxWarp>
-            <a:spAutoFit/>
-          </a:bodyPr>
-          <a:lstStyle/>
-          <a:p>
-            <a:r>
-              <a:rPr lang="en-US" sz="6600" dirty="0"/>
-              <a:t>Storyboard Cont.</a:t>
-            </a:r>
-            <a:endParaRPr lang="en-US" dirty="0"/>
-          </a:p>
-        </p:txBody>
-      </p:sp>
-    </p:spTree>
-    <p:extLst>
-      <p:ext uri="{BB962C8B-B14F-4D97-AF65-F5344CB8AC3E}">
-        <p14:creationId xmlns:p14="http://schemas.microsoft.com/office/powerpoint/2010/main" val="532518087"/>
-      </p:ext>
-    </p:extLst>
-  </p:cSld>
-  <p:clrMapOvr>
-    <a:masterClrMapping/>
-  </p:clrMapOvr>
-</p:sld>
-</file>
-
-<file path=ppt/slides/slide7.xml><?xml version="1.0" encoding="utf-8"?>
-<p:sld xmlns:a="http://schemas.openxmlformats.org/drawingml/2006/main" xmlns:r="http://schemas.openxmlformats.org/officeDocument/2006/relationships" xmlns:p="http://schemas.openxmlformats.org/presentationml/2006/main">
-  <p:cSld>
-    <p:spTree>
-      <p:nvGrpSpPr>
-        <p:cNvPr id="1" name=""/>
-        <p:cNvGrpSpPr/>
-        <p:nvPr/>
-      </p:nvGrpSpPr>
-      <p:grpSpPr>
-        <a:xfrm>
-          <a:off x="0" y="0"/>
-          <a:ext cx="0" cy="0"/>
-          <a:chOff x="0" y="0"/>
-          <a:chExt cx="0" cy="0"/>
-        </a:xfrm>
-      </p:grpSpPr>
-      <p:sp>
-        <p:nvSpPr>
-          <p:cNvPr id="2" name="Title 1">
-            <a:extLst>
-              <a:ext uri="{FF2B5EF4-FFF2-40B4-BE49-F238E27FC236}">
-                <a16:creationId xmlns:a16="http://schemas.microsoft.com/office/drawing/2014/main" id="{D0094F6E-6DC4-9318-6247-0CB267E8DC97}"/>
-              </a:ext>
-            </a:extLst>
-          </p:cNvPr>
-          <p:cNvSpPr>
-            <a:spLocks noGrp="1"/>
-          </p:cNvSpPr>
-          <p:nvPr>
-            <p:ph type="ctrTitle"/>
-          </p:nvPr>
-        </p:nvSpPr>
-        <p:spPr/>
-        <p:txBody>
-          <a:bodyPr/>
-          <a:lstStyle/>
-          <a:p>
-            <a:r>
-              <a:rPr lang="en-US" dirty="0"/>
-              <a:t>Functionality</a:t>
-            </a:r>
-          </a:p>
-        </p:txBody>
-      </p:sp>
-      <p:sp>
-        <p:nvSpPr>
-          <p:cNvPr id="3" name="Subtitle 2">
-            <a:extLst>
-              <a:ext uri="{FF2B5EF4-FFF2-40B4-BE49-F238E27FC236}">
-                <a16:creationId xmlns:a16="http://schemas.microsoft.com/office/drawing/2014/main" id="{2AC92756-F7BF-7354-F3CD-B839C42CBBE2}"/>
-              </a:ext>
-            </a:extLst>
-          </p:cNvPr>
-          <p:cNvSpPr>
-            <a:spLocks noGrp="1"/>
-          </p:cNvSpPr>
-          <p:nvPr>
-            <p:ph type="subTitle" idx="1"/>
-          </p:nvPr>
-        </p:nvSpPr>
-        <p:spPr/>
-        <p:txBody>
-          <a:bodyPr/>
-          <a:lstStyle/>
-          <a:p>
-            <a:endParaRPr lang="en-US"/>
-          </a:p>
-        </p:txBody>
-      </p:sp>
-    </p:spTree>
-    <p:extLst>
-      <p:ext uri="{BB962C8B-B14F-4D97-AF65-F5344CB8AC3E}">
-        <p14:creationId xmlns:p14="http://schemas.microsoft.com/office/powerpoint/2010/main" val="715663043"/>
-      </p:ext>
-    </p:extLst>
-  </p:cSld>
-  <p:clrMapOvr>
-    <a:masterClrMapping/>
-  </p:clrMapOvr>
-</p:sld>
-</file>
-
-<file path=ppt/slides/slide8.xml><?xml version="1.0" encoding="utf-8"?>
-<p:sld xmlns:a="http://schemas.openxmlformats.org/drawingml/2006/main" xmlns:r="http://schemas.openxmlformats.org/officeDocument/2006/relationships" xmlns:p="http://schemas.openxmlformats.org/presentationml/2006/main">
-  <p:cSld>
-    <p:spTree>
-      <p:nvGrpSpPr>
-        <p:cNvPr id="1" name=""/>
-        <p:cNvGrpSpPr/>
-        <p:nvPr/>
-      </p:nvGrpSpPr>
-      <p:grpSpPr>
-        <a:xfrm>
-          <a:off x="0" y="0"/>
-          <a:ext cx="0" cy="0"/>
-          <a:chOff x="0" y="0"/>
-          <a:chExt cx="0" cy="0"/>
-        </a:xfrm>
-      </p:grpSpPr>
-      <p:pic>
-        <p:nvPicPr>
-          <p:cNvPr id="3" name="Picture 2" descr="A white background with black text&#10;&#10;Description automatically generated">
-            <a:extLst>
-              <a:ext uri="{FF2B5EF4-FFF2-40B4-BE49-F238E27FC236}">
-                <a16:creationId xmlns:a16="http://schemas.microsoft.com/office/drawing/2014/main" id="{3F947749-1FFF-946F-E7DC-205C95DDF7C2}"/>
-              </a:ext>
-            </a:extLst>
-          </p:cNvPr>
-          <p:cNvPicPr>
-            <a:picLocks noChangeAspect="1"/>
-          </p:cNvPicPr>
-          <p:nvPr/>
-        </p:nvPicPr>
-        <p:blipFill>
-          <a:blip r:embed="rId2">
-            <a:extLst>
-              <a:ext uri="{28A0092B-C50C-407E-A947-70E740481C1C}">
-                <a14:useLocalDpi xmlns:a14="http://schemas.microsoft.com/office/drawing/2010/main" val="0"/>
-              </a:ext>
-            </a:extLst>
-          </a:blip>
-          <a:stretch>
-            <a:fillRect/>
-          </a:stretch>
-        </p:blipFill>
-        <p:spPr>
-          <a:xfrm>
-            <a:off x="0" y="208223"/>
-            <a:ext cx="12192000" cy="6441554"/>
-          </a:xfrm>
-          <a:prstGeom prst="rect">
-            <a:avLst/>
-          </a:prstGeom>
-        </p:spPr>
-      </p:pic>
-      <p:sp>
-        <p:nvSpPr>
-          <p:cNvPr id="4" name="Title 1">
-            <a:extLst>
-              <a:ext uri="{FF2B5EF4-FFF2-40B4-BE49-F238E27FC236}">
-                <a16:creationId xmlns:a16="http://schemas.microsoft.com/office/drawing/2014/main" id="{A11AEDC7-ED5B-C753-8A09-7B012AD9F330}"/>
-              </a:ext>
-            </a:extLst>
-          </p:cNvPr>
-          <p:cNvSpPr txBox="1">
-            <a:spLocks/>
-          </p:cNvSpPr>
-          <p:nvPr/>
-        </p:nvSpPr>
-        <p:spPr>
-          <a:xfrm>
-            <a:off x="7904607" y="409447"/>
-            <a:ext cx="4287393" cy="2450593"/>
-          </a:xfrm>
-          <a:prstGeom prst="rect">
-            <a:avLst/>
-          </a:prstGeom>
-        </p:spPr>
-        <p:txBody>
-          <a:bodyPr/>
-          <a:lstStyle>
-            <a:lvl1pPr algn="l" defTabSz="914400" rtl="0" eaLnBrk="1" latinLnBrk="0" hangingPunct="1">
-              <a:lnSpc>
-                <a:spcPct val="100000"/>
-              </a:lnSpc>
-              <a:spcBef>
-                <a:spcPct val="0"/>
-              </a:spcBef>
-              <a:buNone/>
-              <a:defRPr sz="6600" kern="1200">
-                <a:solidFill>
-                  <a:schemeClr val="tx1"/>
-                </a:solidFill>
-                <a:latin typeface="+mj-lt"/>
-                <a:ea typeface="+mj-ea"/>
-                <a:cs typeface="+mj-cs"/>
-              </a:defRPr>
-            </a:lvl1pPr>
-          </a:lstStyle>
-          <a:p>
-            <a:r>
-              <a:rPr lang="en-US" sz="3000" dirty="0"/>
-              <a:t>Component Diagram</a:t>
-            </a:r>
-          </a:p>
-        </p:txBody>
-      </p:sp>
-    </p:spTree>
-    <p:extLst>
-      <p:ext uri="{BB962C8B-B14F-4D97-AF65-F5344CB8AC3E}">
-        <p14:creationId xmlns:p14="http://schemas.microsoft.com/office/powerpoint/2010/main" val="870489951"/>
-      </p:ext>
-    </p:extLst>
-  </p:cSld>
-  <p:clrMapOvr>
-    <a:masterClrMapping/>
-  </p:clrMapOvr>
-</p:sld>
-</file>
-
-<file path=ppt/slides/slide9.xml><?xml version="1.0" encoding="utf-8"?>
+<file path=ppt/slides/slide15.xml><?xml version="1.0" encoding="utf-8"?>
 <p:sld xmlns:a="http://schemas.openxmlformats.org/drawingml/2006/main" xmlns:r="http://schemas.openxmlformats.org/officeDocument/2006/relationships" xmlns:p="http://schemas.openxmlformats.org/presentationml/2006/main">
   <p:cSld>
     <p:spTree>
@@ -7578,7 +6192,7 @@
         <p:cNvPr id="1" name="">
           <a:extLst>
             <a:ext uri="{FF2B5EF4-FFF2-40B4-BE49-F238E27FC236}">
-              <a16:creationId xmlns:a16="http://schemas.microsoft.com/office/drawing/2014/main" id="{96B00724-D1C3-3C94-2103-F24BD5150541}"/>
+              <a16:creationId xmlns:a16="http://schemas.microsoft.com/office/drawing/2014/main" id="{826C9B89-9610-4C62-AFF6-9C9E42A04202}"/>
             </a:ext>
           </a:extLst>
         </p:cNvPr>
@@ -7598,7 +6212,7 @@
           <p:cNvPr id="3" name="Picture 2" descr="A white background with black text&#10;&#10;Description automatically generated">
             <a:extLst>
               <a:ext uri="{FF2B5EF4-FFF2-40B4-BE49-F238E27FC236}">
-                <a16:creationId xmlns:a16="http://schemas.microsoft.com/office/drawing/2014/main" id="{9388CE7B-8890-E5A6-A5DB-B99986A69FCD}"/>
+                <a16:creationId xmlns:a16="http://schemas.microsoft.com/office/drawing/2014/main" id="{389D95D3-2054-204B-47F0-FB248C5AFB48}"/>
               </a:ext>
             </a:extLst>
           </p:cNvPr>
@@ -7615,19 +6229,19 @@
               </a:ext>
             </a:extLst>
           </a:blip>
-          <a:srcRect l="13635" t="-3058" r="35675" b="-16698"/>
+          <a:srcRect l="-853" t="-10144" r="39030" b="63816"/>
           <a:stretch/>
         </p:blipFill>
         <p:spPr>
           <a:xfrm>
-            <a:off x="5354320" y="-1127760"/>
-            <a:ext cx="7315200" cy="9131217"/>
+            <a:off x="515112" y="2193337"/>
+            <a:ext cx="11602341" cy="4593948"/>
           </a:xfrm>
           <a:prstGeom prst="rect">
             <a:avLst/>
           </a:prstGeom>
           <a:effectLst>
-            <a:softEdge rad="381000"/>
+            <a:softEdge rad="177800"/>
           </a:effectLst>
         </p:spPr>
       </p:pic>
@@ -7636,7 +6250,7 @@
           <p:cNvPr id="2" name="Text Placeholder 3">
             <a:extLst>
               <a:ext uri="{FF2B5EF4-FFF2-40B4-BE49-F238E27FC236}">
-                <a16:creationId xmlns:a16="http://schemas.microsoft.com/office/drawing/2014/main" id="{B68FE0D0-16C3-E124-A2FC-B275513DE36A}"/>
+                <a16:creationId xmlns:a16="http://schemas.microsoft.com/office/drawing/2014/main" id="{72674073-C5E6-F6F9-1517-A8CC7DF85BB0}"/>
               </a:ext>
             </a:extLst>
           </p:cNvPr>
@@ -7648,7 +6262,7 @@
         <p:spPr>
           <a:xfrm>
             <a:off x="606552" y="1280160"/>
-            <a:ext cx="4287393" cy="4846320"/>
+            <a:ext cx="3609848" cy="4846320"/>
           </a:xfrm>
           <a:prstGeom prst="rect">
             <a:avLst/>
@@ -7823,7 +6437,7 @@
           <a:p>
             <a:r>
               <a:rPr lang="en-US" dirty="0"/>
-              <a:t>User</a:t>
+              <a:t>Garden</a:t>
             </a:r>
           </a:p>
           <a:p>
@@ -7832,10 +6446,9 @@
               <a:buChar char="•"/>
             </a:pPr>
             <a:r>
-              <a:rPr lang="en-US" dirty="0" err="1"/>
-              <a:t>TaskList</a:t>
-            </a:r>
-            <a:endParaRPr lang="en-US" dirty="0"/>
+              <a:rPr lang="en-US" dirty="0"/>
+              <a:t>Inventory</a:t>
+            </a:r>
           </a:p>
           <a:p>
             <a:pPr marL="342900" indent="-342900">
@@ -7844,37 +6457,18 @@
             </a:pPr>
             <a:r>
               <a:rPr lang="en-US" dirty="0"/>
-              <a:t>Objectives</a:t>
-            </a:r>
-          </a:p>
-          <a:p>
-            <a:pPr marL="342900" indent="-342900">
-              <a:buFont typeface="Arial" panose="020B0604020202020204" pitchFamily="34" charset="0"/>
-              <a:buChar char="•"/>
-            </a:pPr>
+              <a:t>Garden display</a:t>
+            </a:r>
+          </a:p>
+          <a:p>
+            <a:pPr marL="1028700" lvl="1" indent="-342900"/>
+            <a:r>
+              <a:rPr lang="en-US" dirty="0" err="1"/>
+              <a:t>Xp</a:t>
+            </a:r>
             <a:r>
               <a:rPr lang="en-US" dirty="0"/>
-              <a:t>Inventory</a:t>
-            </a:r>
-          </a:p>
-          <a:p>
-            <a:pPr marL="342900" indent="-342900">
-              <a:buFont typeface="Arial" panose="020B0604020202020204" pitchFamily="34" charset="0"/>
-              <a:buChar char="•"/>
-            </a:pPr>
-            <a:r>
-              <a:rPr lang="en-US" dirty="0"/>
-              <a:t>Garden</a:t>
-            </a:r>
-          </a:p>
-          <a:p>
-            <a:pPr marL="342900" indent="-342900">
-              <a:buFont typeface="Arial" panose="020B0604020202020204" pitchFamily="34" charset="0"/>
-              <a:buChar char="•"/>
-            </a:pPr>
-            <a:r>
-              <a:rPr lang="en-US" dirty="0"/>
-              <a:t>Graphs</a:t>
+              <a:t> multiplier</a:t>
             </a:r>
           </a:p>
         </p:txBody>
@@ -7884,7 +6478,7 @@
           <p:cNvPr id="4" name="Title 1">
             <a:extLst>
               <a:ext uri="{FF2B5EF4-FFF2-40B4-BE49-F238E27FC236}">
-                <a16:creationId xmlns:a16="http://schemas.microsoft.com/office/drawing/2014/main" id="{12082F37-22EF-B3CA-23D3-6A9A1230F89D}"/>
+                <a16:creationId xmlns:a16="http://schemas.microsoft.com/office/drawing/2014/main" id="{7396B0F0-2C13-C8FC-172A-79C43839A910}"/>
               </a:ext>
             </a:extLst>
           </p:cNvPr>
@@ -7934,7 +6528,1622 @@
     </p:spTree>
     <p:extLst>
       <p:ext uri="{BB962C8B-B14F-4D97-AF65-F5344CB8AC3E}">
-        <p14:creationId xmlns:p14="http://schemas.microsoft.com/office/powerpoint/2010/main" val="3493982357"/>
+        <p14:creationId xmlns:p14="http://schemas.microsoft.com/office/powerpoint/2010/main" val="75662964"/>
+      </p:ext>
+    </p:extLst>
+  </p:cSld>
+  <p:clrMapOvr>
+    <a:masterClrMapping/>
+  </p:clrMapOvr>
+</p:sld>
+</file>
+
+<file path=ppt/slides/slide2.xml><?xml version="1.0" encoding="utf-8"?>
+<p:sld xmlns:a="http://schemas.openxmlformats.org/drawingml/2006/main" xmlns:r="http://schemas.openxmlformats.org/officeDocument/2006/relationships" xmlns:p="http://schemas.openxmlformats.org/presentationml/2006/main">
+  <p:cSld>
+    <p:bg>
+      <p:bgPr>
+        <a:solidFill>
+          <a:schemeClr val="bg1"/>
+        </a:solidFill>
+        <a:effectLst/>
+      </p:bgPr>
+    </p:bg>
+    <p:spTree>
+      <p:nvGrpSpPr>
+        <p:cNvPr id="1" name=""/>
+        <p:cNvGrpSpPr/>
+        <p:nvPr/>
+      </p:nvGrpSpPr>
+      <p:grpSpPr>
+        <a:xfrm>
+          <a:off x="0" y="0"/>
+          <a:ext cx="0" cy="0"/>
+          <a:chOff x="0" y="0"/>
+          <a:chExt cx="0" cy="0"/>
+        </a:xfrm>
+      </p:grpSpPr>
+      <p:sp useBgFill="1">
+        <p:nvSpPr>
+          <p:cNvPr id="38" name="Rectangle 37">
+            <a:extLst>
+              <a:ext uri="{FF2B5EF4-FFF2-40B4-BE49-F238E27FC236}">
+                <a16:creationId xmlns:a16="http://schemas.microsoft.com/office/drawing/2014/main" id="{92B0CFF1-78D7-4A83-A95E-71F9E3831622}"/>
+              </a:ext>
+              <a:ext uri="{C183D7F6-B498-43B3-948B-1728B52AA6E4}">
+                <adec:decorative xmlns:adec="http://schemas.microsoft.com/office/drawing/2017/decorative" val="1"/>
+              </a:ext>
+            </a:extLst>
+          </p:cNvPr>
+          <p:cNvSpPr>
+            <a:spLocks noGrp="1" noRot="1" noChangeAspect="1" noMove="1" noResize="1" noEditPoints="1" noAdjustHandles="1" noChangeArrowheads="1" noChangeShapeType="1" noTextEdit="1"/>
+          </p:cNvSpPr>
+          <p:nvPr>
+            <p:extLst>
+              <p:ext uri="{386F3935-93C4-4BCD-93E2-E3B085C9AB24}">
+                <p16:designElem xmlns:p16="http://schemas.microsoft.com/office/powerpoint/2015/main" val="1"/>
+              </p:ext>
+            </p:extLst>
+          </p:nvPr>
+        </p:nvSpPr>
+        <p:spPr>
+          <a:xfrm>
+            <a:off x="0" y="0"/>
+            <a:ext cx="12192000" cy="6858001"/>
+          </a:xfrm>
+          <a:prstGeom prst="rect">
+            <a:avLst/>
+          </a:prstGeom>
+          <a:ln>
+            <a:noFill/>
+          </a:ln>
+        </p:spPr>
+        <p:style>
+          <a:lnRef idx="2">
+            <a:schemeClr val="accent1">
+              <a:shade val="50000"/>
+            </a:schemeClr>
+          </a:lnRef>
+          <a:fillRef idx="1">
+            <a:schemeClr val="accent1"/>
+          </a:fillRef>
+          <a:effectRef idx="0">
+            <a:schemeClr val="accent1"/>
+          </a:effectRef>
+          <a:fontRef idx="minor">
+            <a:schemeClr val="lt1"/>
+          </a:fontRef>
+        </p:style>
+        <p:txBody>
+          <a:bodyPr rtlCol="0" anchor="ctr"/>
+          <a:lstStyle/>
+          <a:p>
+            <a:pPr algn="ctr"/>
+            <a:endParaRPr lang="en-US"/>
+          </a:p>
+        </p:txBody>
+      </p:sp>
+      <p:sp>
+        <p:nvSpPr>
+          <p:cNvPr id="40" name="Rectangle 39">
+            <a:extLst>
+              <a:ext uri="{FF2B5EF4-FFF2-40B4-BE49-F238E27FC236}">
+                <a16:creationId xmlns:a16="http://schemas.microsoft.com/office/drawing/2014/main" id="{C34B9DE3-1715-4EE3-99FA-C9BC12F5DBA1}"/>
+              </a:ext>
+              <a:ext uri="{C183D7F6-B498-43B3-948B-1728B52AA6E4}">
+                <adec:decorative xmlns:adec="http://schemas.microsoft.com/office/drawing/2017/decorative" val="1"/>
+              </a:ext>
+            </a:extLst>
+          </p:cNvPr>
+          <p:cNvSpPr>
+            <a:spLocks noGrp="1" noRot="1" noChangeAspect="1" noMove="1" noResize="1" noEditPoints="1" noAdjustHandles="1" noChangeArrowheads="1" noChangeShapeType="1" noTextEdit="1"/>
+          </p:cNvSpPr>
+          <p:nvPr>
+            <p:extLst>
+              <p:ext uri="{386F3935-93C4-4BCD-93E2-E3B085C9AB24}">
+                <p16:designElem xmlns:p16="http://schemas.microsoft.com/office/powerpoint/2015/main" val="1"/>
+              </p:ext>
+            </p:extLst>
+          </p:nvPr>
+        </p:nvSpPr>
+        <p:spPr>
+          <a:xfrm>
+            <a:off x="0" y="0"/>
+            <a:ext cx="12192000" cy="6858001"/>
+          </a:xfrm>
+          <a:prstGeom prst="rect">
+            <a:avLst/>
+          </a:prstGeom>
+          <a:solidFill>
+            <a:srgbClr val="000000"/>
+          </a:solidFill>
+          <a:ln>
+            <a:noFill/>
+          </a:ln>
+        </p:spPr>
+        <p:style>
+          <a:lnRef idx="2">
+            <a:schemeClr val="accent1">
+              <a:shade val="50000"/>
+            </a:schemeClr>
+          </a:lnRef>
+          <a:fillRef idx="1">
+            <a:schemeClr val="accent1"/>
+          </a:fillRef>
+          <a:effectRef idx="0">
+            <a:schemeClr val="accent1"/>
+          </a:effectRef>
+          <a:fontRef idx="minor">
+            <a:schemeClr val="lt1"/>
+          </a:fontRef>
+        </p:style>
+        <p:txBody>
+          <a:bodyPr rtlCol="0" anchor="ctr"/>
+          <a:lstStyle/>
+          <a:p>
+            <a:pPr algn="ctr"/>
+            <a:endParaRPr lang="en-US"/>
+          </a:p>
+        </p:txBody>
+      </p:sp>
+      <p:pic>
+        <p:nvPicPr>
+          <p:cNvPr id="4" name="Content Placeholder 3" descr="A child writing the word 100% on a blackboard">
+            <a:extLst>
+              <a:ext uri="{FF2B5EF4-FFF2-40B4-BE49-F238E27FC236}">
+                <a16:creationId xmlns:a16="http://schemas.microsoft.com/office/drawing/2014/main" id="{23CF51F9-FFC4-D0B9-9BD1-A5A4E8E41BE5}"/>
+              </a:ext>
+            </a:extLst>
+          </p:cNvPr>
+          <p:cNvPicPr>
+            <a:picLocks noChangeAspect="1"/>
+          </p:cNvPicPr>
+          <p:nvPr/>
+        </p:nvPicPr>
+        <p:blipFill rotWithShape="1">
+          <a:blip r:embed="rId2">
+            <a:alphaModFix amt="40000"/>
+          </a:blip>
+          <a:srcRect t="13777" r="-1" b="1931"/>
+          <a:stretch/>
+        </p:blipFill>
+        <p:spPr>
+          <a:xfrm>
+            <a:off x="20" y="10"/>
+            <a:ext cx="12188932" cy="6857990"/>
+          </a:xfrm>
+          <a:prstGeom prst="rect">
+            <a:avLst/>
+          </a:prstGeom>
+        </p:spPr>
+      </p:pic>
+      <p:sp>
+        <p:nvSpPr>
+          <p:cNvPr id="2" name="Title 1">
+            <a:extLst>
+              <a:ext uri="{FF2B5EF4-FFF2-40B4-BE49-F238E27FC236}">
+                <a16:creationId xmlns:a16="http://schemas.microsoft.com/office/drawing/2014/main" id="{977B5CB5-BF8B-F13E-6EFE-0B3857090E44}"/>
+              </a:ext>
+            </a:extLst>
+          </p:cNvPr>
+          <p:cNvSpPr>
+            <a:spLocks noGrp="1"/>
+          </p:cNvSpPr>
+          <p:nvPr>
+            <p:ph type="title"/>
+          </p:nvPr>
+        </p:nvSpPr>
+        <p:spPr>
+          <a:xfrm>
+            <a:off x="482601" y="799418"/>
+            <a:ext cx="11148680" cy="2929357"/>
+          </a:xfrm>
+        </p:spPr>
+        <p:txBody>
+          <a:bodyPr anchor="t">
+            <a:normAutofit/>
+          </a:bodyPr>
+          <a:lstStyle/>
+          <a:p>
+            <a:pPr algn="ctr"/>
+            <a:r>
+              <a:rPr lang="en-US" dirty="0">
+                <a:solidFill>
+                  <a:srgbClr val="FFFFFF"/>
+                </a:solidFill>
+              </a:rPr>
+              <a:t>Discussion Outline</a:t>
+            </a:r>
+            <a:endParaRPr lang="en-US">
+              <a:solidFill>
+                <a:srgbClr val="FFFFFF"/>
+              </a:solidFill>
+            </a:endParaRPr>
+          </a:p>
+        </p:txBody>
+      </p:sp>
+      <p:cxnSp>
+        <p:nvCxnSpPr>
+          <p:cNvPr id="42" name="Straight Connector 41">
+            <a:extLst>
+              <a:ext uri="{FF2B5EF4-FFF2-40B4-BE49-F238E27FC236}">
+                <a16:creationId xmlns:a16="http://schemas.microsoft.com/office/drawing/2014/main" id="{6108BD3D-CFD0-4A15-ACF6-EBC254CD7CF1}"/>
+              </a:ext>
+              <a:ext uri="{C183D7F6-B498-43B3-948B-1728B52AA6E4}">
+                <adec:decorative xmlns:adec="http://schemas.microsoft.com/office/drawing/2017/decorative" val="1"/>
+              </a:ext>
+            </a:extLst>
+          </p:cNvPr>
+          <p:cNvCxnSpPr>
+            <a:cxnSpLocks noGrp="1" noRot="1" noChangeAspect="1" noMove="1" noResize="1" noEditPoints="1" noAdjustHandles="1" noChangeArrowheads="1" noChangeShapeType="1"/>
+          </p:cNvCxnSpPr>
+          <p:nvPr>
+            <p:extLst>
+              <p:ext uri="{386F3935-93C4-4BCD-93E2-E3B085C9AB24}">
+                <p16:designElem xmlns:p16="http://schemas.microsoft.com/office/powerpoint/2015/main" val="1"/>
+              </p:ext>
+            </p:extLst>
+          </p:nvPr>
+        </p:nvCxnSpPr>
+        <p:spPr>
+          <a:xfrm>
+            <a:off x="482600" y="489855"/>
+            <a:ext cx="11147071" cy="0"/>
+          </a:xfrm>
+          <a:prstGeom prst="line">
+            <a:avLst/>
+          </a:prstGeom>
+          <a:ln w="28575">
+            <a:solidFill>
+              <a:srgbClr val="FFFFFF"/>
+            </a:solidFill>
+          </a:ln>
+        </p:spPr>
+        <p:style>
+          <a:lnRef idx="1">
+            <a:schemeClr val="dk1"/>
+          </a:lnRef>
+          <a:fillRef idx="0">
+            <a:schemeClr val="dk1"/>
+          </a:fillRef>
+          <a:effectRef idx="0">
+            <a:schemeClr val="dk1"/>
+          </a:effectRef>
+          <a:fontRef idx="minor">
+            <a:schemeClr val="tx1"/>
+          </a:fontRef>
+        </p:style>
+      </p:cxnSp>
+      <p:cxnSp>
+        <p:nvCxnSpPr>
+          <p:cNvPr id="44" name="Straight Connector 43">
+            <a:extLst>
+              <a:ext uri="{FF2B5EF4-FFF2-40B4-BE49-F238E27FC236}">
+                <a16:creationId xmlns:a16="http://schemas.microsoft.com/office/drawing/2014/main" id="{DB2019E5-6C31-4640-A135-6BBA7FFCF694}"/>
+              </a:ext>
+              <a:ext uri="{C183D7F6-B498-43B3-948B-1728B52AA6E4}">
+                <adec:decorative xmlns:adec="http://schemas.microsoft.com/office/drawing/2017/decorative" val="1"/>
+              </a:ext>
+            </a:extLst>
+          </p:cNvPr>
+          <p:cNvCxnSpPr>
+            <a:cxnSpLocks noGrp="1" noRot="1" noChangeAspect="1" noMove="1" noResize="1" noEditPoints="1" noAdjustHandles="1" noChangeArrowheads="1" noChangeShapeType="1"/>
+          </p:cNvCxnSpPr>
+          <p:nvPr>
+            <p:extLst>
+              <p:ext uri="{386F3935-93C4-4BCD-93E2-E3B085C9AB24}">
+                <p16:designElem xmlns:p16="http://schemas.microsoft.com/office/powerpoint/2015/main" val="1"/>
+              </p:ext>
+            </p:extLst>
+          </p:nvPr>
+        </p:nvCxnSpPr>
+        <p:spPr>
+          <a:xfrm>
+            <a:off x="482600" y="6368138"/>
+            <a:ext cx="11147071" cy="0"/>
+          </a:xfrm>
+          <a:prstGeom prst="line">
+            <a:avLst/>
+          </a:prstGeom>
+          <a:ln w="28575">
+            <a:solidFill>
+              <a:srgbClr val="FFFFFF"/>
+            </a:solidFill>
+          </a:ln>
+        </p:spPr>
+        <p:style>
+          <a:lnRef idx="1">
+            <a:schemeClr val="dk1"/>
+          </a:lnRef>
+          <a:fillRef idx="0">
+            <a:schemeClr val="dk1"/>
+          </a:fillRef>
+          <a:effectRef idx="0">
+            <a:schemeClr val="dk1"/>
+          </a:effectRef>
+          <a:fontRef idx="minor">
+            <a:schemeClr val="tx1"/>
+          </a:fontRef>
+        </p:style>
+      </p:cxnSp>
+      <p:sp>
+        <p:nvSpPr>
+          <p:cNvPr id="3" name="TextBox 2">
+            <a:extLst>
+              <a:ext uri="{FF2B5EF4-FFF2-40B4-BE49-F238E27FC236}">
+                <a16:creationId xmlns:a16="http://schemas.microsoft.com/office/drawing/2014/main" id="{75621B39-C22A-C90E-DB9B-1D3136CAF962}"/>
+              </a:ext>
+            </a:extLst>
+          </p:cNvPr>
+          <p:cNvSpPr txBox="1"/>
+          <p:nvPr/>
+        </p:nvSpPr>
+        <p:spPr>
+          <a:xfrm>
+            <a:off x="966095" y="2309128"/>
+            <a:ext cx="9554691" cy="3970318"/>
+          </a:xfrm>
+          <a:prstGeom prst="rect">
+            <a:avLst/>
+          </a:prstGeom>
+          <a:noFill/>
+        </p:spPr>
+        <p:txBody>
+          <a:bodyPr rot="0" spcFirstLastPara="0" vertOverflow="overflow" horzOverflow="overflow" vert="horz" wrap="square" lIns="91440" tIns="45720" rIns="91440" bIns="45720" numCol="1" spcCol="0" rtlCol="0" fromWordArt="0" anchor="t" anchorCtr="0" forceAA="0" compatLnSpc="1">
+            <a:prstTxWarp prst="textNoShape">
+              <a:avLst/>
+            </a:prstTxWarp>
+            <a:spAutoFit/>
+          </a:bodyPr>
+          <a:lstStyle/>
+          <a:p>
+            <a:pPr marL="514350" indent="-514350">
+              <a:buAutoNum type="arabicPeriod"/>
+            </a:pPr>
+            <a:r>
+              <a:rPr lang="en-US" sz="2800" dirty="0">
+                <a:solidFill>
+                  <a:schemeClr val="bg1"/>
+                </a:solidFill>
+                <a:latin typeface="Seaford Display"/>
+                <a:ea typeface="+mn-lt"/>
+                <a:cs typeface="+mn-lt"/>
+              </a:rPr>
+              <a:t>Introduction</a:t>
+            </a:r>
+          </a:p>
+          <a:p>
+            <a:pPr marL="514350" indent="-514350">
+              <a:buAutoNum type="arabicPeriod"/>
+            </a:pPr>
+            <a:endParaRPr lang="en-US" sz="2800">
+              <a:solidFill>
+                <a:schemeClr val="bg1"/>
+              </a:solidFill>
+              <a:latin typeface="Seaford Display"/>
+              <a:cs typeface="Arial"/>
+            </a:endParaRPr>
+          </a:p>
+          <a:p>
+            <a:pPr marL="514350" indent="-514350">
+              <a:buFontTx/>
+              <a:buAutoNum type="arabicPeriod"/>
+            </a:pPr>
+            <a:r>
+              <a:rPr lang="en-US" sz="2800" dirty="0">
+                <a:solidFill>
+                  <a:schemeClr val="bg1"/>
+                </a:solidFill>
+                <a:latin typeface="Seaford Display"/>
+                <a:cs typeface="Arial"/>
+              </a:rPr>
+              <a:t>Block Diagram </a:t>
+            </a:r>
+          </a:p>
+          <a:p>
+            <a:pPr marL="342900" indent="-342900">
+              <a:buFontTx/>
+              <a:buAutoNum type="arabicPeriod"/>
+            </a:pPr>
+            <a:endParaRPr lang="en-US" sz="2800">
+              <a:solidFill>
+                <a:srgbClr val="000000"/>
+              </a:solidFill>
+              <a:latin typeface="Seaford Display"/>
+              <a:cs typeface="Arial"/>
+            </a:endParaRPr>
+          </a:p>
+          <a:p>
+            <a:pPr marL="514350" indent="-514350">
+              <a:buFontTx/>
+              <a:buAutoNum type="arabicPeriod"/>
+            </a:pPr>
+            <a:r>
+              <a:rPr lang="en-US" sz="2800" dirty="0">
+                <a:solidFill>
+                  <a:schemeClr val="bg1"/>
+                </a:solidFill>
+                <a:latin typeface="Seaford Display"/>
+                <a:cs typeface="Arial"/>
+              </a:rPr>
+              <a:t>Message and Storage (Server Interaction)</a:t>
+            </a:r>
+          </a:p>
+          <a:p>
+            <a:pPr marL="342900" indent="-342900">
+              <a:buFontTx/>
+              <a:buAutoNum type="arabicPeriod"/>
+            </a:pPr>
+            <a:endParaRPr lang="en-US" sz="2800">
+              <a:solidFill>
+                <a:srgbClr val="000000"/>
+              </a:solidFill>
+              <a:latin typeface="Seaford Display"/>
+              <a:cs typeface="Arial"/>
+            </a:endParaRPr>
+          </a:p>
+          <a:p>
+            <a:pPr marL="514350" indent="-514350">
+              <a:buFontTx/>
+              <a:buAutoNum type="arabicPeriod"/>
+            </a:pPr>
+            <a:r>
+              <a:rPr lang="en-US" sz="2800" dirty="0">
+                <a:solidFill>
+                  <a:schemeClr val="bg1"/>
+                </a:solidFill>
+                <a:latin typeface="Seaford Display"/>
+                <a:cs typeface="Arial"/>
+              </a:rPr>
+              <a:t>Component diagram and Feature List </a:t>
+            </a:r>
+          </a:p>
+          <a:p>
+            <a:pPr marL="342900" indent="-342900">
+              <a:buFontTx/>
+              <a:buAutoNum type="arabicPeriod"/>
+            </a:pPr>
+            <a:endParaRPr lang="en-US" sz="2800">
+              <a:solidFill>
+                <a:srgbClr val="000000"/>
+              </a:solidFill>
+              <a:latin typeface="Seaford Display"/>
+              <a:cs typeface="Arial"/>
+            </a:endParaRPr>
+          </a:p>
+          <a:p>
+            <a:pPr marL="514350" indent="-514350">
+              <a:buFontTx/>
+              <a:buAutoNum type="arabicPeriod"/>
+            </a:pPr>
+            <a:r>
+              <a:rPr lang="en-US" sz="2800" dirty="0">
+                <a:solidFill>
+                  <a:schemeClr val="bg1"/>
+                </a:solidFill>
+                <a:latin typeface="Seaford Display"/>
+                <a:cs typeface="Arial"/>
+              </a:rPr>
+              <a:t>Storyboard </a:t>
+            </a:r>
+          </a:p>
+        </p:txBody>
+      </p:sp>
+    </p:spTree>
+    <p:extLst>
+      <p:ext uri="{BB962C8B-B14F-4D97-AF65-F5344CB8AC3E}">
+        <p14:creationId xmlns:p14="http://schemas.microsoft.com/office/powerpoint/2010/main" val="148982682"/>
+      </p:ext>
+    </p:extLst>
+  </p:cSld>
+  <p:clrMapOvr>
+    <a:masterClrMapping/>
+  </p:clrMapOvr>
+</p:sld>
+</file>
+
+<file path=ppt/slides/slide3.xml><?xml version="1.0" encoding="utf-8"?>
+<p:sld xmlns:a="http://schemas.openxmlformats.org/drawingml/2006/main" xmlns:r="http://schemas.openxmlformats.org/officeDocument/2006/relationships" xmlns:p="http://schemas.openxmlformats.org/presentationml/2006/main">
+  <p:cSld>
+    <p:bg>
+      <p:bgPr>
+        <a:blipFill>
+          <a:blip r:embed="rId2"/>
+          <a:stretch>
+            <a:fillRect t="-9000" b="-9000"/>
+          </a:stretch>
+        </a:blipFill>
+        <a:effectLst/>
+      </p:bgPr>
+    </p:bg>
+    <p:spTree>
+      <p:nvGrpSpPr>
+        <p:cNvPr id="1" name=""/>
+        <p:cNvGrpSpPr/>
+        <p:nvPr/>
+      </p:nvGrpSpPr>
+      <p:grpSpPr>
+        <a:xfrm>
+          <a:off x="0" y="0"/>
+          <a:ext cx="0" cy="0"/>
+          <a:chOff x="0" y="0"/>
+          <a:chExt cx="0" cy="0"/>
+        </a:xfrm>
+      </p:grpSpPr>
+      <p:sp useBgFill="1">
+        <p:nvSpPr>
+          <p:cNvPr id="73" name="Rectangle 72">
+            <a:extLst>
+              <a:ext uri="{FF2B5EF4-FFF2-40B4-BE49-F238E27FC236}">
+                <a16:creationId xmlns:a16="http://schemas.microsoft.com/office/drawing/2014/main" id="{92B0CFF1-78D7-4A83-A95E-71F9E3831622}"/>
+              </a:ext>
+              <a:ext uri="{C183D7F6-B498-43B3-948B-1728B52AA6E4}">
+                <adec:decorative xmlns:adec="http://schemas.microsoft.com/office/drawing/2017/decorative" val="1"/>
+              </a:ext>
+            </a:extLst>
+          </p:cNvPr>
+          <p:cNvSpPr>
+            <a:spLocks noGrp="1" noRot="1" noChangeAspect="1" noMove="1" noResize="1" noEditPoints="1" noAdjustHandles="1" noChangeArrowheads="1" noChangeShapeType="1" noTextEdit="1"/>
+          </p:cNvSpPr>
+          <p:nvPr>
+            <p:extLst>
+              <p:ext uri="{386F3935-93C4-4BCD-93E2-E3B085C9AB24}">
+                <p16:designElem xmlns:p16="http://schemas.microsoft.com/office/powerpoint/2015/main" val="1"/>
+              </p:ext>
+            </p:extLst>
+          </p:nvPr>
+        </p:nvSpPr>
+        <p:spPr>
+          <a:xfrm>
+            <a:off x="0" y="0"/>
+            <a:ext cx="12192000" cy="6858001"/>
+          </a:xfrm>
+          <a:prstGeom prst="rect">
+            <a:avLst/>
+          </a:prstGeom>
+          <a:ln>
+            <a:noFill/>
+          </a:ln>
+        </p:spPr>
+        <p:style>
+          <a:lnRef idx="2">
+            <a:schemeClr val="accent1">
+              <a:shade val="50000"/>
+            </a:schemeClr>
+          </a:lnRef>
+          <a:fillRef idx="1">
+            <a:schemeClr val="accent1"/>
+          </a:fillRef>
+          <a:effectRef idx="0">
+            <a:schemeClr val="accent1"/>
+          </a:effectRef>
+          <a:fontRef idx="minor">
+            <a:schemeClr val="lt1"/>
+          </a:fontRef>
+        </p:style>
+        <p:txBody>
+          <a:bodyPr rtlCol="0" anchor="ctr"/>
+          <a:lstStyle/>
+          <a:p>
+            <a:pPr algn="ctr"/>
+            <a:endParaRPr lang="en-US" dirty="0"/>
+          </a:p>
+        </p:txBody>
+      </p:sp>
+      <p:sp>
+        <p:nvSpPr>
+          <p:cNvPr id="74" name="Rectangle 73">
+            <a:extLst>
+              <a:ext uri="{FF2B5EF4-FFF2-40B4-BE49-F238E27FC236}">
+                <a16:creationId xmlns:a16="http://schemas.microsoft.com/office/drawing/2014/main" id="{C12927E5-081D-440D-A775-C0AE9DA1E3EC}"/>
+              </a:ext>
+              <a:ext uri="{C183D7F6-B498-43B3-948B-1728B52AA6E4}">
+                <adec:decorative xmlns:adec="http://schemas.microsoft.com/office/drawing/2017/decorative" val="1"/>
+              </a:ext>
+            </a:extLst>
+          </p:cNvPr>
+          <p:cNvSpPr>
+            <a:spLocks noGrp="1" noRot="1" noChangeAspect="1" noMove="1" noResize="1" noEditPoints="1" noAdjustHandles="1" noChangeArrowheads="1" noChangeShapeType="1" noTextEdit="1"/>
+          </p:cNvSpPr>
+          <p:nvPr>
+            <p:extLst>
+              <p:ext uri="{386F3935-93C4-4BCD-93E2-E3B085C9AB24}">
+                <p16:designElem xmlns:p16="http://schemas.microsoft.com/office/powerpoint/2015/main" val="1"/>
+              </p:ext>
+            </p:extLst>
+          </p:nvPr>
+        </p:nvSpPr>
+        <p:spPr>
+          <a:xfrm>
+            <a:off x="481007" y="489856"/>
+            <a:ext cx="11147071" cy="1476642"/>
+          </a:xfrm>
+          <a:prstGeom prst="rect">
+            <a:avLst/>
+          </a:prstGeom>
+          <a:solidFill>
+            <a:schemeClr val="accent1">
+              <a:alpha val="10000"/>
+            </a:schemeClr>
+          </a:solidFill>
+          <a:ln>
+            <a:noFill/>
+          </a:ln>
+        </p:spPr>
+        <p:style>
+          <a:lnRef idx="2">
+            <a:schemeClr val="accent1">
+              <a:shade val="50000"/>
+            </a:schemeClr>
+          </a:lnRef>
+          <a:fillRef idx="1">
+            <a:schemeClr val="accent1"/>
+          </a:fillRef>
+          <a:effectRef idx="0">
+            <a:schemeClr val="accent1"/>
+          </a:effectRef>
+          <a:fontRef idx="minor">
+            <a:schemeClr val="lt1"/>
+          </a:fontRef>
+        </p:style>
+        <p:txBody>
+          <a:bodyPr rtlCol="0" anchor="ctr"/>
+          <a:lstStyle/>
+          <a:p>
+            <a:pPr algn="ctr"/>
+            <a:endParaRPr lang="en-US"/>
+          </a:p>
+        </p:txBody>
+      </p:sp>
+      <p:sp>
+        <p:nvSpPr>
+          <p:cNvPr id="2" name="Title 1">
+            <a:extLst>
+              <a:ext uri="{FF2B5EF4-FFF2-40B4-BE49-F238E27FC236}">
+                <a16:creationId xmlns:a16="http://schemas.microsoft.com/office/drawing/2014/main" id="{977B5CB5-BF8B-F13E-6EFE-0B3857090E44}"/>
+              </a:ext>
+            </a:extLst>
+          </p:cNvPr>
+          <p:cNvSpPr>
+            <a:spLocks noGrp="1"/>
+          </p:cNvSpPr>
+          <p:nvPr>
+            <p:ph type="title"/>
+          </p:nvPr>
+        </p:nvSpPr>
+        <p:spPr>
+          <a:xfrm>
+            <a:off x="482601" y="721946"/>
+            <a:ext cx="10813250" cy="1022100"/>
+          </a:xfrm>
+        </p:spPr>
+        <p:txBody>
+          <a:bodyPr>
+            <a:normAutofit/>
+          </a:bodyPr>
+          <a:lstStyle/>
+          <a:p>
+            <a:pPr>
+              <a:lnSpc>
+                <a:spcPct val="90000"/>
+              </a:lnSpc>
+            </a:pPr>
+            <a:r>
+              <a:rPr lang="en-US"/>
+              <a:t>Introduction</a:t>
+            </a:r>
+          </a:p>
+        </p:txBody>
+      </p:sp>
+      <p:cxnSp>
+        <p:nvCxnSpPr>
+          <p:cNvPr id="75" name="Straight Connector 74">
+            <a:extLst>
+              <a:ext uri="{FF2B5EF4-FFF2-40B4-BE49-F238E27FC236}">
+                <a16:creationId xmlns:a16="http://schemas.microsoft.com/office/drawing/2014/main" id="{22CDD0E7-BDD6-41F4-8AAB-088A2E8D0367}"/>
+              </a:ext>
+              <a:ext uri="{C183D7F6-B498-43B3-948B-1728B52AA6E4}">
+                <adec:decorative xmlns:adec="http://schemas.microsoft.com/office/drawing/2017/decorative" val="1"/>
+              </a:ext>
+            </a:extLst>
+          </p:cNvPr>
+          <p:cNvCxnSpPr>
+            <a:cxnSpLocks noGrp="1" noRot="1" noChangeAspect="1" noMove="1" noResize="1" noEditPoints="1" noAdjustHandles="1" noChangeArrowheads="1" noChangeShapeType="1"/>
+          </p:cNvCxnSpPr>
+          <p:nvPr>
+            <p:extLst>
+              <p:ext uri="{386F3935-93C4-4BCD-93E2-E3B085C9AB24}">
+                <p16:designElem xmlns:p16="http://schemas.microsoft.com/office/powerpoint/2015/main" val="1"/>
+              </p:ext>
+            </p:extLst>
+          </p:nvPr>
+        </p:nvCxnSpPr>
+        <p:spPr>
+          <a:xfrm>
+            <a:off x="482600" y="489855"/>
+            <a:ext cx="11147071" cy="0"/>
+          </a:xfrm>
+          <a:prstGeom prst="line">
+            <a:avLst/>
+          </a:prstGeom>
+          <a:ln w="28575">
+            <a:solidFill>
+              <a:schemeClr val="tx1"/>
+            </a:solidFill>
+          </a:ln>
+        </p:spPr>
+        <p:style>
+          <a:lnRef idx="1">
+            <a:schemeClr val="dk1"/>
+          </a:lnRef>
+          <a:fillRef idx="0">
+            <a:schemeClr val="dk1"/>
+          </a:fillRef>
+          <a:effectRef idx="0">
+            <a:schemeClr val="dk1"/>
+          </a:effectRef>
+          <a:fontRef idx="minor">
+            <a:schemeClr val="tx1"/>
+          </a:fontRef>
+        </p:style>
+      </p:cxnSp>
+      <p:cxnSp>
+        <p:nvCxnSpPr>
+          <p:cNvPr id="76" name="Straight Connector 75">
+            <a:extLst>
+              <a:ext uri="{FF2B5EF4-FFF2-40B4-BE49-F238E27FC236}">
+                <a16:creationId xmlns:a16="http://schemas.microsoft.com/office/drawing/2014/main" id="{C4558310-C928-4426-BFAC-68450D291D0A}"/>
+              </a:ext>
+              <a:ext uri="{C183D7F6-B498-43B3-948B-1728B52AA6E4}">
+                <adec:decorative xmlns:adec="http://schemas.microsoft.com/office/drawing/2017/decorative" val="1"/>
+              </a:ext>
+            </a:extLst>
+          </p:cNvPr>
+          <p:cNvCxnSpPr>
+            <a:cxnSpLocks noGrp="1" noRot="1" noChangeAspect="1" noMove="1" noResize="1" noEditPoints="1" noAdjustHandles="1" noChangeArrowheads="1" noChangeShapeType="1"/>
+          </p:cNvCxnSpPr>
+          <p:nvPr>
+            <p:extLst>
+              <p:ext uri="{386F3935-93C4-4BCD-93E2-E3B085C9AB24}">
+                <p16:designElem xmlns:p16="http://schemas.microsoft.com/office/powerpoint/2015/main" val="1"/>
+              </p:ext>
+            </p:extLst>
+          </p:nvPr>
+        </p:nvCxnSpPr>
+        <p:spPr>
+          <a:xfrm>
+            <a:off x="482600" y="1993515"/>
+            <a:ext cx="11147071" cy="0"/>
+          </a:xfrm>
+          <a:prstGeom prst="line">
+            <a:avLst/>
+          </a:prstGeom>
+          <a:ln w="28575">
+            <a:solidFill>
+              <a:schemeClr val="tx1"/>
+            </a:solidFill>
+          </a:ln>
+        </p:spPr>
+        <p:style>
+          <a:lnRef idx="1">
+            <a:schemeClr val="dk1"/>
+          </a:lnRef>
+          <a:fillRef idx="0">
+            <a:schemeClr val="dk1"/>
+          </a:fillRef>
+          <a:effectRef idx="0">
+            <a:schemeClr val="dk1"/>
+          </a:effectRef>
+          <a:fontRef idx="minor">
+            <a:schemeClr val="tx1"/>
+          </a:fontRef>
+        </p:style>
+      </p:cxnSp>
+      <p:sp>
+        <p:nvSpPr>
+          <p:cNvPr id="48" name="Content Placeholder 7">
+            <a:extLst>
+              <a:ext uri="{FF2B5EF4-FFF2-40B4-BE49-F238E27FC236}">
+                <a16:creationId xmlns:a16="http://schemas.microsoft.com/office/drawing/2014/main" id="{A9EE76D5-A6F9-2EDA-E862-D355EA79AB7A}"/>
+              </a:ext>
+            </a:extLst>
+          </p:cNvPr>
+          <p:cNvSpPr>
+            <a:spLocks noGrp="1"/>
+          </p:cNvSpPr>
+          <p:nvPr>
+            <p:ph idx="1"/>
+          </p:nvPr>
+        </p:nvSpPr>
+        <p:spPr>
+          <a:xfrm>
+            <a:off x="479605" y="2146856"/>
+            <a:ext cx="5164103" cy="4017953"/>
+          </a:xfrm>
+        </p:spPr>
+        <p:txBody>
+          <a:bodyPr vert="horz" lIns="91440" tIns="45720" rIns="91440" bIns="45720" rtlCol="0" anchor="ctr">
+            <a:noAutofit/>
+          </a:bodyPr>
+          <a:lstStyle/>
+          <a:p>
+            <a:pPr>
+              <a:lnSpc>
+                <a:spcPct val="90000"/>
+              </a:lnSpc>
+            </a:pPr>
+            <a:r>
+              <a:rPr lang="en-US" dirty="0" err="1">
+                <a:ea typeface="+mn-lt"/>
+                <a:cs typeface="+mn-lt"/>
+              </a:rPr>
+              <a:t>ThinkItThru</a:t>
+            </a:r>
+            <a:r>
+              <a:rPr lang="en-US" dirty="0">
+                <a:ea typeface="+mn-lt"/>
+                <a:cs typeface="+mn-lt"/>
+              </a:rPr>
+              <a:t>! motivates users to organize their day and satisfy academic deadlines </a:t>
+            </a:r>
+            <a:endParaRPr lang="en-US" dirty="0"/>
+          </a:p>
+          <a:p>
+            <a:pPr>
+              <a:lnSpc>
+                <a:spcPct val="90000"/>
+              </a:lnSpc>
+            </a:pPr>
+            <a:r>
+              <a:rPr lang="en-US" dirty="0">
+                <a:ea typeface="+mn-lt"/>
+                <a:cs typeface="+mn-lt"/>
+              </a:rPr>
+              <a:t>Users may accomplish this by: </a:t>
+            </a:r>
+            <a:endParaRPr lang="en-US" dirty="0"/>
+          </a:p>
+          <a:p>
+            <a:pPr marL="457200" indent="-457200">
+              <a:lnSpc>
+                <a:spcPct val="90000"/>
+              </a:lnSpc>
+              <a:buAutoNum type="arabicPeriod"/>
+            </a:pPr>
+            <a:r>
+              <a:rPr lang="en-US" dirty="0">
+                <a:ea typeface="+mn-lt"/>
+                <a:cs typeface="+mn-lt"/>
+              </a:rPr>
+              <a:t>Creating tasks for themselves </a:t>
+            </a:r>
+          </a:p>
+          <a:p>
+            <a:pPr marL="457200" indent="-457200">
+              <a:lnSpc>
+                <a:spcPct val="90000"/>
+              </a:lnSpc>
+              <a:buAutoNum type="arabicPeriod"/>
+            </a:pPr>
+            <a:r>
+              <a:rPr lang="en-US" dirty="0">
+                <a:ea typeface="+mn-lt"/>
+                <a:cs typeface="+mn-lt"/>
+              </a:rPr>
+              <a:t>Which will be scheduled into goals</a:t>
+            </a:r>
+          </a:p>
+          <a:p>
+            <a:pPr marL="457200" indent="-457200">
+              <a:lnSpc>
+                <a:spcPct val="90000"/>
+              </a:lnSpc>
+              <a:buAutoNum type="arabicPeriod"/>
+            </a:pPr>
+            <a:r>
+              <a:rPr lang="en-US" dirty="0">
+                <a:ea typeface="+mn-lt"/>
+                <a:cs typeface="+mn-lt"/>
+              </a:rPr>
+              <a:t>Enjoy their rewards for accomplishing their goals!</a:t>
+            </a:r>
+          </a:p>
+        </p:txBody>
+      </p:sp>
+      <p:cxnSp>
+        <p:nvCxnSpPr>
+          <p:cNvPr id="77" name="Straight Connector 76">
+            <a:extLst>
+              <a:ext uri="{FF2B5EF4-FFF2-40B4-BE49-F238E27FC236}">
+                <a16:creationId xmlns:a16="http://schemas.microsoft.com/office/drawing/2014/main" id="{B58B45F5-E162-4AF7-9E46-A4290969B479}"/>
+              </a:ext>
+              <a:ext uri="{C183D7F6-B498-43B3-948B-1728B52AA6E4}">
+                <adec:decorative xmlns:adec="http://schemas.microsoft.com/office/drawing/2017/decorative" val="1"/>
+              </a:ext>
+            </a:extLst>
+          </p:cNvPr>
+          <p:cNvCxnSpPr>
+            <a:cxnSpLocks noGrp="1" noRot="1" noChangeAspect="1" noMove="1" noResize="1" noEditPoints="1" noAdjustHandles="1" noChangeArrowheads="1" noChangeShapeType="1"/>
+          </p:cNvCxnSpPr>
+          <p:nvPr>
+            <p:extLst>
+              <p:ext uri="{386F3935-93C4-4BCD-93E2-E3B085C9AB24}">
+                <p16:designElem xmlns:p16="http://schemas.microsoft.com/office/powerpoint/2015/main" val="1"/>
+              </p:ext>
+            </p:extLst>
+          </p:nvPr>
+        </p:nvCxnSpPr>
+        <p:spPr>
+          <a:xfrm>
+            <a:off x="482600" y="6368138"/>
+            <a:ext cx="11147071" cy="0"/>
+          </a:xfrm>
+          <a:prstGeom prst="line">
+            <a:avLst/>
+          </a:prstGeom>
+          <a:ln w="28575">
+            <a:solidFill>
+              <a:schemeClr val="tx1"/>
+            </a:solidFill>
+          </a:ln>
+        </p:spPr>
+        <p:style>
+          <a:lnRef idx="1">
+            <a:schemeClr val="dk1"/>
+          </a:lnRef>
+          <a:fillRef idx="0">
+            <a:schemeClr val="dk1"/>
+          </a:fillRef>
+          <a:effectRef idx="0">
+            <a:schemeClr val="dk1"/>
+          </a:effectRef>
+          <a:fontRef idx="minor">
+            <a:schemeClr val="tx1"/>
+          </a:fontRef>
+        </p:style>
+      </p:cxnSp>
+    </p:spTree>
+    <p:extLst>
+      <p:ext uri="{BB962C8B-B14F-4D97-AF65-F5344CB8AC3E}">
+        <p14:creationId xmlns:p14="http://schemas.microsoft.com/office/powerpoint/2010/main" val="3287089986"/>
+      </p:ext>
+    </p:extLst>
+  </p:cSld>
+  <p:clrMapOvr>
+    <a:masterClrMapping/>
+  </p:clrMapOvr>
+</p:sld>
+</file>
+
+<file path=ppt/slides/slide4.xml><?xml version="1.0" encoding="utf-8"?>
+<p:sld xmlns:a="http://schemas.openxmlformats.org/drawingml/2006/main" xmlns:r="http://schemas.openxmlformats.org/officeDocument/2006/relationships" xmlns:p="http://schemas.openxmlformats.org/presentationml/2006/main">
+  <p:cSld>
+    <p:spTree>
+      <p:nvGrpSpPr>
+        <p:cNvPr id="1" name=""/>
+        <p:cNvGrpSpPr/>
+        <p:nvPr/>
+      </p:nvGrpSpPr>
+      <p:grpSpPr>
+        <a:xfrm>
+          <a:off x="0" y="0"/>
+          <a:ext cx="0" cy="0"/>
+          <a:chOff x="0" y="0"/>
+          <a:chExt cx="0" cy="0"/>
+        </a:xfrm>
+      </p:grpSpPr>
+      <p:pic>
+        <p:nvPicPr>
+          <p:cNvPr id="3" name="Picture 2">
+            <a:extLst>
+              <a:ext uri="{FF2B5EF4-FFF2-40B4-BE49-F238E27FC236}">
+                <a16:creationId xmlns:a16="http://schemas.microsoft.com/office/drawing/2014/main" id="{5FCE507A-030E-980C-D864-93A161F50E58}"/>
+              </a:ext>
+            </a:extLst>
+          </p:cNvPr>
+          <p:cNvPicPr>
+            <a:picLocks noChangeAspect="1"/>
+          </p:cNvPicPr>
+          <p:nvPr/>
+        </p:nvPicPr>
+        <p:blipFill>
+          <a:blip r:embed="rId2"/>
+          <a:stretch>
+            <a:fillRect/>
+          </a:stretch>
+        </p:blipFill>
+        <p:spPr>
+          <a:xfrm>
+            <a:off x="3670360" y="953729"/>
+            <a:ext cx="8521640" cy="5392679"/>
+          </a:xfrm>
+          <a:prstGeom prst="rect">
+            <a:avLst/>
+          </a:prstGeom>
+        </p:spPr>
+      </p:pic>
+      <p:sp>
+        <p:nvSpPr>
+          <p:cNvPr id="4" name="TextBox 3">
+            <a:extLst>
+              <a:ext uri="{FF2B5EF4-FFF2-40B4-BE49-F238E27FC236}">
+                <a16:creationId xmlns:a16="http://schemas.microsoft.com/office/drawing/2014/main" id="{AB19A8F6-5FCD-3B74-5A27-383F2D2E45DD}"/>
+              </a:ext>
+            </a:extLst>
+          </p:cNvPr>
+          <p:cNvSpPr txBox="1"/>
+          <p:nvPr/>
+        </p:nvSpPr>
+        <p:spPr>
+          <a:xfrm>
+            <a:off x="505444" y="532868"/>
+            <a:ext cx="4455450" cy="2123658"/>
+          </a:xfrm>
+          <a:prstGeom prst="rect">
+            <a:avLst/>
+          </a:prstGeom>
+          <a:noFill/>
+        </p:spPr>
+        <p:txBody>
+          <a:bodyPr rot="0" spcFirstLastPara="0" vertOverflow="overflow" horzOverflow="overflow" vert="horz" wrap="square" lIns="91440" tIns="45720" rIns="91440" bIns="45720" numCol="1" spcCol="0" rtlCol="0" fromWordArt="0" anchor="t" anchorCtr="0" forceAA="0" compatLnSpc="1">
+            <a:prstTxWarp prst="textNoShape">
+              <a:avLst/>
+            </a:prstTxWarp>
+            <a:spAutoFit/>
+          </a:bodyPr>
+          <a:lstStyle/>
+          <a:p>
+            <a:r>
+              <a:rPr lang="en-US" sz="6600" dirty="0"/>
+              <a:t>Block Diagram</a:t>
+            </a:r>
+            <a:endParaRPr lang="en-US" dirty="0"/>
+          </a:p>
+        </p:txBody>
+      </p:sp>
+    </p:spTree>
+    <p:extLst>
+      <p:ext uri="{BB962C8B-B14F-4D97-AF65-F5344CB8AC3E}">
+        <p14:creationId xmlns:p14="http://schemas.microsoft.com/office/powerpoint/2010/main" val="2051431279"/>
+      </p:ext>
+    </p:extLst>
+  </p:cSld>
+  <p:clrMapOvr>
+    <a:masterClrMapping/>
+  </p:clrMapOvr>
+</p:sld>
+</file>
+
+<file path=ppt/slides/slide5.xml><?xml version="1.0" encoding="utf-8"?>
+<p:sld xmlns:a="http://schemas.openxmlformats.org/drawingml/2006/main" xmlns:r="http://schemas.openxmlformats.org/officeDocument/2006/relationships" xmlns:p="http://schemas.openxmlformats.org/presentationml/2006/main">
+  <p:cSld>
+    <p:spTree>
+      <p:nvGrpSpPr>
+        <p:cNvPr id="1" name="">
+          <a:extLst>
+            <a:ext uri="{FF2B5EF4-FFF2-40B4-BE49-F238E27FC236}">
+              <a16:creationId xmlns:a16="http://schemas.microsoft.com/office/drawing/2014/main" id="{2E0DA04F-B234-7772-0748-8D12D238D157}"/>
+            </a:ext>
+          </a:extLst>
+        </p:cNvPr>
+        <p:cNvGrpSpPr/>
+        <p:nvPr/>
+      </p:nvGrpSpPr>
+      <p:grpSpPr>
+        <a:xfrm>
+          <a:off x="0" y="0"/>
+          <a:ext cx="0" cy="0"/>
+          <a:chOff x="0" y="0"/>
+          <a:chExt cx="0" cy="0"/>
+        </a:xfrm>
+      </p:grpSpPr>
+      <p:sp>
+        <p:nvSpPr>
+          <p:cNvPr id="4" name="TextBox 3">
+            <a:extLst>
+              <a:ext uri="{FF2B5EF4-FFF2-40B4-BE49-F238E27FC236}">
+                <a16:creationId xmlns:a16="http://schemas.microsoft.com/office/drawing/2014/main" id="{24792A74-7636-2079-E9B3-525825791589}"/>
+              </a:ext>
+            </a:extLst>
+          </p:cNvPr>
+          <p:cNvSpPr txBox="1"/>
+          <p:nvPr/>
+        </p:nvSpPr>
+        <p:spPr>
+          <a:xfrm>
+            <a:off x="505444" y="532868"/>
+            <a:ext cx="4455450" cy="2123658"/>
+          </a:xfrm>
+          <a:prstGeom prst="rect">
+            <a:avLst/>
+          </a:prstGeom>
+          <a:noFill/>
+        </p:spPr>
+        <p:txBody>
+          <a:bodyPr rot="0" spcFirstLastPara="0" vertOverflow="overflow" horzOverflow="overflow" vert="horz" wrap="square" lIns="91440" tIns="45720" rIns="91440" bIns="45720" numCol="1" spcCol="0" rtlCol="0" fromWordArt="0" anchor="t" anchorCtr="0" forceAA="0" compatLnSpc="1">
+            <a:prstTxWarp prst="textNoShape">
+              <a:avLst/>
+            </a:prstTxWarp>
+            <a:spAutoFit/>
+          </a:bodyPr>
+          <a:lstStyle/>
+          <a:p>
+            <a:r>
+              <a:rPr lang="en-US" sz="6600"/>
+              <a:t>ERD Diagram</a:t>
+            </a:r>
+            <a:endParaRPr lang="en-US" dirty="0"/>
+          </a:p>
+        </p:txBody>
+      </p:sp>
+      <p:pic>
+        <p:nvPicPr>
+          <p:cNvPr id="5" name="Picture 4">
+            <a:extLst>
+              <a:ext uri="{FF2B5EF4-FFF2-40B4-BE49-F238E27FC236}">
+                <a16:creationId xmlns:a16="http://schemas.microsoft.com/office/drawing/2014/main" id="{8B9AD27B-B7DE-81E7-1A6C-EC404636A0BA}"/>
+              </a:ext>
+            </a:extLst>
+          </p:cNvPr>
+          <p:cNvPicPr>
+            <a:picLocks noChangeAspect="1"/>
+          </p:cNvPicPr>
+          <p:nvPr/>
+        </p:nvPicPr>
+        <p:blipFill>
+          <a:blip r:embed="rId2"/>
+          <a:stretch>
+            <a:fillRect/>
+          </a:stretch>
+        </p:blipFill>
+        <p:spPr>
+          <a:xfrm>
+            <a:off x="4621161" y="-127819"/>
+            <a:ext cx="7414507" cy="6985819"/>
+          </a:xfrm>
+          <a:prstGeom prst="rect">
+            <a:avLst/>
+          </a:prstGeom>
+          <a:effectLst>
+            <a:softEdge rad="127000"/>
+          </a:effectLst>
+        </p:spPr>
+      </p:pic>
+    </p:spTree>
+    <p:extLst>
+      <p:ext uri="{BB962C8B-B14F-4D97-AF65-F5344CB8AC3E}">
+        <p14:creationId xmlns:p14="http://schemas.microsoft.com/office/powerpoint/2010/main" val="2466393118"/>
+      </p:ext>
+    </p:extLst>
+  </p:cSld>
+  <p:clrMapOvr>
+    <a:masterClrMapping/>
+  </p:clrMapOvr>
+</p:sld>
+</file>
+
+<file path=ppt/slides/slide6.xml><?xml version="1.0" encoding="utf-8"?>
+<p:sld xmlns:a="http://schemas.openxmlformats.org/drawingml/2006/main" xmlns:r="http://schemas.openxmlformats.org/officeDocument/2006/relationships" xmlns:p="http://schemas.openxmlformats.org/presentationml/2006/main">
+  <p:cSld>
+    <p:spTree>
+      <p:nvGrpSpPr>
+        <p:cNvPr id="1" name=""/>
+        <p:cNvGrpSpPr/>
+        <p:nvPr/>
+      </p:nvGrpSpPr>
+      <p:grpSpPr>
+        <a:xfrm>
+          <a:off x="0" y="0"/>
+          <a:ext cx="0" cy="0"/>
+          <a:chOff x="0" y="0"/>
+          <a:chExt cx="0" cy="0"/>
+        </a:xfrm>
+      </p:grpSpPr>
+      <p:pic>
+        <p:nvPicPr>
+          <p:cNvPr id="4" name="Picture 3" descr="A screenshot of a computer screen&#10;&#10;Description automatically generated">
+            <a:extLst>
+              <a:ext uri="{FF2B5EF4-FFF2-40B4-BE49-F238E27FC236}">
+                <a16:creationId xmlns:a16="http://schemas.microsoft.com/office/drawing/2014/main" id="{1C9BC5DA-669F-9CA0-3158-562D26025228}"/>
+              </a:ext>
+            </a:extLst>
+          </p:cNvPr>
+          <p:cNvPicPr>
+            <a:picLocks noChangeAspect="1"/>
+          </p:cNvPicPr>
+          <p:nvPr/>
+        </p:nvPicPr>
+        <p:blipFill>
+          <a:blip r:embed="rId2"/>
+          <a:stretch>
+            <a:fillRect/>
+          </a:stretch>
+        </p:blipFill>
+        <p:spPr>
+          <a:xfrm>
+            <a:off x="3362926" y="2822"/>
+            <a:ext cx="8824590" cy="6852354"/>
+          </a:xfrm>
+          <a:prstGeom prst="rect">
+            <a:avLst/>
+          </a:prstGeom>
+        </p:spPr>
+      </p:pic>
+      <p:sp>
+        <p:nvSpPr>
+          <p:cNvPr id="5" name="TextBox 4">
+            <a:extLst>
+              <a:ext uri="{FF2B5EF4-FFF2-40B4-BE49-F238E27FC236}">
+                <a16:creationId xmlns:a16="http://schemas.microsoft.com/office/drawing/2014/main" id="{8FF16D2C-E511-66DA-4069-C8FA24FF6B5F}"/>
+              </a:ext>
+            </a:extLst>
+          </p:cNvPr>
+          <p:cNvSpPr txBox="1"/>
+          <p:nvPr/>
+        </p:nvSpPr>
+        <p:spPr>
+          <a:xfrm>
+            <a:off x="505444" y="532868"/>
+            <a:ext cx="4455450" cy="1107996"/>
+          </a:xfrm>
+          <a:prstGeom prst="rect">
+            <a:avLst/>
+          </a:prstGeom>
+          <a:noFill/>
+        </p:spPr>
+        <p:txBody>
+          <a:bodyPr rot="0" spcFirstLastPara="0" vertOverflow="overflow" horzOverflow="overflow" vert="horz" wrap="square" lIns="91440" tIns="45720" rIns="91440" bIns="45720" numCol="1" spcCol="0" rtlCol="0" fromWordArt="0" anchor="t" anchorCtr="0" forceAA="0" compatLnSpc="1">
+            <a:prstTxWarp prst="textNoShape">
+              <a:avLst/>
+            </a:prstTxWarp>
+            <a:spAutoFit/>
+          </a:bodyPr>
+          <a:lstStyle/>
+          <a:p>
+            <a:r>
+              <a:rPr lang="en-US" sz="6600" dirty="0"/>
+              <a:t>Storyboard</a:t>
+            </a:r>
+            <a:endParaRPr lang="en-US" dirty="0"/>
+          </a:p>
+        </p:txBody>
+      </p:sp>
+    </p:spTree>
+    <p:extLst>
+      <p:ext uri="{BB962C8B-B14F-4D97-AF65-F5344CB8AC3E}">
+        <p14:creationId xmlns:p14="http://schemas.microsoft.com/office/powerpoint/2010/main" val="1457298528"/>
+      </p:ext>
+    </p:extLst>
+  </p:cSld>
+  <p:clrMapOvr>
+    <a:masterClrMapping/>
+  </p:clrMapOvr>
+</p:sld>
+</file>
+
+<file path=ppt/slides/slide7.xml><?xml version="1.0" encoding="utf-8"?>
+<p:sld xmlns:a="http://schemas.openxmlformats.org/drawingml/2006/main" xmlns:r="http://schemas.openxmlformats.org/officeDocument/2006/relationships" xmlns:p="http://schemas.openxmlformats.org/presentationml/2006/main">
+  <p:cSld>
+    <p:spTree>
+      <p:nvGrpSpPr>
+        <p:cNvPr id="1" name=""/>
+        <p:cNvGrpSpPr/>
+        <p:nvPr/>
+      </p:nvGrpSpPr>
+      <p:grpSpPr>
+        <a:xfrm>
+          <a:off x="0" y="0"/>
+          <a:ext cx="0" cy="0"/>
+          <a:chOff x="0" y="0"/>
+          <a:chExt cx="0" cy="0"/>
+        </a:xfrm>
+      </p:grpSpPr>
+      <p:pic>
+        <p:nvPicPr>
+          <p:cNvPr id="4" name="Picture 3" descr="A screenshot of a sign-in application&#10;&#10;Description automatically generated">
+            <a:extLst>
+              <a:ext uri="{FF2B5EF4-FFF2-40B4-BE49-F238E27FC236}">
+                <a16:creationId xmlns:a16="http://schemas.microsoft.com/office/drawing/2014/main" id="{347A2332-5396-0A1A-AF3D-1EEC1B568904}"/>
+              </a:ext>
+            </a:extLst>
+          </p:cNvPr>
+          <p:cNvPicPr>
+            <a:picLocks noChangeAspect="1"/>
+          </p:cNvPicPr>
+          <p:nvPr/>
+        </p:nvPicPr>
+        <p:blipFill>
+          <a:blip r:embed="rId2"/>
+          <a:stretch>
+            <a:fillRect/>
+          </a:stretch>
+        </p:blipFill>
+        <p:spPr>
+          <a:xfrm>
+            <a:off x="479726" y="62782"/>
+            <a:ext cx="5453808" cy="7004648"/>
+          </a:xfrm>
+          <a:prstGeom prst="rect">
+            <a:avLst/>
+          </a:prstGeom>
+        </p:spPr>
+      </p:pic>
+      <p:pic>
+        <p:nvPicPr>
+          <p:cNvPr id="3" name="Picture 2" descr="A screenshot of a diagram&#10;&#10;Description automatically generated">
+            <a:extLst>
+              <a:ext uri="{FF2B5EF4-FFF2-40B4-BE49-F238E27FC236}">
+                <a16:creationId xmlns:a16="http://schemas.microsoft.com/office/drawing/2014/main" id="{AAB3F215-9666-0671-B685-5C1742894478}"/>
+              </a:ext>
+            </a:extLst>
+          </p:cNvPr>
+          <p:cNvPicPr>
+            <a:picLocks noChangeAspect="1"/>
+          </p:cNvPicPr>
+          <p:nvPr/>
+        </p:nvPicPr>
+        <p:blipFill>
+          <a:blip r:embed="rId3"/>
+          <a:stretch>
+            <a:fillRect/>
+          </a:stretch>
+        </p:blipFill>
+        <p:spPr>
+          <a:xfrm>
+            <a:off x="6160061" y="3676"/>
+            <a:ext cx="5540072" cy="7134043"/>
+          </a:xfrm>
+          <a:prstGeom prst="rect">
+            <a:avLst/>
+          </a:prstGeom>
+        </p:spPr>
+      </p:pic>
+    </p:spTree>
+    <p:extLst>
+      <p:ext uri="{BB962C8B-B14F-4D97-AF65-F5344CB8AC3E}">
+        <p14:creationId xmlns:p14="http://schemas.microsoft.com/office/powerpoint/2010/main" val="4216123075"/>
+      </p:ext>
+    </p:extLst>
+  </p:cSld>
+  <p:clrMapOvr>
+    <a:masterClrMapping/>
+  </p:clrMapOvr>
+</p:sld>
+</file>
+
+<file path=ppt/slides/slide8.xml><?xml version="1.0" encoding="utf-8"?>
+<p:sld xmlns:a="http://schemas.openxmlformats.org/drawingml/2006/main" xmlns:r="http://schemas.openxmlformats.org/officeDocument/2006/relationships" xmlns:p="http://schemas.openxmlformats.org/presentationml/2006/main">
+  <p:cSld>
+    <p:spTree>
+      <p:nvGrpSpPr>
+        <p:cNvPr id="1" name=""/>
+        <p:cNvGrpSpPr/>
+        <p:nvPr/>
+      </p:nvGrpSpPr>
+      <p:grpSpPr>
+        <a:xfrm>
+          <a:off x="0" y="0"/>
+          <a:ext cx="0" cy="0"/>
+          <a:chOff x="0" y="0"/>
+          <a:chExt cx="0" cy="0"/>
+        </a:xfrm>
+      </p:grpSpPr>
+      <p:pic>
+        <p:nvPicPr>
+          <p:cNvPr id="2" name="Picture 1" descr="A screenshot of a computer screen&#10;&#10;Description automatically generated">
+            <a:extLst>
+              <a:ext uri="{FF2B5EF4-FFF2-40B4-BE49-F238E27FC236}">
+                <a16:creationId xmlns:a16="http://schemas.microsoft.com/office/drawing/2014/main" id="{3166DD20-CFE4-2396-3232-7164A254952F}"/>
+              </a:ext>
+            </a:extLst>
+          </p:cNvPr>
+          <p:cNvPicPr>
+            <a:picLocks noChangeAspect="1"/>
+          </p:cNvPicPr>
+          <p:nvPr/>
+        </p:nvPicPr>
+        <p:blipFill>
+          <a:blip r:embed="rId2"/>
+          <a:stretch>
+            <a:fillRect/>
+          </a:stretch>
+        </p:blipFill>
+        <p:spPr>
+          <a:xfrm>
+            <a:off x="6982" y="1672900"/>
+            <a:ext cx="4159847" cy="5351252"/>
+          </a:xfrm>
+          <a:prstGeom prst="rect">
+            <a:avLst/>
+          </a:prstGeom>
+        </p:spPr>
+      </p:pic>
+      <p:pic>
+        <p:nvPicPr>
+          <p:cNvPr id="6" name="Picture 5" descr="A screenshot of a computer&#10;&#10;Description automatically generated">
+            <a:extLst>
+              <a:ext uri="{FF2B5EF4-FFF2-40B4-BE49-F238E27FC236}">
+                <a16:creationId xmlns:a16="http://schemas.microsoft.com/office/drawing/2014/main" id="{F3905651-CD7F-2D28-25B6-EEC6925087E4}"/>
+              </a:ext>
+            </a:extLst>
+          </p:cNvPr>
+          <p:cNvPicPr>
+            <a:picLocks noChangeAspect="1"/>
+          </p:cNvPicPr>
+          <p:nvPr/>
+        </p:nvPicPr>
+        <p:blipFill>
+          <a:blip r:embed="rId3"/>
+          <a:stretch>
+            <a:fillRect/>
+          </a:stretch>
+        </p:blipFill>
+        <p:spPr>
+          <a:xfrm>
+            <a:off x="4129977" y="1671766"/>
+            <a:ext cx="4159847" cy="5365630"/>
+          </a:xfrm>
+          <a:prstGeom prst="rect">
+            <a:avLst/>
+          </a:prstGeom>
+        </p:spPr>
+      </p:pic>
+      <p:pic>
+        <p:nvPicPr>
+          <p:cNvPr id="7" name="Picture 6" descr="A screenshot of a computer&#10;&#10;Description automatically generated">
+            <a:extLst>
+              <a:ext uri="{FF2B5EF4-FFF2-40B4-BE49-F238E27FC236}">
+                <a16:creationId xmlns:a16="http://schemas.microsoft.com/office/drawing/2014/main" id="{6F316144-27D7-EA74-EC22-CEB68C310D47}"/>
+              </a:ext>
+            </a:extLst>
+          </p:cNvPr>
+          <p:cNvPicPr>
+            <a:picLocks noChangeAspect="1"/>
+          </p:cNvPicPr>
+          <p:nvPr/>
+        </p:nvPicPr>
+        <p:blipFill>
+          <a:blip r:embed="rId4"/>
+          <a:stretch>
+            <a:fillRect/>
+          </a:stretch>
+        </p:blipFill>
+        <p:spPr>
+          <a:xfrm>
+            <a:off x="8302606" y="1976887"/>
+            <a:ext cx="3929809" cy="5063705"/>
+          </a:xfrm>
+          <a:prstGeom prst="rect">
+            <a:avLst/>
+          </a:prstGeom>
+        </p:spPr>
+      </p:pic>
+      <p:sp>
+        <p:nvSpPr>
+          <p:cNvPr id="4" name="TextBox 3">
+            <a:extLst>
+              <a:ext uri="{FF2B5EF4-FFF2-40B4-BE49-F238E27FC236}">
+                <a16:creationId xmlns:a16="http://schemas.microsoft.com/office/drawing/2014/main" id="{B3C4E843-196C-FE0A-9800-2CAF393B73C4}"/>
+              </a:ext>
+            </a:extLst>
+          </p:cNvPr>
+          <p:cNvSpPr txBox="1"/>
+          <p:nvPr/>
+        </p:nvSpPr>
+        <p:spPr>
+          <a:xfrm>
+            <a:off x="505444" y="532868"/>
+            <a:ext cx="9933223" cy="1107996"/>
+          </a:xfrm>
+          <a:prstGeom prst="rect">
+            <a:avLst/>
+          </a:prstGeom>
+          <a:noFill/>
+        </p:spPr>
+        <p:txBody>
+          <a:bodyPr rot="0" spcFirstLastPara="0" vertOverflow="overflow" horzOverflow="overflow" vert="horz" wrap="square" lIns="91440" tIns="45720" rIns="91440" bIns="45720" numCol="1" spcCol="0" rtlCol="0" fromWordArt="0" anchor="t" anchorCtr="0" forceAA="0" compatLnSpc="1">
+            <a:prstTxWarp prst="textNoShape">
+              <a:avLst/>
+            </a:prstTxWarp>
+            <a:spAutoFit/>
+          </a:bodyPr>
+          <a:lstStyle/>
+          <a:p>
+            <a:r>
+              <a:rPr lang="en-US" sz="6600" dirty="0"/>
+              <a:t>Storyboard Cont.</a:t>
+            </a:r>
+            <a:endParaRPr lang="en-US" dirty="0"/>
+          </a:p>
+        </p:txBody>
+      </p:sp>
+    </p:spTree>
+    <p:extLst>
+      <p:ext uri="{BB962C8B-B14F-4D97-AF65-F5344CB8AC3E}">
+        <p14:creationId xmlns:p14="http://schemas.microsoft.com/office/powerpoint/2010/main" val="532518087"/>
+      </p:ext>
+    </p:extLst>
+  </p:cSld>
+  <p:clrMapOvr>
+    <a:masterClrMapping/>
+  </p:clrMapOvr>
+</p:sld>
+</file>
+
+<file path=ppt/slides/slide9.xml><?xml version="1.0" encoding="utf-8"?>
+<p:sld xmlns:a="http://schemas.openxmlformats.org/drawingml/2006/main" xmlns:r="http://schemas.openxmlformats.org/officeDocument/2006/relationships" xmlns:p="http://schemas.openxmlformats.org/presentationml/2006/main">
+  <p:cSld>
+    <p:spTree>
+      <p:nvGrpSpPr>
+        <p:cNvPr id="1" name=""/>
+        <p:cNvGrpSpPr/>
+        <p:nvPr/>
+      </p:nvGrpSpPr>
+      <p:grpSpPr>
+        <a:xfrm>
+          <a:off x="0" y="0"/>
+          <a:ext cx="0" cy="0"/>
+          <a:chOff x="0" y="0"/>
+          <a:chExt cx="0" cy="0"/>
+        </a:xfrm>
+      </p:grpSpPr>
+      <p:sp>
+        <p:nvSpPr>
+          <p:cNvPr id="2" name="Title 1">
+            <a:extLst>
+              <a:ext uri="{FF2B5EF4-FFF2-40B4-BE49-F238E27FC236}">
+                <a16:creationId xmlns:a16="http://schemas.microsoft.com/office/drawing/2014/main" id="{D0094F6E-6DC4-9318-6247-0CB267E8DC97}"/>
+              </a:ext>
+            </a:extLst>
+          </p:cNvPr>
+          <p:cNvSpPr>
+            <a:spLocks noGrp="1"/>
+          </p:cNvSpPr>
+          <p:nvPr>
+            <p:ph type="ctrTitle"/>
+          </p:nvPr>
+        </p:nvSpPr>
+        <p:spPr/>
+        <p:txBody>
+          <a:bodyPr/>
+          <a:lstStyle/>
+          <a:p>
+            <a:r>
+              <a:rPr lang="en-US" dirty="0"/>
+              <a:t>Functionality</a:t>
+            </a:r>
+          </a:p>
+        </p:txBody>
+      </p:sp>
+      <p:sp>
+        <p:nvSpPr>
+          <p:cNvPr id="3" name="Subtitle 2">
+            <a:extLst>
+              <a:ext uri="{FF2B5EF4-FFF2-40B4-BE49-F238E27FC236}">
+                <a16:creationId xmlns:a16="http://schemas.microsoft.com/office/drawing/2014/main" id="{2AC92756-F7BF-7354-F3CD-B839C42CBBE2}"/>
+              </a:ext>
+            </a:extLst>
+          </p:cNvPr>
+          <p:cNvSpPr>
+            <a:spLocks noGrp="1"/>
+          </p:cNvSpPr>
+          <p:nvPr>
+            <p:ph type="subTitle" idx="1"/>
+          </p:nvPr>
+        </p:nvSpPr>
+        <p:spPr/>
+        <p:txBody>
+          <a:bodyPr/>
+          <a:lstStyle/>
+          <a:p>
+            <a:endParaRPr lang="en-US"/>
+          </a:p>
+        </p:txBody>
+      </p:sp>
+    </p:spTree>
+    <p:extLst>
+      <p:ext uri="{BB962C8B-B14F-4D97-AF65-F5344CB8AC3E}">
+        <p14:creationId xmlns:p14="http://schemas.microsoft.com/office/powerpoint/2010/main" val="715663043"/>
       </p:ext>
     </p:extLst>
   </p:cSld>
